--- a/Output/Pub_figs/ppt_shame_folder/Supp1_Fig1.pptx
+++ b/Output/Pub_figs/ppt_shame_folder/Supp1_Fig1.pptx
@@ -5,14 +5,16 @@
     <p:sldMasterId id="2147483672" r:id="rId1"/>
   </p:sldMasterIdLst>
   <p:notesMasterIdLst>
-    <p:notesMasterId r:id="rId7"/>
+    <p:notesMasterId r:id="rId9"/>
   </p:notesMasterIdLst>
   <p:sldIdLst>
-    <p:sldId id="586" r:id="rId2"/>
-    <p:sldId id="260" r:id="rId3"/>
-    <p:sldId id="259" r:id="rId4"/>
-    <p:sldId id="257" r:id="rId5"/>
-    <p:sldId id="258" r:id="rId6"/>
+    <p:sldId id="589" r:id="rId2"/>
+    <p:sldId id="586" r:id="rId3"/>
+    <p:sldId id="590" r:id="rId4"/>
+    <p:sldId id="260" r:id="rId5"/>
+    <p:sldId id="259" r:id="rId6"/>
+    <p:sldId id="257" r:id="rId7"/>
+    <p:sldId id="258" r:id="rId8"/>
   </p:sldIdLst>
   <p:sldSz cx="4572000" cy="3600450"/>
   <p:notesSz cx="6858000" cy="9144000"/>
@@ -201,7 +203,7 @@
           <a:p>
             <a:fld id="{8C547A30-B33E-0F4D-80D3-447684F1AE93}" type="datetimeFigureOut">
               <a:rPr lang="en-US" smtClean="0"/>
-              <a:t>9/26/24</a:t>
+              <a:t>10/1/24</a:t>
             </a:fld>
             <a:endParaRPr lang="en-US"/>
           </a:p>
@@ -523,23 +525,7 @@
                 <a:latin typeface="Times New Roman" panose="02020603050405020304" pitchFamily="18" charset="0"/>
                 <a:ea typeface="Times New Roman" panose="02020603050405020304" pitchFamily="18" charset="0"/>
               </a:rPr>
-              <a:t>Schematic of methods used to survey biological communities adjacent to (</a:t>
-            </a:r>
-            <a:r>
-              <a:rPr lang="en-CA" sz="1800" dirty="0" err="1">
-                <a:effectLst/>
-                <a:latin typeface="Times New Roman" panose="02020603050405020304" pitchFamily="18" charset="0"/>
-                <a:ea typeface="Times New Roman" panose="02020603050405020304" pitchFamily="18" charset="0"/>
-              </a:rPr>
-              <a:t>i</a:t>
-            </a:r>
-            <a:r>
-              <a:rPr lang="en-CA" sz="1800" dirty="0">
-                <a:effectLst/>
-                <a:latin typeface="Times New Roman" panose="02020603050405020304" pitchFamily="18" charset="0"/>
-                <a:ea typeface="Times New Roman" panose="02020603050405020304" pitchFamily="18" charset="0"/>
-              </a:rPr>
-              <a:t>) kelp forest, kelp forest density, and NH₄⁺ inside vs outside the forest. </a:t>
+              <a:t>Schematic of methods used to survey biological communities adjacent to a kelp forest (green shaded area), kelp forest density, and NH₄⁺ inside vs outside the forest. </a:t>
             </a:r>
             <a:r>
               <a:rPr lang="en-US" sz="1800" dirty="0">
@@ -547,13 +533,8 @@
                 <a:latin typeface="Times New Roman" panose="02020603050405020304" pitchFamily="18" charset="0"/>
                 <a:ea typeface="Times New Roman" panose="02020603050405020304" pitchFamily="18" charset="0"/>
               </a:rPr>
-              <a:t>We first ran a (ii) 50 m Reef Life Survey transect and surveyed (iii) fishes in the water column 5 m on either side of the transect, and (iv) cryptic fishes and macroinvertebrates 1 m on either side of the transect. Next, we ran (v) four 5 m long and 1 m wide transects into the kelp forest 5 meters apart from each other to assess kelp density and biomass. We took NH₄⁺ samples at the (vi) beginning and (vii) end of the first three kelp transects to compare NH₄⁺ inside vs outside kelp forests. </a:t>
+              <a:t>We first ran a 50 m Reef Life Survey transect parallel to the kelp forest and surveyed fishes in the water column 5 m on either side of the transect (light blue shaded area), and cryptic fishes and macroinvertebrates 1 m on either side of the transect (darker blue shaded area). Next, we ran four 5 m long transects into the kelp forest 5 meters apart from each other to assess kelp density and biomass 0.5 m on either side of the transect (four perpendicular black lines). We took NH₄⁺ samples at the beginning and end of the first three kelp transects (yellow circles) to compare NH₄⁺ inside vs outside kelp forests. </a:t>
             </a:r>
-            <a:endParaRPr lang="en-CA" sz="1800" dirty="0">
-              <a:effectLst/>
-              <a:latin typeface="Times New Roman" panose="02020603050405020304" pitchFamily="18" charset="0"/>
-              <a:ea typeface="Times New Roman" panose="02020603050405020304" pitchFamily="18" charset="0"/>
-            </a:endParaRPr>
           </a:p>
         </p:txBody>
       </p:sp>
@@ -583,7 +564,7 @@
     </p:spTree>
     <p:extLst>
       <p:ext uri="{BB962C8B-B14F-4D97-AF65-F5344CB8AC3E}">
-        <p14:creationId xmlns:p14="http://schemas.microsoft.com/office/powerpoint/2010/main" val="2690011530"/>
+        <p14:creationId xmlns:p14="http://schemas.microsoft.com/office/powerpoint/2010/main" val="1628107016"/>
       </p:ext>
     </p:extLst>
   </p:cSld>
@@ -642,33 +623,41 @@
           <a:bodyPr/>
           <a:lstStyle/>
           <a:p>
-            <a:pPr marL="0" marR="0" lvl="0" indent="0" algn="l" defTabSz="914400" rtl="0" eaLnBrk="1" fontAlgn="auto" latinLnBrk="0" hangingPunct="1">
-              <a:lnSpc>
-                <a:spcPct val="100000"/>
-              </a:lnSpc>
-              <a:spcBef>
-                <a:spcPts val="0"/>
-              </a:spcBef>
-              <a:spcAft>
-                <a:spcPts val="0"/>
-              </a:spcAft>
-              <a:buClrTx/>
-              <a:buSzTx/>
-              <a:buFontTx/>
-              <a:buNone/>
-              <a:tabLst/>
-              <a:defRPr/>
-            </a:pPr>
             <a:r>
-              <a:rPr lang="en-CA" sz="1200" dirty="0">
+              <a:rPr lang="en-CA" sz="1800" dirty="0">
                 <a:effectLst/>
                 <a:latin typeface="Times New Roman" panose="02020603050405020304" pitchFamily="18" charset="0"/>
                 <a:ea typeface="Times New Roman" panose="02020603050405020304" pitchFamily="18" charset="0"/>
               </a:rPr>
-              <a:t>Schematic of methods used to survey biological communities adjacent to (</a:t>
+              <a:t>Schematic of methods used to survey biological communities adjacent to a kelp forest (shaded area), kelp forest density, and NH₄⁺ inside vs outside the forest. </a:t>
             </a:r>
             <a:r>
-              <a:rPr lang="en-CA" sz="1200" dirty="0" err="1">
+              <a:rPr lang="en-US" sz="1800" dirty="0">
+                <a:effectLst/>
+                <a:latin typeface="Times New Roman" panose="02020603050405020304" pitchFamily="18" charset="0"/>
+                <a:ea typeface="Times New Roman" panose="02020603050405020304" pitchFamily="18" charset="0"/>
+              </a:rPr>
+              <a:t>We first ran a (1) 50 m Reef Life Survey transect and surveyed (2) fishes in the water column 5 m on either side of the transect, and (3) cryptic fishes and macroinvertebrates 1 m on either side of the transect. Next, we ran four 5 m long and 1 m wide transects into the kelp forest 5 meters apart from each other to assess kelp density and biomass. We took NH₄⁺ samples at the beginning and end of the first three kelp transects (yellow circles) to compare NH₄⁺ inside vs outside kelp forests. </a:t>
+            </a:r>
+          </a:p>
+          <a:p>
+            <a:endParaRPr lang="en-US" sz="1800" dirty="0">
+              <a:effectLst/>
+              <a:latin typeface="Times New Roman" panose="02020603050405020304" pitchFamily="18" charset="0"/>
+              <a:ea typeface="Times New Roman" panose="02020603050405020304" pitchFamily="18" charset="0"/>
+            </a:endParaRPr>
+          </a:p>
+          <a:p>
+            <a:r>
+              <a:rPr lang="en-US" sz="1800" dirty="0">
+                <a:effectLst/>
+                <a:latin typeface="Times New Roman" panose="02020603050405020304" pitchFamily="18" charset="0"/>
+                <a:ea typeface="Times New Roman" panose="02020603050405020304" pitchFamily="18" charset="0"/>
+              </a:rPr>
+              <a:t>Isa’s comments: switch roman numerals to normal #’s. no (</a:t>
+            </a:r>
+            <a:r>
+              <a:rPr lang="en-US" sz="1800" dirty="0" err="1">
                 <a:effectLst/>
                 <a:latin typeface="Times New Roman" panose="02020603050405020304" pitchFamily="18" charset="0"/>
                 <a:ea typeface="Times New Roman" panose="02020603050405020304" pitchFamily="18" charset="0"/>
@@ -676,29 +665,68 @@
               <a:t>i</a:t>
             </a:r>
             <a:r>
-              <a:rPr lang="en-CA" sz="1200" dirty="0">
+              <a:rPr lang="en-US" sz="1800" dirty="0">
                 <a:effectLst/>
                 <a:latin typeface="Times New Roman" panose="02020603050405020304" pitchFamily="18" charset="0"/>
                 <a:ea typeface="Times New Roman" panose="02020603050405020304" pitchFamily="18" charset="0"/>
               </a:rPr>
-              <a:t>) kelp forest, kelp forest density, and NH₄⁺ inside vs outside the forest. </a:t>
+              <a:t>) for kelp just say it’s the grey patch. Replace yellow X’s with </a:t>
             </a:r>
             <a:r>
-              <a:rPr lang="en-US" sz="1200" dirty="0">
+              <a:rPr lang="en-US" sz="1800" dirty="0" err="1">
                 <a:effectLst/>
                 <a:latin typeface="Times New Roman" panose="02020603050405020304" pitchFamily="18" charset="0"/>
                 <a:ea typeface="Times New Roman" panose="02020603050405020304" pitchFamily="18" charset="0"/>
               </a:rPr>
-              <a:t>We first ran a (ii) 50 m Reef Life Survey transect and surveyed (iii) fishes in the water column 5 m on either side of the transect, and (iv) cryptic fishes and macroinvertebrates 1 m on either side of the transect. Next, we ran (v) four 5 m long and 1 m wide transects into the kelp forest 5 meters apart from each other to assess kelp density and biomass. We took NH₄⁺ samples at the (vi) beginning and (vii) end of the first three kelp transects to compare NH₄⁺ inside vs outside kelp forests. </a:t>
+              <a:t>coloured</a:t>
             </a:r>
-            <a:endParaRPr lang="en-CA" sz="1200" dirty="0">
+            <a:r>
+              <a:rPr lang="en-US" sz="1800" dirty="0">
+                <a:effectLst/>
+                <a:latin typeface="Times New Roman" panose="02020603050405020304" pitchFamily="18" charset="0"/>
+                <a:ea typeface="Times New Roman" panose="02020603050405020304" pitchFamily="18" charset="0"/>
+              </a:rPr>
+              <a:t> dots. Instead of 6 and 7, say direction of arrows indicate direction of transects. And NH₄⁺ samples were collected at the beginning and end of the kelp transects</a:t>
+            </a:r>
+          </a:p>
+          <a:p>
+            <a:endParaRPr lang="en-US" sz="1800" dirty="0">
               <a:effectLst/>
               <a:latin typeface="Times New Roman" panose="02020603050405020304" pitchFamily="18" charset="0"/>
               <a:ea typeface="Times New Roman" panose="02020603050405020304" pitchFamily="18" charset="0"/>
             </a:endParaRPr>
           </a:p>
           <a:p>
-            <a:endParaRPr lang="en-US" dirty="0"/>
+            <a:r>
+              <a:rPr lang="en-US" sz="1800" dirty="0">
+                <a:effectLst/>
+                <a:latin typeface="Times New Roman" panose="02020603050405020304" pitchFamily="18" charset="0"/>
+                <a:ea typeface="Times New Roman" panose="02020603050405020304" pitchFamily="18" charset="0"/>
+              </a:rPr>
+              <a:t>Kieran: instead of shaded area use a dotted outline and say it’s kelp. Could also add a panel showing one of the kelp transects to show where the NH₄⁺ samples were taken</a:t>
+            </a:r>
+          </a:p>
+          <a:p>
+            <a:endParaRPr lang="en-US" sz="1800" dirty="0">
+              <a:effectLst/>
+              <a:latin typeface="Times New Roman" panose="02020603050405020304" pitchFamily="18" charset="0"/>
+              <a:ea typeface="Times New Roman" panose="02020603050405020304" pitchFamily="18" charset="0"/>
+            </a:endParaRPr>
+          </a:p>
+          <a:p>
+            <a:r>
+              <a:rPr lang="en-US" sz="1800" dirty="0">
+                <a:effectLst/>
+                <a:latin typeface="Times New Roman" panose="02020603050405020304" pitchFamily="18" charset="0"/>
+                <a:ea typeface="Times New Roman" panose="02020603050405020304" pitchFamily="18" charset="0"/>
+              </a:rPr>
+              <a:t>Claire: no dotted green borders around the kelp transects</a:t>
+            </a:r>
+            <a:endParaRPr lang="en-CA" sz="1800" dirty="0">
+              <a:effectLst/>
+              <a:latin typeface="Times New Roman" panose="02020603050405020304" pitchFamily="18" charset="0"/>
+              <a:ea typeface="Times New Roman" panose="02020603050405020304" pitchFamily="18" charset="0"/>
+            </a:endParaRPr>
           </a:p>
         </p:txBody>
       </p:sp>
@@ -728,7 +756,7 @@
     </p:spTree>
     <p:extLst>
       <p:ext uri="{BB962C8B-B14F-4D97-AF65-F5344CB8AC3E}">
-        <p14:creationId xmlns:p14="http://schemas.microsoft.com/office/powerpoint/2010/main" val="64653473"/>
+        <p14:creationId xmlns:p14="http://schemas.microsoft.com/office/powerpoint/2010/main" val="2690011530"/>
       </p:ext>
     </p:extLst>
   </p:cSld>
@@ -739,131 +767,6 @@
 </file>
 
 <file path=ppt/notesSlides/notesSlide3.xml><?xml version="1.0" encoding="utf-8"?>
-<p:notes xmlns:a="http://schemas.openxmlformats.org/drawingml/2006/main" xmlns:r="http://schemas.openxmlformats.org/officeDocument/2006/relationships" xmlns:p="http://schemas.openxmlformats.org/presentationml/2006/main">
-  <p:cSld>
-    <p:spTree>
-      <p:nvGrpSpPr>
-        <p:cNvPr id="1" name=""/>
-        <p:cNvGrpSpPr/>
-        <p:nvPr/>
-      </p:nvGrpSpPr>
-      <p:grpSpPr>
-        <a:xfrm>
-          <a:off x="0" y="0"/>
-          <a:ext cx="0" cy="0"/>
-          <a:chOff x="0" y="0"/>
-          <a:chExt cx="0" cy="0"/>
-        </a:xfrm>
-      </p:grpSpPr>
-      <p:sp>
-        <p:nvSpPr>
-          <p:cNvPr id="2" name="Slide Image Placeholder 1"/>
-          <p:cNvSpPr>
-            <a:spLocks noGrp="1" noRot="1" noChangeAspect="1"/>
-          </p:cNvSpPr>
-          <p:nvPr>
-            <p:ph type="sldImg"/>
-          </p:nvPr>
-        </p:nvSpPr>
-        <p:spPr>
-          <a:xfrm>
-            <a:off x="1470025" y="1143000"/>
-            <a:ext cx="3917950" cy="3086100"/>
-          </a:xfrm>
-        </p:spPr>
-      </p:sp>
-      <p:sp>
-        <p:nvSpPr>
-          <p:cNvPr id="3" name="Notes Placeholder 2"/>
-          <p:cNvSpPr>
-            <a:spLocks noGrp="1"/>
-          </p:cNvSpPr>
-          <p:nvPr>
-            <p:ph type="body" idx="1"/>
-          </p:nvPr>
-        </p:nvSpPr>
-        <p:spPr/>
-        <p:txBody>
-          <a:bodyPr/>
-          <a:lstStyle/>
-          <a:p>
-            <a:r>
-              <a:rPr lang="en-CA" sz="1200" dirty="0">
-                <a:effectLst/>
-                <a:latin typeface="Times New Roman" panose="02020603050405020304" pitchFamily="18" charset="0"/>
-                <a:ea typeface="Times New Roman" panose="02020603050405020304" pitchFamily="18" charset="0"/>
-              </a:rPr>
-              <a:t>Schematic of methods used to survey biological communities adjacent to (</a:t>
-            </a:r>
-            <a:r>
-              <a:rPr lang="en-CA" sz="1200" dirty="0" err="1">
-                <a:effectLst/>
-                <a:latin typeface="Times New Roman" panose="02020603050405020304" pitchFamily="18" charset="0"/>
-                <a:ea typeface="Times New Roman" panose="02020603050405020304" pitchFamily="18" charset="0"/>
-              </a:rPr>
-              <a:t>i</a:t>
-            </a:r>
-            <a:r>
-              <a:rPr lang="en-CA" sz="1200" dirty="0">
-                <a:effectLst/>
-                <a:latin typeface="Times New Roman" panose="02020603050405020304" pitchFamily="18" charset="0"/>
-                <a:ea typeface="Times New Roman" panose="02020603050405020304" pitchFamily="18" charset="0"/>
-              </a:rPr>
-              <a:t>) kelp forest, kelp forest density, and NH₄⁺ inside vs outside the forest. </a:t>
-            </a:r>
-            <a:r>
-              <a:rPr lang="en-US" sz="1200" dirty="0">
-                <a:effectLst/>
-                <a:latin typeface="Times New Roman" panose="02020603050405020304" pitchFamily="18" charset="0"/>
-                <a:ea typeface="Times New Roman" panose="02020603050405020304" pitchFamily="18" charset="0"/>
-              </a:rPr>
-              <a:t>We first ran a (ii) 50 m Reef Life Survey transect and surveyed (iii) fishes in the water column 5 m on either side of the transect, and (iv) cryptic fishes and macroinvertebrates 1 m on either side of the transect. Next, we ran (v) four 5 m long and 1 m wide transects into the kelp forest 5 meters apart from each other to assess kelp density and biomass. We took NH₄⁺ samples at the (vi) beginning and (vii) end of the first three kelp transects to compare NH₄⁺ inside vs outside kelp forests. </a:t>
-            </a:r>
-            <a:endParaRPr lang="en-CA" sz="1200" dirty="0">
-              <a:effectLst/>
-              <a:latin typeface="Times New Roman" panose="02020603050405020304" pitchFamily="18" charset="0"/>
-              <a:ea typeface="Times New Roman" panose="02020603050405020304" pitchFamily="18" charset="0"/>
-            </a:endParaRPr>
-          </a:p>
-        </p:txBody>
-      </p:sp>
-      <p:sp>
-        <p:nvSpPr>
-          <p:cNvPr id="4" name="Slide Number Placeholder 3"/>
-          <p:cNvSpPr>
-            <a:spLocks noGrp="1"/>
-          </p:cNvSpPr>
-          <p:nvPr>
-            <p:ph type="sldNum" sz="quarter" idx="5"/>
-          </p:nvPr>
-        </p:nvSpPr>
-        <p:spPr/>
-        <p:txBody>
-          <a:bodyPr/>
-          <a:lstStyle/>
-          <a:p>
-            <a:fld id="{7DC6E8D3-D58B-9A4B-B5A0-048629F14FB9}" type="slidenum">
-              <a:rPr lang="en-US" smtClean="0"/>
-              <a:t>3</a:t>
-            </a:fld>
-            <a:endParaRPr lang="en-US"/>
-          </a:p>
-        </p:txBody>
-      </p:sp>
-    </p:spTree>
-    <p:extLst>
-      <p:ext uri="{BB962C8B-B14F-4D97-AF65-F5344CB8AC3E}">
-        <p14:creationId xmlns:p14="http://schemas.microsoft.com/office/powerpoint/2010/main" val="2513665585"/>
-      </p:ext>
-    </p:extLst>
-  </p:cSld>
-  <p:clrMapOvr>
-    <a:masterClrMapping/>
-  </p:clrMapOvr>
-</p:notes>
-</file>
-
-<file path=ppt/notesSlides/notesSlide4.xml><?xml version="1.0" encoding="utf-8"?>
 <p:notes xmlns:a="http://schemas.openxmlformats.org/drawingml/2006/main" xmlns:r="http://schemas.openxmlformats.org/officeDocument/2006/relationships" xmlns:p="http://schemas.openxmlformats.org/presentationml/2006/main">
   <p:cSld>
     <p:spTree>
@@ -998,7 +901,132 @@
     </p:spTree>
     <p:extLst>
       <p:ext uri="{BB962C8B-B14F-4D97-AF65-F5344CB8AC3E}">
-        <p14:creationId xmlns:p14="http://schemas.microsoft.com/office/powerpoint/2010/main" val="361132767"/>
+        <p14:creationId xmlns:p14="http://schemas.microsoft.com/office/powerpoint/2010/main" val="64653473"/>
+      </p:ext>
+    </p:extLst>
+  </p:cSld>
+  <p:clrMapOvr>
+    <a:masterClrMapping/>
+  </p:clrMapOvr>
+</p:notes>
+</file>
+
+<file path=ppt/notesSlides/notesSlide4.xml><?xml version="1.0" encoding="utf-8"?>
+<p:notes xmlns:a="http://schemas.openxmlformats.org/drawingml/2006/main" xmlns:r="http://schemas.openxmlformats.org/officeDocument/2006/relationships" xmlns:p="http://schemas.openxmlformats.org/presentationml/2006/main">
+  <p:cSld>
+    <p:spTree>
+      <p:nvGrpSpPr>
+        <p:cNvPr id="1" name=""/>
+        <p:cNvGrpSpPr/>
+        <p:nvPr/>
+      </p:nvGrpSpPr>
+      <p:grpSpPr>
+        <a:xfrm>
+          <a:off x="0" y="0"/>
+          <a:ext cx="0" cy="0"/>
+          <a:chOff x="0" y="0"/>
+          <a:chExt cx="0" cy="0"/>
+        </a:xfrm>
+      </p:grpSpPr>
+      <p:sp>
+        <p:nvSpPr>
+          <p:cNvPr id="2" name="Slide Image Placeholder 1"/>
+          <p:cNvSpPr>
+            <a:spLocks noGrp="1" noRot="1" noChangeAspect="1"/>
+          </p:cNvSpPr>
+          <p:nvPr>
+            <p:ph type="sldImg"/>
+          </p:nvPr>
+        </p:nvSpPr>
+        <p:spPr>
+          <a:xfrm>
+            <a:off x="1470025" y="1143000"/>
+            <a:ext cx="3917950" cy="3086100"/>
+          </a:xfrm>
+        </p:spPr>
+      </p:sp>
+      <p:sp>
+        <p:nvSpPr>
+          <p:cNvPr id="3" name="Notes Placeholder 2"/>
+          <p:cNvSpPr>
+            <a:spLocks noGrp="1"/>
+          </p:cNvSpPr>
+          <p:nvPr>
+            <p:ph type="body" idx="1"/>
+          </p:nvPr>
+        </p:nvSpPr>
+        <p:spPr/>
+        <p:txBody>
+          <a:bodyPr/>
+          <a:lstStyle/>
+          <a:p>
+            <a:r>
+              <a:rPr lang="en-CA" sz="1200" dirty="0">
+                <a:effectLst/>
+                <a:latin typeface="Times New Roman" panose="02020603050405020304" pitchFamily="18" charset="0"/>
+                <a:ea typeface="Times New Roman" panose="02020603050405020304" pitchFamily="18" charset="0"/>
+              </a:rPr>
+              <a:t>Schematic of methods used to survey biological communities adjacent to (</a:t>
+            </a:r>
+            <a:r>
+              <a:rPr lang="en-CA" sz="1200" dirty="0" err="1">
+                <a:effectLst/>
+                <a:latin typeface="Times New Roman" panose="02020603050405020304" pitchFamily="18" charset="0"/>
+                <a:ea typeface="Times New Roman" panose="02020603050405020304" pitchFamily="18" charset="0"/>
+              </a:rPr>
+              <a:t>i</a:t>
+            </a:r>
+            <a:r>
+              <a:rPr lang="en-CA" sz="1200" dirty="0">
+                <a:effectLst/>
+                <a:latin typeface="Times New Roman" panose="02020603050405020304" pitchFamily="18" charset="0"/>
+                <a:ea typeface="Times New Roman" panose="02020603050405020304" pitchFamily="18" charset="0"/>
+              </a:rPr>
+              <a:t>) kelp forest, kelp forest density, and NH₄⁺ inside vs outside the forest. </a:t>
+            </a:r>
+            <a:r>
+              <a:rPr lang="en-US" sz="1200" dirty="0">
+                <a:effectLst/>
+                <a:latin typeface="Times New Roman" panose="02020603050405020304" pitchFamily="18" charset="0"/>
+                <a:ea typeface="Times New Roman" panose="02020603050405020304" pitchFamily="18" charset="0"/>
+              </a:rPr>
+              <a:t>We first ran a (ii) 50 m Reef Life Survey transect and surveyed (iii) fishes in the water column 5 m on either side of the transect, and (iv) cryptic fishes and macroinvertebrates 1 m on either side of the transect. Next, we ran (v) four 5 m long and 1 m wide transects into the kelp forest 5 meters apart from each other to assess kelp density and biomass. We took NH₄⁺ samples at the (vi) beginning and (vii) end of the first three kelp transects to compare NH₄⁺ inside vs outside kelp forests. </a:t>
+            </a:r>
+            <a:endParaRPr lang="en-CA" sz="1200" dirty="0">
+              <a:effectLst/>
+              <a:latin typeface="Times New Roman" panose="02020603050405020304" pitchFamily="18" charset="0"/>
+              <a:ea typeface="Times New Roman" panose="02020603050405020304" pitchFamily="18" charset="0"/>
+            </a:endParaRPr>
+          </a:p>
+        </p:txBody>
+      </p:sp>
+      <p:sp>
+        <p:nvSpPr>
+          <p:cNvPr id="4" name="Slide Number Placeholder 3"/>
+          <p:cNvSpPr>
+            <a:spLocks noGrp="1"/>
+          </p:cNvSpPr>
+          <p:nvPr>
+            <p:ph type="sldNum" sz="quarter" idx="5"/>
+          </p:nvPr>
+        </p:nvSpPr>
+        <p:spPr/>
+        <p:txBody>
+          <a:bodyPr/>
+          <a:lstStyle/>
+          <a:p>
+            <a:fld id="{7DC6E8D3-D58B-9A4B-B5A0-048629F14FB9}" type="slidenum">
+              <a:rPr lang="en-US" smtClean="0"/>
+              <a:t>5</a:t>
+            </a:fld>
+            <a:endParaRPr lang="en-US"/>
+          </a:p>
+        </p:txBody>
+      </p:sp>
+    </p:spTree>
+    <p:extLst>
+      <p:ext uri="{BB962C8B-B14F-4D97-AF65-F5344CB8AC3E}">
+        <p14:creationId xmlns:p14="http://schemas.microsoft.com/office/powerpoint/2010/main" val="2513665585"/>
       </p:ext>
     </p:extLst>
   </p:cSld>
@@ -1134,7 +1162,152 @@
           <a:p>
             <a:fld id="{7DC6E8D3-D58B-9A4B-B5A0-048629F14FB9}" type="slidenum">
               <a:rPr lang="en-US" smtClean="0"/>
-              <a:t>5</a:t>
+              <a:t>6</a:t>
+            </a:fld>
+            <a:endParaRPr lang="en-US"/>
+          </a:p>
+        </p:txBody>
+      </p:sp>
+    </p:spTree>
+    <p:extLst>
+      <p:ext uri="{BB962C8B-B14F-4D97-AF65-F5344CB8AC3E}">
+        <p14:creationId xmlns:p14="http://schemas.microsoft.com/office/powerpoint/2010/main" val="361132767"/>
+      </p:ext>
+    </p:extLst>
+  </p:cSld>
+  <p:clrMapOvr>
+    <a:masterClrMapping/>
+  </p:clrMapOvr>
+</p:notes>
+</file>
+
+<file path=ppt/notesSlides/notesSlide6.xml><?xml version="1.0" encoding="utf-8"?>
+<p:notes xmlns:a="http://schemas.openxmlformats.org/drawingml/2006/main" xmlns:r="http://schemas.openxmlformats.org/officeDocument/2006/relationships" xmlns:p="http://schemas.openxmlformats.org/presentationml/2006/main">
+  <p:cSld>
+    <p:spTree>
+      <p:nvGrpSpPr>
+        <p:cNvPr id="1" name=""/>
+        <p:cNvGrpSpPr/>
+        <p:nvPr/>
+      </p:nvGrpSpPr>
+      <p:grpSpPr>
+        <a:xfrm>
+          <a:off x="0" y="0"/>
+          <a:ext cx="0" cy="0"/>
+          <a:chOff x="0" y="0"/>
+          <a:chExt cx="0" cy="0"/>
+        </a:xfrm>
+      </p:grpSpPr>
+      <p:sp>
+        <p:nvSpPr>
+          <p:cNvPr id="2" name="Slide Image Placeholder 1"/>
+          <p:cNvSpPr>
+            <a:spLocks noGrp="1" noRot="1" noChangeAspect="1"/>
+          </p:cNvSpPr>
+          <p:nvPr>
+            <p:ph type="sldImg"/>
+          </p:nvPr>
+        </p:nvSpPr>
+        <p:spPr>
+          <a:xfrm>
+            <a:off x="1470025" y="1143000"/>
+            <a:ext cx="3917950" cy="3086100"/>
+          </a:xfrm>
+        </p:spPr>
+      </p:sp>
+      <p:sp>
+        <p:nvSpPr>
+          <p:cNvPr id="3" name="Notes Placeholder 2"/>
+          <p:cNvSpPr>
+            <a:spLocks noGrp="1"/>
+          </p:cNvSpPr>
+          <p:nvPr>
+            <p:ph type="body" idx="1"/>
+          </p:nvPr>
+        </p:nvSpPr>
+        <p:spPr/>
+        <p:txBody>
+          <a:bodyPr/>
+          <a:lstStyle/>
+          <a:p>
+            <a:pPr marL="0" marR="0" lvl="0" indent="0" algn="l" defTabSz="914400" rtl="0" eaLnBrk="1" fontAlgn="auto" latinLnBrk="0" hangingPunct="1">
+              <a:lnSpc>
+                <a:spcPct val="100000"/>
+              </a:lnSpc>
+              <a:spcBef>
+                <a:spcPts val="0"/>
+              </a:spcBef>
+              <a:spcAft>
+                <a:spcPts val="0"/>
+              </a:spcAft>
+              <a:buClrTx/>
+              <a:buSzTx/>
+              <a:buFontTx/>
+              <a:buNone/>
+              <a:tabLst/>
+              <a:defRPr/>
+            </a:pPr>
+            <a:r>
+              <a:rPr lang="en-CA" sz="1200" dirty="0">
+                <a:effectLst/>
+                <a:latin typeface="Times New Roman" panose="02020603050405020304" pitchFamily="18" charset="0"/>
+                <a:ea typeface="Times New Roman" panose="02020603050405020304" pitchFamily="18" charset="0"/>
+              </a:rPr>
+              <a:t>Schematic of methods used to survey biological communities adjacent to (</a:t>
+            </a:r>
+            <a:r>
+              <a:rPr lang="en-CA" sz="1200" dirty="0" err="1">
+                <a:effectLst/>
+                <a:latin typeface="Times New Roman" panose="02020603050405020304" pitchFamily="18" charset="0"/>
+                <a:ea typeface="Times New Roman" panose="02020603050405020304" pitchFamily="18" charset="0"/>
+              </a:rPr>
+              <a:t>i</a:t>
+            </a:r>
+            <a:r>
+              <a:rPr lang="en-CA" sz="1200" dirty="0">
+                <a:effectLst/>
+                <a:latin typeface="Times New Roman" panose="02020603050405020304" pitchFamily="18" charset="0"/>
+                <a:ea typeface="Times New Roman" panose="02020603050405020304" pitchFamily="18" charset="0"/>
+              </a:rPr>
+              <a:t>) kelp forest, kelp forest density, and NH₄⁺ inside vs outside the forest. </a:t>
+            </a:r>
+            <a:r>
+              <a:rPr lang="en-US" sz="1200" dirty="0">
+                <a:effectLst/>
+                <a:latin typeface="Times New Roman" panose="02020603050405020304" pitchFamily="18" charset="0"/>
+                <a:ea typeface="Times New Roman" panose="02020603050405020304" pitchFamily="18" charset="0"/>
+              </a:rPr>
+              <a:t>We first ran a (ii) 50 m Reef Life Survey transect and surveyed (iii) fishes in the water column 5 m on either side of the transect, and (iv) cryptic fishes and macroinvertebrates 1 m on either side of the transect. Next, we ran (v) four 5 m long and 1 m wide transects into the kelp forest 5 meters apart from each other to assess kelp density and biomass. We took NH₄⁺ samples at the (vi) beginning and (vii) end of the first three kelp transects to compare NH₄⁺ inside vs outside kelp forests. </a:t>
+            </a:r>
+            <a:endParaRPr lang="en-CA" sz="1200" dirty="0">
+              <a:effectLst/>
+              <a:latin typeface="Times New Roman" panose="02020603050405020304" pitchFamily="18" charset="0"/>
+              <a:ea typeface="Times New Roman" panose="02020603050405020304" pitchFamily="18" charset="0"/>
+            </a:endParaRPr>
+          </a:p>
+          <a:p>
+            <a:endParaRPr lang="en-US" dirty="0"/>
+          </a:p>
+        </p:txBody>
+      </p:sp>
+      <p:sp>
+        <p:nvSpPr>
+          <p:cNvPr id="4" name="Slide Number Placeholder 3"/>
+          <p:cNvSpPr>
+            <a:spLocks noGrp="1"/>
+          </p:cNvSpPr>
+          <p:nvPr>
+            <p:ph type="sldNum" sz="quarter" idx="5"/>
+          </p:nvPr>
+        </p:nvSpPr>
+        <p:spPr/>
+        <p:txBody>
+          <a:bodyPr/>
+          <a:lstStyle/>
+          <a:p>
+            <a:fld id="{7DC6E8D3-D58B-9A4B-B5A0-048629F14FB9}" type="slidenum">
+              <a:rPr lang="en-US" smtClean="0"/>
+              <a:t>7</a:t>
             </a:fld>
             <a:endParaRPr lang="en-US"/>
           </a:p>
@@ -1284,7 +1457,7 @@
           <a:p>
             <a:fld id="{920285A9-D9B7-E64A-891F-D75C53CC6425}" type="datetimeFigureOut">
               <a:rPr lang="en-US" smtClean="0"/>
-              <a:t>9/26/24</a:t>
+              <a:t>10/1/24</a:t>
             </a:fld>
             <a:endParaRPr lang="en-US"/>
           </a:p>
@@ -1454,7 +1627,7 @@
           <a:p>
             <a:fld id="{920285A9-D9B7-E64A-891F-D75C53CC6425}" type="datetimeFigureOut">
               <a:rPr lang="en-US" smtClean="0"/>
-              <a:t>9/26/24</a:t>
+              <a:t>10/1/24</a:t>
             </a:fld>
             <a:endParaRPr lang="en-US"/>
           </a:p>
@@ -1634,7 +1807,7 @@
           <a:p>
             <a:fld id="{920285A9-D9B7-E64A-891F-D75C53CC6425}" type="datetimeFigureOut">
               <a:rPr lang="en-US" smtClean="0"/>
-              <a:t>9/26/24</a:t>
+              <a:t>10/1/24</a:t>
             </a:fld>
             <a:endParaRPr lang="en-US"/>
           </a:p>
@@ -1804,7 +1977,7 @@
           <a:p>
             <a:fld id="{920285A9-D9B7-E64A-891F-D75C53CC6425}" type="datetimeFigureOut">
               <a:rPr lang="en-US" smtClean="0"/>
-              <a:t>9/26/24</a:t>
+              <a:t>10/1/24</a:t>
             </a:fld>
             <a:endParaRPr lang="en-US"/>
           </a:p>
@@ -2050,7 +2223,7 @@
           <a:p>
             <a:fld id="{920285A9-D9B7-E64A-891F-D75C53CC6425}" type="datetimeFigureOut">
               <a:rPr lang="en-US" smtClean="0"/>
-              <a:t>9/26/24</a:t>
+              <a:t>10/1/24</a:t>
             </a:fld>
             <a:endParaRPr lang="en-US"/>
           </a:p>
@@ -2282,7 +2455,7 @@
           <a:p>
             <a:fld id="{920285A9-D9B7-E64A-891F-D75C53CC6425}" type="datetimeFigureOut">
               <a:rPr lang="en-US" smtClean="0"/>
-              <a:t>9/26/24</a:t>
+              <a:t>10/1/24</a:t>
             </a:fld>
             <a:endParaRPr lang="en-US"/>
           </a:p>
@@ -2649,7 +2822,7 @@
           <a:p>
             <a:fld id="{920285A9-D9B7-E64A-891F-D75C53CC6425}" type="datetimeFigureOut">
               <a:rPr lang="en-US" smtClean="0"/>
-              <a:t>9/26/24</a:t>
+              <a:t>10/1/24</a:t>
             </a:fld>
             <a:endParaRPr lang="en-US"/>
           </a:p>
@@ -2767,7 +2940,7 @@
           <a:p>
             <a:fld id="{920285A9-D9B7-E64A-891F-D75C53CC6425}" type="datetimeFigureOut">
               <a:rPr lang="en-US" smtClean="0"/>
-              <a:t>9/26/24</a:t>
+              <a:t>10/1/24</a:t>
             </a:fld>
             <a:endParaRPr lang="en-US"/>
           </a:p>
@@ -2862,7 +3035,7 @@
           <a:p>
             <a:fld id="{920285A9-D9B7-E64A-891F-D75C53CC6425}" type="datetimeFigureOut">
               <a:rPr lang="en-US" smtClean="0"/>
-              <a:t>9/26/24</a:t>
+              <a:t>10/1/24</a:t>
             </a:fld>
             <a:endParaRPr lang="en-US"/>
           </a:p>
@@ -3139,7 +3312,7 @@
           <a:p>
             <a:fld id="{920285A9-D9B7-E64A-891F-D75C53CC6425}" type="datetimeFigureOut">
               <a:rPr lang="en-US" smtClean="0"/>
-              <a:t>9/26/24</a:t>
+              <a:t>10/1/24</a:t>
             </a:fld>
             <a:endParaRPr lang="en-US"/>
           </a:p>
@@ -3396,7 +3569,7 @@
           <a:p>
             <a:fld id="{920285A9-D9B7-E64A-891F-D75C53CC6425}" type="datetimeFigureOut">
               <a:rPr lang="en-US" smtClean="0"/>
-              <a:t>9/26/24</a:t>
+              <a:t>10/1/24</a:t>
             </a:fld>
             <a:endParaRPr lang="en-US"/>
           </a:p>
@@ -3609,7 +3782,7 @@
           <a:p>
             <a:fld id="{920285A9-D9B7-E64A-891F-D75C53CC6425}" type="datetimeFigureOut">
               <a:rPr lang="en-US" smtClean="0"/>
-              <a:t>9/26/24</a:t>
+              <a:t>10/1/24</a:t>
             </a:fld>
             <a:endParaRPr lang="en-US"/>
           </a:p>
@@ -4000,6 +4173,865 @@
 <file path=ppt/slides/slide1.xml><?xml version="1.0" encoding="utf-8"?>
 <p:sld xmlns:a="http://schemas.openxmlformats.org/drawingml/2006/main" xmlns:r="http://schemas.openxmlformats.org/officeDocument/2006/relationships" xmlns:p="http://schemas.openxmlformats.org/presentationml/2006/main">
   <p:cSld>
+    <p:spTree>
+      <p:nvGrpSpPr>
+        <p:cNvPr id="1" name=""/>
+        <p:cNvGrpSpPr/>
+        <p:nvPr/>
+      </p:nvGrpSpPr>
+      <p:grpSpPr>
+        <a:xfrm>
+          <a:off x="0" y="0"/>
+          <a:ext cx="0" cy="0"/>
+          <a:chOff x="0" y="0"/>
+          <a:chExt cx="0" cy="0"/>
+        </a:xfrm>
+      </p:grpSpPr>
+      <p:grpSp>
+        <p:nvGrpSpPr>
+          <p:cNvPr id="34" name="Group 33">
+            <a:extLst>
+              <a:ext uri="{FF2B5EF4-FFF2-40B4-BE49-F238E27FC236}">
+                <a16:creationId xmlns:a16="http://schemas.microsoft.com/office/drawing/2014/main" id="{F7A0C940-FA0D-2417-C10A-745B1391584B}"/>
+              </a:ext>
+            </a:extLst>
+          </p:cNvPr>
+          <p:cNvGrpSpPr/>
+          <p:nvPr/>
+        </p:nvGrpSpPr>
+        <p:grpSpPr>
+          <a:xfrm>
+            <a:off x="337275" y="12413"/>
+            <a:ext cx="4066973" cy="1955917"/>
+            <a:chOff x="337275" y="12413"/>
+            <a:chExt cx="4066973" cy="1955917"/>
+          </a:xfrm>
+        </p:grpSpPr>
+        <p:pic>
+          <p:nvPicPr>
+            <p:cNvPr id="9" name="Picture 8" descr="A green object with black background&#10;&#10;Description automatically generated">
+              <a:extLst>
+                <a:ext uri="{FF2B5EF4-FFF2-40B4-BE49-F238E27FC236}">
+                  <a16:creationId xmlns:a16="http://schemas.microsoft.com/office/drawing/2014/main" id="{342BBA2A-DE48-5F10-CA9E-F25CBD0BD27A}"/>
+                </a:ext>
+              </a:extLst>
+            </p:cNvPr>
+            <p:cNvPicPr>
+              <a:picLocks noChangeAspect="1"/>
+            </p:cNvPicPr>
+            <p:nvPr/>
+          </p:nvPicPr>
+          <p:blipFill>
+            <a:blip r:embed="rId3"/>
+            <a:stretch>
+              <a:fillRect/>
+            </a:stretch>
+          </p:blipFill>
+          <p:spPr>
+            <a:xfrm rot="347938">
+              <a:off x="337275" y="12413"/>
+              <a:ext cx="3897448" cy="1756181"/>
+            </a:xfrm>
+            <a:prstGeom prst="rect">
+              <a:avLst/>
+            </a:prstGeom>
+          </p:spPr>
+        </p:pic>
+        <p:grpSp>
+          <p:nvGrpSpPr>
+            <p:cNvPr id="2" name="Group 1">
+              <a:extLst>
+                <a:ext uri="{FF2B5EF4-FFF2-40B4-BE49-F238E27FC236}">
+                  <a16:creationId xmlns:a16="http://schemas.microsoft.com/office/drawing/2014/main" id="{633EEAFA-5ED7-4A69-98EB-70EF6F71C000}"/>
+                </a:ext>
+              </a:extLst>
+            </p:cNvPr>
+            <p:cNvGrpSpPr/>
+            <p:nvPr/>
+          </p:nvGrpSpPr>
+          <p:grpSpPr>
+            <a:xfrm>
+              <a:off x="468370" y="1179169"/>
+              <a:ext cx="3935878" cy="789161"/>
+              <a:chOff x="443399" y="657385"/>
+              <a:chExt cx="3935878" cy="789161"/>
+            </a:xfrm>
+          </p:grpSpPr>
+          <p:grpSp>
+            <p:nvGrpSpPr>
+              <p:cNvPr id="10" name="Group 9">
+                <a:extLst>
+                  <a:ext uri="{FF2B5EF4-FFF2-40B4-BE49-F238E27FC236}">
+                    <a16:creationId xmlns:a16="http://schemas.microsoft.com/office/drawing/2014/main" id="{FA2E3068-2F26-BC12-342A-06FA3E83209F}"/>
+                  </a:ext>
+                </a:extLst>
+              </p:cNvPr>
+              <p:cNvGrpSpPr/>
+              <p:nvPr/>
+            </p:nvGrpSpPr>
+            <p:grpSpPr>
+              <a:xfrm>
+                <a:off x="443399" y="722147"/>
+                <a:ext cx="3935878" cy="724399"/>
+                <a:chOff x="443399" y="722147"/>
+                <a:chExt cx="3935878" cy="724399"/>
+              </a:xfrm>
+            </p:grpSpPr>
+            <p:pic>
+              <p:nvPicPr>
+                <p:cNvPr id="26" name="Picture 25">
+                  <a:extLst>
+                    <a:ext uri="{FF2B5EF4-FFF2-40B4-BE49-F238E27FC236}">
+                      <a16:creationId xmlns:a16="http://schemas.microsoft.com/office/drawing/2014/main" id="{F5234880-2F5F-C2FB-E195-EC0D37316664}"/>
+                    </a:ext>
+                  </a:extLst>
+                </p:cNvPr>
+                <p:cNvPicPr>
+                  <a:picLocks noChangeAspect="1"/>
+                </p:cNvPicPr>
+                <p:nvPr/>
+              </p:nvPicPr>
+              <p:blipFill rotWithShape="1">
+                <a:blip r:embed="rId4">
+                  <a:clrChange>
+                    <a:clrFrom>
+                      <a:srgbClr val="000000">
+                        <a:alpha val="34510"/>
+                      </a:srgbClr>
+                    </a:clrFrom>
+                    <a:clrTo>
+                      <a:srgbClr val="000000">
+                        <a:alpha val="0"/>
+                      </a:srgbClr>
+                    </a:clrTo>
+                  </a:clrChange>
+                  <a:duotone>
+                    <a:prstClr val="black"/>
+                    <a:srgbClr val="3A003E">
+                      <a:tint val="45000"/>
+                      <a:satMod val="400000"/>
+                    </a:srgbClr>
+                  </a:duotone>
+                  <a:extLst>
+                    <a:ext uri="{BEBA8EAE-BF5A-486C-A8C5-ECC9F3942E4B}">
+                      <a14:imgProps xmlns:a14="http://schemas.microsoft.com/office/drawing/2010/main">
+                        <a14:imgLayer r:embed="rId5">
+                          <a14:imgEffect>
+                            <a14:backgroundRemoval t="41694" b="93485" l="3896" r="49351">
+                              <a14:foregroundMark x1="15844" y1="75244" x2="19221" y2="77850"/>
+                              <a14:foregroundMark x1="17922" y1="71010" x2="19481" y2="70033"/>
+                              <a14:foregroundMark x1="15844" y1="73290" x2="18442" y2="67752"/>
+                              <a14:foregroundMark x1="15325" y1="67101" x2="16883" y2="70684"/>
+                              <a14:foregroundMark x1="15844" y1="71987" x2="15844" y2="71987"/>
+                              <a14:foregroundMark x1="17922" y1="70033" x2="16883" y2="72313"/>
+                              <a14:foregroundMark x1="18701" y1="77850" x2="21299" y2="80782"/>
+                              <a14:foregroundMark x1="18961" y1="80456" x2="21299" y2="81759"/>
+                              <a14:foregroundMark x1="23377" y1="81759" x2="20779" y2="81433"/>
+                              <a14:foregroundMark x1="32727" y1="68078" x2="28052" y2="81107"/>
+                              <a14:foregroundMark x1="33766" y1="70684" x2="35844" y2="69707"/>
+                              <a14:foregroundMark x1="14273" y1="90963" x2="15065" y2="92182"/>
+                              <a14:foregroundMark x1="15325" y1="92182" x2="12727" y2="93811"/>
+                              <a14:foregroundMark x1="4675" y1="79479" x2="3896" y2="81107"/>
+                              <a14:foregroundMark x1="16104" y1="63844" x2="15065" y2="63192"/>
+                              <a14:foregroundMark x1="15325" y1="63518" x2="15584" y2="67101"/>
+                              <a14:foregroundMark x1="14805" y1="64169" x2="15065" y2="62866"/>
+                              <a14:foregroundMark x1="15584" y1="62866" x2="14805" y2="63844"/>
+                              <a14:foregroundMark x1="16364" y1="54397" x2="15584" y2="55375"/>
+                              <a14:foregroundMark x1="16623" y1="54397" x2="16623" y2="54397"/>
+                              <a14:foregroundMark x1="16364" y1="54397" x2="16104" y2="54723"/>
+                              <a14:foregroundMark x1="16104" y1="55375" x2="16883" y2="55375"/>
+                              <a14:foregroundMark x1="17143" y1="55049" x2="16623" y2="55375"/>
+                              <a14:foregroundMark x1="27532" y1="79805" x2="27532" y2="81759"/>
+                              <a14:foregroundMark x1="27792" y1="81759" x2="26234" y2="82410"/>
+                              <a14:foregroundMark x1="28312" y1="81433" x2="21558" y2="81759"/>
+                              <a14:foregroundMark x1="24935" y1="82085" x2="21039" y2="81107"/>
+                              <a14:foregroundMark x1="24675" y1="82410" x2="20779" y2="80130"/>
+                              <a14:foregroundMark x1="19221" y1="80130" x2="23377" y2="82410"/>
+                              <a14:foregroundMark x1="28831" y1="56026" x2="20260" y2="56352"/>
+                              <a14:foregroundMark x1="29870" y1="56678" x2="20000" y2="57003"/>
+                              <a14:foregroundMark x1="15844" y1="56678" x2="16883" y2="55375"/>
+                              <a14:foregroundMark x1="16883" y1="55700" x2="16104" y2="55049"/>
+                              <a14:foregroundMark x1="17662" y1="57329" x2="16364" y2="55049"/>
+                              <a14:foregroundMark x1="18961" y1="58632" x2="16623" y2="55049"/>
+                              <a14:foregroundMark x1="18701" y1="58306" x2="16883" y2="55375"/>
+                              <a14:foregroundMark x1="19481" y1="59935" x2="17662" y2="55700"/>
+                              <a14:foregroundMark x1="35065" y1="66124" x2="36104" y2="67101"/>
+                              <a14:backgroundMark x1="24005" y1="86459" x2="22857" y2="88274"/>
+                              <a14:backgroundMark x1="40779" y1="59935" x2="38896" y2="62913"/>
+                              <a14:backgroundMark x1="13688" y1="60999" x2="11688" y2="55049"/>
+                              <a14:backgroundMark x1="22857" y1="88274" x2="21703" y2="84842"/>
+                              <a14:backgroundMark x1="27688" y1="52452" x2="33766" y2="51466"/>
+                              <a14:backgroundMark x1="17715" y1="54071" x2="18426" y2="53956"/>
+                              <a14:backgroundMark x1="11688" y1="55049" x2="14749" y2="54552"/>
+                              <a14:backgroundMark x1="7532" y1="81759" x2="13766" y2="90228"/>
+                              <a14:backgroundMark x1="7273" y1="81433" x2="7273" y2="81433"/>
+                              <a14:backgroundMark x1="8052" y1="82410" x2="7013" y2="81433"/>
+                              <a14:backgroundMark x1="8312" y1="81433" x2="8571" y2="81759"/>
+                              <a14:backgroundMark x1="8571" y1="81759" x2="7273" y2="81107"/>
+                              <a14:backgroundMark x1="13247" y1="87622" x2="13247" y2="90554"/>
+                              <a14:backgroundMark x1="13247" y1="86645" x2="13506" y2="90554"/>
+                              <a14:backgroundMark x1="11688" y1="84691" x2="13766" y2="90228"/>
+                              <a14:backgroundMark x1="11948" y1="84365" x2="13766" y2="89902"/>
+                              <a14:backgroundMark x1="10909" y1="84039" x2="13766" y2="90228"/>
+                              <a14:backgroundMark x1="12727" y1="86971" x2="13247" y2="90554"/>
+                              <a14:backgroundMark x1="12208" y1="86319" x2="13766" y2="91205"/>
+                            </a14:backgroundRemoval>
+                          </a14:imgEffect>
+                        </a14:imgLayer>
+                      </a14:imgProps>
+                    </a:ext>
+                  </a:extLst>
+                </a:blip>
+                <a:srcRect l="-9246" t="35443" r="49510" b="-12042"/>
+                <a:stretch/>
+              </p:blipFill>
+              <p:spPr>
+                <a:xfrm rot="13282835">
+                  <a:off x="3986412" y="885700"/>
+                  <a:ext cx="392865" cy="401692"/>
+                </a:xfrm>
+                <a:prstGeom prst="diamond">
+                  <a:avLst/>
+                </a:prstGeom>
+                <a:noFill/>
+              </p:spPr>
+            </p:pic>
+            <p:sp>
+              <p:nvSpPr>
+                <p:cNvPr id="27" name="Rectangle 26">
+                  <a:extLst>
+                    <a:ext uri="{FF2B5EF4-FFF2-40B4-BE49-F238E27FC236}">
+                      <a16:creationId xmlns:a16="http://schemas.microsoft.com/office/drawing/2014/main" id="{37EDB0C9-64DD-2450-C497-7623A1CFAE84}"/>
+                    </a:ext>
+                  </a:extLst>
+                </p:cNvPr>
+                <p:cNvSpPr/>
+                <p:nvPr/>
+              </p:nvSpPr>
+              <p:spPr>
+                <a:xfrm>
+                  <a:off x="445258" y="726546"/>
+                  <a:ext cx="3600000" cy="720000"/>
+                </a:xfrm>
+                <a:prstGeom prst="rect">
+                  <a:avLst/>
+                </a:prstGeom>
+                <a:solidFill>
+                  <a:srgbClr val="C1E5F5">
+                    <a:alpha val="50196"/>
+                  </a:srgbClr>
+                </a:solidFill>
+                <a:ln w="6350">
+                  <a:solidFill>
+                    <a:schemeClr val="tx1"/>
+                  </a:solidFill>
+                  <a:prstDash val="lgDash"/>
+                </a:ln>
+              </p:spPr>
+              <p:style>
+                <a:lnRef idx="2">
+                  <a:schemeClr val="accent1">
+                    <a:shade val="15000"/>
+                  </a:schemeClr>
+                </a:lnRef>
+                <a:fillRef idx="1">
+                  <a:schemeClr val="accent1"/>
+                </a:fillRef>
+                <a:effectRef idx="0">
+                  <a:schemeClr val="accent1"/>
+                </a:effectRef>
+                <a:fontRef idx="minor">
+                  <a:schemeClr val="lt1"/>
+                </a:fontRef>
+              </p:style>
+              <p:txBody>
+                <a:bodyPr rtlCol="0" anchor="ctr"/>
+                <a:lstStyle/>
+                <a:p>
+                  <a:pPr algn="ctr"/>
+                  <a:endParaRPr lang="en-US"/>
+                </a:p>
+              </p:txBody>
+            </p:sp>
+            <p:sp>
+              <p:nvSpPr>
+                <p:cNvPr id="28" name="Rectangle 27">
+                  <a:extLst>
+                    <a:ext uri="{FF2B5EF4-FFF2-40B4-BE49-F238E27FC236}">
+                      <a16:creationId xmlns:a16="http://schemas.microsoft.com/office/drawing/2014/main" id="{DD2FBE84-7EEF-4F5C-CAB9-B649409DF564}"/>
+                    </a:ext>
+                  </a:extLst>
+                </p:cNvPr>
+                <p:cNvSpPr/>
+                <p:nvPr/>
+              </p:nvSpPr>
+              <p:spPr>
+                <a:xfrm>
+                  <a:off x="443399" y="1014546"/>
+                  <a:ext cx="3600000" cy="144000"/>
+                </a:xfrm>
+                <a:prstGeom prst="rect">
+                  <a:avLst/>
+                </a:prstGeom>
+                <a:solidFill>
+                  <a:schemeClr val="tx2">
+                    <a:lumMod val="25000"/>
+                    <a:lumOff val="75000"/>
+                    <a:alpha val="50196"/>
+                  </a:schemeClr>
+                </a:solidFill>
+                <a:ln w="6350">
+                  <a:solidFill>
+                    <a:schemeClr val="tx1"/>
+                  </a:solidFill>
+                  <a:prstDash val="dash"/>
+                </a:ln>
+              </p:spPr>
+              <p:style>
+                <a:lnRef idx="2">
+                  <a:schemeClr val="accent1">
+                    <a:shade val="15000"/>
+                  </a:schemeClr>
+                </a:lnRef>
+                <a:fillRef idx="1">
+                  <a:schemeClr val="accent1"/>
+                </a:fillRef>
+                <a:effectRef idx="0">
+                  <a:schemeClr val="accent1"/>
+                </a:effectRef>
+                <a:fontRef idx="minor">
+                  <a:schemeClr val="lt1"/>
+                </a:fontRef>
+              </p:style>
+              <p:txBody>
+                <a:bodyPr rtlCol="0" anchor="ctr"/>
+                <a:lstStyle/>
+                <a:p>
+                  <a:pPr algn="ctr"/>
+                  <a:endParaRPr lang="en-US" dirty="0"/>
+                </a:p>
+              </p:txBody>
+            </p:sp>
+            <p:cxnSp>
+              <p:nvCxnSpPr>
+                <p:cNvPr id="29" name="Straight Connector 28">
+                  <a:extLst>
+                    <a:ext uri="{FF2B5EF4-FFF2-40B4-BE49-F238E27FC236}">
+                      <a16:creationId xmlns:a16="http://schemas.microsoft.com/office/drawing/2014/main" id="{0CC40238-C24C-CEA5-5FAA-6780FF3D1F9D}"/>
+                    </a:ext>
+                  </a:extLst>
+                </p:cNvPr>
+                <p:cNvCxnSpPr/>
+                <p:nvPr/>
+              </p:nvCxnSpPr>
+              <p:spPr>
+                <a:xfrm rot="5400000">
+                  <a:off x="2243399" y="-708128"/>
+                  <a:ext cx="0" cy="3600000"/>
+                </a:xfrm>
+                <a:prstGeom prst="line">
+                  <a:avLst/>
+                </a:prstGeom>
+                <a:ln w="19050"/>
+              </p:spPr>
+              <p:style>
+                <a:lnRef idx="3">
+                  <a:schemeClr val="dk1"/>
+                </a:lnRef>
+                <a:fillRef idx="0">
+                  <a:schemeClr val="dk1"/>
+                </a:fillRef>
+                <a:effectRef idx="2">
+                  <a:schemeClr val="dk1"/>
+                </a:effectRef>
+                <a:fontRef idx="minor">
+                  <a:schemeClr val="tx1"/>
+                </a:fontRef>
+              </p:style>
+            </p:cxnSp>
+            <p:cxnSp>
+              <p:nvCxnSpPr>
+                <p:cNvPr id="30" name="Straight Connector 29">
+                  <a:extLst>
+                    <a:ext uri="{FF2B5EF4-FFF2-40B4-BE49-F238E27FC236}">
+                      <a16:creationId xmlns:a16="http://schemas.microsoft.com/office/drawing/2014/main" id="{7FC8830A-F90D-5A3A-5B09-420A992A33C5}"/>
+                    </a:ext>
+                  </a:extLst>
+                </p:cNvPr>
+                <p:cNvCxnSpPr/>
+                <p:nvPr/>
+              </p:nvCxnSpPr>
+              <p:spPr>
+                <a:xfrm>
+                  <a:off x="1715045" y="722147"/>
+                  <a:ext cx="0" cy="360000"/>
+                </a:xfrm>
+                <a:prstGeom prst="line">
+                  <a:avLst/>
+                </a:prstGeom>
+                <a:ln w="12700">
+                  <a:solidFill>
+                    <a:schemeClr val="tx1"/>
+                  </a:solidFill>
+                </a:ln>
+              </p:spPr>
+              <p:style>
+                <a:lnRef idx="2">
+                  <a:schemeClr val="accent1"/>
+                </a:lnRef>
+                <a:fillRef idx="0">
+                  <a:schemeClr val="accent1"/>
+                </a:fillRef>
+                <a:effectRef idx="1">
+                  <a:schemeClr val="accent1"/>
+                </a:effectRef>
+                <a:fontRef idx="minor">
+                  <a:schemeClr val="tx1"/>
+                </a:fontRef>
+              </p:style>
+            </p:cxnSp>
+            <p:cxnSp>
+              <p:nvCxnSpPr>
+                <p:cNvPr id="31" name="Straight Connector 30">
+                  <a:extLst>
+                    <a:ext uri="{FF2B5EF4-FFF2-40B4-BE49-F238E27FC236}">
+                      <a16:creationId xmlns:a16="http://schemas.microsoft.com/office/drawing/2014/main" id="{3F0F3F2D-4F1C-6FBF-BB1C-ED500B591424}"/>
+                    </a:ext>
+                  </a:extLst>
+                </p:cNvPr>
+                <p:cNvCxnSpPr/>
+                <p:nvPr/>
+              </p:nvCxnSpPr>
+              <p:spPr>
+                <a:xfrm>
+                  <a:off x="2074218" y="724060"/>
+                  <a:ext cx="0" cy="360000"/>
+                </a:xfrm>
+                <a:prstGeom prst="line">
+                  <a:avLst/>
+                </a:prstGeom>
+                <a:ln w="12700">
+                  <a:solidFill>
+                    <a:schemeClr val="tx1"/>
+                  </a:solidFill>
+                </a:ln>
+              </p:spPr>
+              <p:style>
+                <a:lnRef idx="2">
+                  <a:schemeClr val="accent1"/>
+                </a:lnRef>
+                <a:fillRef idx="0">
+                  <a:schemeClr val="accent1"/>
+                </a:fillRef>
+                <a:effectRef idx="1">
+                  <a:schemeClr val="accent1"/>
+                </a:effectRef>
+                <a:fontRef idx="minor">
+                  <a:schemeClr val="tx1"/>
+                </a:fontRef>
+              </p:style>
+            </p:cxnSp>
+            <p:cxnSp>
+              <p:nvCxnSpPr>
+                <p:cNvPr id="32" name="Straight Connector 31">
+                  <a:extLst>
+                    <a:ext uri="{FF2B5EF4-FFF2-40B4-BE49-F238E27FC236}">
+                      <a16:creationId xmlns:a16="http://schemas.microsoft.com/office/drawing/2014/main" id="{73039D0B-8510-62C4-FB84-A1CF380D57F9}"/>
+                    </a:ext>
+                  </a:extLst>
+                </p:cNvPr>
+                <p:cNvCxnSpPr/>
+                <p:nvPr/>
+              </p:nvCxnSpPr>
+              <p:spPr>
+                <a:xfrm>
+                  <a:off x="2438921" y="724059"/>
+                  <a:ext cx="0" cy="360000"/>
+                </a:xfrm>
+                <a:prstGeom prst="line">
+                  <a:avLst/>
+                </a:prstGeom>
+                <a:ln w="12700">
+                  <a:solidFill>
+                    <a:schemeClr val="tx1"/>
+                  </a:solidFill>
+                </a:ln>
+              </p:spPr>
+              <p:style>
+                <a:lnRef idx="2">
+                  <a:schemeClr val="accent1"/>
+                </a:lnRef>
+                <a:fillRef idx="0">
+                  <a:schemeClr val="accent1"/>
+                </a:fillRef>
+                <a:effectRef idx="1">
+                  <a:schemeClr val="accent1"/>
+                </a:effectRef>
+                <a:fontRef idx="minor">
+                  <a:schemeClr val="tx1"/>
+                </a:fontRef>
+              </p:style>
+            </p:cxnSp>
+            <p:cxnSp>
+              <p:nvCxnSpPr>
+                <p:cNvPr id="33" name="Straight Connector 32">
+                  <a:extLst>
+                    <a:ext uri="{FF2B5EF4-FFF2-40B4-BE49-F238E27FC236}">
+                      <a16:creationId xmlns:a16="http://schemas.microsoft.com/office/drawing/2014/main" id="{9B4697D3-0B95-2413-4D67-E9301375188A}"/>
+                    </a:ext>
+                  </a:extLst>
+                </p:cNvPr>
+                <p:cNvCxnSpPr/>
+                <p:nvPr/>
+              </p:nvCxnSpPr>
+              <p:spPr>
+                <a:xfrm>
+                  <a:off x="2780172" y="724061"/>
+                  <a:ext cx="0" cy="360000"/>
+                </a:xfrm>
+                <a:prstGeom prst="line">
+                  <a:avLst/>
+                </a:prstGeom>
+                <a:ln w="12700">
+                  <a:solidFill>
+                    <a:schemeClr val="tx1"/>
+                  </a:solidFill>
+                </a:ln>
+              </p:spPr>
+              <p:style>
+                <a:lnRef idx="2">
+                  <a:schemeClr val="accent1"/>
+                </a:lnRef>
+                <a:fillRef idx="0">
+                  <a:schemeClr val="accent1"/>
+                </a:fillRef>
+                <a:effectRef idx="1">
+                  <a:schemeClr val="accent1"/>
+                </a:effectRef>
+                <a:fontRef idx="minor">
+                  <a:schemeClr val="tx1"/>
+                </a:fontRef>
+              </p:style>
+            </p:cxnSp>
+          </p:grpSp>
+          <p:sp>
+            <p:nvSpPr>
+              <p:cNvPr id="17" name="Oval 16">
+                <a:extLst>
+                  <a:ext uri="{FF2B5EF4-FFF2-40B4-BE49-F238E27FC236}">
+                    <a16:creationId xmlns:a16="http://schemas.microsoft.com/office/drawing/2014/main" id="{AEC0E4C5-C907-3C44-4AA1-6AEE5369A22B}"/>
+                  </a:ext>
+                </a:extLst>
+              </p:cNvPr>
+              <p:cNvSpPr/>
+              <p:nvPr/>
+            </p:nvSpPr>
+            <p:spPr>
+              <a:xfrm>
+                <a:off x="2741223" y="657385"/>
+                <a:ext cx="77898" cy="74863"/>
+              </a:xfrm>
+              <a:prstGeom prst="ellipse">
+                <a:avLst/>
+              </a:prstGeom>
+              <a:solidFill>
+                <a:srgbClr val="FFFF00"/>
+              </a:solidFill>
+              <a:ln w="6350"/>
+            </p:spPr>
+            <p:style>
+              <a:lnRef idx="2">
+                <a:schemeClr val="accent1">
+                  <a:shade val="15000"/>
+                </a:schemeClr>
+              </a:lnRef>
+              <a:fillRef idx="1">
+                <a:schemeClr val="accent1"/>
+              </a:fillRef>
+              <a:effectRef idx="0">
+                <a:schemeClr val="accent1"/>
+              </a:effectRef>
+              <a:fontRef idx="minor">
+                <a:schemeClr val="lt1"/>
+              </a:fontRef>
+            </p:style>
+            <p:txBody>
+              <a:bodyPr rtlCol="0" anchor="ctr"/>
+              <a:lstStyle/>
+              <a:p>
+                <a:pPr algn="ctr"/>
+                <a:endParaRPr lang="en-US"/>
+              </a:p>
+            </p:txBody>
+          </p:sp>
+          <p:sp>
+            <p:nvSpPr>
+              <p:cNvPr id="21" name="Oval 20">
+                <a:extLst>
+                  <a:ext uri="{FF2B5EF4-FFF2-40B4-BE49-F238E27FC236}">
+                    <a16:creationId xmlns:a16="http://schemas.microsoft.com/office/drawing/2014/main" id="{E33F2587-DDCF-CC05-9FBE-348623421A80}"/>
+                  </a:ext>
+                </a:extLst>
+              </p:cNvPr>
+              <p:cNvSpPr/>
+              <p:nvPr/>
+            </p:nvSpPr>
+            <p:spPr>
+              <a:xfrm>
+                <a:off x="2746570" y="1050062"/>
+                <a:ext cx="77898" cy="74863"/>
+              </a:xfrm>
+              <a:prstGeom prst="ellipse">
+                <a:avLst/>
+              </a:prstGeom>
+              <a:solidFill>
+                <a:srgbClr val="FFFF00"/>
+              </a:solidFill>
+              <a:ln w="6350"/>
+            </p:spPr>
+            <p:style>
+              <a:lnRef idx="2">
+                <a:schemeClr val="accent1">
+                  <a:shade val="15000"/>
+                </a:schemeClr>
+              </a:lnRef>
+              <a:fillRef idx="1">
+                <a:schemeClr val="accent1"/>
+              </a:fillRef>
+              <a:effectRef idx="0">
+                <a:schemeClr val="accent1"/>
+              </a:effectRef>
+              <a:fontRef idx="minor">
+                <a:schemeClr val="lt1"/>
+              </a:fontRef>
+            </p:style>
+            <p:txBody>
+              <a:bodyPr rtlCol="0" anchor="ctr"/>
+              <a:lstStyle/>
+              <a:p>
+                <a:pPr algn="ctr"/>
+                <a:endParaRPr lang="en-US"/>
+              </a:p>
+            </p:txBody>
+          </p:sp>
+          <p:sp>
+            <p:nvSpPr>
+              <p:cNvPr id="22" name="Oval 21">
+                <a:extLst>
+                  <a:ext uri="{FF2B5EF4-FFF2-40B4-BE49-F238E27FC236}">
+                    <a16:creationId xmlns:a16="http://schemas.microsoft.com/office/drawing/2014/main" id="{38FA29EC-0CBD-FD05-1E1B-550B7954CB76}"/>
+                  </a:ext>
+                </a:extLst>
+              </p:cNvPr>
+              <p:cNvSpPr/>
+              <p:nvPr/>
+            </p:nvSpPr>
+            <p:spPr>
+              <a:xfrm>
+                <a:off x="2399789" y="657385"/>
+                <a:ext cx="77898" cy="74863"/>
+              </a:xfrm>
+              <a:prstGeom prst="ellipse">
+                <a:avLst/>
+              </a:prstGeom>
+              <a:solidFill>
+                <a:srgbClr val="FFFF00"/>
+              </a:solidFill>
+              <a:ln w="6350"/>
+            </p:spPr>
+            <p:style>
+              <a:lnRef idx="2">
+                <a:schemeClr val="accent1">
+                  <a:shade val="15000"/>
+                </a:schemeClr>
+              </a:lnRef>
+              <a:fillRef idx="1">
+                <a:schemeClr val="accent1"/>
+              </a:fillRef>
+              <a:effectRef idx="0">
+                <a:schemeClr val="accent1"/>
+              </a:effectRef>
+              <a:fontRef idx="minor">
+                <a:schemeClr val="lt1"/>
+              </a:fontRef>
+            </p:style>
+            <p:txBody>
+              <a:bodyPr rtlCol="0" anchor="ctr"/>
+              <a:lstStyle/>
+              <a:p>
+                <a:pPr algn="ctr"/>
+                <a:endParaRPr lang="en-US"/>
+              </a:p>
+            </p:txBody>
+          </p:sp>
+          <p:sp>
+            <p:nvSpPr>
+              <p:cNvPr id="23" name="Oval 22">
+                <a:extLst>
+                  <a:ext uri="{FF2B5EF4-FFF2-40B4-BE49-F238E27FC236}">
+                    <a16:creationId xmlns:a16="http://schemas.microsoft.com/office/drawing/2014/main" id="{CACE896E-F939-50E3-7342-6B1FEF3C7D98}"/>
+                  </a:ext>
+                </a:extLst>
+              </p:cNvPr>
+              <p:cNvSpPr/>
+              <p:nvPr/>
+            </p:nvSpPr>
+            <p:spPr>
+              <a:xfrm>
+                <a:off x="2399789" y="1050062"/>
+                <a:ext cx="77898" cy="74863"/>
+              </a:xfrm>
+              <a:prstGeom prst="ellipse">
+                <a:avLst/>
+              </a:prstGeom>
+              <a:solidFill>
+                <a:srgbClr val="FFFF00"/>
+              </a:solidFill>
+              <a:ln w="6350"/>
+            </p:spPr>
+            <p:style>
+              <a:lnRef idx="2">
+                <a:schemeClr val="accent1">
+                  <a:shade val="15000"/>
+                </a:schemeClr>
+              </a:lnRef>
+              <a:fillRef idx="1">
+                <a:schemeClr val="accent1"/>
+              </a:fillRef>
+              <a:effectRef idx="0">
+                <a:schemeClr val="accent1"/>
+              </a:effectRef>
+              <a:fontRef idx="minor">
+                <a:schemeClr val="lt1"/>
+              </a:fontRef>
+            </p:style>
+            <p:txBody>
+              <a:bodyPr rtlCol="0" anchor="ctr"/>
+              <a:lstStyle/>
+              <a:p>
+                <a:pPr algn="ctr"/>
+                <a:endParaRPr lang="en-US"/>
+              </a:p>
+            </p:txBody>
+          </p:sp>
+          <p:sp>
+            <p:nvSpPr>
+              <p:cNvPr id="24" name="Oval 23">
+                <a:extLst>
+                  <a:ext uri="{FF2B5EF4-FFF2-40B4-BE49-F238E27FC236}">
+                    <a16:creationId xmlns:a16="http://schemas.microsoft.com/office/drawing/2014/main" id="{3B2B7BD3-D6DC-FCBB-8260-79417456EBAF}"/>
+                  </a:ext>
+                </a:extLst>
+              </p:cNvPr>
+              <p:cNvSpPr/>
+              <p:nvPr/>
+            </p:nvSpPr>
+            <p:spPr>
+              <a:xfrm>
+                <a:off x="2040616" y="661763"/>
+                <a:ext cx="77898" cy="74863"/>
+              </a:xfrm>
+              <a:prstGeom prst="ellipse">
+                <a:avLst/>
+              </a:prstGeom>
+              <a:solidFill>
+                <a:srgbClr val="FFFF00"/>
+              </a:solidFill>
+              <a:ln w="6350"/>
+            </p:spPr>
+            <p:style>
+              <a:lnRef idx="2">
+                <a:schemeClr val="accent1">
+                  <a:shade val="15000"/>
+                </a:schemeClr>
+              </a:lnRef>
+              <a:fillRef idx="1">
+                <a:schemeClr val="accent1"/>
+              </a:fillRef>
+              <a:effectRef idx="0">
+                <a:schemeClr val="accent1"/>
+              </a:effectRef>
+              <a:fontRef idx="minor">
+                <a:schemeClr val="lt1"/>
+              </a:fontRef>
+            </p:style>
+            <p:txBody>
+              <a:bodyPr rtlCol="0" anchor="ctr"/>
+              <a:lstStyle/>
+              <a:p>
+                <a:pPr algn="ctr"/>
+                <a:endParaRPr lang="en-US"/>
+              </a:p>
+            </p:txBody>
+          </p:sp>
+          <p:sp>
+            <p:nvSpPr>
+              <p:cNvPr id="25" name="Oval 24">
+                <a:extLst>
+                  <a:ext uri="{FF2B5EF4-FFF2-40B4-BE49-F238E27FC236}">
+                    <a16:creationId xmlns:a16="http://schemas.microsoft.com/office/drawing/2014/main" id="{7F4B6158-3F3C-165F-22E3-B21B2F2EA785}"/>
+                  </a:ext>
+                </a:extLst>
+              </p:cNvPr>
+              <p:cNvSpPr/>
+              <p:nvPr/>
+            </p:nvSpPr>
+            <p:spPr>
+              <a:xfrm>
+                <a:off x="2040616" y="1054440"/>
+                <a:ext cx="77898" cy="74863"/>
+              </a:xfrm>
+              <a:prstGeom prst="ellipse">
+                <a:avLst/>
+              </a:prstGeom>
+              <a:solidFill>
+                <a:srgbClr val="FFFF00"/>
+              </a:solidFill>
+              <a:ln w="6350"/>
+            </p:spPr>
+            <p:style>
+              <a:lnRef idx="2">
+                <a:schemeClr val="accent1">
+                  <a:shade val="15000"/>
+                </a:schemeClr>
+              </a:lnRef>
+              <a:fillRef idx="1">
+                <a:schemeClr val="accent1"/>
+              </a:fillRef>
+              <a:effectRef idx="0">
+                <a:schemeClr val="accent1"/>
+              </a:effectRef>
+              <a:fontRef idx="minor">
+                <a:schemeClr val="lt1"/>
+              </a:fontRef>
+            </p:style>
+            <p:txBody>
+              <a:bodyPr rtlCol="0" anchor="ctr"/>
+              <a:lstStyle/>
+              <a:p>
+                <a:pPr algn="ctr"/>
+                <a:endParaRPr lang="en-US"/>
+              </a:p>
+            </p:txBody>
+          </p:sp>
+        </p:grpSp>
+      </p:grpSp>
+    </p:spTree>
+    <p:extLst>
+      <p:ext uri="{BB962C8B-B14F-4D97-AF65-F5344CB8AC3E}">
+        <p14:creationId xmlns:p14="http://schemas.microsoft.com/office/powerpoint/2010/main" val="3749680185"/>
+      </p:ext>
+    </p:extLst>
+  </p:cSld>
+  <p:clrMapOvr>
+    <a:masterClrMapping/>
+  </p:clrMapOvr>
+</p:sld>
+</file>
+
+<file path=ppt/slides/slide2.xml><?xml version="1.0" encoding="utf-8"?>
+<p:sld xmlns:a="http://schemas.openxmlformats.org/drawingml/2006/main" xmlns:r="http://schemas.openxmlformats.org/officeDocument/2006/relationships" xmlns:p="http://schemas.openxmlformats.org/presentationml/2006/main">
+  <p:cSld>
     <p:bg>
       <p:bgPr>
         <a:solidFill>
@@ -4024,6 +5056,212 @@
           <a:chExt cx="0" cy="0"/>
         </a:xfrm>
       </p:grpSpPr>
+      <p:pic>
+        <p:nvPicPr>
+          <p:cNvPr id="9" name="Picture 8" descr="A green object with black background&#10;&#10;Description automatically generated">
+            <a:extLst>
+              <a:ext uri="{FF2B5EF4-FFF2-40B4-BE49-F238E27FC236}">
+                <a16:creationId xmlns:a16="http://schemas.microsoft.com/office/drawing/2014/main" id="{342BBA2A-DE48-5F10-CA9E-F25CBD0BD27A}"/>
+              </a:ext>
+            </a:extLst>
+          </p:cNvPr>
+          <p:cNvPicPr>
+            <a:picLocks noChangeAspect="1"/>
+          </p:cNvPicPr>
+          <p:nvPr/>
+        </p:nvPicPr>
+        <p:blipFill>
+          <a:blip r:embed="rId3"/>
+          <a:stretch>
+            <a:fillRect/>
+          </a:stretch>
+        </p:blipFill>
+        <p:spPr>
+          <a:xfrm rot="347938">
+            <a:off x="376225" y="34736"/>
+            <a:ext cx="3897448" cy="2041129"/>
+          </a:xfrm>
+          <a:prstGeom prst="rect">
+            <a:avLst/>
+          </a:prstGeom>
+        </p:spPr>
+      </p:pic>
+      <p:cxnSp>
+        <p:nvCxnSpPr>
+          <p:cNvPr id="147" name="Straight Arrow Connector 146">
+            <a:extLst>
+              <a:ext uri="{FF2B5EF4-FFF2-40B4-BE49-F238E27FC236}">
+                <a16:creationId xmlns:a16="http://schemas.microsoft.com/office/drawing/2014/main" id="{5E550D06-65EC-D183-4569-A7B521C43DC4}"/>
+              </a:ext>
+            </a:extLst>
+          </p:cNvPr>
+          <p:cNvCxnSpPr>
+            <a:cxnSpLocks/>
+          </p:cNvCxnSpPr>
+          <p:nvPr/>
+        </p:nvCxnSpPr>
+        <p:spPr>
+          <a:xfrm rot="5400000" flipH="1">
+            <a:off x="2979836" y="1661423"/>
+            <a:ext cx="360000" cy="0"/>
+          </a:xfrm>
+          <a:prstGeom prst="straightConnector1">
+            <a:avLst/>
+          </a:prstGeom>
+          <a:ln w="12700">
+            <a:solidFill>
+              <a:schemeClr val="tx1"/>
+            </a:solidFill>
+            <a:tailEnd type="triangle"/>
+          </a:ln>
+        </p:spPr>
+        <p:style>
+          <a:lnRef idx="2">
+            <a:schemeClr val="accent1"/>
+          </a:lnRef>
+          <a:fillRef idx="0">
+            <a:schemeClr val="accent1"/>
+          </a:fillRef>
+          <a:effectRef idx="1">
+            <a:schemeClr val="accent1"/>
+          </a:effectRef>
+          <a:fontRef idx="minor">
+            <a:schemeClr val="tx1"/>
+          </a:fontRef>
+        </p:style>
+      </p:cxnSp>
+      <p:cxnSp>
+        <p:nvCxnSpPr>
+          <p:cNvPr id="142" name="Straight Arrow Connector 141">
+            <a:extLst>
+              <a:ext uri="{FF2B5EF4-FFF2-40B4-BE49-F238E27FC236}">
+                <a16:creationId xmlns:a16="http://schemas.microsoft.com/office/drawing/2014/main" id="{168640B7-CC79-6441-467C-413779E5CC09}"/>
+              </a:ext>
+            </a:extLst>
+          </p:cNvPr>
+          <p:cNvCxnSpPr>
+            <a:cxnSpLocks/>
+          </p:cNvCxnSpPr>
+          <p:nvPr/>
+        </p:nvCxnSpPr>
+        <p:spPr>
+          <a:xfrm rot="5400000" flipH="1">
+            <a:off x="2638585" y="1674169"/>
+            <a:ext cx="360000" cy="0"/>
+          </a:xfrm>
+          <a:prstGeom prst="straightConnector1">
+            <a:avLst/>
+          </a:prstGeom>
+          <a:ln w="12700">
+            <a:solidFill>
+              <a:schemeClr val="tx1"/>
+            </a:solidFill>
+            <a:tailEnd type="triangle"/>
+          </a:ln>
+        </p:spPr>
+        <p:style>
+          <a:lnRef idx="2">
+            <a:schemeClr val="accent1"/>
+          </a:lnRef>
+          <a:fillRef idx="0">
+            <a:schemeClr val="accent1"/>
+          </a:fillRef>
+          <a:effectRef idx="1">
+            <a:schemeClr val="accent1"/>
+          </a:effectRef>
+          <a:fontRef idx="minor">
+            <a:schemeClr val="tx1"/>
+          </a:fontRef>
+        </p:style>
+      </p:cxnSp>
+      <p:cxnSp>
+        <p:nvCxnSpPr>
+          <p:cNvPr id="137" name="Straight Arrow Connector 136">
+            <a:extLst>
+              <a:ext uri="{FF2B5EF4-FFF2-40B4-BE49-F238E27FC236}">
+                <a16:creationId xmlns:a16="http://schemas.microsoft.com/office/drawing/2014/main" id="{A161AD0B-BD06-B6F4-D690-F8E184279835}"/>
+              </a:ext>
+            </a:extLst>
+          </p:cNvPr>
+          <p:cNvCxnSpPr>
+            <a:cxnSpLocks/>
+          </p:cNvCxnSpPr>
+          <p:nvPr/>
+        </p:nvCxnSpPr>
+        <p:spPr>
+          <a:xfrm rot="5400000" flipH="1">
+            <a:off x="2273882" y="1662369"/>
+            <a:ext cx="360000" cy="0"/>
+          </a:xfrm>
+          <a:prstGeom prst="straightConnector1">
+            <a:avLst/>
+          </a:prstGeom>
+          <a:ln w="12700">
+            <a:solidFill>
+              <a:schemeClr val="tx1"/>
+            </a:solidFill>
+            <a:tailEnd type="triangle"/>
+          </a:ln>
+        </p:spPr>
+        <p:style>
+          <a:lnRef idx="2">
+            <a:schemeClr val="accent1"/>
+          </a:lnRef>
+          <a:fillRef idx="0">
+            <a:schemeClr val="accent1"/>
+          </a:fillRef>
+          <a:effectRef idx="1">
+            <a:schemeClr val="accent1"/>
+          </a:effectRef>
+          <a:fontRef idx="minor">
+            <a:schemeClr val="tx1"/>
+          </a:fontRef>
+        </p:style>
+      </p:cxnSp>
+      <p:cxnSp>
+        <p:nvCxnSpPr>
+          <p:cNvPr id="132" name="Straight Arrow Connector 131">
+            <a:extLst>
+              <a:ext uri="{FF2B5EF4-FFF2-40B4-BE49-F238E27FC236}">
+                <a16:creationId xmlns:a16="http://schemas.microsoft.com/office/drawing/2014/main" id="{AB51AEA7-4452-552B-60F1-F0EE0146B5A9}"/>
+              </a:ext>
+            </a:extLst>
+          </p:cNvPr>
+          <p:cNvCxnSpPr>
+            <a:cxnSpLocks/>
+          </p:cNvCxnSpPr>
+          <p:nvPr/>
+        </p:nvCxnSpPr>
+        <p:spPr>
+          <a:xfrm rot="5400000" flipH="1">
+            <a:off x="1914709" y="1660040"/>
+            <a:ext cx="360000" cy="0"/>
+          </a:xfrm>
+          <a:prstGeom prst="straightConnector1">
+            <a:avLst/>
+          </a:prstGeom>
+          <a:ln w="12700">
+            <a:solidFill>
+              <a:schemeClr val="tx1"/>
+            </a:solidFill>
+            <a:tailEnd type="triangle"/>
+          </a:ln>
+        </p:spPr>
+        <p:style>
+          <a:lnRef idx="2">
+            <a:schemeClr val="accent1"/>
+          </a:lnRef>
+          <a:fillRef idx="0">
+            <a:schemeClr val="accent1"/>
+          </a:fillRef>
+          <a:effectRef idx="1">
+            <a:schemeClr val="accent1"/>
+          </a:effectRef>
+          <a:fontRef idx="minor">
+            <a:schemeClr val="tx1"/>
+          </a:fontRef>
+        </p:style>
+      </p:cxnSp>
       <p:cxnSp>
         <p:nvCxnSpPr>
           <p:cNvPr id="5" name="Straight Connector 4">
@@ -4038,7 +5276,7 @@
         </p:nvCxnSpPr>
         <p:spPr>
           <a:xfrm rot="5400000">
-            <a:off x="2298917" y="-1285987"/>
+            <a:off x="2232705" y="50168"/>
             <a:ext cx="0" cy="3600000"/>
           </a:xfrm>
           <a:prstGeom prst="line">
@@ -4076,7 +5314,7 @@
           <p:nvPr/>
         </p:nvPicPr>
         <p:blipFill rotWithShape="1">
-          <a:blip r:embed="rId3">
+          <a:blip r:embed="rId4">
             <a:clrChange>
               <a:clrFrom>
                 <a:srgbClr val="000000">
@@ -4099,7 +5337,7 @@
             <a:extLst>
               <a:ext uri="{BEBA8EAE-BF5A-486C-A8C5-ECC9F3942E4B}">
                 <a14:imgProps xmlns:a14="http://schemas.microsoft.com/office/drawing/2010/main">
-                  <a14:imgLayer r:embed="rId4">
+                  <a14:imgLayer r:embed="rId5">
                     <a14:imgEffect>
                       <a14:backgroundRemoval t="41694" b="93485" l="3896" r="49351">
                         <a14:foregroundMark x1="15844" y1="75244" x2="19221" y2="77850"/>
@@ -4171,7 +5409,7 @@
         </p:blipFill>
         <p:spPr>
           <a:xfrm rot="13282835">
-            <a:off x="4036582" y="313167"/>
+            <a:off x="3970370" y="1649322"/>
             <a:ext cx="392865" cy="401692"/>
           </a:xfrm>
           <a:prstGeom prst="diamond">
@@ -4194,8 +5432,8 @@
         </p:nvSpPr>
         <p:spPr>
           <a:xfrm>
-            <a:off x="4274010" y="354703"/>
-            <a:ext cx="373820" cy="276999"/>
+            <a:off x="4207798" y="1690858"/>
+            <a:ext cx="364202" cy="276999"/>
           </a:xfrm>
           <a:prstGeom prst="rect">
             <a:avLst/>
@@ -4213,7 +5451,7 @@
                 <a:latin typeface="Times New Roman" panose="02020603050405020304" pitchFamily="18" charset="0"/>
                 <a:cs typeface="Times New Roman" panose="02020603050405020304" pitchFamily="18" charset="0"/>
               </a:rPr>
-              <a:t>(ii)</a:t>
+              <a:t>(1)</a:t>
             </a:r>
           </a:p>
         </p:txBody>
@@ -4232,8 +5470,8 @@
         </p:nvSpPr>
         <p:spPr>
           <a:xfrm>
-            <a:off x="3733233" y="14153"/>
-            <a:ext cx="417102" cy="276999"/>
+            <a:off x="3667021" y="1350308"/>
+            <a:ext cx="364202" cy="276999"/>
           </a:xfrm>
           <a:prstGeom prst="rect">
             <a:avLst/>
@@ -4251,7 +5489,7 @@
                 <a:latin typeface="Times New Roman" panose="02020603050405020304" pitchFamily="18" charset="0"/>
                 <a:cs typeface="Times New Roman" panose="02020603050405020304" pitchFamily="18" charset="0"/>
               </a:rPr>
-              <a:t>(iii)</a:t>
+              <a:t>(2)</a:t>
             </a:r>
           </a:p>
         </p:txBody>
@@ -4270,8 +5508,8 @@
         </p:nvSpPr>
         <p:spPr>
           <a:xfrm>
-            <a:off x="440604" y="166226"/>
-            <a:ext cx="407484" cy="276999"/>
+            <a:off x="374392" y="1502381"/>
+            <a:ext cx="364202" cy="276999"/>
           </a:xfrm>
           <a:prstGeom prst="rect">
             <a:avLst/>
@@ -4289,7 +5527,7 @@
                 <a:latin typeface="Times New Roman" panose="02020603050405020304" pitchFamily="18" charset="0"/>
                 <a:cs typeface="Times New Roman" panose="02020603050405020304" pitchFamily="18" charset="0"/>
               </a:rPr>
-              <a:t>(iv)</a:t>
+              <a:t>(3)</a:t>
             </a:r>
           </a:p>
         </p:txBody>
@@ -4308,7 +5546,7 @@
         </p:nvCxnSpPr>
         <p:spPr>
           <a:xfrm rot="10800000">
-            <a:off x="4098917" y="114088"/>
+            <a:off x="4032705" y="1450243"/>
             <a:ext cx="0" cy="720000"/>
           </a:xfrm>
           <a:prstGeom prst="line">
@@ -4352,7 +5590,7 @@
         </p:nvCxnSpPr>
         <p:spPr>
           <a:xfrm>
-            <a:off x="498917" y="405871"/>
+            <a:off x="432705" y="1742026"/>
             <a:ext cx="0" cy="216000"/>
           </a:xfrm>
           <a:prstGeom prst="line">
@@ -4396,7 +5634,7 @@
         </p:nvCxnSpPr>
         <p:spPr>
           <a:xfrm flipH="1" flipV="1">
-            <a:off x="3856770" y="296728"/>
+            <a:off x="3790558" y="1632883"/>
             <a:ext cx="219797" cy="2010"/>
           </a:xfrm>
           <a:prstGeom prst="straightConnector1">
@@ -4440,7 +5678,7 @@
         </p:nvCxnSpPr>
         <p:spPr>
           <a:xfrm flipH="1" flipV="1">
-            <a:off x="3856772" y="672041"/>
+            <a:off x="3790560" y="2008196"/>
             <a:ext cx="219797" cy="2010"/>
           </a:xfrm>
           <a:prstGeom prst="straightConnector1">
@@ -4484,7 +5722,7 @@
         </p:nvCxnSpPr>
         <p:spPr>
           <a:xfrm>
-            <a:off x="498917" y="455160"/>
+            <a:off x="432705" y="1791315"/>
             <a:ext cx="219600" cy="0"/>
           </a:xfrm>
           <a:prstGeom prst="straightConnector1">
@@ -4528,7 +5766,7 @@
         </p:nvCxnSpPr>
         <p:spPr>
           <a:xfrm>
-            <a:off x="498917" y="567415"/>
+            <a:off x="432705" y="1903570"/>
             <a:ext cx="219600" cy="0"/>
           </a:xfrm>
           <a:prstGeom prst="straightConnector1">
@@ -4572,7 +5810,7 @@
         </p:nvCxnSpPr>
         <p:spPr>
           <a:xfrm>
-            <a:off x="4062098" y="107738"/>
+            <a:off x="3995886" y="1443893"/>
             <a:ext cx="72000" cy="0"/>
           </a:xfrm>
           <a:prstGeom prst="line">
@@ -4616,7 +5854,7 @@
         </p:nvCxnSpPr>
         <p:spPr>
           <a:xfrm>
-            <a:off x="462917" y="401850"/>
+            <a:off x="396705" y="1738005"/>
             <a:ext cx="72000" cy="0"/>
           </a:xfrm>
           <a:prstGeom prst="line">
@@ -4660,6601 +5898,7 @@
         </p:nvCxnSpPr>
         <p:spPr>
           <a:xfrm>
-            <a:off x="464396" y="625274"/>
-            <a:ext cx="72000" cy="0"/>
-          </a:xfrm>
-          <a:prstGeom prst="line">
-            <a:avLst/>
-          </a:prstGeom>
-          <a:ln w="12700">
-            <a:solidFill>
-              <a:srgbClr val="FF0000"/>
-            </a:solidFill>
-            <a:prstDash val="solid"/>
-          </a:ln>
-        </p:spPr>
-        <p:style>
-          <a:lnRef idx="2">
-            <a:schemeClr val="accent1"/>
-          </a:lnRef>
-          <a:fillRef idx="0">
-            <a:schemeClr val="accent1"/>
-          </a:fillRef>
-          <a:effectRef idx="1">
-            <a:schemeClr val="accent1"/>
-          </a:effectRef>
-          <a:fontRef idx="minor">
-            <a:schemeClr val="tx1"/>
-          </a:fontRef>
-        </p:style>
-      </p:cxnSp>
-      <p:grpSp>
-        <p:nvGrpSpPr>
-          <p:cNvPr id="156" name="Group 155">
-            <a:extLst>
-              <a:ext uri="{FF2B5EF4-FFF2-40B4-BE49-F238E27FC236}">
-                <a16:creationId xmlns:a16="http://schemas.microsoft.com/office/drawing/2014/main" id="{B463A0EA-D075-573C-B198-AB039F847979}"/>
-              </a:ext>
-            </a:extLst>
-          </p:cNvPr>
-          <p:cNvGrpSpPr/>
-          <p:nvPr/>
-        </p:nvGrpSpPr>
-        <p:grpSpPr>
-          <a:xfrm>
-            <a:off x="295130" y="650520"/>
-            <a:ext cx="4153809" cy="1553764"/>
-            <a:chOff x="295127" y="1064140"/>
-            <a:chExt cx="4153809" cy="1553764"/>
-          </a:xfrm>
-        </p:grpSpPr>
-        <p:sp>
-          <p:nvSpPr>
-            <p:cNvPr id="121" name="4-Point Star 120">
-              <a:extLst>
-                <a:ext uri="{FF2B5EF4-FFF2-40B4-BE49-F238E27FC236}">
-                  <a16:creationId xmlns:a16="http://schemas.microsoft.com/office/drawing/2014/main" id="{8089B9E8-2175-03E7-8054-4CA458DED2A7}"/>
-                </a:ext>
-              </a:extLst>
-            </p:cNvPr>
-            <p:cNvSpPr/>
-            <p:nvPr/>
-          </p:nvSpPr>
-          <p:spPr>
-            <a:xfrm rot="8268671">
-              <a:off x="1409046" y="1240615"/>
-              <a:ext cx="188192" cy="168026"/>
-            </a:xfrm>
-            <a:prstGeom prst="star4">
-              <a:avLst>
-                <a:gd name="adj" fmla="val 6689"/>
-              </a:avLst>
-            </a:prstGeom>
-            <a:solidFill>
-              <a:srgbClr val="FFC000"/>
-            </a:solidFill>
-            <a:ln w="3175">
-              <a:solidFill>
-                <a:schemeClr val="tx1"/>
-              </a:solidFill>
-            </a:ln>
-          </p:spPr>
-          <p:style>
-            <a:lnRef idx="2">
-              <a:schemeClr val="accent1">
-                <a:shade val="15000"/>
-              </a:schemeClr>
-            </a:lnRef>
-            <a:fillRef idx="1">
-              <a:schemeClr val="accent1"/>
-            </a:fillRef>
-            <a:effectRef idx="0">
-              <a:schemeClr val="accent1"/>
-            </a:effectRef>
-            <a:fontRef idx="minor">
-              <a:schemeClr val="lt1"/>
-            </a:fontRef>
-          </p:style>
-          <p:txBody>
-            <a:bodyPr rtlCol="0" anchor="ctr"/>
-            <a:lstStyle/>
-            <a:p>
-              <a:pPr algn="ctr"/>
-              <a:endParaRPr lang="en-US"/>
-            </a:p>
-          </p:txBody>
-        </p:sp>
-        <p:sp>
-          <p:nvSpPr>
-            <p:cNvPr id="124" name="4-Point Star 123">
-              <a:extLst>
-                <a:ext uri="{FF2B5EF4-FFF2-40B4-BE49-F238E27FC236}">
-                  <a16:creationId xmlns:a16="http://schemas.microsoft.com/office/drawing/2014/main" id="{C4C1E1BC-25A6-2CF0-2F2F-4FE4E11571C2}"/>
-                </a:ext>
-              </a:extLst>
-            </p:cNvPr>
-            <p:cNvSpPr/>
-            <p:nvPr/>
-          </p:nvSpPr>
-          <p:spPr>
-            <a:xfrm rot="8268671">
-              <a:off x="2114295" y="1222940"/>
-              <a:ext cx="188192" cy="168026"/>
-            </a:xfrm>
-            <a:prstGeom prst="star4">
-              <a:avLst>
-                <a:gd name="adj" fmla="val 6689"/>
-              </a:avLst>
-            </a:prstGeom>
-            <a:solidFill>
-              <a:srgbClr val="FFC000"/>
-            </a:solidFill>
-            <a:ln w="3175">
-              <a:solidFill>
-                <a:schemeClr val="tx1"/>
-              </a:solidFill>
-            </a:ln>
-          </p:spPr>
-          <p:style>
-            <a:lnRef idx="2">
-              <a:schemeClr val="accent1">
-                <a:shade val="15000"/>
-              </a:schemeClr>
-            </a:lnRef>
-            <a:fillRef idx="1">
-              <a:schemeClr val="accent1"/>
-            </a:fillRef>
-            <a:effectRef idx="0">
-              <a:schemeClr val="accent1"/>
-            </a:effectRef>
-            <a:fontRef idx="minor">
-              <a:schemeClr val="lt1"/>
-            </a:fontRef>
-          </p:style>
-          <p:txBody>
-            <a:bodyPr rtlCol="0" anchor="ctr"/>
-            <a:lstStyle/>
-            <a:p>
-              <a:pPr algn="ctr"/>
-              <a:endParaRPr lang="en-US"/>
-            </a:p>
-          </p:txBody>
-        </p:sp>
-        <p:sp>
-          <p:nvSpPr>
-            <p:cNvPr id="125" name="4-Point Star 124">
-              <a:extLst>
-                <a:ext uri="{FF2B5EF4-FFF2-40B4-BE49-F238E27FC236}">
-                  <a16:creationId xmlns:a16="http://schemas.microsoft.com/office/drawing/2014/main" id="{97A6B121-661A-B57E-E295-5BFFDDC5CCE6}"/>
-                </a:ext>
-              </a:extLst>
-            </p:cNvPr>
-            <p:cNvSpPr/>
-            <p:nvPr/>
-          </p:nvSpPr>
-          <p:spPr>
-            <a:xfrm rot="8268671">
-              <a:off x="1751675" y="1211787"/>
-              <a:ext cx="188192" cy="168026"/>
-            </a:xfrm>
-            <a:prstGeom prst="star4">
-              <a:avLst>
-                <a:gd name="adj" fmla="val 6689"/>
-              </a:avLst>
-            </a:prstGeom>
-            <a:solidFill>
-              <a:srgbClr val="FFC000"/>
-            </a:solidFill>
-            <a:ln w="3175">
-              <a:solidFill>
-                <a:schemeClr val="tx1"/>
-              </a:solidFill>
-            </a:ln>
-          </p:spPr>
-          <p:style>
-            <a:lnRef idx="2">
-              <a:schemeClr val="accent1">
-                <a:shade val="15000"/>
-              </a:schemeClr>
-            </a:lnRef>
-            <a:fillRef idx="1">
-              <a:schemeClr val="accent1"/>
-            </a:fillRef>
-            <a:effectRef idx="0">
-              <a:schemeClr val="accent1"/>
-            </a:effectRef>
-            <a:fontRef idx="minor">
-              <a:schemeClr val="lt1"/>
-            </a:fontRef>
-          </p:style>
-          <p:txBody>
-            <a:bodyPr rtlCol="0" anchor="ctr"/>
-            <a:lstStyle/>
-            <a:p>
-              <a:pPr algn="ctr"/>
-              <a:endParaRPr lang="en-US"/>
-            </a:p>
-          </p:txBody>
-        </p:sp>
-        <p:sp>
-          <p:nvSpPr>
-            <p:cNvPr id="115" name="Freeform 114">
-              <a:extLst>
-                <a:ext uri="{FF2B5EF4-FFF2-40B4-BE49-F238E27FC236}">
-                  <a16:creationId xmlns:a16="http://schemas.microsoft.com/office/drawing/2014/main" id="{55D055E4-C499-A7DF-369F-93DAA46DAE8C}"/>
-                </a:ext>
-              </a:extLst>
-            </p:cNvPr>
-            <p:cNvSpPr/>
-            <p:nvPr/>
-          </p:nvSpPr>
-          <p:spPr>
-            <a:xfrm rot="16200000">
-              <a:off x="1659021" y="-14129"/>
-              <a:ext cx="1268139" cy="3995927"/>
-            </a:xfrm>
-            <a:custGeom>
-              <a:avLst/>
-              <a:gdLst>
-                <a:gd name="connsiteX0" fmla="*/ 114300 w 1207294"/>
-                <a:gd name="connsiteY0" fmla="*/ 621506 h 4107656"/>
-                <a:gd name="connsiteX1" fmla="*/ 114300 w 1207294"/>
-                <a:gd name="connsiteY1" fmla="*/ 621506 h 4107656"/>
-                <a:gd name="connsiteX2" fmla="*/ 121444 w 1207294"/>
-                <a:gd name="connsiteY2" fmla="*/ 321469 h 4107656"/>
-                <a:gd name="connsiteX3" fmla="*/ 135731 w 1207294"/>
-                <a:gd name="connsiteY3" fmla="*/ 250031 h 4107656"/>
-                <a:gd name="connsiteX4" fmla="*/ 142875 w 1207294"/>
-                <a:gd name="connsiteY4" fmla="*/ 214312 h 4107656"/>
-                <a:gd name="connsiteX5" fmla="*/ 164306 w 1207294"/>
-                <a:gd name="connsiteY5" fmla="*/ 150019 h 4107656"/>
-                <a:gd name="connsiteX6" fmla="*/ 171450 w 1207294"/>
-                <a:gd name="connsiteY6" fmla="*/ 128587 h 4107656"/>
-                <a:gd name="connsiteX7" fmla="*/ 192881 w 1207294"/>
-                <a:gd name="connsiteY7" fmla="*/ 85725 h 4107656"/>
-                <a:gd name="connsiteX8" fmla="*/ 214312 w 1207294"/>
-                <a:gd name="connsiteY8" fmla="*/ 71437 h 4107656"/>
-                <a:gd name="connsiteX9" fmla="*/ 271462 w 1207294"/>
-                <a:gd name="connsiteY9" fmla="*/ 21431 h 4107656"/>
-                <a:gd name="connsiteX10" fmla="*/ 314325 w 1207294"/>
-                <a:gd name="connsiteY10" fmla="*/ 7144 h 4107656"/>
-                <a:gd name="connsiteX11" fmla="*/ 335756 w 1207294"/>
-                <a:gd name="connsiteY11" fmla="*/ 0 h 4107656"/>
-                <a:gd name="connsiteX12" fmla="*/ 507206 w 1207294"/>
-                <a:gd name="connsiteY12" fmla="*/ 21431 h 4107656"/>
-                <a:gd name="connsiteX13" fmla="*/ 528637 w 1207294"/>
-                <a:gd name="connsiteY13" fmla="*/ 28575 h 4107656"/>
-                <a:gd name="connsiteX14" fmla="*/ 592931 w 1207294"/>
-                <a:gd name="connsiteY14" fmla="*/ 71437 h 4107656"/>
-                <a:gd name="connsiteX15" fmla="*/ 614362 w 1207294"/>
-                <a:gd name="connsiteY15" fmla="*/ 85725 h 4107656"/>
-                <a:gd name="connsiteX16" fmla="*/ 635794 w 1207294"/>
-                <a:gd name="connsiteY16" fmla="*/ 100012 h 4107656"/>
-                <a:gd name="connsiteX17" fmla="*/ 671512 w 1207294"/>
-                <a:gd name="connsiteY17" fmla="*/ 135731 h 4107656"/>
-                <a:gd name="connsiteX18" fmla="*/ 685800 w 1207294"/>
-                <a:gd name="connsiteY18" fmla="*/ 157162 h 4107656"/>
-                <a:gd name="connsiteX19" fmla="*/ 728662 w 1207294"/>
-                <a:gd name="connsiteY19" fmla="*/ 185737 h 4107656"/>
-                <a:gd name="connsiteX20" fmla="*/ 771525 w 1207294"/>
-                <a:gd name="connsiteY20" fmla="*/ 221456 h 4107656"/>
-                <a:gd name="connsiteX21" fmla="*/ 792956 w 1207294"/>
-                <a:gd name="connsiteY21" fmla="*/ 242887 h 4107656"/>
-                <a:gd name="connsiteX22" fmla="*/ 814387 w 1207294"/>
-                <a:gd name="connsiteY22" fmla="*/ 257175 h 4107656"/>
-                <a:gd name="connsiteX23" fmla="*/ 857250 w 1207294"/>
-                <a:gd name="connsiteY23" fmla="*/ 300037 h 4107656"/>
-                <a:gd name="connsiteX24" fmla="*/ 878681 w 1207294"/>
-                <a:gd name="connsiteY24" fmla="*/ 321469 h 4107656"/>
-                <a:gd name="connsiteX25" fmla="*/ 928687 w 1207294"/>
-                <a:gd name="connsiteY25" fmla="*/ 385762 h 4107656"/>
-                <a:gd name="connsiteX26" fmla="*/ 935831 w 1207294"/>
-                <a:gd name="connsiteY26" fmla="*/ 407194 h 4107656"/>
-                <a:gd name="connsiteX27" fmla="*/ 964406 w 1207294"/>
-                <a:gd name="connsiteY27" fmla="*/ 450056 h 4107656"/>
-                <a:gd name="connsiteX28" fmla="*/ 971550 w 1207294"/>
-                <a:gd name="connsiteY28" fmla="*/ 471487 h 4107656"/>
-                <a:gd name="connsiteX29" fmla="*/ 1000125 w 1207294"/>
-                <a:gd name="connsiteY29" fmla="*/ 514350 h 4107656"/>
-                <a:gd name="connsiteX30" fmla="*/ 1007269 w 1207294"/>
-                <a:gd name="connsiteY30" fmla="*/ 535781 h 4107656"/>
-                <a:gd name="connsiteX31" fmla="*/ 1035844 w 1207294"/>
-                <a:gd name="connsiteY31" fmla="*/ 578644 h 4107656"/>
-                <a:gd name="connsiteX32" fmla="*/ 1050131 w 1207294"/>
-                <a:gd name="connsiteY32" fmla="*/ 628650 h 4107656"/>
-                <a:gd name="connsiteX33" fmla="*/ 1064419 w 1207294"/>
-                <a:gd name="connsiteY33" fmla="*/ 671512 h 4107656"/>
-                <a:gd name="connsiteX34" fmla="*/ 1071562 w 1207294"/>
-                <a:gd name="connsiteY34" fmla="*/ 692944 h 4107656"/>
-                <a:gd name="connsiteX35" fmla="*/ 1107281 w 1207294"/>
-                <a:gd name="connsiteY35" fmla="*/ 800100 h 4107656"/>
-                <a:gd name="connsiteX36" fmla="*/ 1128712 w 1207294"/>
-                <a:gd name="connsiteY36" fmla="*/ 864394 h 4107656"/>
-                <a:gd name="connsiteX37" fmla="*/ 1135856 w 1207294"/>
-                <a:gd name="connsiteY37" fmla="*/ 885825 h 4107656"/>
-                <a:gd name="connsiteX38" fmla="*/ 1143000 w 1207294"/>
-                <a:gd name="connsiteY38" fmla="*/ 907256 h 4107656"/>
-                <a:gd name="connsiteX39" fmla="*/ 1150144 w 1207294"/>
-                <a:gd name="connsiteY39" fmla="*/ 964406 h 4107656"/>
-                <a:gd name="connsiteX40" fmla="*/ 1157287 w 1207294"/>
-                <a:gd name="connsiteY40" fmla="*/ 1007269 h 4107656"/>
-                <a:gd name="connsiteX41" fmla="*/ 1178719 w 1207294"/>
-                <a:gd name="connsiteY41" fmla="*/ 1193006 h 4107656"/>
-                <a:gd name="connsiteX42" fmla="*/ 1193006 w 1207294"/>
-                <a:gd name="connsiteY42" fmla="*/ 1314450 h 4107656"/>
-                <a:gd name="connsiteX43" fmla="*/ 1207294 w 1207294"/>
-                <a:gd name="connsiteY43" fmla="*/ 1578769 h 4107656"/>
-                <a:gd name="connsiteX44" fmla="*/ 1200150 w 1207294"/>
-                <a:gd name="connsiteY44" fmla="*/ 1921669 h 4107656"/>
-                <a:gd name="connsiteX45" fmla="*/ 1185862 w 1207294"/>
-                <a:gd name="connsiteY45" fmla="*/ 2100262 h 4107656"/>
-                <a:gd name="connsiteX46" fmla="*/ 1171575 w 1207294"/>
-                <a:gd name="connsiteY46" fmla="*/ 2407444 h 4107656"/>
-                <a:gd name="connsiteX47" fmla="*/ 1157287 w 1207294"/>
-                <a:gd name="connsiteY47" fmla="*/ 2528887 h 4107656"/>
-                <a:gd name="connsiteX48" fmla="*/ 1150144 w 1207294"/>
-                <a:gd name="connsiteY48" fmla="*/ 2557462 h 4107656"/>
-                <a:gd name="connsiteX49" fmla="*/ 1135856 w 1207294"/>
-                <a:gd name="connsiteY49" fmla="*/ 2650331 h 4107656"/>
-                <a:gd name="connsiteX50" fmla="*/ 1128712 w 1207294"/>
-                <a:gd name="connsiteY50" fmla="*/ 2693194 h 4107656"/>
-                <a:gd name="connsiteX51" fmla="*/ 1114425 w 1207294"/>
-                <a:gd name="connsiteY51" fmla="*/ 2857500 h 4107656"/>
-                <a:gd name="connsiteX52" fmla="*/ 1121569 w 1207294"/>
-                <a:gd name="connsiteY52" fmla="*/ 3057525 h 4107656"/>
-                <a:gd name="connsiteX53" fmla="*/ 1128712 w 1207294"/>
-                <a:gd name="connsiteY53" fmla="*/ 3121819 h 4107656"/>
-                <a:gd name="connsiteX54" fmla="*/ 1135856 w 1207294"/>
-                <a:gd name="connsiteY54" fmla="*/ 3193256 h 4107656"/>
-                <a:gd name="connsiteX55" fmla="*/ 1143000 w 1207294"/>
-                <a:gd name="connsiteY55" fmla="*/ 3236119 h 4107656"/>
-                <a:gd name="connsiteX56" fmla="*/ 1150144 w 1207294"/>
-                <a:gd name="connsiteY56" fmla="*/ 3286125 h 4107656"/>
-                <a:gd name="connsiteX57" fmla="*/ 1128712 w 1207294"/>
-                <a:gd name="connsiteY57" fmla="*/ 3571875 h 4107656"/>
-                <a:gd name="connsiteX58" fmla="*/ 1121569 w 1207294"/>
-                <a:gd name="connsiteY58" fmla="*/ 3764756 h 4107656"/>
-                <a:gd name="connsiteX59" fmla="*/ 1107281 w 1207294"/>
-                <a:gd name="connsiteY59" fmla="*/ 3879056 h 4107656"/>
-                <a:gd name="connsiteX60" fmla="*/ 1092994 w 1207294"/>
-                <a:gd name="connsiteY60" fmla="*/ 3929062 h 4107656"/>
-                <a:gd name="connsiteX61" fmla="*/ 1078706 w 1207294"/>
-                <a:gd name="connsiteY61" fmla="*/ 3950494 h 4107656"/>
-                <a:gd name="connsiteX62" fmla="*/ 1014412 w 1207294"/>
-                <a:gd name="connsiteY62" fmla="*/ 4007644 h 4107656"/>
-                <a:gd name="connsiteX63" fmla="*/ 971550 w 1207294"/>
-                <a:gd name="connsiteY63" fmla="*/ 4021931 h 4107656"/>
-                <a:gd name="connsiteX64" fmla="*/ 907256 w 1207294"/>
-                <a:gd name="connsiteY64" fmla="*/ 4050506 h 4107656"/>
-                <a:gd name="connsiteX65" fmla="*/ 871537 w 1207294"/>
-                <a:gd name="connsiteY65" fmla="*/ 4057650 h 4107656"/>
-                <a:gd name="connsiteX66" fmla="*/ 828675 w 1207294"/>
-                <a:gd name="connsiteY66" fmla="*/ 4064794 h 4107656"/>
-                <a:gd name="connsiteX67" fmla="*/ 785812 w 1207294"/>
-                <a:gd name="connsiteY67" fmla="*/ 4079081 h 4107656"/>
-                <a:gd name="connsiteX68" fmla="*/ 742950 w 1207294"/>
-                <a:gd name="connsiteY68" fmla="*/ 4093369 h 4107656"/>
-                <a:gd name="connsiteX69" fmla="*/ 721519 w 1207294"/>
-                <a:gd name="connsiteY69" fmla="*/ 4100512 h 4107656"/>
-                <a:gd name="connsiteX70" fmla="*/ 700087 w 1207294"/>
-                <a:gd name="connsiteY70" fmla="*/ 4107656 h 4107656"/>
-                <a:gd name="connsiteX71" fmla="*/ 578644 w 1207294"/>
-                <a:gd name="connsiteY71" fmla="*/ 4100512 h 4107656"/>
-                <a:gd name="connsiteX72" fmla="*/ 514350 w 1207294"/>
-                <a:gd name="connsiteY72" fmla="*/ 4071937 h 4107656"/>
-                <a:gd name="connsiteX73" fmla="*/ 492919 w 1207294"/>
-                <a:gd name="connsiteY73" fmla="*/ 4064794 h 4107656"/>
-                <a:gd name="connsiteX74" fmla="*/ 450056 w 1207294"/>
-                <a:gd name="connsiteY74" fmla="*/ 4014787 h 4107656"/>
-                <a:gd name="connsiteX75" fmla="*/ 421481 w 1207294"/>
-                <a:gd name="connsiteY75" fmla="*/ 3971925 h 4107656"/>
-                <a:gd name="connsiteX76" fmla="*/ 407194 w 1207294"/>
-                <a:gd name="connsiteY76" fmla="*/ 3950494 h 4107656"/>
-                <a:gd name="connsiteX77" fmla="*/ 400050 w 1207294"/>
-                <a:gd name="connsiteY77" fmla="*/ 3929062 h 4107656"/>
-                <a:gd name="connsiteX78" fmla="*/ 378619 w 1207294"/>
-                <a:gd name="connsiteY78" fmla="*/ 3907631 h 4107656"/>
-                <a:gd name="connsiteX79" fmla="*/ 357187 w 1207294"/>
-                <a:gd name="connsiteY79" fmla="*/ 3857625 h 4107656"/>
-                <a:gd name="connsiteX80" fmla="*/ 342900 w 1207294"/>
-                <a:gd name="connsiteY80" fmla="*/ 3829050 h 4107656"/>
-                <a:gd name="connsiteX81" fmla="*/ 328612 w 1207294"/>
-                <a:gd name="connsiteY81" fmla="*/ 3771900 h 4107656"/>
-                <a:gd name="connsiteX82" fmla="*/ 314325 w 1207294"/>
-                <a:gd name="connsiteY82" fmla="*/ 3750469 h 4107656"/>
-                <a:gd name="connsiteX83" fmla="*/ 300037 w 1207294"/>
-                <a:gd name="connsiteY83" fmla="*/ 3707606 h 4107656"/>
-                <a:gd name="connsiteX84" fmla="*/ 285750 w 1207294"/>
-                <a:gd name="connsiteY84" fmla="*/ 3686175 h 4107656"/>
-                <a:gd name="connsiteX85" fmla="*/ 271462 w 1207294"/>
-                <a:gd name="connsiteY85" fmla="*/ 3636169 h 4107656"/>
-                <a:gd name="connsiteX86" fmla="*/ 221456 w 1207294"/>
-                <a:gd name="connsiteY86" fmla="*/ 3564731 h 4107656"/>
-                <a:gd name="connsiteX87" fmla="*/ 178594 w 1207294"/>
-                <a:gd name="connsiteY87" fmla="*/ 3500437 h 4107656"/>
-                <a:gd name="connsiteX88" fmla="*/ 157162 w 1207294"/>
-                <a:gd name="connsiteY88" fmla="*/ 3471862 h 4107656"/>
-                <a:gd name="connsiteX89" fmla="*/ 114300 w 1207294"/>
-                <a:gd name="connsiteY89" fmla="*/ 3400425 h 4107656"/>
-                <a:gd name="connsiteX90" fmla="*/ 92869 w 1207294"/>
-                <a:gd name="connsiteY90" fmla="*/ 3378994 h 4107656"/>
-                <a:gd name="connsiteX91" fmla="*/ 78581 w 1207294"/>
-                <a:gd name="connsiteY91" fmla="*/ 3350419 h 4107656"/>
-                <a:gd name="connsiteX92" fmla="*/ 57150 w 1207294"/>
-                <a:gd name="connsiteY92" fmla="*/ 3321844 h 4107656"/>
-                <a:gd name="connsiteX93" fmla="*/ 50006 w 1207294"/>
-                <a:gd name="connsiteY93" fmla="*/ 3300412 h 4107656"/>
-                <a:gd name="connsiteX94" fmla="*/ 21431 w 1207294"/>
-                <a:gd name="connsiteY94" fmla="*/ 3250406 h 4107656"/>
-                <a:gd name="connsiteX95" fmla="*/ 14287 w 1207294"/>
-                <a:gd name="connsiteY95" fmla="*/ 3221831 h 4107656"/>
-                <a:gd name="connsiteX96" fmla="*/ 0 w 1207294"/>
-                <a:gd name="connsiteY96" fmla="*/ 3150394 h 4107656"/>
-                <a:gd name="connsiteX97" fmla="*/ 7143 w 1207294"/>
-                <a:gd name="connsiteY97" fmla="*/ 2978944 h 4107656"/>
-                <a:gd name="connsiteX98" fmla="*/ 21431 w 1207294"/>
-                <a:gd name="connsiteY98" fmla="*/ 2850356 h 4107656"/>
-                <a:gd name="connsiteX99" fmla="*/ 28575 w 1207294"/>
-                <a:gd name="connsiteY99" fmla="*/ 2807494 h 4107656"/>
-                <a:gd name="connsiteX100" fmla="*/ 42862 w 1207294"/>
-                <a:gd name="connsiteY100" fmla="*/ 2757487 h 4107656"/>
-                <a:gd name="connsiteX101" fmla="*/ 50006 w 1207294"/>
-                <a:gd name="connsiteY101" fmla="*/ 2728912 h 4107656"/>
-                <a:gd name="connsiteX102" fmla="*/ 64294 w 1207294"/>
-                <a:gd name="connsiteY102" fmla="*/ 2678906 h 4107656"/>
-                <a:gd name="connsiteX103" fmla="*/ 78581 w 1207294"/>
-                <a:gd name="connsiteY103" fmla="*/ 2614612 h 4107656"/>
-                <a:gd name="connsiteX104" fmla="*/ 92869 w 1207294"/>
-                <a:gd name="connsiteY104" fmla="*/ 2586037 h 4107656"/>
-                <a:gd name="connsiteX105" fmla="*/ 114300 w 1207294"/>
-                <a:gd name="connsiteY105" fmla="*/ 2521744 h 4107656"/>
-                <a:gd name="connsiteX106" fmla="*/ 150019 w 1207294"/>
-                <a:gd name="connsiteY106" fmla="*/ 2400300 h 4107656"/>
-                <a:gd name="connsiteX107" fmla="*/ 164306 w 1207294"/>
-                <a:gd name="connsiteY107" fmla="*/ 2371725 h 4107656"/>
-                <a:gd name="connsiteX108" fmla="*/ 200025 w 1207294"/>
-                <a:gd name="connsiteY108" fmla="*/ 2286000 h 4107656"/>
-                <a:gd name="connsiteX109" fmla="*/ 221456 w 1207294"/>
-                <a:gd name="connsiteY109" fmla="*/ 2214562 h 4107656"/>
-                <a:gd name="connsiteX110" fmla="*/ 228600 w 1207294"/>
-                <a:gd name="connsiteY110" fmla="*/ 2193131 h 4107656"/>
-                <a:gd name="connsiteX111" fmla="*/ 235744 w 1207294"/>
-                <a:gd name="connsiteY111" fmla="*/ 2164556 h 4107656"/>
-                <a:gd name="connsiteX112" fmla="*/ 257175 w 1207294"/>
-                <a:gd name="connsiteY112" fmla="*/ 2143125 h 4107656"/>
-                <a:gd name="connsiteX113" fmla="*/ 257175 w 1207294"/>
-                <a:gd name="connsiteY113" fmla="*/ 1678781 h 4107656"/>
-                <a:gd name="connsiteX114" fmla="*/ 250031 w 1207294"/>
-                <a:gd name="connsiteY114" fmla="*/ 1643062 h 4107656"/>
-                <a:gd name="connsiteX115" fmla="*/ 235744 w 1207294"/>
-                <a:gd name="connsiteY115" fmla="*/ 1578769 h 4107656"/>
-                <a:gd name="connsiteX116" fmla="*/ 221456 w 1207294"/>
-                <a:gd name="connsiteY116" fmla="*/ 1485900 h 4107656"/>
-                <a:gd name="connsiteX117" fmla="*/ 207169 w 1207294"/>
-                <a:gd name="connsiteY117" fmla="*/ 1428750 h 4107656"/>
-                <a:gd name="connsiteX118" fmla="*/ 192881 w 1207294"/>
-                <a:gd name="connsiteY118" fmla="*/ 1407319 h 4107656"/>
-                <a:gd name="connsiteX119" fmla="*/ 185737 w 1207294"/>
-                <a:gd name="connsiteY119" fmla="*/ 1378744 h 4107656"/>
-                <a:gd name="connsiteX120" fmla="*/ 171450 w 1207294"/>
-                <a:gd name="connsiteY120" fmla="*/ 1335881 h 4107656"/>
-                <a:gd name="connsiteX121" fmla="*/ 157162 w 1207294"/>
-                <a:gd name="connsiteY121" fmla="*/ 1293019 h 4107656"/>
-                <a:gd name="connsiteX122" fmla="*/ 150019 w 1207294"/>
-                <a:gd name="connsiteY122" fmla="*/ 1271587 h 4107656"/>
-                <a:gd name="connsiteX123" fmla="*/ 142875 w 1207294"/>
-                <a:gd name="connsiteY123" fmla="*/ 1250156 h 4107656"/>
-                <a:gd name="connsiteX124" fmla="*/ 128587 w 1207294"/>
-                <a:gd name="connsiteY124" fmla="*/ 1200150 h 4107656"/>
-                <a:gd name="connsiteX125" fmla="*/ 114300 w 1207294"/>
-                <a:gd name="connsiteY125" fmla="*/ 1092994 h 4107656"/>
-                <a:gd name="connsiteX126" fmla="*/ 107156 w 1207294"/>
-                <a:gd name="connsiteY126" fmla="*/ 1050131 h 4107656"/>
-                <a:gd name="connsiteX127" fmla="*/ 100012 w 1207294"/>
-                <a:gd name="connsiteY127" fmla="*/ 985837 h 4107656"/>
-                <a:gd name="connsiteX128" fmla="*/ 114300 w 1207294"/>
-                <a:gd name="connsiteY128" fmla="*/ 621506 h 4107656"/>
-                <a:gd name="connsiteX0" fmla="*/ 114300 w 1207294"/>
-                <a:gd name="connsiteY0" fmla="*/ 621506 h 4107656"/>
-                <a:gd name="connsiteX1" fmla="*/ 114300 w 1207294"/>
-                <a:gd name="connsiteY1" fmla="*/ 621506 h 4107656"/>
-                <a:gd name="connsiteX2" fmla="*/ 121444 w 1207294"/>
-                <a:gd name="connsiteY2" fmla="*/ 321469 h 4107656"/>
-                <a:gd name="connsiteX3" fmla="*/ 135731 w 1207294"/>
-                <a:gd name="connsiteY3" fmla="*/ 250031 h 4107656"/>
-                <a:gd name="connsiteX4" fmla="*/ 142875 w 1207294"/>
-                <a:gd name="connsiteY4" fmla="*/ 214312 h 4107656"/>
-                <a:gd name="connsiteX5" fmla="*/ 164306 w 1207294"/>
-                <a:gd name="connsiteY5" fmla="*/ 150019 h 4107656"/>
-                <a:gd name="connsiteX6" fmla="*/ 171450 w 1207294"/>
-                <a:gd name="connsiteY6" fmla="*/ 128587 h 4107656"/>
-                <a:gd name="connsiteX7" fmla="*/ 192881 w 1207294"/>
-                <a:gd name="connsiteY7" fmla="*/ 85725 h 4107656"/>
-                <a:gd name="connsiteX8" fmla="*/ 214312 w 1207294"/>
-                <a:gd name="connsiteY8" fmla="*/ 71437 h 4107656"/>
-                <a:gd name="connsiteX9" fmla="*/ 271462 w 1207294"/>
-                <a:gd name="connsiteY9" fmla="*/ 21431 h 4107656"/>
-                <a:gd name="connsiteX10" fmla="*/ 314325 w 1207294"/>
-                <a:gd name="connsiteY10" fmla="*/ 7144 h 4107656"/>
-                <a:gd name="connsiteX11" fmla="*/ 335756 w 1207294"/>
-                <a:gd name="connsiteY11" fmla="*/ 0 h 4107656"/>
-                <a:gd name="connsiteX12" fmla="*/ 507206 w 1207294"/>
-                <a:gd name="connsiteY12" fmla="*/ 21431 h 4107656"/>
-                <a:gd name="connsiteX13" fmla="*/ 528637 w 1207294"/>
-                <a:gd name="connsiteY13" fmla="*/ 28575 h 4107656"/>
-                <a:gd name="connsiteX14" fmla="*/ 592931 w 1207294"/>
-                <a:gd name="connsiteY14" fmla="*/ 71437 h 4107656"/>
-                <a:gd name="connsiteX15" fmla="*/ 614362 w 1207294"/>
-                <a:gd name="connsiteY15" fmla="*/ 85725 h 4107656"/>
-                <a:gd name="connsiteX16" fmla="*/ 635794 w 1207294"/>
-                <a:gd name="connsiteY16" fmla="*/ 100012 h 4107656"/>
-                <a:gd name="connsiteX17" fmla="*/ 671512 w 1207294"/>
-                <a:gd name="connsiteY17" fmla="*/ 135731 h 4107656"/>
-                <a:gd name="connsiteX18" fmla="*/ 685800 w 1207294"/>
-                <a:gd name="connsiteY18" fmla="*/ 157162 h 4107656"/>
-                <a:gd name="connsiteX19" fmla="*/ 728662 w 1207294"/>
-                <a:gd name="connsiteY19" fmla="*/ 185737 h 4107656"/>
-                <a:gd name="connsiteX20" fmla="*/ 771525 w 1207294"/>
-                <a:gd name="connsiteY20" fmla="*/ 221456 h 4107656"/>
-                <a:gd name="connsiteX21" fmla="*/ 792956 w 1207294"/>
-                <a:gd name="connsiteY21" fmla="*/ 242887 h 4107656"/>
-                <a:gd name="connsiteX22" fmla="*/ 814387 w 1207294"/>
-                <a:gd name="connsiteY22" fmla="*/ 257175 h 4107656"/>
-                <a:gd name="connsiteX23" fmla="*/ 857250 w 1207294"/>
-                <a:gd name="connsiteY23" fmla="*/ 300037 h 4107656"/>
-                <a:gd name="connsiteX24" fmla="*/ 878681 w 1207294"/>
-                <a:gd name="connsiteY24" fmla="*/ 321469 h 4107656"/>
-                <a:gd name="connsiteX25" fmla="*/ 928687 w 1207294"/>
-                <a:gd name="connsiteY25" fmla="*/ 385762 h 4107656"/>
-                <a:gd name="connsiteX26" fmla="*/ 935831 w 1207294"/>
-                <a:gd name="connsiteY26" fmla="*/ 407194 h 4107656"/>
-                <a:gd name="connsiteX27" fmla="*/ 964406 w 1207294"/>
-                <a:gd name="connsiteY27" fmla="*/ 450056 h 4107656"/>
-                <a:gd name="connsiteX28" fmla="*/ 971550 w 1207294"/>
-                <a:gd name="connsiteY28" fmla="*/ 471487 h 4107656"/>
-                <a:gd name="connsiteX29" fmla="*/ 1000125 w 1207294"/>
-                <a:gd name="connsiteY29" fmla="*/ 514350 h 4107656"/>
-                <a:gd name="connsiteX30" fmla="*/ 1007269 w 1207294"/>
-                <a:gd name="connsiteY30" fmla="*/ 535781 h 4107656"/>
-                <a:gd name="connsiteX31" fmla="*/ 1035844 w 1207294"/>
-                <a:gd name="connsiteY31" fmla="*/ 578644 h 4107656"/>
-                <a:gd name="connsiteX32" fmla="*/ 1050131 w 1207294"/>
-                <a:gd name="connsiteY32" fmla="*/ 628650 h 4107656"/>
-                <a:gd name="connsiteX33" fmla="*/ 1064419 w 1207294"/>
-                <a:gd name="connsiteY33" fmla="*/ 671512 h 4107656"/>
-                <a:gd name="connsiteX34" fmla="*/ 1071562 w 1207294"/>
-                <a:gd name="connsiteY34" fmla="*/ 692944 h 4107656"/>
-                <a:gd name="connsiteX35" fmla="*/ 1107281 w 1207294"/>
-                <a:gd name="connsiteY35" fmla="*/ 800100 h 4107656"/>
-                <a:gd name="connsiteX36" fmla="*/ 1128712 w 1207294"/>
-                <a:gd name="connsiteY36" fmla="*/ 864394 h 4107656"/>
-                <a:gd name="connsiteX37" fmla="*/ 1135856 w 1207294"/>
-                <a:gd name="connsiteY37" fmla="*/ 885825 h 4107656"/>
-                <a:gd name="connsiteX38" fmla="*/ 1143000 w 1207294"/>
-                <a:gd name="connsiteY38" fmla="*/ 907256 h 4107656"/>
-                <a:gd name="connsiteX39" fmla="*/ 1150144 w 1207294"/>
-                <a:gd name="connsiteY39" fmla="*/ 964406 h 4107656"/>
-                <a:gd name="connsiteX40" fmla="*/ 1157287 w 1207294"/>
-                <a:gd name="connsiteY40" fmla="*/ 1007269 h 4107656"/>
-                <a:gd name="connsiteX41" fmla="*/ 1178719 w 1207294"/>
-                <a:gd name="connsiteY41" fmla="*/ 1193006 h 4107656"/>
-                <a:gd name="connsiteX42" fmla="*/ 1193006 w 1207294"/>
-                <a:gd name="connsiteY42" fmla="*/ 1314450 h 4107656"/>
-                <a:gd name="connsiteX43" fmla="*/ 1207294 w 1207294"/>
-                <a:gd name="connsiteY43" fmla="*/ 1578769 h 4107656"/>
-                <a:gd name="connsiteX44" fmla="*/ 1200150 w 1207294"/>
-                <a:gd name="connsiteY44" fmla="*/ 1921669 h 4107656"/>
-                <a:gd name="connsiteX45" fmla="*/ 1185862 w 1207294"/>
-                <a:gd name="connsiteY45" fmla="*/ 2100262 h 4107656"/>
-                <a:gd name="connsiteX46" fmla="*/ 1171575 w 1207294"/>
-                <a:gd name="connsiteY46" fmla="*/ 2407444 h 4107656"/>
-                <a:gd name="connsiteX47" fmla="*/ 1157287 w 1207294"/>
-                <a:gd name="connsiteY47" fmla="*/ 2528887 h 4107656"/>
-                <a:gd name="connsiteX48" fmla="*/ 1150144 w 1207294"/>
-                <a:gd name="connsiteY48" fmla="*/ 2557462 h 4107656"/>
-                <a:gd name="connsiteX49" fmla="*/ 1135856 w 1207294"/>
-                <a:gd name="connsiteY49" fmla="*/ 2650331 h 4107656"/>
-                <a:gd name="connsiteX50" fmla="*/ 1128712 w 1207294"/>
-                <a:gd name="connsiteY50" fmla="*/ 2693194 h 4107656"/>
-                <a:gd name="connsiteX51" fmla="*/ 1114425 w 1207294"/>
-                <a:gd name="connsiteY51" fmla="*/ 2857500 h 4107656"/>
-                <a:gd name="connsiteX52" fmla="*/ 1121569 w 1207294"/>
-                <a:gd name="connsiteY52" fmla="*/ 3057525 h 4107656"/>
-                <a:gd name="connsiteX53" fmla="*/ 1128712 w 1207294"/>
-                <a:gd name="connsiteY53" fmla="*/ 3121819 h 4107656"/>
-                <a:gd name="connsiteX54" fmla="*/ 1135856 w 1207294"/>
-                <a:gd name="connsiteY54" fmla="*/ 3193256 h 4107656"/>
-                <a:gd name="connsiteX55" fmla="*/ 1143000 w 1207294"/>
-                <a:gd name="connsiteY55" fmla="*/ 3236119 h 4107656"/>
-                <a:gd name="connsiteX56" fmla="*/ 1150144 w 1207294"/>
-                <a:gd name="connsiteY56" fmla="*/ 3286125 h 4107656"/>
-                <a:gd name="connsiteX57" fmla="*/ 1128712 w 1207294"/>
-                <a:gd name="connsiteY57" fmla="*/ 3571875 h 4107656"/>
-                <a:gd name="connsiteX58" fmla="*/ 1121569 w 1207294"/>
-                <a:gd name="connsiteY58" fmla="*/ 3764756 h 4107656"/>
-                <a:gd name="connsiteX59" fmla="*/ 1107281 w 1207294"/>
-                <a:gd name="connsiteY59" fmla="*/ 3879056 h 4107656"/>
-                <a:gd name="connsiteX60" fmla="*/ 1092994 w 1207294"/>
-                <a:gd name="connsiteY60" fmla="*/ 3929062 h 4107656"/>
-                <a:gd name="connsiteX61" fmla="*/ 1078706 w 1207294"/>
-                <a:gd name="connsiteY61" fmla="*/ 3950494 h 4107656"/>
-                <a:gd name="connsiteX62" fmla="*/ 1014412 w 1207294"/>
-                <a:gd name="connsiteY62" fmla="*/ 4007644 h 4107656"/>
-                <a:gd name="connsiteX63" fmla="*/ 971550 w 1207294"/>
-                <a:gd name="connsiteY63" fmla="*/ 4021931 h 4107656"/>
-                <a:gd name="connsiteX64" fmla="*/ 907256 w 1207294"/>
-                <a:gd name="connsiteY64" fmla="*/ 4050506 h 4107656"/>
-                <a:gd name="connsiteX65" fmla="*/ 871537 w 1207294"/>
-                <a:gd name="connsiteY65" fmla="*/ 4057650 h 4107656"/>
-                <a:gd name="connsiteX66" fmla="*/ 828675 w 1207294"/>
-                <a:gd name="connsiteY66" fmla="*/ 4064794 h 4107656"/>
-                <a:gd name="connsiteX67" fmla="*/ 785812 w 1207294"/>
-                <a:gd name="connsiteY67" fmla="*/ 4079081 h 4107656"/>
-                <a:gd name="connsiteX68" fmla="*/ 742950 w 1207294"/>
-                <a:gd name="connsiteY68" fmla="*/ 4093369 h 4107656"/>
-                <a:gd name="connsiteX69" fmla="*/ 721519 w 1207294"/>
-                <a:gd name="connsiteY69" fmla="*/ 4100512 h 4107656"/>
-                <a:gd name="connsiteX70" fmla="*/ 700087 w 1207294"/>
-                <a:gd name="connsiteY70" fmla="*/ 4107656 h 4107656"/>
-                <a:gd name="connsiteX71" fmla="*/ 578644 w 1207294"/>
-                <a:gd name="connsiteY71" fmla="*/ 4100512 h 4107656"/>
-                <a:gd name="connsiteX72" fmla="*/ 514350 w 1207294"/>
-                <a:gd name="connsiteY72" fmla="*/ 4071937 h 4107656"/>
-                <a:gd name="connsiteX73" fmla="*/ 492919 w 1207294"/>
-                <a:gd name="connsiteY73" fmla="*/ 4064794 h 4107656"/>
-                <a:gd name="connsiteX74" fmla="*/ 450056 w 1207294"/>
-                <a:gd name="connsiteY74" fmla="*/ 4014787 h 4107656"/>
-                <a:gd name="connsiteX75" fmla="*/ 421481 w 1207294"/>
-                <a:gd name="connsiteY75" fmla="*/ 3971925 h 4107656"/>
-                <a:gd name="connsiteX76" fmla="*/ 407194 w 1207294"/>
-                <a:gd name="connsiteY76" fmla="*/ 3950494 h 4107656"/>
-                <a:gd name="connsiteX77" fmla="*/ 400050 w 1207294"/>
-                <a:gd name="connsiteY77" fmla="*/ 3929062 h 4107656"/>
-                <a:gd name="connsiteX78" fmla="*/ 378619 w 1207294"/>
-                <a:gd name="connsiteY78" fmla="*/ 3907631 h 4107656"/>
-                <a:gd name="connsiteX79" fmla="*/ 357187 w 1207294"/>
-                <a:gd name="connsiteY79" fmla="*/ 3857625 h 4107656"/>
-                <a:gd name="connsiteX80" fmla="*/ 342900 w 1207294"/>
-                <a:gd name="connsiteY80" fmla="*/ 3829050 h 4107656"/>
-                <a:gd name="connsiteX81" fmla="*/ 328612 w 1207294"/>
-                <a:gd name="connsiteY81" fmla="*/ 3771900 h 4107656"/>
-                <a:gd name="connsiteX82" fmla="*/ 314325 w 1207294"/>
-                <a:gd name="connsiteY82" fmla="*/ 3750469 h 4107656"/>
-                <a:gd name="connsiteX83" fmla="*/ 300037 w 1207294"/>
-                <a:gd name="connsiteY83" fmla="*/ 3707606 h 4107656"/>
-                <a:gd name="connsiteX84" fmla="*/ 285750 w 1207294"/>
-                <a:gd name="connsiteY84" fmla="*/ 3686175 h 4107656"/>
-                <a:gd name="connsiteX85" fmla="*/ 262135 w 1207294"/>
-                <a:gd name="connsiteY85" fmla="*/ 3642884 h 4107656"/>
-                <a:gd name="connsiteX86" fmla="*/ 221456 w 1207294"/>
-                <a:gd name="connsiteY86" fmla="*/ 3564731 h 4107656"/>
-                <a:gd name="connsiteX87" fmla="*/ 178594 w 1207294"/>
-                <a:gd name="connsiteY87" fmla="*/ 3500437 h 4107656"/>
-                <a:gd name="connsiteX88" fmla="*/ 157162 w 1207294"/>
-                <a:gd name="connsiteY88" fmla="*/ 3471862 h 4107656"/>
-                <a:gd name="connsiteX89" fmla="*/ 114300 w 1207294"/>
-                <a:gd name="connsiteY89" fmla="*/ 3400425 h 4107656"/>
-                <a:gd name="connsiteX90" fmla="*/ 92869 w 1207294"/>
-                <a:gd name="connsiteY90" fmla="*/ 3378994 h 4107656"/>
-                <a:gd name="connsiteX91" fmla="*/ 78581 w 1207294"/>
-                <a:gd name="connsiteY91" fmla="*/ 3350419 h 4107656"/>
-                <a:gd name="connsiteX92" fmla="*/ 57150 w 1207294"/>
-                <a:gd name="connsiteY92" fmla="*/ 3321844 h 4107656"/>
-                <a:gd name="connsiteX93" fmla="*/ 50006 w 1207294"/>
-                <a:gd name="connsiteY93" fmla="*/ 3300412 h 4107656"/>
-                <a:gd name="connsiteX94" fmla="*/ 21431 w 1207294"/>
-                <a:gd name="connsiteY94" fmla="*/ 3250406 h 4107656"/>
-                <a:gd name="connsiteX95" fmla="*/ 14287 w 1207294"/>
-                <a:gd name="connsiteY95" fmla="*/ 3221831 h 4107656"/>
-                <a:gd name="connsiteX96" fmla="*/ 0 w 1207294"/>
-                <a:gd name="connsiteY96" fmla="*/ 3150394 h 4107656"/>
-                <a:gd name="connsiteX97" fmla="*/ 7143 w 1207294"/>
-                <a:gd name="connsiteY97" fmla="*/ 2978944 h 4107656"/>
-                <a:gd name="connsiteX98" fmla="*/ 21431 w 1207294"/>
-                <a:gd name="connsiteY98" fmla="*/ 2850356 h 4107656"/>
-                <a:gd name="connsiteX99" fmla="*/ 28575 w 1207294"/>
-                <a:gd name="connsiteY99" fmla="*/ 2807494 h 4107656"/>
-                <a:gd name="connsiteX100" fmla="*/ 42862 w 1207294"/>
-                <a:gd name="connsiteY100" fmla="*/ 2757487 h 4107656"/>
-                <a:gd name="connsiteX101" fmla="*/ 50006 w 1207294"/>
-                <a:gd name="connsiteY101" fmla="*/ 2728912 h 4107656"/>
-                <a:gd name="connsiteX102" fmla="*/ 64294 w 1207294"/>
-                <a:gd name="connsiteY102" fmla="*/ 2678906 h 4107656"/>
-                <a:gd name="connsiteX103" fmla="*/ 78581 w 1207294"/>
-                <a:gd name="connsiteY103" fmla="*/ 2614612 h 4107656"/>
-                <a:gd name="connsiteX104" fmla="*/ 92869 w 1207294"/>
-                <a:gd name="connsiteY104" fmla="*/ 2586037 h 4107656"/>
-                <a:gd name="connsiteX105" fmla="*/ 114300 w 1207294"/>
-                <a:gd name="connsiteY105" fmla="*/ 2521744 h 4107656"/>
-                <a:gd name="connsiteX106" fmla="*/ 150019 w 1207294"/>
-                <a:gd name="connsiteY106" fmla="*/ 2400300 h 4107656"/>
-                <a:gd name="connsiteX107" fmla="*/ 164306 w 1207294"/>
-                <a:gd name="connsiteY107" fmla="*/ 2371725 h 4107656"/>
-                <a:gd name="connsiteX108" fmla="*/ 200025 w 1207294"/>
-                <a:gd name="connsiteY108" fmla="*/ 2286000 h 4107656"/>
-                <a:gd name="connsiteX109" fmla="*/ 221456 w 1207294"/>
-                <a:gd name="connsiteY109" fmla="*/ 2214562 h 4107656"/>
-                <a:gd name="connsiteX110" fmla="*/ 228600 w 1207294"/>
-                <a:gd name="connsiteY110" fmla="*/ 2193131 h 4107656"/>
-                <a:gd name="connsiteX111" fmla="*/ 235744 w 1207294"/>
-                <a:gd name="connsiteY111" fmla="*/ 2164556 h 4107656"/>
-                <a:gd name="connsiteX112" fmla="*/ 257175 w 1207294"/>
-                <a:gd name="connsiteY112" fmla="*/ 2143125 h 4107656"/>
-                <a:gd name="connsiteX113" fmla="*/ 257175 w 1207294"/>
-                <a:gd name="connsiteY113" fmla="*/ 1678781 h 4107656"/>
-                <a:gd name="connsiteX114" fmla="*/ 250031 w 1207294"/>
-                <a:gd name="connsiteY114" fmla="*/ 1643062 h 4107656"/>
-                <a:gd name="connsiteX115" fmla="*/ 235744 w 1207294"/>
-                <a:gd name="connsiteY115" fmla="*/ 1578769 h 4107656"/>
-                <a:gd name="connsiteX116" fmla="*/ 221456 w 1207294"/>
-                <a:gd name="connsiteY116" fmla="*/ 1485900 h 4107656"/>
-                <a:gd name="connsiteX117" fmla="*/ 207169 w 1207294"/>
-                <a:gd name="connsiteY117" fmla="*/ 1428750 h 4107656"/>
-                <a:gd name="connsiteX118" fmla="*/ 192881 w 1207294"/>
-                <a:gd name="connsiteY118" fmla="*/ 1407319 h 4107656"/>
-                <a:gd name="connsiteX119" fmla="*/ 185737 w 1207294"/>
-                <a:gd name="connsiteY119" fmla="*/ 1378744 h 4107656"/>
-                <a:gd name="connsiteX120" fmla="*/ 171450 w 1207294"/>
-                <a:gd name="connsiteY120" fmla="*/ 1335881 h 4107656"/>
-                <a:gd name="connsiteX121" fmla="*/ 157162 w 1207294"/>
-                <a:gd name="connsiteY121" fmla="*/ 1293019 h 4107656"/>
-                <a:gd name="connsiteX122" fmla="*/ 150019 w 1207294"/>
-                <a:gd name="connsiteY122" fmla="*/ 1271587 h 4107656"/>
-                <a:gd name="connsiteX123" fmla="*/ 142875 w 1207294"/>
-                <a:gd name="connsiteY123" fmla="*/ 1250156 h 4107656"/>
-                <a:gd name="connsiteX124" fmla="*/ 128587 w 1207294"/>
-                <a:gd name="connsiteY124" fmla="*/ 1200150 h 4107656"/>
-                <a:gd name="connsiteX125" fmla="*/ 114300 w 1207294"/>
-                <a:gd name="connsiteY125" fmla="*/ 1092994 h 4107656"/>
-                <a:gd name="connsiteX126" fmla="*/ 107156 w 1207294"/>
-                <a:gd name="connsiteY126" fmla="*/ 1050131 h 4107656"/>
-                <a:gd name="connsiteX127" fmla="*/ 100012 w 1207294"/>
-                <a:gd name="connsiteY127" fmla="*/ 985837 h 4107656"/>
-                <a:gd name="connsiteX128" fmla="*/ 114300 w 1207294"/>
-                <a:gd name="connsiteY128" fmla="*/ 621506 h 4107656"/>
-                <a:gd name="connsiteX0" fmla="*/ 114300 w 1207294"/>
-                <a:gd name="connsiteY0" fmla="*/ 621506 h 4107656"/>
-                <a:gd name="connsiteX1" fmla="*/ 114300 w 1207294"/>
-                <a:gd name="connsiteY1" fmla="*/ 621506 h 4107656"/>
-                <a:gd name="connsiteX2" fmla="*/ 121444 w 1207294"/>
-                <a:gd name="connsiteY2" fmla="*/ 321469 h 4107656"/>
-                <a:gd name="connsiteX3" fmla="*/ 135731 w 1207294"/>
-                <a:gd name="connsiteY3" fmla="*/ 250031 h 4107656"/>
-                <a:gd name="connsiteX4" fmla="*/ 142875 w 1207294"/>
-                <a:gd name="connsiteY4" fmla="*/ 214312 h 4107656"/>
-                <a:gd name="connsiteX5" fmla="*/ 164306 w 1207294"/>
-                <a:gd name="connsiteY5" fmla="*/ 150019 h 4107656"/>
-                <a:gd name="connsiteX6" fmla="*/ 171450 w 1207294"/>
-                <a:gd name="connsiteY6" fmla="*/ 128587 h 4107656"/>
-                <a:gd name="connsiteX7" fmla="*/ 192881 w 1207294"/>
-                <a:gd name="connsiteY7" fmla="*/ 85725 h 4107656"/>
-                <a:gd name="connsiteX8" fmla="*/ 214312 w 1207294"/>
-                <a:gd name="connsiteY8" fmla="*/ 71437 h 4107656"/>
-                <a:gd name="connsiteX9" fmla="*/ 271462 w 1207294"/>
-                <a:gd name="connsiteY9" fmla="*/ 21431 h 4107656"/>
-                <a:gd name="connsiteX10" fmla="*/ 314325 w 1207294"/>
-                <a:gd name="connsiteY10" fmla="*/ 7144 h 4107656"/>
-                <a:gd name="connsiteX11" fmla="*/ 335756 w 1207294"/>
-                <a:gd name="connsiteY11" fmla="*/ 0 h 4107656"/>
-                <a:gd name="connsiteX12" fmla="*/ 507206 w 1207294"/>
-                <a:gd name="connsiteY12" fmla="*/ 21431 h 4107656"/>
-                <a:gd name="connsiteX13" fmla="*/ 528637 w 1207294"/>
-                <a:gd name="connsiteY13" fmla="*/ 28575 h 4107656"/>
-                <a:gd name="connsiteX14" fmla="*/ 592931 w 1207294"/>
-                <a:gd name="connsiteY14" fmla="*/ 71437 h 4107656"/>
-                <a:gd name="connsiteX15" fmla="*/ 614362 w 1207294"/>
-                <a:gd name="connsiteY15" fmla="*/ 85725 h 4107656"/>
-                <a:gd name="connsiteX16" fmla="*/ 635794 w 1207294"/>
-                <a:gd name="connsiteY16" fmla="*/ 100012 h 4107656"/>
-                <a:gd name="connsiteX17" fmla="*/ 671512 w 1207294"/>
-                <a:gd name="connsiteY17" fmla="*/ 135731 h 4107656"/>
-                <a:gd name="connsiteX18" fmla="*/ 685800 w 1207294"/>
-                <a:gd name="connsiteY18" fmla="*/ 157162 h 4107656"/>
-                <a:gd name="connsiteX19" fmla="*/ 728662 w 1207294"/>
-                <a:gd name="connsiteY19" fmla="*/ 185737 h 4107656"/>
-                <a:gd name="connsiteX20" fmla="*/ 771525 w 1207294"/>
-                <a:gd name="connsiteY20" fmla="*/ 221456 h 4107656"/>
-                <a:gd name="connsiteX21" fmla="*/ 792956 w 1207294"/>
-                <a:gd name="connsiteY21" fmla="*/ 242887 h 4107656"/>
-                <a:gd name="connsiteX22" fmla="*/ 814387 w 1207294"/>
-                <a:gd name="connsiteY22" fmla="*/ 257175 h 4107656"/>
-                <a:gd name="connsiteX23" fmla="*/ 857250 w 1207294"/>
-                <a:gd name="connsiteY23" fmla="*/ 300037 h 4107656"/>
-                <a:gd name="connsiteX24" fmla="*/ 878681 w 1207294"/>
-                <a:gd name="connsiteY24" fmla="*/ 321469 h 4107656"/>
-                <a:gd name="connsiteX25" fmla="*/ 928687 w 1207294"/>
-                <a:gd name="connsiteY25" fmla="*/ 385762 h 4107656"/>
-                <a:gd name="connsiteX26" fmla="*/ 935831 w 1207294"/>
-                <a:gd name="connsiteY26" fmla="*/ 407194 h 4107656"/>
-                <a:gd name="connsiteX27" fmla="*/ 964406 w 1207294"/>
-                <a:gd name="connsiteY27" fmla="*/ 450056 h 4107656"/>
-                <a:gd name="connsiteX28" fmla="*/ 971550 w 1207294"/>
-                <a:gd name="connsiteY28" fmla="*/ 471487 h 4107656"/>
-                <a:gd name="connsiteX29" fmla="*/ 1000125 w 1207294"/>
-                <a:gd name="connsiteY29" fmla="*/ 514350 h 4107656"/>
-                <a:gd name="connsiteX30" fmla="*/ 1007269 w 1207294"/>
-                <a:gd name="connsiteY30" fmla="*/ 535781 h 4107656"/>
-                <a:gd name="connsiteX31" fmla="*/ 1035844 w 1207294"/>
-                <a:gd name="connsiteY31" fmla="*/ 578644 h 4107656"/>
-                <a:gd name="connsiteX32" fmla="*/ 1050131 w 1207294"/>
-                <a:gd name="connsiteY32" fmla="*/ 628650 h 4107656"/>
-                <a:gd name="connsiteX33" fmla="*/ 1064419 w 1207294"/>
-                <a:gd name="connsiteY33" fmla="*/ 671512 h 4107656"/>
-                <a:gd name="connsiteX34" fmla="*/ 1071562 w 1207294"/>
-                <a:gd name="connsiteY34" fmla="*/ 692944 h 4107656"/>
-                <a:gd name="connsiteX35" fmla="*/ 1107281 w 1207294"/>
-                <a:gd name="connsiteY35" fmla="*/ 800100 h 4107656"/>
-                <a:gd name="connsiteX36" fmla="*/ 1128712 w 1207294"/>
-                <a:gd name="connsiteY36" fmla="*/ 864394 h 4107656"/>
-                <a:gd name="connsiteX37" fmla="*/ 1135856 w 1207294"/>
-                <a:gd name="connsiteY37" fmla="*/ 885825 h 4107656"/>
-                <a:gd name="connsiteX38" fmla="*/ 1143000 w 1207294"/>
-                <a:gd name="connsiteY38" fmla="*/ 907256 h 4107656"/>
-                <a:gd name="connsiteX39" fmla="*/ 1150144 w 1207294"/>
-                <a:gd name="connsiteY39" fmla="*/ 964406 h 4107656"/>
-                <a:gd name="connsiteX40" fmla="*/ 1157287 w 1207294"/>
-                <a:gd name="connsiteY40" fmla="*/ 1007269 h 4107656"/>
-                <a:gd name="connsiteX41" fmla="*/ 1178719 w 1207294"/>
-                <a:gd name="connsiteY41" fmla="*/ 1193006 h 4107656"/>
-                <a:gd name="connsiteX42" fmla="*/ 1193006 w 1207294"/>
-                <a:gd name="connsiteY42" fmla="*/ 1314450 h 4107656"/>
-                <a:gd name="connsiteX43" fmla="*/ 1207294 w 1207294"/>
-                <a:gd name="connsiteY43" fmla="*/ 1578769 h 4107656"/>
-                <a:gd name="connsiteX44" fmla="*/ 1200150 w 1207294"/>
-                <a:gd name="connsiteY44" fmla="*/ 1921669 h 4107656"/>
-                <a:gd name="connsiteX45" fmla="*/ 1185862 w 1207294"/>
-                <a:gd name="connsiteY45" fmla="*/ 2100262 h 4107656"/>
-                <a:gd name="connsiteX46" fmla="*/ 1171575 w 1207294"/>
-                <a:gd name="connsiteY46" fmla="*/ 2407444 h 4107656"/>
-                <a:gd name="connsiteX47" fmla="*/ 1157287 w 1207294"/>
-                <a:gd name="connsiteY47" fmla="*/ 2528887 h 4107656"/>
-                <a:gd name="connsiteX48" fmla="*/ 1150144 w 1207294"/>
-                <a:gd name="connsiteY48" fmla="*/ 2557462 h 4107656"/>
-                <a:gd name="connsiteX49" fmla="*/ 1135856 w 1207294"/>
-                <a:gd name="connsiteY49" fmla="*/ 2650331 h 4107656"/>
-                <a:gd name="connsiteX50" fmla="*/ 1128712 w 1207294"/>
-                <a:gd name="connsiteY50" fmla="*/ 2693194 h 4107656"/>
-                <a:gd name="connsiteX51" fmla="*/ 1114425 w 1207294"/>
-                <a:gd name="connsiteY51" fmla="*/ 2857500 h 4107656"/>
-                <a:gd name="connsiteX52" fmla="*/ 1121569 w 1207294"/>
-                <a:gd name="connsiteY52" fmla="*/ 3057525 h 4107656"/>
-                <a:gd name="connsiteX53" fmla="*/ 1128712 w 1207294"/>
-                <a:gd name="connsiteY53" fmla="*/ 3121819 h 4107656"/>
-                <a:gd name="connsiteX54" fmla="*/ 1135856 w 1207294"/>
-                <a:gd name="connsiteY54" fmla="*/ 3193256 h 4107656"/>
-                <a:gd name="connsiteX55" fmla="*/ 1143000 w 1207294"/>
-                <a:gd name="connsiteY55" fmla="*/ 3236119 h 4107656"/>
-                <a:gd name="connsiteX56" fmla="*/ 1150144 w 1207294"/>
-                <a:gd name="connsiteY56" fmla="*/ 3286125 h 4107656"/>
-                <a:gd name="connsiteX57" fmla="*/ 1128712 w 1207294"/>
-                <a:gd name="connsiteY57" fmla="*/ 3571875 h 4107656"/>
-                <a:gd name="connsiteX58" fmla="*/ 1121569 w 1207294"/>
-                <a:gd name="connsiteY58" fmla="*/ 3764756 h 4107656"/>
-                <a:gd name="connsiteX59" fmla="*/ 1107281 w 1207294"/>
-                <a:gd name="connsiteY59" fmla="*/ 3879056 h 4107656"/>
-                <a:gd name="connsiteX60" fmla="*/ 1092994 w 1207294"/>
-                <a:gd name="connsiteY60" fmla="*/ 3929062 h 4107656"/>
-                <a:gd name="connsiteX61" fmla="*/ 1078706 w 1207294"/>
-                <a:gd name="connsiteY61" fmla="*/ 3950494 h 4107656"/>
-                <a:gd name="connsiteX62" fmla="*/ 1014412 w 1207294"/>
-                <a:gd name="connsiteY62" fmla="*/ 4007644 h 4107656"/>
-                <a:gd name="connsiteX63" fmla="*/ 971550 w 1207294"/>
-                <a:gd name="connsiteY63" fmla="*/ 4021931 h 4107656"/>
-                <a:gd name="connsiteX64" fmla="*/ 907256 w 1207294"/>
-                <a:gd name="connsiteY64" fmla="*/ 4050506 h 4107656"/>
-                <a:gd name="connsiteX65" fmla="*/ 871537 w 1207294"/>
-                <a:gd name="connsiteY65" fmla="*/ 4057650 h 4107656"/>
-                <a:gd name="connsiteX66" fmla="*/ 828675 w 1207294"/>
-                <a:gd name="connsiteY66" fmla="*/ 4064794 h 4107656"/>
-                <a:gd name="connsiteX67" fmla="*/ 785812 w 1207294"/>
-                <a:gd name="connsiteY67" fmla="*/ 4079081 h 4107656"/>
-                <a:gd name="connsiteX68" fmla="*/ 742950 w 1207294"/>
-                <a:gd name="connsiteY68" fmla="*/ 4093369 h 4107656"/>
-                <a:gd name="connsiteX69" fmla="*/ 721519 w 1207294"/>
-                <a:gd name="connsiteY69" fmla="*/ 4100512 h 4107656"/>
-                <a:gd name="connsiteX70" fmla="*/ 700087 w 1207294"/>
-                <a:gd name="connsiteY70" fmla="*/ 4107656 h 4107656"/>
-                <a:gd name="connsiteX71" fmla="*/ 578644 w 1207294"/>
-                <a:gd name="connsiteY71" fmla="*/ 4100512 h 4107656"/>
-                <a:gd name="connsiteX72" fmla="*/ 514350 w 1207294"/>
-                <a:gd name="connsiteY72" fmla="*/ 4071937 h 4107656"/>
-                <a:gd name="connsiteX73" fmla="*/ 492919 w 1207294"/>
-                <a:gd name="connsiteY73" fmla="*/ 4064794 h 4107656"/>
-                <a:gd name="connsiteX74" fmla="*/ 450056 w 1207294"/>
-                <a:gd name="connsiteY74" fmla="*/ 4014787 h 4107656"/>
-                <a:gd name="connsiteX75" fmla="*/ 421481 w 1207294"/>
-                <a:gd name="connsiteY75" fmla="*/ 3971925 h 4107656"/>
-                <a:gd name="connsiteX76" fmla="*/ 407194 w 1207294"/>
-                <a:gd name="connsiteY76" fmla="*/ 3950494 h 4107656"/>
-                <a:gd name="connsiteX77" fmla="*/ 400050 w 1207294"/>
-                <a:gd name="connsiteY77" fmla="*/ 3929062 h 4107656"/>
-                <a:gd name="connsiteX78" fmla="*/ 378619 w 1207294"/>
-                <a:gd name="connsiteY78" fmla="*/ 3907631 h 4107656"/>
-                <a:gd name="connsiteX79" fmla="*/ 357187 w 1207294"/>
-                <a:gd name="connsiteY79" fmla="*/ 3857625 h 4107656"/>
-                <a:gd name="connsiteX80" fmla="*/ 342900 w 1207294"/>
-                <a:gd name="connsiteY80" fmla="*/ 3829050 h 4107656"/>
-                <a:gd name="connsiteX81" fmla="*/ 268158 w 1207294"/>
-                <a:gd name="connsiteY81" fmla="*/ 3638086 h 4107656"/>
-                <a:gd name="connsiteX82" fmla="*/ 314325 w 1207294"/>
-                <a:gd name="connsiteY82" fmla="*/ 3750469 h 4107656"/>
-                <a:gd name="connsiteX83" fmla="*/ 300037 w 1207294"/>
-                <a:gd name="connsiteY83" fmla="*/ 3707606 h 4107656"/>
-                <a:gd name="connsiteX84" fmla="*/ 285750 w 1207294"/>
-                <a:gd name="connsiteY84" fmla="*/ 3686175 h 4107656"/>
-                <a:gd name="connsiteX85" fmla="*/ 262135 w 1207294"/>
-                <a:gd name="connsiteY85" fmla="*/ 3642884 h 4107656"/>
-                <a:gd name="connsiteX86" fmla="*/ 221456 w 1207294"/>
-                <a:gd name="connsiteY86" fmla="*/ 3564731 h 4107656"/>
-                <a:gd name="connsiteX87" fmla="*/ 178594 w 1207294"/>
-                <a:gd name="connsiteY87" fmla="*/ 3500437 h 4107656"/>
-                <a:gd name="connsiteX88" fmla="*/ 157162 w 1207294"/>
-                <a:gd name="connsiteY88" fmla="*/ 3471862 h 4107656"/>
-                <a:gd name="connsiteX89" fmla="*/ 114300 w 1207294"/>
-                <a:gd name="connsiteY89" fmla="*/ 3400425 h 4107656"/>
-                <a:gd name="connsiteX90" fmla="*/ 92869 w 1207294"/>
-                <a:gd name="connsiteY90" fmla="*/ 3378994 h 4107656"/>
-                <a:gd name="connsiteX91" fmla="*/ 78581 w 1207294"/>
-                <a:gd name="connsiteY91" fmla="*/ 3350419 h 4107656"/>
-                <a:gd name="connsiteX92" fmla="*/ 57150 w 1207294"/>
-                <a:gd name="connsiteY92" fmla="*/ 3321844 h 4107656"/>
-                <a:gd name="connsiteX93" fmla="*/ 50006 w 1207294"/>
-                <a:gd name="connsiteY93" fmla="*/ 3300412 h 4107656"/>
-                <a:gd name="connsiteX94" fmla="*/ 21431 w 1207294"/>
-                <a:gd name="connsiteY94" fmla="*/ 3250406 h 4107656"/>
-                <a:gd name="connsiteX95" fmla="*/ 14287 w 1207294"/>
-                <a:gd name="connsiteY95" fmla="*/ 3221831 h 4107656"/>
-                <a:gd name="connsiteX96" fmla="*/ 0 w 1207294"/>
-                <a:gd name="connsiteY96" fmla="*/ 3150394 h 4107656"/>
-                <a:gd name="connsiteX97" fmla="*/ 7143 w 1207294"/>
-                <a:gd name="connsiteY97" fmla="*/ 2978944 h 4107656"/>
-                <a:gd name="connsiteX98" fmla="*/ 21431 w 1207294"/>
-                <a:gd name="connsiteY98" fmla="*/ 2850356 h 4107656"/>
-                <a:gd name="connsiteX99" fmla="*/ 28575 w 1207294"/>
-                <a:gd name="connsiteY99" fmla="*/ 2807494 h 4107656"/>
-                <a:gd name="connsiteX100" fmla="*/ 42862 w 1207294"/>
-                <a:gd name="connsiteY100" fmla="*/ 2757487 h 4107656"/>
-                <a:gd name="connsiteX101" fmla="*/ 50006 w 1207294"/>
-                <a:gd name="connsiteY101" fmla="*/ 2728912 h 4107656"/>
-                <a:gd name="connsiteX102" fmla="*/ 64294 w 1207294"/>
-                <a:gd name="connsiteY102" fmla="*/ 2678906 h 4107656"/>
-                <a:gd name="connsiteX103" fmla="*/ 78581 w 1207294"/>
-                <a:gd name="connsiteY103" fmla="*/ 2614612 h 4107656"/>
-                <a:gd name="connsiteX104" fmla="*/ 92869 w 1207294"/>
-                <a:gd name="connsiteY104" fmla="*/ 2586037 h 4107656"/>
-                <a:gd name="connsiteX105" fmla="*/ 114300 w 1207294"/>
-                <a:gd name="connsiteY105" fmla="*/ 2521744 h 4107656"/>
-                <a:gd name="connsiteX106" fmla="*/ 150019 w 1207294"/>
-                <a:gd name="connsiteY106" fmla="*/ 2400300 h 4107656"/>
-                <a:gd name="connsiteX107" fmla="*/ 164306 w 1207294"/>
-                <a:gd name="connsiteY107" fmla="*/ 2371725 h 4107656"/>
-                <a:gd name="connsiteX108" fmla="*/ 200025 w 1207294"/>
-                <a:gd name="connsiteY108" fmla="*/ 2286000 h 4107656"/>
-                <a:gd name="connsiteX109" fmla="*/ 221456 w 1207294"/>
-                <a:gd name="connsiteY109" fmla="*/ 2214562 h 4107656"/>
-                <a:gd name="connsiteX110" fmla="*/ 228600 w 1207294"/>
-                <a:gd name="connsiteY110" fmla="*/ 2193131 h 4107656"/>
-                <a:gd name="connsiteX111" fmla="*/ 235744 w 1207294"/>
-                <a:gd name="connsiteY111" fmla="*/ 2164556 h 4107656"/>
-                <a:gd name="connsiteX112" fmla="*/ 257175 w 1207294"/>
-                <a:gd name="connsiteY112" fmla="*/ 2143125 h 4107656"/>
-                <a:gd name="connsiteX113" fmla="*/ 257175 w 1207294"/>
-                <a:gd name="connsiteY113" fmla="*/ 1678781 h 4107656"/>
-                <a:gd name="connsiteX114" fmla="*/ 250031 w 1207294"/>
-                <a:gd name="connsiteY114" fmla="*/ 1643062 h 4107656"/>
-                <a:gd name="connsiteX115" fmla="*/ 235744 w 1207294"/>
-                <a:gd name="connsiteY115" fmla="*/ 1578769 h 4107656"/>
-                <a:gd name="connsiteX116" fmla="*/ 221456 w 1207294"/>
-                <a:gd name="connsiteY116" fmla="*/ 1485900 h 4107656"/>
-                <a:gd name="connsiteX117" fmla="*/ 207169 w 1207294"/>
-                <a:gd name="connsiteY117" fmla="*/ 1428750 h 4107656"/>
-                <a:gd name="connsiteX118" fmla="*/ 192881 w 1207294"/>
-                <a:gd name="connsiteY118" fmla="*/ 1407319 h 4107656"/>
-                <a:gd name="connsiteX119" fmla="*/ 185737 w 1207294"/>
-                <a:gd name="connsiteY119" fmla="*/ 1378744 h 4107656"/>
-                <a:gd name="connsiteX120" fmla="*/ 171450 w 1207294"/>
-                <a:gd name="connsiteY120" fmla="*/ 1335881 h 4107656"/>
-                <a:gd name="connsiteX121" fmla="*/ 157162 w 1207294"/>
-                <a:gd name="connsiteY121" fmla="*/ 1293019 h 4107656"/>
-                <a:gd name="connsiteX122" fmla="*/ 150019 w 1207294"/>
-                <a:gd name="connsiteY122" fmla="*/ 1271587 h 4107656"/>
-                <a:gd name="connsiteX123" fmla="*/ 142875 w 1207294"/>
-                <a:gd name="connsiteY123" fmla="*/ 1250156 h 4107656"/>
-                <a:gd name="connsiteX124" fmla="*/ 128587 w 1207294"/>
-                <a:gd name="connsiteY124" fmla="*/ 1200150 h 4107656"/>
-                <a:gd name="connsiteX125" fmla="*/ 114300 w 1207294"/>
-                <a:gd name="connsiteY125" fmla="*/ 1092994 h 4107656"/>
-                <a:gd name="connsiteX126" fmla="*/ 107156 w 1207294"/>
-                <a:gd name="connsiteY126" fmla="*/ 1050131 h 4107656"/>
-                <a:gd name="connsiteX127" fmla="*/ 100012 w 1207294"/>
-                <a:gd name="connsiteY127" fmla="*/ 985837 h 4107656"/>
-                <a:gd name="connsiteX128" fmla="*/ 114300 w 1207294"/>
-                <a:gd name="connsiteY128" fmla="*/ 621506 h 4107656"/>
-                <a:gd name="connsiteX0" fmla="*/ 114300 w 1207294"/>
-                <a:gd name="connsiteY0" fmla="*/ 621506 h 4107656"/>
-                <a:gd name="connsiteX1" fmla="*/ 114300 w 1207294"/>
-                <a:gd name="connsiteY1" fmla="*/ 621506 h 4107656"/>
-                <a:gd name="connsiteX2" fmla="*/ 121444 w 1207294"/>
-                <a:gd name="connsiteY2" fmla="*/ 321469 h 4107656"/>
-                <a:gd name="connsiteX3" fmla="*/ 135731 w 1207294"/>
-                <a:gd name="connsiteY3" fmla="*/ 250031 h 4107656"/>
-                <a:gd name="connsiteX4" fmla="*/ 142875 w 1207294"/>
-                <a:gd name="connsiteY4" fmla="*/ 214312 h 4107656"/>
-                <a:gd name="connsiteX5" fmla="*/ 164306 w 1207294"/>
-                <a:gd name="connsiteY5" fmla="*/ 150019 h 4107656"/>
-                <a:gd name="connsiteX6" fmla="*/ 171450 w 1207294"/>
-                <a:gd name="connsiteY6" fmla="*/ 128587 h 4107656"/>
-                <a:gd name="connsiteX7" fmla="*/ 192881 w 1207294"/>
-                <a:gd name="connsiteY7" fmla="*/ 85725 h 4107656"/>
-                <a:gd name="connsiteX8" fmla="*/ 214312 w 1207294"/>
-                <a:gd name="connsiteY8" fmla="*/ 71437 h 4107656"/>
-                <a:gd name="connsiteX9" fmla="*/ 271462 w 1207294"/>
-                <a:gd name="connsiteY9" fmla="*/ 21431 h 4107656"/>
-                <a:gd name="connsiteX10" fmla="*/ 314325 w 1207294"/>
-                <a:gd name="connsiteY10" fmla="*/ 7144 h 4107656"/>
-                <a:gd name="connsiteX11" fmla="*/ 335756 w 1207294"/>
-                <a:gd name="connsiteY11" fmla="*/ 0 h 4107656"/>
-                <a:gd name="connsiteX12" fmla="*/ 507206 w 1207294"/>
-                <a:gd name="connsiteY12" fmla="*/ 21431 h 4107656"/>
-                <a:gd name="connsiteX13" fmla="*/ 528637 w 1207294"/>
-                <a:gd name="connsiteY13" fmla="*/ 28575 h 4107656"/>
-                <a:gd name="connsiteX14" fmla="*/ 592931 w 1207294"/>
-                <a:gd name="connsiteY14" fmla="*/ 71437 h 4107656"/>
-                <a:gd name="connsiteX15" fmla="*/ 614362 w 1207294"/>
-                <a:gd name="connsiteY15" fmla="*/ 85725 h 4107656"/>
-                <a:gd name="connsiteX16" fmla="*/ 635794 w 1207294"/>
-                <a:gd name="connsiteY16" fmla="*/ 100012 h 4107656"/>
-                <a:gd name="connsiteX17" fmla="*/ 671512 w 1207294"/>
-                <a:gd name="connsiteY17" fmla="*/ 135731 h 4107656"/>
-                <a:gd name="connsiteX18" fmla="*/ 685800 w 1207294"/>
-                <a:gd name="connsiteY18" fmla="*/ 157162 h 4107656"/>
-                <a:gd name="connsiteX19" fmla="*/ 728662 w 1207294"/>
-                <a:gd name="connsiteY19" fmla="*/ 185737 h 4107656"/>
-                <a:gd name="connsiteX20" fmla="*/ 771525 w 1207294"/>
-                <a:gd name="connsiteY20" fmla="*/ 221456 h 4107656"/>
-                <a:gd name="connsiteX21" fmla="*/ 792956 w 1207294"/>
-                <a:gd name="connsiteY21" fmla="*/ 242887 h 4107656"/>
-                <a:gd name="connsiteX22" fmla="*/ 814387 w 1207294"/>
-                <a:gd name="connsiteY22" fmla="*/ 257175 h 4107656"/>
-                <a:gd name="connsiteX23" fmla="*/ 857250 w 1207294"/>
-                <a:gd name="connsiteY23" fmla="*/ 300037 h 4107656"/>
-                <a:gd name="connsiteX24" fmla="*/ 878681 w 1207294"/>
-                <a:gd name="connsiteY24" fmla="*/ 321469 h 4107656"/>
-                <a:gd name="connsiteX25" fmla="*/ 928687 w 1207294"/>
-                <a:gd name="connsiteY25" fmla="*/ 385762 h 4107656"/>
-                <a:gd name="connsiteX26" fmla="*/ 935831 w 1207294"/>
-                <a:gd name="connsiteY26" fmla="*/ 407194 h 4107656"/>
-                <a:gd name="connsiteX27" fmla="*/ 964406 w 1207294"/>
-                <a:gd name="connsiteY27" fmla="*/ 450056 h 4107656"/>
-                <a:gd name="connsiteX28" fmla="*/ 971550 w 1207294"/>
-                <a:gd name="connsiteY28" fmla="*/ 471487 h 4107656"/>
-                <a:gd name="connsiteX29" fmla="*/ 1000125 w 1207294"/>
-                <a:gd name="connsiteY29" fmla="*/ 514350 h 4107656"/>
-                <a:gd name="connsiteX30" fmla="*/ 1007269 w 1207294"/>
-                <a:gd name="connsiteY30" fmla="*/ 535781 h 4107656"/>
-                <a:gd name="connsiteX31" fmla="*/ 1035844 w 1207294"/>
-                <a:gd name="connsiteY31" fmla="*/ 578644 h 4107656"/>
-                <a:gd name="connsiteX32" fmla="*/ 1050131 w 1207294"/>
-                <a:gd name="connsiteY32" fmla="*/ 628650 h 4107656"/>
-                <a:gd name="connsiteX33" fmla="*/ 1064419 w 1207294"/>
-                <a:gd name="connsiteY33" fmla="*/ 671512 h 4107656"/>
-                <a:gd name="connsiteX34" fmla="*/ 1071562 w 1207294"/>
-                <a:gd name="connsiteY34" fmla="*/ 692944 h 4107656"/>
-                <a:gd name="connsiteX35" fmla="*/ 1107281 w 1207294"/>
-                <a:gd name="connsiteY35" fmla="*/ 800100 h 4107656"/>
-                <a:gd name="connsiteX36" fmla="*/ 1128712 w 1207294"/>
-                <a:gd name="connsiteY36" fmla="*/ 864394 h 4107656"/>
-                <a:gd name="connsiteX37" fmla="*/ 1135856 w 1207294"/>
-                <a:gd name="connsiteY37" fmla="*/ 885825 h 4107656"/>
-                <a:gd name="connsiteX38" fmla="*/ 1143000 w 1207294"/>
-                <a:gd name="connsiteY38" fmla="*/ 907256 h 4107656"/>
-                <a:gd name="connsiteX39" fmla="*/ 1150144 w 1207294"/>
-                <a:gd name="connsiteY39" fmla="*/ 964406 h 4107656"/>
-                <a:gd name="connsiteX40" fmla="*/ 1157287 w 1207294"/>
-                <a:gd name="connsiteY40" fmla="*/ 1007269 h 4107656"/>
-                <a:gd name="connsiteX41" fmla="*/ 1178719 w 1207294"/>
-                <a:gd name="connsiteY41" fmla="*/ 1193006 h 4107656"/>
-                <a:gd name="connsiteX42" fmla="*/ 1193006 w 1207294"/>
-                <a:gd name="connsiteY42" fmla="*/ 1314450 h 4107656"/>
-                <a:gd name="connsiteX43" fmla="*/ 1207294 w 1207294"/>
-                <a:gd name="connsiteY43" fmla="*/ 1578769 h 4107656"/>
-                <a:gd name="connsiteX44" fmla="*/ 1200150 w 1207294"/>
-                <a:gd name="connsiteY44" fmla="*/ 1921669 h 4107656"/>
-                <a:gd name="connsiteX45" fmla="*/ 1185862 w 1207294"/>
-                <a:gd name="connsiteY45" fmla="*/ 2100262 h 4107656"/>
-                <a:gd name="connsiteX46" fmla="*/ 1171575 w 1207294"/>
-                <a:gd name="connsiteY46" fmla="*/ 2407444 h 4107656"/>
-                <a:gd name="connsiteX47" fmla="*/ 1157287 w 1207294"/>
-                <a:gd name="connsiteY47" fmla="*/ 2528887 h 4107656"/>
-                <a:gd name="connsiteX48" fmla="*/ 1150144 w 1207294"/>
-                <a:gd name="connsiteY48" fmla="*/ 2557462 h 4107656"/>
-                <a:gd name="connsiteX49" fmla="*/ 1135856 w 1207294"/>
-                <a:gd name="connsiteY49" fmla="*/ 2650331 h 4107656"/>
-                <a:gd name="connsiteX50" fmla="*/ 1128712 w 1207294"/>
-                <a:gd name="connsiteY50" fmla="*/ 2693194 h 4107656"/>
-                <a:gd name="connsiteX51" fmla="*/ 1114425 w 1207294"/>
-                <a:gd name="connsiteY51" fmla="*/ 2857500 h 4107656"/>
-                <a:gd name="connsiteX52" fmla="*/ 1121569 w 1207294"/>
-                <a:gd name="connsiteY52" fmla="*/ 3057525 h 4107656"/>
-                <a:gd name="connsiteX53" fmla="*/ 1128712 w 1207294"/>
-                <a:gd name="connsiteY53" fmla="*/ 3121819 h 4107656"/>
-                <a:gd name="connsiteX54" fmla="*/ 1135856 w 1207294"/>
-                <a:gd name="connsiteY54" fmla="*/ 3193256 h 4107656"/>
-                <a:gd name="connsiteX55" fmla="*/ 1143000 w 1207294"/>
-                <a:gd name="connsiteY55" fmla="*/ 3236119 h 4107656"/>
-                <a:gd name="connsiteX56" fmla="*/ 1150144 w 1207294"/>
-                <a:gd name="connsiteY56" fmla="*/ 3286125 h 4107656"/>
-                <a:gd name="connsiteX57" fmla="*/ 1128712 w 1207294"/>
-                <a:gd name="connsiteY57" fmla="*/ 3571875 h 4107656"/>
-                <a:gd name="connsiteX58" fmla="*/ 1121569 w 1207294"/>
-                <a:gd name="connsiteY58" fmla="*/ 3764756 h 4107656"/>
-                <a:gd name="connsiteX59" fmla="*/ 1107281 w 1207294"/>
-                <a:gd name="connsiteY59" fmla="*/ 3879056 h 4107656"/>
-                <a:gd name="connsiteX60" fmla="*/ 1092994 w 1207294"/>
-                <a:gd name="connsiteY60" fmla="*/ 3929062 h 4107656"/>
-                <a:gd name="connsiteX61" fmla="*/ 1078706 w 1207294"/>
-                <a:gd name="connsiteY61" fmla="*/ 3950494 h 4107656"/>
-                <a:gd name="connsiteX62" fmla="*/ 1014412 w 1207294"/>
-                <a:gd name="connsiteY62" fmla="*/ 4007644 h 4107656"/>
-                <a:gd name="connsiteX63" fmla="*/ 971550 w 1207294"/>
-                <a:gd name="connsiteY63" fmla="*/ 4021931 h 4107656"/>
-                <a:gd name="connsiteX64" fmla="*/ 907256 w 1207294"/>
-                <a:gd name="connsiteY64" fmla="*/ 4050506 h 4107656"/>
-                <a:gd name="connsiteX65" fmla="*/ 871537 w 1207294"/>
-                <a:gd name="connsiteY65" fmla="*/ 4057650 h 4107656"/>
-                <a:gd name="connsiteX66" fmla="*/ 828675 w 1207294"/>
-                <a:gd name="connsiteY66" fmla="*/ 4064794 h 4107656"/>
-                <a:gd name="connsiteX67" fmla="*/ 785812 w 1207294"/>
-                <a:gd name="connsiteY67" fmla="*/ 4079081 h 4107656"/>
-                <a:gd name="connsiteX68" fmla="*/ 742950 w 1207294"/>
-                <a:gd name="connsiteY68" fmla="*/ 4093369 h 4107656"/>
-                <a:gd name="connsiteX69" fmla="*/ 721519 w 1207294"/>
-                <a:gd name="connsiteY69" fmla="*/ 4100512 h 4107656"/>
-                <a:gd name="connsiteX70" fmla="*/ 700087 w 1207294"/>
-                <a:gd name="connsiteY70" fmla="*/ 4107656 h 4107656"/>
-                <a:gd name="connsiteX71" fmla="*/ 578644 w 1207294"/>
-                <a:gd name="connsiteY71" fmla="*/ 4100512 h 4107656"/>
-                <a:gd name="connsiteX72" fmla="*/ 514350 w 1207294"/>
-                <a:gd name="connsiteY72" fmla="*/ 4071937 h 4107656"/>
-                <a:gd name="connsiteX73" fmla="*/ 492919 w 1207294"/>
-                <a:gd name="connsiteY73" fmla="*/ 4064794 h 4107656"/>
-                <a:gd name="connsiteX74" fmla="*/ 450056 w 1207294"/>
-                <a:gd name="connsiteY74" fmla="*/ 4014787 h 4107656"/>
-                <a:gd name="connsiteX75" fmla="*/ 421481 w 1207294"/>
-                <a:gd name="connsiteY75" fmla="*/ 3971925 h 4107656"/>
-                <a:gd name="connsiteX76" fmla="*/ 407194 w 1207294"/>
-                <a:gd name="connsiteY76" fmla="*/ 3950494 h 4107656"/>
-                <a:gd name="connsiteX77" fmla="*/ 400050 w 1207294"/>
-                <a:gd name="connsiteY77" fmla="*/ 3929062 h 4107656"/>
-                <a:gd name="connsiteX78" fmla="*/ 378619 w 1207294"/>
-                <a:gd name="connsiteY78" fmla="*/ 3907631 h 4107656"/>
-                <a:gd name="connsiteX79" fmla="*/ 357187 w 1207294"/>
-                <a:gd name="connsiteY79" fmla="*/ 3857625 h 4107656"/>
-                <a:gd name="connsiteX80" fmla="*/ 342900 w 1207294"/>
-                <a:gd name="connsiteY80" fmla="*/ 3829050 h 4107656"/>
-                <a:gd name="connsiteX81" fmla="*/ 268158 w 1207294"/>
-                <a:gd name="connsiteY81" fmla="*/ 3638086 h 4107656"/>
-                <a:gd name="connsiteX82" fmla="*/ 314325 w 1207294"/>
-                <a:gd name="connsiteY82" fmla="*/ 3750469 h 4107656"/>
-                <a:gd name="connsiteX83" fmla="*/ 300037 w 1207294"/>
-                <a:gd name="connsiteY83" fmla="*/ 3707606 h 4107656"/>
-                <a:gd name="connsiteX84" fmla="*/ 285750 w 1207294"/>
-                <a:gd name="connsiteY84" fmla="*/ 3686175 h 4107656"/>
-                <a:gd name="connsiteX85" fmla="*/ 250044 w 1207294"/>
-                <a:gd name="connsiteY85" fmla="*/ 3626565 h 4107656"/>
-                <a:gd name="connsiteX86" fmla="*/ 221456 w 1207294"/>
-                <a:gd name="connsiteY86" fmla="*/ 3564731 h 4107656"/>
-                <a:gd name="connsiteX87" fmla="*/ 178594 w 1207294"/>
-                <a:gd name="connsiteY87" fmla="*/ 3500437 h 4107656"/>
-                <a:gd name="connsiteX88" fmla="*/ 157162 w 1207294"/>
-                <a:gd name="connsiteY88" fmla="*/ 3471862 h 4107656"/>
-                <a:gd name="connsiteX89" fmla="*/ 114300 w 1207294"/>
-                <a:gd name="connsiteY89" fmla="*/ 3400425 h 4107656"/>
-                <a:gd name="connsiteX90" fmla="*/ 92869 w 1207294"/>
-                <a:gd name="connsiteY90" fmla="*/ 3378994 h 4107656"/>
-                <a:gd name="connsiteX91" fmla="*/ 78581 w 1207294"/>
-                <a:gd name="connsiteY91" fmla="*/ 3350419 h 4107656"/>
-                <a:gd name="connsiteX92" fmla="*/ 57150 w 1207294"/>
-                <a:gd name="connsiteY92" fmla="*/ 3321844 h 4107656"/>
-                <a:gd name="connsiteX93" fmla="*/ 50006 w 1207294"/>
-                <a:gd name="connsiteY93" fmla="*/ 3300412 h 4107656"/>
-                <a:gd name="connsiteX94" fmla="*/ 21431 w 1207294"/>
-                <a:gd name="connsiteY94" fmla="*/ 3250406 h 4107656"/>
-                <a:gd name="connsiteX95" fmla="*/ 14287 w 1207294"/>
-                <a:gd name="connsiteY95" fmla="*/ 3221831 h 4107656"/>
-                <a:gd name="connsiteX96" fmla="*/ 0 w 1207294"/>
-                <a:gd name="connsiteY96" fmla="*/ 3150394 h 4107656"/>
-                <a:gd name="connsiteX97" fmla="*/ 7143 w 1207294"/>
-                <a:gd name="connsiteY97" fmla="*/ 2978944 h 4107656"/>
-                <a:gd name="connsiteX98" fmla="*/ 21431 w 1207294"/>
-                <a:gd name="connsiteY98" fmla="*/ 2850356 h 4107656"/>
-                <a:gd name="connsiteX99" fmla="*/ 28575 w 1207294"/>
-                <a:gd name="connsiteY99" fmla="*/ 2807494 h 4107656"/>
-                <a:gd name="connsiteX100" fmla="*/ 42862 w 1207294"/>
-                <a:gd name="connsiteY100" fmla="*/ 2757487 h 4107656"/>
-                <a:gd name="connsiteX101" fmla="*/ 50006 w 1207294"/>
-                <a:gd name="connsiteY101" fmla="*/ 2728912 h 4107656"/>
-                <a:gd name="connsiteX102" fmla="*/ 64294 w 1207294"/>
-                <a:gd name="connsiteY102" fmla="*/ 2678906 h 4107656"/>
-                <a:gd name="connsiteX103" fmla="*/ 78581 w 1207294"/>
-                <a:gd name="connsiteY103" fmla="*/ 2614612 h 4107656"/>
-                <a:gd name="connsiteX104" fmla="*/ 92869 w 1207294"/>
-                <a:gd name="connsiteY104" fmla="*/ 2586037 h 4107656"/>
-                <a:gd name="connsiteX105" fmla="*/ 114300 w 1207294"/>
-                <a:gd name="connsiteY105" fmla="*/ 2521744 h 4107656"/>
-                <a:gd name="connsiteX106" fmla="*/ 150019 w 1207294"/>
-                <a:gd name="connsiteY106" fmla="*/ 2400300 h 4107656"/>
-                <a:gd name="connsiteX107" fmla="*/ 164306 w 1207294"/>
-                <a:gd name="connsiteY107" fmla="*/ 2371725 h 4107656"/>
-                <a:gd name="connsiteX108" fmla="*/ 200025 w 1207294"/>
-                <a:gd name="connsiteY108" fmla="*/ 2286000 h 4107656"/>
-                <a:gd name="connsiteX109" fmla="*/ 221456 w 1207294"/>
-                <a:gd name="connsiteY109" fmla="*/ 2214562 h 4107656"/>
-                <a:gd name="connsiteX110" fmla="*/ 228600 w 1207294"/>
-                <a:gd name="connsiteY110" fmla="*/ 2193131 h 4107656"/>
-                <a:gd name="connsiteX111" fmla="*/ 235744 w 1207294"/>
-                <a:gd name="connsiteY111" fmla="*/ 2164556 h 4107656"/>
-                <a:gd name="connsiteX112" fmla="*/ 257175 w 1207294"/>
-                <a:gd name="connsiteY112" fmla="*/ 2143125 h 4107656"/>
-                <a:gd name="connsiteX113" fmla="*/ 257175 w 1207294"/>
-                <a:gd name="connsiteY113" fmla="*/ 1678781 h 4107656"/>
-                <a:gd name="connsiteX114" fmla="*/ 250031 w 1207294"/>
-                <a:gd name="connsiteY114" fmla="*/ 1643062 h 4107656"/>
-                <a:gd name="connsiteX115" fmla="*/ 235744 w 1207294"/>
-                <a:gd name="connsiteY115" fmla="*/ 1578769 h 4107656"/>
-                <a:gd name="connsiteX116" fmla="*/ 221456 w 1207294"/>
-                <a:gd name="connsiteY116" fmla="*/ 1485900 h 4107656"/>
-                <a:gd name="connsiteX117" fmla="*/ 207169 w 1207294"/>
-                <a:gd name="connsiteY117" fmla="*/ 1428750 h 4107656"/>
-                <a:gd name="connsiteX118" fmla="*/ 192881 w 1207294"/>
-                <a:gd name="connsiteY118" fmla="*/ 1407319 h 4107656"/>
-                <a:gd name="connsiteX119" fmla="*/ 185737 w 1207294"/>
-                <a:gd name="connsiteY119" fmla="*/ 1378744 h 4107656"/>
-                <a:gd name="connsiteX120" fmla="*/ 171450 w 1207294"/>
-                <a:gd name="connsiteY120" fmla="*/ 1335881 h 4107656"/>
-                <a:gd name="connsiteX121" fmla="*/ 157162 w 1207294"/>
-                <a:gd name="connsiteY121" fmla="*/ 1293019 h 4107656"/>
-                <a:gd name="connsiteX122" fmla="*/ 150019 w 1207294"/>
-                <a:gd name="connsiteY122" fmla="*/ 1271587 h 4107656"/>
-                <a:gd name="connsiteX123" fmla="*/ 142875 w 1207294"/>
-                <a:gd name="connsiteY123" fmla="*/ 1250156 h 4107656"/>
-                <a:gd name="connsiteX124" fmla="*/ 128587 w 1207294"/>
-                <a:gd name="connsiteY124" fmla="*/ 1200150 h 4107656"/>
-                <a:gd name="connsiteX125" fmla="*/ 114300 w 1207294"/>
-                <a:gd name="connsiteY125" fmla="*/ 1092994 h 4107656"/>
-                <a:gd name="connsiteX126" fmla="*/ 107156 w 1207294"/>
-                <a:gd name="connsiteY126" fmla="*/ 1050131 h 4107656"/>
-                <a:gd name="connsiteX127" fmla="*/ 100012 w 1207294"/>
-                <a:gd name="connsiteY127" fmla="*/ 985837 h 4107656"/>
-                <a:gd name="connsiteX128" fmla="*/ 114300 w 1207294"/>
-                <a:gd name="connsiteY128" fmla="*/ 621506 h 4107656"/>
-                <a:gd name="connsiteX0" fmla="*/ 114300 w 1207294"/>
-                <a:gd name="connsiteY0" fmla="*/ 621506 h 4107656"/>
-                <a:gd name="connsiteX1" fmla="*/ 114300 w 1207294"/>
-                <a:gd name="connsiteY1" fmla="*/ 621506 h 4107656"/>
-                <a:gd name="connsiteX2" fmla="*/ 121444 w 1207294"/>
-                <a:gd name="connsiteY2" fmla="*/ 321469 h 4107656"/>
-                <a:gd name="connsiteX3" fmla="*/ 135731 w 1207294"/>
-                <a:gd name="connsiteY3" fmla="*/ 250031 h 4107656"/>
-                <a:gd name="connsiteX4" fmla="*/ 142875 w 1207294"/>
-                <a:gd name="connsiteY4" fmla="*/ 214312 h 4107656"/>
-                <a:gd name="connsiteX5" fmla="*/ 164306 w 1207294"/>
-                <a:gd name="connsiteY5" fmla="*/ 150019 h 4107656"/>
-                <a:gd name="connsiteX6" fmla="*/ 171450 w 1207294"/>
-                <a:gd name="connsiteY6" fmla="*/ 128587 h 4107656"/>
-                <a:gd name="connsiteX7" fmla="*/ 192881 w 1207294"/>
-                <a:gd name="connsiteY7" fmla="*/ 85725 h 4107656"/>
-                <a:gd name="connsiteX8" fmla="*/ 214312 w 1207294"/>
-                <a:gd name="connsiteY8" fmla="*/ 71437 h 4107656"/>
-                <a:gd name="connsiteX9" fmla="*/ 271462 w 1207294"/>
-                <a:gd name="connsiteY9" fmla="*/ 21431 h 4107656"/>
-                <a:gd name="connsiteX10" fmla="*/ 314325 w 1207294"/>
-                <a:gd name="connsiteY10" fmla="*/ 7144 h 4107656"/>
-                <a:gd name="connsiteX11" fmla="*/ 335756 w 1207294"/>
-                <a:gd name="connsiteY11" fmla="*/ 0 h 4107656"/>
-                <a:gd name="connsiteX12" fmla="*/ 507206 w 1207294"/>
-                <a:gd name="connsiteY12" fmla="*/ 21431 h 4107656"/>
-                <a:gd name="connsiteX13" fmla="*/ 528637 w 1207294"/>
-                <a:gd name="connsiteY13" fmla="*/ 28575 h 4107656"/>
-                <a:gd name="connsiteX14" fmla="*/ 592931 w 1207294"/>
-                <a:gd name="connsiteY14" fmla="*/ 71437 h 4107656"/>
-                <a:gd name="connsiteX15" fmla="*/ 614362 w 1207294"/>
-                <a:gd name="connsiteY15" fmla="*/ 85725 h 4107656"/>
-                <a:gd name="connsiteX16" fmla="*/ 635794 w 1207294"/>
-                <a:gd name="connsiteY16" fmla="*/ 100012 h 4107656"/>
-                <a:gd name="connsiteX17" fmla="*/ 671512 w 1207294"/>
-                <a:gd name="connsiteY17" fmla="*/ 135731 h 4107656"/>
-                <a:gd name="connsiteX18" fmla="*/ 685800 w 1207294"/>
-                <a:gd name="connsiteY18" fmla="*/ 157162 h 4107656"/>
-                <a:gd name="connsiteX19" fmla="*/ 728662 w 1207294"/>
-                <a:gd name="connsiteY19" fmla="*/ 185737 h 4107656"/>
-                <a:gd name="connsiteX20" fmla="*/ 771525 w 1207294"/>
-                <a:gd name="connsiteY20" fmla="*/ 221456 h 4107656"/>
-                <a:gd name="connsiteX21" fmla="*/ 792956 w 1207294"/>
-                <a:gd name="connsiteY21" fmla="*/ 242887 h 4107656"/>
-                <a:gd name="connsiteX22" fmla="*/ 814387 w 1207294"/>
-                <a:gd name="connsiteY22" fmla="*/ 257175 h 4107656"/>
-                <a:gd name="connsiteX23" fmla="*/ 857250 w 1207294"/>
-                <a:gd name="connsiteY23" fmla="*/ 300037 h 4107656"/>
-                <a:gd name="connsiteX24" fmla="*/ 878681 w 1207294"/>
-                <a:gd name="connsiteY24" fmla="*/ 321469 h 4107656"/>
-                <a:gd name="connsiteX25" fmla="*/ 928687 w 1207294"/>
-                <a:gd name="connsiteY25" fmla="*/ 385762 h 4107656"/>
-                <a:gd name="connsiteX26" fmla="*/ 935831 w 1207294"/>
-                <a:gd name="connsiteY26" fmla="*/ 407194 h 4107656"/>
-                <a:gd name="connsiteX27" fmla="*/ 964406 w 1207294"/>
-                <a:gd name="connsiteY27" fmla="*/ 450056 h 4107656"/>
-                <a:gd name="connsiteX28" fmla="*/ 971550 w 1207294"/>
-                <a:gd name="connsiteY28" fmla="*/ 471487 h 4107656"/>
-                <a:gd name="connsiteX29" fmla="*/ 1000125 w 1207294"/>
-                <a:gd name="connsiteY29" fmla="*/ 514350 h 4107656"/>
-                <a:gd name="connsiteX30" fmla="*/ 1007269 w 1207294"/>
-                <a:gd name="connsiteY30" fmla="*/ 535781 h 4107656"/>
-                <a:gd name="connsiteX31" fmla="*/ 1035844 w 1207294"/>
-                <a:gd name="connsiteY31" fmla="*/ 578644 h 4107656"/>
-                <a:gd name="connsiteX32" fmla="*/ 1050131 w 1207294"/>
-                <a:gd name="connsiteY32" fmla="*/ 628650 h 4107656"/>
-                <a:gd name="connsiteX33" fmla="*/ 1064419 w 1207294"/>
-                <a:gd name="connsiteY33" fmla="*/ 671512 h 4107656"/>
-                <a:gd name="connsiteX34" fmla="*/ 1071562 w 1207294"/>
-                <a:gd name="connsiteY34" fmla="*/ 692944 h 4107656"/>
-                <a:gd name="connsiteX35" fmla="*/ 1107281 w 1207294"/>
-                <a:gd name="connsiteY35" fmla="*/ 800100 h 4107656"/>
-                <a:gd name="connsiteX36" fmla="*/ 1128712 w 1207294"/>
-                <a:gd name="connsiteY36" fmla="*/ 864394 h 4107656"/>
-                <a:gd name="connsiteX37" fmla="*/ 1135856 w 1207294"/>
-                <a:gd name="connsiteY37" fmla="*/ 885825 h 4107656"/>
-                <a:gd name="connsiteX38" fmla="*/ 1143000 w 1207294"/>
-                <a:gd name="connsiteY38" fmla="*/ 907256 h 4107656"/>
-                <a:gd name="connsiteX39" fmla="*/ 1150144 w 1207294"/>
-                <a:gd name="connsiteY39" fmla="*/ 964406 h 4107656"/>
-                <a:gd name="connsiteX40" fmla="*/ 1157287 w 1207294"/>
-                <a:gd name="connsiteY40" fmla="*/ 1007269 h 4107656"/>
-                <a:gd name="connsiteX41" fmla="*/ 1178719 w 1207294"/>
-                <a:gd name="connsiteY41" fmla="*/ 1193006 h 4107656"/>
-                <a:gd name="connsiteX42" fmla="*/ 1193006 w 1207294"/>
-                <a:gd name="connsiteY42" fmla="*/ 1314450 h 4107656"/>
-                <a:gd name="connsiteX43" fmla="*/ 1207294 w 1207294"/>
-                <a:gd name="connsiteY43" fmla="*/ 1578769 h 4107656"/>
-                <a:gd name="connsiteX44" fmla="*/ 1200150 w 1207294"/>
-                <a:gd name="connsiteY44" fmla="*/ 1921669 h 4107656"/>
-                <a:gd name="connsiteX45" fmla="*/ 1185862 w 1207294"/>
-                <a:gd name="connsiteY45" fmla="*/ 2100262 h 4107656"/>
-                <a:gd name="connsiteX46" fmla="*/ 1171575 w 1207294"/>
-                <a:gd name="connsiteY46" fmla="*/ 2407444 h 4107656"/>
-                <a:gd name="connsiteX47" fmla="*/ 1157287 w 1207294"/>
-                <a:gd name="connsiteY47" fmla="*/ 2528887 h 4107656"/>
-                <a:gd name="connsiteX48" fmla="*/ 1150144 w 1207294"/>
-                <a:gd name="connsiteY48" fmla="*/ 2557462 h 4107656"/>
-                <a:gd name="connsiteX49" fmla="*/ 1135856 w 1207294"/>
-                <a:gd name="connsiteY49" fmla="*/ 2650331 h 4107656"/>
-                <a:gd name="connsiteX50" fmla="*/ 1128712 w 1207294"/>
-                <a:gd name="connsiteY50" fmla="*/ 2693194 h 4107656"/>
-                <a:gd name="connsiteX51" fmla="*/ 1114425 w 1207294"/>
-                <a:gd name="connsiteY51" fmla="*/ 2857500 h 4107656"/>
-                <a:gd name="connsiteX52" fmla="*/ 1121569 w 1207294"/>
-                <a:gd name="connsiteY52" fmla="*/ 3057525 h 4107656"/>
-                <a:gd name="connsiteX53" fmla="*/ 1128712 w 1207294"/>
-                <a:gd name="connsiteY53" fmla="*/ 3121819 h 4107656"/>
-                <a:gd name="connsiteX54" fmla="*/ 1135856 w 1207294"/>
-                <a:gd name="connsiteY54" fmla="*/ 3193256 h 4107656"/>
-                <a:gd name="connsiteX55" fmla="*/ 1143000 w 1207294"/>
-                <a:gd name="connsiteY55" fmla="*/ 3236119 h 4107656"/>
-                <a:gd name="connsiteX56" fmla="*/ 1150144 w 1207294"/>
-                <a:gd name="connsiteY56" fmla="*/ 3286125 h 4107656"/>
-                <a:gd name="connsiteX57" fmla="*/ 1128712 w 1207294"/>
-                <a:gd name="connsiteY57" fmla="*/ 3571875 h 4107656"/>
-                <a:gd name="connsiteX58" fmla="*/ 1121569 w 1207294"/>
-                <a:gd name="connsiteY58" fmla="*/ 3764756 h 4107656"/>
-                <a:gd name="connsiteX59" fmla="*/ 1107281 w 1207294"/>
-                <a:gd name="connsiteY59" fmla="*/ 3879056 h 4107656"/>
-                <a:gd name="connsiteX60" fmla="*/ 1092994 w 1207294"/>
-                <a:gd name="connsiteY60" fmla="*/ 3929062 h 4107656"/>
-                <a:gd name="connsiteX61" fmla="*/ 1078706 w 1207294"/>
-                <a:gd name="connsiteY61" fmla="*/ 3950494 h 4107656"/>
-                <a:gd name="connsiteX62" fmla="*/ 1014412 w 1207294"/>
-                <a:gd name="connsiteY62" fmla="*/ 4007644 h 4107656"/>
-                <a:gd name="connsiteX63" fmla="*/ 971550 w 1207294"/>
-                <a:gd name="connsiteY63" fmla="*/ 4021931 h 4107656"/>
-                <a:gd name="connsiteX64" fmla="*/ 907256 w 1207294"/>
-                <a:gd name="connsiteY64" fmla="*/ 4050506 h 4107656"/>
-                <a:gd name="connsiteX65" fmla="*/ 871537 w 1207294"/>
-                <a:gd name="connsiteY65" fmla="*/ 4057650 h 4107656"/>
-                <a:gd name="connsiteX66" fmla="*/ 828675 w 1207294"/>
-                <a:gd name="connsiteY66" fmla="*/ 4064794 h 4107656"/>
-                <a:gd name="connsiteX67" fmla="*/ 785812 w 1207294"/>
-                <a:gd name="connsiteY67" fmla="*/ 4079081 h 4107656"/>
-                <a:gd name="connsiteX68" fmla="*/ 742950 w 1207294"/>
-                <a:gd name="connsiteY68" fmla="*/ 4093369 h 4107656"/>
-                <a:gd name="connsiteX69" fmla="*/ 721519 w 1207294"/>
-                <a:gd name="connsiteY69" fmla="*/ 4100512 h 4107656"/>
-                <a:gd name="connsiteX70" fmla="*/ 700087 w 1207294"/>
-                <a:gd name="connsiteY70" fmla="*/ 4107656 h 4107656"/>
-                <a:gd name="connsiteX71" fmla="*/ 578644 w 1207294"/>
-                <a:gd name="connsiteY71" fmla="*/ 4100512 h 4107656"/>
-                <a:gd name="connsiteX72" fmla="*/ 514350 w 1207294"/>
-                <a:gd name="connsiteY72" fmla="*/ 4071937 h 4107656"/>
-                <a:gd name="connsiteX73" fmla="*/ 492919 w 1207294"/>
-                <a:gd name="connsiteY73" fmla="*/ 4064794 h 4107656"/>
-                <a:gd name="connsiteX74" fmla="*/ 450056 w 1207294"/>
-                <a:gd name="connsiteY74" fmla="*/ 4014787 h 4107656"/>
-                <a:gd name="connsiteX75" fmla="*/ 421481 w 1207294"/>
-                <a:gd name="connsiteY75" fmla="*/ 3971925 h 4107656"/>
-                <a:gd name="connsiteX76" fmla="*/ 407194 w 1207294"/>
-                <a:gd name="connsiteY76" fmla="*/ 3950494 h 4107656"/>
-                <a:gd name="connsiteX77" fmla="*/ 400050 w 1207294"/>
-                <a:gd name="connsiteY77" fmla="*/ 3929062 h 4107656"/>
-                <a:gd name="connsiteX78" fmla="*/ 378619 w 1207294"/>
-                <a:gd name="connsiteY78" fmla="*/ 3907631 h 4107656"/>
-                <a:gd name="connsiteX79" fmla="*/ 357187 w 1207294"/>
-                <a:gd name="connsiteY79" fmla="*/ 3857625 h 4107656"/>
-                <a:gd name="connsiteX80" fmla="*/ 342900 w 1207294"/>
-                <a:gd name="connsiteY80" fmla="*/ 3829050 h 4107656"/>
-                <a:gd name="connsiteX81" fmla="*/ 268158 w 1207294"/>
-                <a:gd name="connsiteY81" fmla="*/ 3638086 h 4107656"/>
-                <a:gd name="connsiteX82" fmla="*/ 314325 w 1207294"/>
-                <a:gd name="connsiteY82" fmla="*/ 3750469 h 4107656"/>
-                <a:gd name="connsiteX83" fmla="*/ 300037 w 1207294"/>
-                <a:gd name="connsiteY83" fmla="*/ 3707606 h 4107656"/>
-                <a:gd name="connsiteX84" fmla="*/ 285750 w 1207294"/>
-                <a:gd name="connsiteY84" fmla="*/ 3686175 h 4107656"/>
-                <a:gd name="connsiteX85" fmla="*/ 250044 w 1207294"/>
-                <a:gd name="connsiteY85" fmla="*/ 3626565 h 4107656"/>
-                <a:gd name="connsiteX86" fmla="*/ 221456 w 1207294"/>
-                <a:gd name="connsiteY86" fmla="*/ 3564731 h 4107656"/>
-                <a:gd name="connsiteX87" fmla="*/ 178594 w 1207294"/>
-                <a:gd name="connsiteY87" fmla="*/ 3500437 h 4107656"/>
-                <a:gd name="connsiteX88" fmla="*/ 157162 w 1207294"/>
-                <a:gd name="connsiteY88" fmla="*/ 3471862 h 4107656"/>
-                <a:gd name="connsiteX89" fmla="*/ 114300 w 1207294"/>
-                <a:gd name="connsiteY89" fmla="*/ 3400425 h 4107656"/>
-                <a:gd name="connsiteX90" fmla="*/ 92869 w 1207294"/>
-                <a:gd name="connsiteY90" fmla="*/ 3378994 h 4107656"/>
-                <a:gd name="connsiteX91" fmla="*/ 78581 w 1207294"/>
-                <a:gd name="connsiteY91" fmla="*/ 3350419 h 4107656"/>
-                <a:gd name="connsiteX92" fmla="*/ 57150 w 1207294"/>
-                <a:gd name="connsiteY92" fmla="*/ 3321844 h 4107656"/>
-                <a:gd name="connsiteX93" fmla="*/ 50006 w 1207294"/>
-                <a:gd name="connsiteY93" fmla="*/ 3300412 h 4107656"/>
-                <a:gd name="connsiteX94" fmla="*/ 21431 w 1207294"/>
-                <a:gd name="connsiteY94" fmla="*/ 3250406 h 4107656"/>
-                <a:gd name="connsiteX95" fmla="*/ 14287 w 1207294"/>
-                <a:gd name="connsiteY95" fmla="*/ 3221831 h 4107656"/>
-                <a:gd name="connsiteX96" fmla="*/ 0 w 1207294"/>
-                <a:gd name="connsiteY96" fmla="*/ 3150394 h 4107656"/>
-                <a:gd name="connsiteX97" fmla="*/ 7143 w 1207294"/>
-                <a:gd name="connsiteY97" fmla="*/ 2978944 h 4107656"/>
-                <a:gd name="connsiteX98" fmla="*/ 21431 w 1207294"/>
-                <a:gd name="connsiteY98" fmla="*/ 2850356 h 4107656"/>
-                <a:gd name="connsiteX99" fmla="*/ 28575 w 1207294"/>
-                <a:gd name="connsiteY99" fmla="*/ 2807494 h 4107656"/>
-                <a:gd name="connsiteX100" fmla="*/ 42862 w 1207294"/>
-                <a:gd name="connsiteY100" fmla="*/ 2757487 h 4107656"/>
-                <a:gd name="connsiteX101" fmla="*/ 50006 w 1207294"/>
-                <a:gd name="connsiteY101" fmla="*/ 2728912 h 4107656"/>
-                <a:gd name="connsiteX102" fmla="*/ 64294 w 1207294"/>
-                <a:gd name="connsiteY102" fmla="*/ 2678906 h 4107656"/>
-                <a:gd name="connsiteX103" fmla="*/ 78581 w 1207294"/>
-                <a:gd name="connsiteY103" fmla="*/ 2614612 h 4107656"/>
-                <a:gd name="connsiteX104" fmla="*/ 92869 w 1207294"/>
-                <a:gd name="connsiteY104" fmla="*/ 2586037 h 4107656"/>
-                <a:gd name="connsiteX105" fmla="*/ 114300 w 1207294"/>
-                <a:gd name="connsiteY105" fmla="*/ 2521744 h 4107656"/>
-                <a:gd name="connsiteX106" fmla="*/ 150019 w 1207294"/>
-                <a:gd name="connsiteY106" fmla="*/ 2400300 h 4107656"/>
-                <a:gd name="connsiteX107" fmla="*/ 164306 w 1207294"/>
-                <a:gd name="connsiteY107" fmla="*/ 2371725 h 4107656"/>
-                <a:gd name="connsiteX108" fmla="*/ 200025 w 1207294"/>
-                <a:gd name="connsiteY108" fmla="*/ 2286000 h 4107656"/>
-                <a:gd name="connsiteX109" fmla="*/ 221456 w 1207294"/>
-                <a:gd name="connsiteY109" fmla="*/ 2214562 h 4107656"/>
-                <a:gd name="connsiteX110" fmla="*/ 228600 w 1207294"/>
-                <a:gd name="connsiteY110" fmla="*/ 2193131 h 4107656"/>
-                <a:gd name="connsiteX111" fmla="*/ 235744 w 1207294"/>
-                <a:gd name="connsiteY111" fmla="*/ 2164556 h 4107656"/>
-                <a:gd name="connsiteX112" fmla="*/ 257175 w 1207294"/>
-                <a:gd name="connsiteY112" fmla="*/ 2143125 h 4107656"/>
-                <a:gd name="connsiteX113" fmla="*/ 257175 w 1207294"/>
-                <a:gd name="connsiteY113" fmla="*/ 1678781 h 4107656"/>
-                <a:gd name="connsiteX114" fmla="*/ 250031 w 1207294"/>
-                <a:gd name="connsiteY114" fmla="*/ 1643062 h 4107656"/>
-                <a:gd name="connsiteX115" fmla="*/ 235744 w 1207294"/>
-                <a:gd name="connsiteY115" fmla="*/ 1578769 h 4107656"/>
-                <a:gd name="connsiteX116" fmla="*/ 221456 w 1207294"/>
-                <a:gd name="connsiteY116" fmla="*/ 1485900 h 4107656"/>
-                <a:gd name="connsiteX117" fmla="*/ 192881 w 1207294"/>
-                <a:gd name="connsiteY117" fmla="*/ 1407319 h 4107656"/>
-                <a:gd name="connsiteX118" fmla="*/ 185737 w 1207294"/>
-                <a:gd name="connsiteY118" fmla="*/ 1378744 h 4107656"/>
-                <a:gd name="connsiteX119" fmla="*/ 171450 w 1207294"/>
-                <a:gd name="connsiteY119" fmla="*/ 1335881 h 4107656"/>
-                <a:gd name="connsiteX120" fmla="*/ 157162 w 1207294"/>
-                <a:gd name="connsiteY120" fmla="*/ 1293019 h 4107656"/>
-                <a:gd name="connsiteX121" fmla="*/ 150019 w 1207294"/>
-                <a:gd name="connsiteY121" fmla="*/ 1271587 h 4107656"/>
-                <a:gd name="connsiteX122" fmla="*/ 142875 w 1207294"/>
-                <a:gd name="connsiteY122" fmla="*/ 1250156 h 4107656"/>
-                <a:gd name="connsiteX123" fmla="*/ 128587 w 1207294"/>
-                <a:gd name="connsiteY123" fmla="*/ 1200150 h 4107656"/>
-                <a:gd name="connsiteX124" fmla="*/ 114300 w 1207294"/>
-                <a:gd name="connsiteY124" fmla="*/ 1092994 h 4107656"/>
-                <a:gd name="connsiteX125" fmla="*/ 107156 w 1207294"/>
-                <a:gd name="connsiteY125" fmla="*/ 1050131 h 4107656"/>
-                <a:gd name="connsiteX126" fmla="*/ 100012 w 1207294"/>
-                <a:gd name="connsiteY126" fmla="*/ 985837 h 4107656"/>
-                <a:gd name="connsiteX127" fmla="*/ 114300 w 1207294"/>
-                <a:gd name="connsiteY127" fmla="*/ 621506 h 4107656"/>
-                <a:gd name="connsiteX0" fmla="*/ 114300 w 1207294"/>
-                <a:gd name="connsiteY0" fmla="*/ 621506 h 4107656"/>
-                <a:gd name="connsiteX1" fmla="*/ 114300 w 1207294"/>
-                <a:gd name="connsiteY1" fmla="*/ 621506 h 4107656"/>
-                <a:gd name="connsiteX2" fmla="*/ 121444 w 1207294"/>
-                <a:gd name="connsiteY2" fmla="*/ 321469 h 4107656"/>
-                <a:gd name="connsiteX3" fmla="*/ 135731 w 1207294"/>
-                <a:gd name="connsiteY3" fmla="*/ 250031 h 4107656"/>
-                <a:gd name="connsiteX4" fmla="*/ 142875 w 1207294"/>
-                <a:gd name="connsiteY4" fmla="*/ 214312 h 4107656"/>
-                <a:gd name="connsiteX5" fmla="*/ 164306 w 1207294"/>
-                <a:gd name="connsiteY5" fmla="*/ 150019 h 4107656"/>
-                <a:gd name="connsiteX6" fmla="*/ 171450 w 1207294"/>
-                <a:gd name="connsiteY6" fmla="*/ 128587 h 4107656"/>
-                <a:gd name="connsiteX7" fmla="*/ 192881 w 1207294"/>
-                <a:gd name="connsiteY7" fmla="*/ 85725 h 4107656"/>
-                <a:gd name="connsiteX8" fmla="*/ 214312 w 1207294"/>
-                <a:gd name="connsiteY8" fmla="*/ 71437 h 4107656"/>
-                <a:gd name="connsiteX9" fmla="*/ 271462 w 1207294"/>
-                <a:gd name="connsiteY9" fmla="*/ 21431 h 4107656"/>
-                <a:gd name="connsiteX10" fmla="*/ 314325 w 1207294"/>
-                <a:gd name="connsiteY10" fmla="*/ 7144 h 4107656"/>
-                <a:gd name="connsiteX11" fmla="*/ 335756 w 1207294"/>
-                <a:gd name="connsiteY11" fmla="*/ 0 h 4107656"/>
-                <a:gd name="connsiteX12" fmla="*/ 507206 w 1207294"/>
-                <a:gd name="connsiteY12" fmla="*/ 21431 h 4107656"/>
-                <a:gd name="connsiteX13" fmla="*/ 528637 w 1207294"/>
-                <a:gd name="connsiteY13" fmla="*/ 28575 h 4107656"/>
-                <a:gd name="connsiteX14" fmla="*/ 592931 w 1207294"/>
-                <a:gd name="connsiteY14" fmla="*/ 71437 h 4107656"/>
-                <a:gd name="connsiteX15" fmla="*/ 614362 w 1207294"/>
-                <a:gd name="connsiteY15" fmla="*/ 85725 h 4107656"/>
-                <a:gd name="connsiteX16" fmla="*/ 635794 w 1207294"/>
-                <a:gd name="connsiteY16" fmla="*/ 100012 h 4107656"/>
-                <a:gd name="connsiteX17" fmla="*/ 671512 w 1207294"/>
-                <a:gd name="connsiteY17" fmla="*/ 135731 h 4107656"/>
-                <a:gd name="connsiteX18" fmla="*/ 685800 w 1207294"/>
-                <a:gd name="connsiteY18" fmla="*/ 157162 h 4107656"/>
-                <a:gd name="connsiteX19" fmla="*/ 728662 w 1207294"/>
-                <a:gd name="connsiteY19" fmla="*/ 185737 h 4107656"/>
-                <a:gd name="connsiteX20" fmla="*/ 771525 w 1207294"/>
-                <a:gd name="connsiteY20" fmla="*/ 221456 h 4107656"/>
-                <a:gd name="connsiteX21" fmla="*/ 792956 w 1207294"/>
-                <a:gd name="connsiteY21" fmla="*/ 242887 h 4107656"/>
-                <a:gd name="connsiteX22" fmla="*/ 814387 w 1207294"/>
-                <a:gd name="connsiteY22" fmla="*/ 257175 h 4107656"/>
-                <a:gd name="connsiteX23" fmla="*/ 857250 w 1207294"/>
-                <a:gd name="connsiteY23" fmla="*/ 300037 h 4107656"/>
-                <a:gd name="connsiteX24" fmla="*/ 878681 w 1207294"/>
-                <a:gd name="connsiteY24" fmla="*/ 321469 h 4107656"/>
-                <a:gd name="connsiteX25" fmla="*/ 928687 w 1207294"/>
-                <a:gd name="connsiteY25" fmla="*/ 385762 h 4107656"/>
-                <a:gd name="connsiteX26" fmla="*/ 935831 w 1207294"/>
-                <a:gd name="connsiteY26" fmla="*/ 407194 h 4107656"/>
-                <a:gd name="connsiteX27" fmla="*/ 964406 w 1207294"/>
-                <a:gd name="connsiteY27" fmla="*/ 450056 h 4107656"/>
-                <a:gd name="connsiteX28" fmla="*/ 971550 w 1207294"/>
-                <a:gd name="connsiteY28" fmla="*/ 471487 h 4107656"/>
-                <a:gd name="connsiteX29" fmla="*/ 1000125 w 1207294"/>
-                <a:gd name="connsiteY29" fmla="*/ 514350 h 4107656"/>
-                <a:gd name="connsiteX30" fmla="*/ 1007269 w 1207294"/>
-                <a:gd name="connsiteY30" fmla="*/ 535781 h 4107656"/>
-                <a:gd name="connsiteX31" fmla="*/ 1035844 w 1207294"/>
-                <a:gd name="connsiteY31" fmla="*/ 578644 h 4107656"/>
-                <a:gd name="connsiteX32" fmla="*/ 1050131 w 1207294"/>
-                <a:gd name="connsiteY32" fmla="*/ 628650 h 4107656"/>
-                <a:gd name="connsiteX33" fmla="*/ 1064419 w 1207294"/>
-                <a:gd name="connsiteY33" fmla="*/ 671512 h 4107656"/>
-                <a:gd name="connsiteX34" fmla="*/ 1071562 w 1207294"/>
-                <a:gd name="connsiteY34" fmla="*/ 692944 h 4107656"/>
-                <a:gd name="connsiteX35" fmla="*/ 1107281 w 1207294"/>
-                <a:gd name="connsiteY35" fmla="*/ 800100 h 4107656"/>
-                <a:gd name="connsiteX36" fmla="*/ 1128712 w 1207294"/>
-                <a:gd name="connsiteY36" fmla="*/ 864394 h 4107656"/>
-                <a:gd name="connsiteX37" fmla="*/ 1135856 w 1207294"/>
-                <a:gd name="connsiteY37" fmla="*/ 885825 h 4107656"/>
-                <a:gd name="connsiteX38" fmla="*/ 1143000 w 1207294"/>
-                <a:gd name="connsiteY38" fmla="*/ 907256 h 4107656"/>
-                <a:gd name="connsiteX39" fmla="*/ 1150144 w 1207294"/>
-                <a:gd name="connsiteY39" fmla="*/ 964406 h 4107656"/>
-                <a:gd name="connsiteX40" fmla="*/ 1157287 w 1207294"/>
-                <a:gd name="connsiteY40" fmla="*/ 1007269 h 4107656"/>
-                <a:gd name="connsiteX41" fmla="*/ 1178719 w 1207294"/>
-                <a:gd name="connsiteY41" fmla="*/ 1193006 h 4107656"/>
-                <a:gd name="connsiteX42" fmla="*/ 1193006 w 1207294"/>
-                <a:gd name="connsiteY42" fmla="*/ 1314450 h 4107656"/>
-                <a:gd name="connsiteX43" fmla="*/ 1207294 w 1207294"/>
-                <a:gd name="connsiteY43" fmla="*/ 1578769 h 4107656"/>
-                <a:gd name="connsiteX44" fmla="*/ 1200150 w 1207294"/>
-                <a:gd name="connsiteY44" fmla="*/ 1921669 h 4107656"/>
-                <a:gd name="connsiteX45" fmla="*/ 1185862 w 1207294"/>
-                <a:gd name="connsiteY45" fmla="*/ 2100262 h 4107656"/>
-                <a:gd name="connsiteX46" fmla="*/ 1171575 w 1207294"/>
-                <a:gd name="connsiteY46" fmla="*/ 2407444 h 4107656"/>
-                <a:gd name="connsiteX47" fmla="*/ 1157287 w 1207294"/>
-                <a:gd name="connsiteY47" fmla="*/ 2528887 h 4107656"/>
-                <a:gd name="connsiteX48" fmla="*/ 1150144 w 1207294"/>
-                <a:gd name="connsiteY48" fmla="*/ 2557462 h 4107656"/>
-                <a:gd name="connsiteX49" fmla="*/ 1135856 w 1207294"/>
-                <a:gd name="connsiteY49" fmla="*/ 2650331 h 4107656"/>
-                <a:gd name="connsiteX50" fmla="*/ 1128712 w 1207294"/>
-                <a:gd name="connsiteY50" fmla="*/ 2693194 h 4107656"/>
-                <a:gd name="connsiteX51" fmla="*/ 1114425 w 1207294"/>
-                <a:gd name="connsiteY51" fmla="*/ 2857500 h 4107656"/>
-                <a:gd name="connsiteX52" fmla="*/ 1121569 w 1207294"/>
-                <a:gd name="connsiteY52" fmla="*/ 3057525 h 4107656"/>
-                <a:gd name="connsiteX53" fmla="*/ 1128712 w 1207294"/>
-                <a:gd name="connsiteY53" fmla="*/ 3121819 h 4107656"/>
-                <a:gd name="connsiteX54" fmla="*/ 1135856 w 1207294"/>
-                <a:gd name="connsiteY54" fmla="*/ 3193256 h 4107656"/>
-                <a:gd name="connsiteX55" fmla="*/ 1143000 w 1207294"/>
-                <a:gd name="connsiteY55" fmla="*/ 3236119 h 4107656"/>
-                <a:gd name="connsiteX56" fmla="*/ 1150144 w 1207294"/>
-                <a:gd name="connsiteY56" fmla="*/ 3286125 h 4107656"/>
-                <a:gd name="connsiteX57" fmla="*/ 1128712 w 1207294"/>
-                <a:gd name="connsiteY57" fmla="*/ 3571875 h 4107656"/>
-                <a:gd name="connsiteX58" fmla="*/ 1121569 w 1207294"/>
-                <a:gd name="connsiteY58" fmla="*/ 3764756 h 4107656"/>
-                <a:gd name="connsiteX59" fmla="*/ 1107281 w 1207294"/>
-                <a:gd name="connsiteY59" fmla="*/ 3879056 h 4107656"/>
-                <a:gd name="connsiteX60" fmla="*/ 1092994 w 1207294"/>
-                <a:gd name="connsiteY60" fmla="*/ 3929062 h 4107656"/>
-                <a:gd name="connsiteX61" fmla="*/ 1078706 w 1207294"/>
-                <a:gd name="connsiteY61" fmla="*/ 3950494 h 4107656"/>
-                <a:gd name="connsiteX62" fmla="*/ 1014412 w 1207294"/>
-                <a:gd name="connsiteY62" fmla="*/ 4007644 h 4107656"/>
-                <a:gd name="connsiteX63" fmla="*/ 971550 w 1207294"/>
-                <a:gd name="connsiteY63" fmla="*/ 4021931 h 4107656"/>
-                <a:gd name="connsiteX64" fmla="*/ 907256 w 1207294"/>
-                <a:gd name="connsiteY64" fmla="*/ 4050506 h 4107656"/>
-                <a:gd name="connsiteX65" fmla="*/ 871537 w 1207294"/>
-                <a:gd name="connsiteY65" fmla="*/ 4057650 h 4107656"/>
-                <a:gd name="connsiteX66" fmla="*/ 828675 w 1207294"/>
-                <a:gd name="connsiteY66" fmla="*/ 4064794 h 4107656"/>
-                <a:gd name="connsiteX67" fmla="*/ 785812 w 1207294"/>
-                <a:gd name="connsiteY67" fmla="*/ 4079081 h 4107656"/>
-                <a:gd name="connsiteX68" fmla="*/ 742950 w 1207294"/>
-                <a:gd name="connsiteY68" fmla="*/ 4093369 h 4107656"/>
-                <a:gd name="connsiteX69" fmla="*/ 721519 w 1207294"/>
-                <a:gd name="connsiteY69" fmla="*/ 4100512 h 4107656"/>
-                <a:gd name="connsiteX70" fmla="*/ 700087 w 1207294"/>
-                <a:gd name="connsiteY70" fmla="*/ 4107656 h 4107656"/>
-                <a:gd name="connsiteX71" fmla="*/ 578644 w 1207294"/>
-                <a:gd name="connsiteY71" fmla="*/ 4100512 h 4107656"/>
-                <a:gd name="connsiteX72" fmla="*/ 514350 w 1207294"/>
-                <a:gd name="connsiteY72" fmla="*/ 4071937 h 4107656"/>
-                <a:gd name="connsiteX73" fmla="*/ 492919 w 1207294"/>
-                <a:gd name="connsiteY73" fmla="*/ 4064794 h 4107656"/>
-                <a:gd name="connsiteX74" fmla="*/ 450056 w 1207294"/>
-                <a:gd name="connsiteY74" fmla="*/ 4014787 h 4107656"/>
-                <a:gd name="connsiteX75" fmla="*/ 421481 w 1207294"/>
-                <a:gd name="connsiteY75" fmla="*/ 3971925 h 4107656"/>
-                <a:gd name="connsiteX76" fmla="*/ 407194 w 1207294"/>
-                <a:gd name="connsiteY76" fmla="*/ 3950494 h 4107656"/>
-                <a:gd name="connsiteX77" fmla="*/ 400050 w 1207294"/>
-                <a:gd name="connsiteY77" fmla="*/ 3929062 h 4107656"/>
-                <a:gd name="connsiteX78" fmla="*/ 378619 w 1207294"/>
-                <a:gd name="connsiteY78" fmla="*/ 3907631 h 4107656"/>
-                <a:gd name="connsiteX79" fmla="*/ 357187 w 1207294"/>
-                <a:gd name="connsiteY79" fmla="*/ 3857625 h 4107656"/>
-                <a:gd name="connsiteX80" fmla="*/ 342900 w 1207294"/>
-                <a:gd name="connsiteY80" fmla="*/ 3829050 h 4107656"/>
-                <a:gd name="connsiteX81" fmla="*/ 268158 w 1207294"/>
-                <a:gd name="connsiteY81" fmla="*/ 3638086 h 4107656"/>
-                <a:gd name="connsiteX82" fmla="*/ 314325 w 1207294"/>
-                <a:gd name="connsiteY82" fmla="*/ 3750469 h 4107656"/>
-                <a:gd name="connsiteX83" fmla="*/ 300037 w 1207294"/>
-                <a:gd name="connsiteY83" fmla="*/ 3707606 h 4107656"/>
-                <a:gd name="connsiteX84" fmla="*/ 285750 w 1207294"/>
-                <a:gd name="connsiteY84" fmla="*/ 3686175 h 4107656"/>
-                <a:gd name="connsiteX85" fmla="*/ 250044 w 1207294"/>
-                <a:gd name="connsiteY85" fmla="*/ 3626565 h 4107656"/>
-                <a:gd name="connsiteX86" fmla="*/ 221456 w 1207294"/>
-                <a:gd name="connsiteY86" fmla="*/ 3564731 h 4107656"/>
-                <a:gd name="connsiteX87" fmla="*/ 178594 w 1207294"/>
-                <a:gd name="connsiteY87" fmla="*/ 3500437 h 4107656"/>
-                <a:gd name="connsiteX88" fmla="*/ 157162 w 1207294"/>
-                <a:gd name="connsiteY88" fmla="*/ 3471862 h 4107656"/>
-                <a:gd name="connsiteX89" fmla="*/ 114300 w 1207294"/>
-                <a:gd name="connsiteY89" fmla="*/ 3400425 h 4107656"/>
-                <a:gd name="connsiteX90" fmla="*/ 92869 w 1207294"/>
-                <a:gd name="connsiteY90" fmla="*/ 3378994 h 4107656"/>
-                <a:gd name="connsiteX91" fmla="*/ 78581 w 1207294"/>
-                <a:gd name="connsiteY91" fmla="*/ 3350419 h 4107656"/>
-                <a:gd name="connsiteX92" fmla="*/ 57150 w 1207294"/>
-                <a:gd name="connsiteY92" fmla="*/ 3321844 h 4107656"/>
-                <a:gd name="connsiteX93" fmla="*/ 50006 w 1207294"/>
-                <a:gd name="connsiteY93" fmla="*/ 3300412 h 4107656"/>
-                <a:gd name="connsiteX94" fmla="*/ 21431 w 1207294"/>
-                <a:gd name="connsiteY94" fmla="*/ 3250406 h 4107656"/>
-                <a:gd name="connsiteX95" fmla="*/ 14287 w 1207294"/>
-                <a:gd name="connsiteY95" fmla="*/ 3221831 h 4107656"/>
-                <a:gd name="connsiteX96" fmla="*/ 0 w 1207294"/>
-                <a:gd name="connsiteY96" fmla="*/ 3150394 h 4107656"/>
-                <a:gd name="connsiteX97" fmla="*/ 7143 w 1207294"/>
-                <a:gd name="connsiteY97" fmla="*/ 2978944 h 4107656"/>
-                <a:gd name="connsiteX98" fmla="*/ 21431 w 1207294"/>
-                <a:gd name="connsiteY98" fmla="*/ 2850356 h 4107656"/>
-                <a:gd name="connsiteX99" fmla="*/ 28575 w 1207294"/>
-                <a:gd name="connsiteY99" fmla="*/ 2807494 h 4107656"/>
-                <a:gd name="connsiteX100" fmla="*/ 42862 w 1207294"/>
-                <a:gd name="connsiteY100" fmla="*/ 2757487 h 4107656"/>
-                <a:gd name="connsiteX101" fmla="*/ 50006 w 1207294"/>
-                <a:gd name="connsiteY101" fmla="*/ 2728912 h 4107656"/>
-                <a:gd name="connsiteX102" fmla="*/ 64294 w 1207294"/>
-                <a:gd name="connsiteY102" fmla="*/ 2678906 h 4107656"/>
-                <a:gd name="connsiteX103" fmla="*/ 78581 w 1207294"/>
-                <a:gd name="connsiteY103" fmla="*/ 2614612 h 4107656"/>
-                <a:gd name="connsiteX104" fmla="*/ 92869 w 1207294"/>
-                <a:gd name="connsiteY104" fmla="*/ 2586037 h 4107656"/>
-                <a:gd name="connsiteX105" fmla="*/ 114300 w 1207294"/>
-                <a:gd name="connsiteY105" fmla="*/ 2521744 h 4107656"/>
-                <a:gd name="connsiteX106" fmla="*/ 150019 w 1207294"/>
-                <a:gd name="connsiteY106" fmla="*/ 2400300 h 4107656"/>
-                <a:gd name="connsiteX107" fmla="*/ 164306 w 1207294"/>
-                <a:gd name="connsiteY107" fmla="*/ 2371725 h 4107656"/>
-                <a:gd name="connsiteX108" fmla="*/ 200025 w 1207294"/>
-                <a:gd name="connsiteY108" fmla="*/ 2286000 h 4107656"/>
-                <a:gd name="connsiteX109" fmla="*/ 221456 w 1207294"/>
-                <a:gd name="connsiteY109" fmla="*/ 2214562 h 4107656"/>
-                <a:gd name="connsiteX110" fmla="*/ 228600 w 1207294"/>
-                <a:gd name="connsiteY110" fmla="*/ 2193131 h 4107656"/>
-                <a:gd name="connsiteX111" fmla="*/ 235744 w 1207294"/>
-                <a:gd name="connsiteY111" fmla="*/ 2164556 h 4107656"/>
-                <a:gd name="connsiteX112" fmla="*/ 257175 w 1207294"/>
-                <a:gd name="connsiteY112" fmla="*/ 2143125 h 4107656"/>
-                <a:gd name="connsiteX113" fmla="*/ 257175 w 1207294"/>
-                <a:gd name="connsiteY113" fmla="*/ 1678781 h 4107656"/>
-                <a:gd name="connsiteX114" fmla="*/ 250031 w 1207294"/>
-                <a:gd name="connsiteY114" fmla="*/ 1643062 h 4107656"/>
-                <a:gd name="connsiteX115" fmla="*/ 235744 w 1207294"/>
-                <a:gd name="connsiteY115" fmla="*/ 1578769 h 4107656"/>
-                <a:gd name="connsiteX116" fmla="*/ 221456 w 1207294"/>
-                <a:gd name="connsiteY116" fmla="*/ 1485900 h 4107656"/>
-                <a:gd name="connsiteX117" fmla="*/ 192881 w 1207294"/>
-                <a:gd name="connsiteY117" fmla="*/ 1407319 h 4107656"/>
-                <a:gd name="connsiteX118" fmla="*/ 185737 w 1207294"/>
-                <a:gd name="connsiteY118" fmla="*/ 1378744 h 4107656"/>
-                <a:gd name="connsiteX119" fmla="*/ 171450 w 1207294"/>
-                <a:gd name="connsiteY119" fmla="*/ 1335881 h 4107656"/>
-                <a:gd name="connsiteX120" fmla="*/ 150019 w 1207294"/>
-                <a:gd name="connsiteY120" fmla="*/ 1271587 h 4107656"/>
-                <a:gd name="connsiteX121" fmla="*/ 142875 w 1207294"/>
-                <a:gd name="connsiteY121" fmla="*/ 1250156 h 4107656"/>
-                <a:gd name="connsiteX122" fmla="*/ 128587 w 1207294"/>
-                <a:gd name="connsiteY122" fmla="*/ 1200150 h 4107656"/>
-                <a:gd name="connsiteX123" fmla="*/ 114300 w 1207294"/>
-                <a:gd name="connsiteY123" fmla="*/ 1092994 h 4107656"/>
-                <a:gd name="connsiteX124" fmla="*/ 107156 w 1207294"/>
-                <a:gd name="connsiteY124" fmla="*/ 1050131 h 4107656"/>
-                <a:gd name="connsiteX125" fmla="*/ 100012 w 1207294"/>
-                <a:gd name="connsiteY125" fmla="*/ 985837 h 4107656"/>
-                <a:gd name="connsiteX126" fmla="*/ 114300 w 1207294"/>
-                <a:gd name="connsiteY126" fmla="*/ 621506 h 4107656"/>
-                <a:gd name="connsiteX0" fmla="*/ 114300 w 1207294"/>
-                <a:gd name="connsiteY0" fmla="*/ 621506 h 4107656"/>
-                <a:gd name="connsiteX1" fmla="*/ 114300 w 1207294"/>
-                <a:gd name="connsiteY1" fmla="*/ 621506 h 4107656"/>
-                <a:gd name="connsiteX2" fmla="*/ 121444 w 1207294"/>
-                <a:gd name="connsiteY2" fmla="*/ 321469 h 4107656"/>
-                <a:gd name="connsiteX3" fmla="*/ 135731 w 1207294"/>
-                <a:gd name="connsiteY3" fmla="*/ 250031 h 4107656"/>
-                <a:gd name="connsiteX4" fmla="*/ 142875 w 1207294"/>
-                <a:gd name="connsiteY4" fmla="*/ 214312 h 4107656"/>
-                <a:gd name="connsiteX5" fmla="*/ 164306 w 1207294"/>
-                <a:gd name="connsiteY5" fmla="*/ 150019 h 4107656"/>
-                <a:gd name="connsiteX6" fmla="*/ 171450 w 1207294"/>
-                <a:gd name="connsiteY6" fmla="*/ 128587 h 4107656"/>
-                <a:gd name="connsiteX7" fmla="*/ 192881 w 1207294"/>
-                <a:gd name="connsiteY7" fmla="*/ 85725 h 4107656"/>
-                <a:gd name="connsiteX8" fmla="*/ 214312 w 1207294"/>
-                <a:gd name="connsiteY8" fmla="*/ 71437 h 4107656"/>
-                <a:gd name="connsiteX9" fmla="*/ 271462 w 1207294"/>
-                <a:gd name="connsiteY9" fmla="*/ 21431 h 4107656"/>
-                <a:gd name="connsiteX10" fmla="*/ 314325 w 1207294"/>
-                <a:gd name="connsiteY10" fmla="*/ 7144 h 4107656"/>
-                <a:gd name="connsiteX11" fmla="*/ 335756 w 1207294"/>
-                <a:gd name="connsiteY11" fmla="*/ 0 h 4107656"/>
-                <a:gd name="connsiteX12" fmla="*/ 507206 w 1207294"/>
-                <a:gd name="connsiteY12" fmla="*/ 21431 h 4107656"/>
-                <a:gd name="connsiteX13" fmla="*/ 528637 w 1207294"/>
-                <a:gd name="connsiteY13" fmla="*/ 28575 h 4107656"/>
-                <a:gd name="connsiteX14" fmla="*/ 592931 w 1207294"/>
-                <a:gd name="connsiteY14" fmla="*/ 71437 h 4107656"/>
-                <a:gd name="connsiteX15" fmla="*/ 614362 w 1207294"/>
-                <a:gd name="connsiteY15" fmla="*/ 85725 h 4107656"/>
-                <a:gd name="connsiteX16" fmla="*/ 635794 w 1207294"/>
-                <a:gd name="connsiteY16" fmla="*/ 100012 h 4107656"/>
-                <a:gd name="connsiteX17" fmla="*/ 671512 w 1207294"/>
-                <a:gd name="connsiteY17" fmla="*/ 135731 h 4107656"/>
-                <a:gd name="connsiteX18" fmla="*/ 685800 w 1207294"/>
-                <a:gd name="connsiteY18" fmla="*/ 157162 h 4107656"/>
-                <a:gd name="connsiteX19" fmla="*/ 728662 w 1207294"/>
-                <a:gd name="connsiteY19" fmla="*/ 185737 h 4107656"/>
-                <a:gd name="connsiteX20" fmla="*/ 771525 w 1207294"/>
-                <a:gd name="connsiteY20" fmla="*/ 221456 h 4107656"/>
-                <a:gd name="connsiteX21" fmla="*/ 792956 w 1207294"/>
-                <a:gd name="connsiteY21" fmla="*/ 242887 h 4107656"/>
-                <a:gd name="connsiteX22" fmla="*/ 814387 w 1207294"/>
-                <a:gd name="connsiteY22" fmla="*/ 257175 h 4107656"/>
-                <a:gd name="connsiteX23" fmla="*/ 857250 w 1207294"/>
-                <a:gd name="connsiteY23" fmla="*/ 300037 h 4107656"/>
-                <a:gd name="connsiteX24" fmla="*/ 878681 w 1207294"/>
-                <a:gd name="connsiteY24" fmla="*/ 321469 h 4107656"/>
-                <a:gd name="connsiteX25" fmla="*/ 928687 w 1207294"/>
-                <a:gd name="connsiteY25" fmla="*/ 385762 h 4107656"/>
-                <a:gd name="connsiteX26" fmla="*/ 935831 w 1207294"/>
-                <a:gd name="connsiteY26" fmla="*/ 407194 h 4107656"/>
-                <a:gd name="connsiteX27" fmla="*/ 964406 w 1207294"/>
-                <a:gd name="connsiteY27" fmla="*/ 450056 h 4107656"/>
-                <a:gd name="connsiteX28" fmla="*/ 971550 w 1207294"/>
-                <a:gd name="connsiteY28" fmla="*/ 471487 h 4107656"/>
-                <a:gd name="connsiteX29" fmla="*/ 1000125 w 1207294"/>
-                <a:gd name="connsiteY29" fmla="*/ 514350 h 4107656"/>
-                <a:gd name="connsiteX30" fmla="*/ 1007269 w 1207294"/>
-                <a:gd name="connsiteY30" fmla="*/ 535781 h 4107656"/>
-                <a:gd name="connsiteX31" fmla="*/ 1035844 w 1207294"/>
-                <a:gd name="connsiteY31" fmla="*/ 578644 h 4107656"/>
-                <a:gd name="connsiteX32" fmla="*/ 1050131 w 1207294"/>
-                <a:gd name="connsiteY32" fmla="*/ 628650 h 4107656"/>
-                <a:gd name="connsiteX33" fmla="*/ 1064419 w 1207294"/>
-                <a:gd name="connsiteY33" fmla="*/ 671512 h 4107656"/>
-                <a:gd name="connsiteX34" fmla="*/ 1071562 w 1207294"/>
-                <a:gd name="connsiteY34" fmla="*/ 692944 h 4107656"/>
-                <a:gd name="connsiteX35" fmla="*/ 1107281 w 1207294"/>
-                <a:gd name="connsiteY35" fmla="*/ 800100 h 4107656"/>
-                <a:gd name="connsiteX36" fmla="*/ 1128712 w 1207294"/>
-                <a:gd name="connsiteY36" fmla="*/ 864394 h 4107656"/>
-                <a:gd name="connsiteX37" fmla="*/ 1135856 w 1207294"/>
-                <a:gd name="connsiteY37" fmla="*/ 885825 h 4107656"/>
-                <a:gd name="connsiteX38" fmla="*/ 1143000 w 1207294"/>
-                <a:gd name="connsiteY38" fmla="*/ 907256 h 4107656"/>
-                <a:gd name="connsiteX39" fmla="*/ 1150144 w 1207294"/>
-                <a:gd name="connsiteY39" fmla="*/ 964406 h 4107656"/>
-                <a:gd name="connsiteX40" fmla="*/ 1157287 w 1207294"/>
-                <a:gd name="connsiteY40" fmla="*/ 1007269 h 4107656"/>
-                <a:gd name="connsiteX41" fmla="*/ 1178719 w 1207294"/>
-                <a:gd name="connsiteY41" fmla="*/ 1193006 h 4107656"/>
-                <a:gd name="connsiteX42" fmla="*/ 1193006 w 1207294"/>
-                <a:gd name="connsiteY42" fmla="*/ 1314450 h 4107656"/>
-                <a:gd name="connsiteX43" fmla="*/ 1207294 w 1207294"/>
-                <a:gd name="connsiteY43" fmla="*/ 1578769 h 4107656"/>
-                <a:gd name="connsiteX44" fmla="*/ 1200150 w 1207294"/>
-                <a:gd name="connsiteY44" fmla="*/ 1921669 h 4107656"/>
-                <a:gd name="connsiteX45" fmla="*/ 1185862 w 1207294"/>
-                <a:gd name="connsiteY45" fmla="*/ 2100262 h 4107656"/>
-                <a:gd name="connsiteX46" fmla="*/ 1171575 w 1207294"/>
-                <a:gd name="connsiteY46" fmla="*/ 2407444 h 4107656"/>
-                <a:gd name="connsiteX47" fmla="*/ 1157287 w 1207294"/>
-                <a:gd name="connsiteY47" fmla="*/ 2528887 h 4107656"/>
-                <a:gd name="connsiteX48" fmla="*/ 1150144 w 1207294"/>
-                <a:gd name="connsiteY48" fmla="*/ 2557462 h 4107656"/>
-                <a:gd name="connsiteX49" fmla="*/ 1135856 w 1207294"/>
-                <a:gd name="connsiteY49" fmla="*/ 2650331 h 4107656"/>
-                <a:gd name="connsiteX50" fmla="*/ 1128712 w 1207294"/>
-                <a:gd name="connsiteY50" fmla="*/ 2693194 h 4107656"/>
-                <a:gd name="connsiteX51" fmla="*/ 1114425 w 1207294"/>
-                <a:gd name="connsiteY51" fmla="*/ 2857500 h 4107656"/>
-                <a:gd name="connsiteX52" fmla="*/ 1121569 w 1207294"/>
-                <a:gd name="connsiteY52" fmla="*/ 3057525 h 4107656"/>
-                <a:gd name="connsiteX53" fmla="*/ 1128712 w 1207294"/>
-                <a:gd name="connsiteY53" fmla="*/ 3121819 h 4107656"/>
-                <a:gd name="connsiteX54" fmla="*/ 1135856 w 1207294"/>
-                <a:gd name="connsiteY54" fmla="*/ 3193256 h 4107656"/>
-                <a:gd name="connsiteX55" fmla="*/ 1143000 w 1207294"/>
-                <a:gd name="connsiteY55" fmla="*/ 3236119 h 4107656"/>
-                <a:gd name="connsiteX56" fmla="*/ 1150144 w 1207294"/>
-                <a:gd name="connsiteY56" fmla="*/ 3286125 h 4107656"/>
-                <a:gd name="connsiteX57" fmla="*/ 1128712 w 1207294"/>
-                <a:gd name="connsiteY57" fmla="*/ 3571875 h 4107656"/>
-                <a:gd name="connsiteX58" fmla="*/ 1121569 w 1207294"/>
-                <a:gd name="connsiteY58" fmla="*/ 3764756 h 4107656"/>
-                <a:gd name="connsiteX59" fmla="*/ 1107281 w 1207294"/>
-                <a:gd name="connsiteY59" fmla="*/ 3879056 h 4107656"/>
-                <a:gd name="connsiteX60" fmla="*/ 1092994 w 1207294"/>
-                <a:gd name="connsiteY60" fmla="*/ 3929062 h 4107656"/>
-                <a:gd name="connsiteX61" fmla="*/ 1078706 w 1207294"/>
-                <a:gd name="connsiteY61" fmla="*/ 3950494 h 4107656"/>
-                <a:gd name="connsiteX62" fmla="*/ 1014412 w 1207294"/>
-                <a:gd name="connsiteY62" fmla="*/ 4007644 h 4107656"/>
-                <a:gd name="connsiteX63" fmla="*/ 971550 w 1207294"/>
-                <a:gd name="connsiteY63" fmla="*/ 4021931 h 4107656"/>
-                <a:gd name="connsiteX64" fmla="*/ 907256 w 1207294"/>
-                <a:gd name="connsiteY64" fmla="*/ 4050506 h 4107656"/>
-                <a:gd name="connsiteX65" fmla="*/ 871537 w 1207294"/>
-                <a:gd name="connsiteY65" fmla="*/ 4057650 h 4107656"/>
-                <a:gd name="connsiteX66" fmla="*/ 828675 w 1207294"/>
-                <a:gd name="connsiteY66" fmla="*/ 4064794 h 4107656"/>
-                <a:gd name="connsiteX67" fmla="*/ 785812 w 1207294"/>
-                <a:gd name="connsiteY67" fmla="*/ 4079081 h 4107656"/>
-                <a:gd name="connsiteX68" fmla="*/ 742950 w 1207294"/>
-                <a:gd name="connsiteY68" fmla="*/ 4093369 h 4107656"/>
-                <a:gd name="connsiteX69" fmla="*/ 721519 w 1207294"/>
-                <a:gd name="connsiteY69" fmla="*/ 4100512 h 4107656"/>
-                <a:gd name="connsiteX70" fmla="*/ 700087 w 1207294"/>
-                <a:gd name="connsiteY70" fmla="*/ 4107656 h 4107656"/>
-                <a:gd name="connsiteX71" fmla="*/ 578644 w 1207294"/>
-                <a:gd name="connsiteY71" fmla="*/ 4100512 h 4107656"/>
-                <a:gd name="connsiteX72" fmla="*/ 514350 w 1207294"/>
-                <a:gd name="connsiteY72" fmla="*/ 4071937 h 4107656"/>
-                <a:gd name="connsiteX73" fmla="*/ 492919 w 1207294"/>
-                <a:gd name="connsiteY73" fmla="*/ 4064794 h 4107656"/>
-                <a:gd name="connsiteX74" fmla="*/ 450056 w 1207294"/>
-                <a:gd name="connsiteY74" fmla="*/ 4014787 h 4107656"/>
-                <a:gd name="connsiteX75" fmla="*/ 421481 w 1207294"/>
-                <a:gd name="connsiteY75" fmla="*/ 3971925 h 4107656"/>
-                <a:gd name="connsiteX76" fmla="*/ 407194 w 1207294"/>
-                <a:gd name="connsiteY76" fmla="*/ 3950494 h 4107656"/>
-                <a:gd name="connsiteX77" fmla="*/ 400050 w 1207294"/>
-                <a:gd name="connsiteY77" fmla="*/ 3929062 h 4107656"/>
-                <a:gd name="connsiteX78" fmla="*/ 378619 w 1207294"/>
-                <a:gd name="connsiteY78" fmla="*/ 3907631 h 4107656"/>
-                <a:gd name="connsiteX79" fmla="*/ 357187 w 1207294"/>
-                <a:gd name="connsiteY79" fmla="*/ 3857625 h 4107656"/>
-                <a:gd name="connsiteX80" fmla="*/ 342900 w 1207294"/>
-                <a:gd name="connsiteY80" fmla="*/ 3829050 h 4107656"/>
-                <a:gd name="connsiteX81" fmla="*/ 268158 w 1207294"/>
-                <a:gd name="connsiteY81" fmla="*/ 3638086 h 4107656"/>
-                <a:gd name="connsiteX82" fmla="*/ 314325 w 1207294"/>
-                <a:gd name="connsiteY82" fmla="*/ 3750469 h 4107656"/>
-                <a:gd name="connsiteX83" fmla="*/ 300037 w 1207294"/>
-                <a:gd name="connsiteY83" fmla="*/ 3707606 h 4107656"/>
-                <a:gd name="connsiteX84" fmla="*/ 285750 w 1207294"/>
-                <a:gd name="connsiteY84" fmla="*/ 3686175 h 4107656"/>
-                <a:gd name="connsiteX85" fmla="*/ 250044 w 1207294"/>
-                <a:gd name="connsiteY85" fmla="*/ 3626565 h 4107656"/>
-                <a:gd name="connsiteX86" fmla="*/ 221456 w 1207294"/>
-                <a:gd name="connsiteY86" fmla="*/ 3564731 h 4107656"/>
-                <a:gd name="connsiteX87" fmla="*/ 178594 w 1207294"/>
-                <a:gd name="connsiteY87" fmla="*/ 3500437 h 4107656"/>
-                <a:gd name="connsiteX88" fmla="*/ 157162 w 1207294"/>
-                <a:gd name="connsiteY88" fmla="*/ 3471862 h 4107656"/>
-                <a:gd name="connsiteX89" fmla="*/ 114300 w 1207294"/>
-                <a:gd name="connsiteY89" fmla="*/ 3400425 h 4107656"/>
-                <a:gd name="connsiteX90" fmla="*/ 92869 w 1207294"/>
-                <a:gd name="connsiteY90" fmla="*/ 3378994 h 4107656"/>
-                <a:gd name="connsiteX91" fmla="*/ 78581 w 1207294"/>
-                <a:gd name="connsiteY91" fmla="*/ 3350419 h 4107656"/>
-                <a:gd name="connsiteX92" fmla="*/ 57150 w 1207294"/>
-                <a:gd name="connsiteY92" fmla="*/ 3321844 h 4107656"/>
-                <a:gd name="connsiteX93" fmla="*/ 50006 w 1207294"/>
-                <a:gd name="connsiteY93" fmla="*/ 3300412 h 4107656"/>
-                <a:gd name="connsiteX94" fmla="*/ 21431 w 1207294"/>
-                <a:gd name="connsiteY94" fmla="*/ 3250406 h 4107656"/>
-                <a:gd name="connsiteX95" fmla="*/ 14287 w 1207294"/>
-                <a:gd name="connsiteY95" fmla="*/ 3221831 h 4107656"/>
-                <a:gd name="connsiteX96" fmla="*/ 0 w 1207294"/>
-                <a:gd name="connsiteY96" fmla="*/ 3150394 h 4107656"/>
-                <a:gd name="connsiteX97" fmla="*/ 7143 w 1207294"/>
-                <a:gd name="connsiteY97" fmla="*/ 2978944 h 4107656"/>
-                <a:gd name="connsiteX98" fmla="*/ 21431 w 1207294"/>
-                <a:gd name="connsiteY98" fmla="*/ 2850356 h 4107656"/>
-                <a:gd name="connsiteX99" fmla="*/ 28575 w 1207294"/>
-                <a:gd name="connsiteY99" fmla="*/ 2807494 h 4107656"/>
-                <a:gd name="connsiteX100" fmla="*/ 42862 w 1207294"/>
-                <a:gd name="connsiteY100" fmla="*/ 2757487 h 4107656"/>
-                <a:gd name="connsiteX101" fmla="*/ 50006 w 1207294"/>
-                <a:gd name="connsiteY101" fmla="*/ 2728912 h 4107656"/>
-                <a:gd name="connsiteX102" fmla="*/ 64294 w 1207294"/>
-                <a:gd name="connsiteY102" fmla="*/ 2678906 h 4107656"/>
-                <a:gd name="connsiteX103" fmla="*/ 78581 w 1207294"/>
-                <a:gd name="connsiteY103" fmla="*/ 2614612 h 4107656"/>
-                <a:gd name="connsiteX104" fmla="*/ 92869 w 1207294"/>
-                <a:gd name="connsiteY104" fmla="*/ 2586037 h 4107656"/>
-                <a:gd name="connsiteX105" fmla="*/ 114300 w 1207294"/>
-                <a:gd name="connsiteY105" fmla="*/ 2521744 h 4107656"/>
-                <a:gd name="connsiteX106" fmla="*/ 150019 w 1207294"/>
-                <a:gd name="connsiteY106" fmla="*/ 2400300 h 4107656"/>
-                <a:gd name="connsiteX107" fmla="*/ 164306 w 1207294"/>
-                <a:gd name="connsiteY107" fmla="*/ 2371725 h 4107656"/>
-                <a:gd name="connsiteX108" fmla="*/ 200025 w 1207294"/>
-                <a:gd name="connsiteY108" fmla="*/ 2286000 h 4107656"/>
-                <a:gd name="connsiteX109" fmla="*/ 221456 w 1207294"/>
-                <a:gd name="connsiteY109" fmla="*/ 2214562 h 4107656"/>
-                <a:gd name="connsiteX110" fmla="*/ 228600 w 1207294"/>
-                <a:gd name="connsiteY110" fmla="*/ 2193131 h 4107656"/>
-                <a:gd name="connsiteX111" fmla="*/ 235744 w 1207294"/>
-                <a:gd name="connsiteY111" fmla="*/ 2164556 h 4107656"/>
-                <a:gd name="connsiteX112" fmla="*/ 257175 w 1207294"/>
-                <a:gd name="connsiteY112" fmla="*/ 2143125 h 4107656"/>
-                <a:gd name="connsiteX113" fmla="*/ 257175 w 1207294"/>
-                <a:gd name="connsiteY113" fmla="*/ 1678781 h 4107656"/>
-                <a:gd name="connsiteX114" fmla="*/ 250031 w 1207294"/>
-                <a:gd name="connsiteY114" fmla="*/ 1643062 h 4107656"/>
-                <a:gd name="connsiteX115" fmla="*/ 235744 w 1207294"/>
-                <a:gd name="connsiteY115" fmla="*/ 1578769 h 4107656"/>
-                <a:gd name="connsiteX116" fmla="*/ 221456 w 1207294"/>
-                <a:gd name="connsiteY116" fmla="*/ 1485900 h 4107656"/>
-                <a:gd name="connsiteX117" fmla="*/ 192881 w 1207294"/>
-                <a:gd name="connsiteY117" fmla="*/ 1407319 h 4107656"/>
-                <a:gd name="connsiteX118" fmla="*/ 185737 w 1207294"/>
-                <a:gd name="connsiteY118" fmla="*/ 1378744 h 4107656"/>
-                <a:gd name="connsiteX119" fmla="*/ 171450 w 1207294"/>
-                <a:gd name="connsiteY119" fmla="*/ 1335881 h 4107656"/>
-                <a:gd name="connsiteX120" fmla="*/ 142875 w 1207294"/>
-                <a:gd name="connsiteY120" fmla="*/ 1250156 h 4107656"/>
-                <a:gd name="connsiteX121" fmla="*/ 128587 w 1207294"/>
-                <a:gd name="connsiteY121" fmla="*/ 1200150 h 4107656"/>
-                <a:gd name="connsiteX122" fmla="*/ 114300 w 1207294"/>
-                <a:gd name="connsiteY122" fmla="*/ 1092994 h 4107656"/>
-                <a:gd name="connsiteX123" fmla="*/ 107156 w 1207294"/>
-                <a:gd name="connsiteY123" fmla="*/ 1050131 h 4107656"/>
-                <a:gd name="connsiteX124" fmla="*/ 100012 w 1207294"/>
-                <a:gd name="connsiteY124" fmla="*/ 985837 h 4107656"/>
-                <a:gd name="connsiteX125" fmla="*/ 114300 w 1207294"/>
-                <a:gd name="connsiteY125" fmla="*/ 621506 h 4107656"/>
-                <a:gd name="connsiteX0" fmla="*/ 114300 w 1207294"/>
-                <a:gd name="connsiteY0" fmla="*/ 621506 h 4107656"/>
-                <a:gd name="connsiteX1" fmla="*/ 114300 w 1207294"/>
-                <a:gd name="connsiteY1" fmla="*/ 621506 h 4107656"/>
-                <a:gd name="connsiteX2" fmla="*/ 121444 w 1207294"/>
-                <a:gd name="connsiteY2" fmla="*/ 321469 h 4107656"/>
-                <a:gd name="connsiteX3" fmla="*/ 135731 w 1207294"/>
-                <a:gd name="connsiteY3" fmla="*/ 250031 h 4107656"/>
-                <a:gd name="connsiteX4" fmla="*/ 142875 w 1207294"/>
-                <a:gd name="connsiteY4" fmla="*/ 214312 h 4107656"/>
-                <a:gd name="connsiteX5" fmla="*/ 164306 w 1207294"/>
-                <a:gd name="connsiteY5" fmla="*/ 150019 h 4107656"/>
-                <a:gd name="connsiteX6" fmla="*/ 171450 w 1207294"/>
-                <a:gd name="connsiteY6" fmla="*/ 128587 h 4107656"/>
-                <a:gd name="connsiteX7" fmla="*/ 192881 w 1207294"/>
-                <a:gd name="connsiteY7" fmla="*/ 85725 h 4107656"/>
-                <a:gd name="connsiteX8" fmla="*/ 214312 w 1207294"/>
-                <a:gd name="connsiteY8" fmla="*/ 71437 h 4107656"/>
-                <a:gd name="connsiteX9" fmla="*/ 271462 w 1207294"/>
-                <a:gd name="connsiteY9" fmla="*/ 21431 h 4107656"/>
-                <a:gd name="connsiteX10" fmla="*/ 314325 w 1207294"/>
-                <a:gd name="connsiteY10" fmla="*/ 7144 h 4107656"/>
-                <a:gd name="connsiteX11" fmla="*/ 335756 w 1207294"/>
-                <a:gd name="connsiteY11" fmla="*/ 0 h 4107656"/>
-                <a:gd name="connsiteX12" fmla="*/ 507206 w 1207294"/>
-                <a:gd name="connsiteY12" fmla="*/ 21431 h 4107656"/>
-                <a:gd name="connsiteX13" fmla="*/ 528637 w 1207294"/>
-                <a:gd name="connsiteY13" fmla="*/ 28575 h 4107656"/>
-                <a:gd name="connsiteX14" fmla="*/ 592931 w 1207294"/>
-                <a:gd name="connsiteY14" fmla="*/ 71437 h 4107656"/>
-                <a:gd name="connsiteX15" fmla="*/ 614362 w 1207294"/>
-                <a:gd name="connsiteY15" fmla="*/ 85725 h 4107656"/>
-                <a:gd name="connsiteX16" fmla="*/ 635794 w 1207294"/>
-                <a:gd name="connsiteY16" fmla="*/ 100012 h 4107656"/>
-                <a:gd name="connsiteX17" fmla="*/ 671512 w 1207294"/>
-                <a:gd name="connsiteY17" fmla="*/ 135731 h 4107656"/>
-                <a:gd name="connsiteX18" fmla="*/ 685800 w 1207294"/>
-                <a:gd name="connsiteY18" fmla="*/ 157162 h 4107656"/>
-                <a:gd name="connsiteX19" fmla="*/ 728662 w 1207294"/>
-                <a:gd name="connsiteY19" fmla="*/ 185737 h 4107656"/>
-                <a:gd name="connsiteX20" fmla="*/ 771525 w 1207294"/>
-                <a:gd name="connsiteY20" fmla="*/ 221456 h 4107656"/>
-                <a:gd name="connsiteX21" fmla="*/ 792956 w 1207294"/>
-                <a:gd name="connsiteY21" fmla="*/ 242887 h 4107656"/>
-                <a:gd name="connsiteX22" fmla="*/ 814387 w 1207294"/>
-                <a:gd name="connsiteY22" fmla="*/ 257175 h 4107656"/>
-                <a:gd name="connsiteX23" fmla="*/ 857250 w 1207294"/>
-                <a:gd name="connsiteY23" fmla="*/ 300037 h 4107656"/>
-                <a:gd name="connsiteX24" fmla="*/ 878681 w 1207294"/>
-                <a:gd name="connsiteY24" fmla="*/ 321469 h 4107656"/>
-                <a:gd name="connsiteX25" fmla="*/ 928687 w 1207294"/>
-                <a:gd name="connsiteY25" fmla="*/ 385762 h 4107656"/>
-                <a:gd name="connsiteX26" fmla="*/ 935831 w 1207294"/>
-                <a:gd name="connsiteY26" fmla="*/ 407194 h 4107656"/>
-                <a:gd name="connsiteX27" fmla="*/ 964406 w 1207294"/>
-                <a:gd name="connsiteY27" fmla="*/ 450056 h 4107656"/>
-                <a:gd name="connsiteX28" fmla="*/ 971550 w 1207294"/>
-                <a:gd name="connsiteY28" fmla="*/ 471487 h 4107656"/>
-                <a:gd name="connsiteX29" fmla="*/ 1000125 w 1207294"/>
-                <a:gd name="connsiteY29" fmla="*/ 514350 h 4107656"/>
-                <a:gd name="connsiteX30" fmla="*/ 1007269 w 1207294"/>
-                <a:gd name="connsiteY30" fmla="*/ 535781 h 4107656"/>
-                <a:gd name="connsiteX31" fmla="*/ 1035844 w 1207294"/>
-                <a:gd name="connsiteY31" fmla="*/ 578644 h 4107656"/>
-                <a:gd name="connsiteX32" fmla="*/ 1050131 w 1207294"/>
-                <a:gd name="connsiteY32" fmla="*/ 628650 h 4107656"/>
-                <a:gd name="connsiteX33" fmla="*/ 1064419 w 1207294"/>
-                <a:gd name="connsiteY33" fmla="*/ 671512 h 4107656"/>
-                <a:gd name="connsiteX34" fmla="*/ 1071562 w 1207294"/>
-                <a:gd name="connsiteY34" fmla="*/ 692944 h 4107656"/>
-                <a:gd name="connsiteX35" fmla="*/ 1107281 w 1207294"/>
-                <a:gd name="connsiteY35" fmla="*/ 800100 h 4107656"/>
-                <a:gd name="connsiteX36" fmla="*/ 1128712 w 1207294"/>
-                <a:gd name="connsiteY36" fmla="*/ 864394 h 4107656"/>
-                <a:gd name="connsiteX37" fmla="*/ 1135856 w 1207294"/>
-                <a:gd name="connsiteY37" fmla="*/ 885825 h 4107656"/>
-                <a:gd name="connsiteX38" fmla="*/ 1143000 w 1207294"/>
-                <a:gd name="connsiteY38" fmla="*/ 907256 h 4107656"/>
-                <a:gd name="connsiteX39" fmla="*/ 1150144 w 1207294"/>
-                <a:gd name="connsiteY39" fmla="*/ 964406 h 4107656"/>
-                <a:gd name="connsiteX40" fmla="*/ 1157287 w 1207294"/>
-                <a:gd name="connsiteY40" fmla="*/ 1007269 h 4107656"/>
-                <a:gd name="connsiteX41" fmla="*/ 1178719 w 1207294"/>
-                <a:gd name="connsiteY41" fmla="*/ 1193006 h 4107656"/>
-                <a:gd name="connsiteX42" fmla="*/ 1193006 w 1207294"/>
-                <a:gd name="connsiteY42" fmla="*/ 1314450 h 4107656"/>
-                <a:gd name="connsiteX43" fmla="*/ 1207294 w 1207294"/>
-                <a:gd name="connsiteY43" fmla="*/ 1578769 h 4107656"/>
-                <a:gd name="connsiteX44" fmla="*/ 1200150 w 1207294"/>
-                <a:gd name="connsiteY44" fmla="*/ 1921669 h 4107656"/>
-                <a:gd name="connsiteX45" fmla="*/ 1185862 w 1207294"/>
-                <a:gd name="connsiteY45" fmla="*/ 2100262 h 4107656"/>
-                <a:gd name="connsiteX46" fmla="*/ 1171575 w 1207294"/>
-                <a:gd name="connsiteY46" fmla="*/ 2407444 h 4107656"/>
-                <a:gd name="connsiteX47" fmla="*/ 1157287 w 1207294"/>
-                <a:gd name="connsiteY47" fmla="*/ 2528887 h 4107656"/>
-                <a:gd name="connsiteX48" fmla="*/ 1150144 w 1207294"/>
-                <a:gd name="connsiteY48" fmla="*/ 2557462 h 4107656"/>
-                <a:gd name="connsiteX49" fmla="*/ 1135856 w 1207294"/>
-                <a:gd name="connsiteY49" fmla="*/ 2650331 h 4107656"/>
-                <a:gd name="connsiteX50" fmla="*/ 1128712 w 1207294"/>
-                <a:gd name="connsiteY50" fmla="*/ 2693194 h 4107656"/>
-                <a:gd name="connsiteX51" fmla="*/ 1114425 w 1207294"/>
-                <a:gd name="connsiteY51" fmla="*/ 2857500 h 4107656"/>
-                <a:gd name="connsiteX52" fmla="*/ 1121569 w 1207294"/>
-                <a:gd name="connsiteY52" fmla="*/ 3057525 h 4107656"/>
-                <a:gd name="connsiteX53" fmla="*/ 1128712 w 1207294"/>
-                <a:gd name="connsiteY53" fmla="*/ 3121819 h 4107656"/>
-                <a:gd name="connsiteX54" fmla="*/ 1135856 w 1207294"/>
-                <a:gd name="connsiteY54" fmla="*/ 3193256 h 4107656"/>
-                <a:gd name="connsiteX55" fmla="*/ 1143000 w 1207294"/>
-                <a:gd name="connsiteY55" fmla="*/ 3236119 h 4107656"/>
-                <a:gd name="connsiteX56" fmla="*/ 1150144 w 1207294"/>
-                <a:gd name="connsiteY56" fmla="*/ 3286125 h 4107656"/>
-                <a:gd name="connsiteX57" fmla="*/ 1128712 w 1207294"/>
-                <a:gd name="connsiteY57" fmla="*/ 3571875 h 4107656"/>
-                <a:gd name="connsiteX58" fmla="*/ 1121569 w 1207294"/>
-                <a:gd name="connsiteY58" fmla="*/ 3764756 h 4107656"/>
-                <a:gd name="connsiteX59" fmla="*/ 1107281 w 1207294"/>
-                <a:gd name="connsiteY59" fmla="*/ 3879056 h 4107656"/>
-                <a:gd name="connsiteX60" fmla="*/ 1092994 w 1207294"/>
-                <a:gd name="connsiteY60" fmla="*/ 3929062 h 4107656"/>
-                <a:gd name="connsiteX61" fmla="*/ 1078706 w 1207294"/>
-                <a:gd name="connsiteY61" fmla="*/ 3950494 h 4107656"/>
-                <a:gd name="connsiteX62" fmla="*/ 1014412 w 1207294"/>
-                <a:gd name="connsiteY62" fmla="*/ 4007644 h 4107656"/>
-                <a:gd name="connsiteX63" fmla="*/ 971550 w 1207294"/>
-                <a:gd name="connsiteY63" fmla="*/ 4021931 h 4107656"/>
-                <a:gd name="connsiteX64" fmla="*/ 907256 w 1207294"/>
-                <a:gd name="connsiteY64" fmla="*/ 4050506 h 4107656"/>
-                <a:gd name="connsiteX65" fmla="*/ 871537 w 1207294"/>
-                <a:gd name="connsiteY65" fmla="*/ 4057650 h 4107656"/>
-                <a:gd name="connsiteX66" fmla="*/ 828675 w 1207294"/>
-                <a:gd name="connsiteY66" fmla="*/ 4064794 h 4107656"/>
-                <a:gd name="connsiteX67" fmla="*/ 785812 w 1207294"/>
-                <a:gd name="connsiteY67" fmla="*/ 4079081 h 4107656"/>
-                <a:gd name="connsiteX68" fmla="*/ 742950 w 1207294"/>
-                <a:gd name="connsiteY68" fmla="*/ 4093369 h 4107656"/>
-                <a:gd name="connsiteX69" fmla="*/ 721519 w 1207294"/>
-                <a:gd name="connsiteY69" fmla="*/ 4100512 h 4107656"/>
-                <a:gd name="connsiteX70" fmla="*/ 700087 w 1207294"/>
-                <a:gd name="connsiteY70" fmla="*/ 4107656 h 4107656"/>
-                <a:gd name="connsiteX71" fmla="*/ 578644 w 1207294"/>
-                <a:gd name="connsiteY71" fmla="*/ 4100512 h 4107656"/>
-                <a:gd name="connsiteX72" fmla="*/ 514350 w 1207294"/>
-                <a:gd name="connsiteY72" fmla="*/ 4071937 h 4107656"/>
-                <a:gd name="connsiteX73" fmla="*/ 492919 w 1207294"/>
-                <a:gd name="connsiteY73" fmla="*/ 4064794 h 4107656"/>
-                <a:gd name="connsiteX74" fmla="*/ 450056 w 1207294"/>
-                <a:gd name="connsiteY74" fmla="*/ 4014787 h 4107656"/>
-                <a:gd name="connsiteX75" fmla="*/ 421481 w 1207294"/>
-                <a:gd name="connsiteY75" fmla="*/ 3971925 h 4107656"/>
-                <a:gd name="connsiteX76" fmla="*/ 407194 w 1207294"/>
-                <a:gd name="connsiteY76" fmla="*/ 3950494 h 4107656"/>
-                <a:gd name="connsiteX77" fmla="*/ 400050 w 1207294"/>
-                <a:gd name="connsiteY77" fmla="*/ 3929062 h 4107656"/>
-                <a:gd name="connsiteX78" fmla="*/ 378619 w 1207294"/>
-                <a:gd name="connsiteY78" fmla="*/ 3907631 h 4107656"/>
-                <a:gd name="connsiteX79" fmla="*/ 357187 w 1207294"/>
-                <a:gd name="connsiteY79" fmla="*/ 3857625 h 4107656"/>
-                <a:gd name="connsiteX80" fmla="*/ 342900 w 1207294"/>
-                <a:gd name="connsiteY80" fmla="*/ 3829050 h 4107656"/>
-                <a:gd name="connsiteX81" fmla="*/ 268158 w 1207294"/>
-                <a:gd name="connsiteY81" fmla="*/ 3638086 h 4107656"/>
-                <a:gd name="connsiteX82" fmla="*/ 314325 w 1207294"/>
-                <a:gd name="connsiteY82" fmla="*/ 3750469 h 4107656"/>
-                <a:gd name="connsiteX83" fmla="*/ 300037 w 1207294"/>
-                <a:gd name="connsiteY83" fmla="*/ 3707606 h 4107656"/>
-                <a:gd name="connsiteX84" fmla="*/ 285750 w 1207294"/>
-                <a:gd name="connsiteY84" fmla="*/ 3686175 h 4107656"/>
-                <a:gd name="connsiteX85" fmla="*/ 250044 w 1207294"/>
-                <a:gd name="connsiteY85" fmla="*/ 3626565 h 4107656"/>
-                <a:gd name="connsiteX86" fmla="*/ 221456 w 1207294"/>
-                <a:gd name="connsiteY86" fmla="*/ 3564731 h 4107656"/>
-                <a:gd name="connsiteX87" fmla="*/ 178594 w 1207294"/>
-                <a:gd name="connsiteY87" fmla="*/ 3500437 h 4107656"/>
-                <a:gd name="connsiteX88" fmla="*/ 157162 w 1207294"/>
-                <a:gd name="connsiteY88" fmla="*/ 3471862 h 4107656"/>
-                <a:gd name="connsiteX89" fmla="*/ 114300 w 1207294"/>
-                <a:gd name="connsiteY89" fmla="*/ 3400425 h 4107656"/>
-                <a:gd name="connsiteX90" fmla="*/ 92869 w 1207294"/>
-                <a:gd name="connsiteY90" fmla="*/ 3378994 h 4107656"/>
-                <a:gd name="connsiteX91" fmla="*/ 78581 w 1207294"/>
-                <a:gd name="connsiteY91" fmla="*/ 3350419 h 4107656"/>
-                <a:gd name="connsiteX92" fmla="*/ 57150 w 1207294"/>
-                <a:gd name="connsiteY92" fmla="*/ 3321844 h 4107656"/>
-                <a:gd name="connsiteX93" fmla="*/ 50006 w 1207294"/>
-                <a:gd name="connsiteY93" fmla="*/ 3300412 h 4107656"/>
-                <a:gd name="connsiteX94" fmla="*/ 21431 w 1207294"/>
-                <a:gd name="connsiteY94" fmla="*/ 3250406 h 4107656"/>
-                <a:gd name="connsiteX95" fmla="*/ 14287 w 1207294"/>
-                <a:gd name="connsiteY95" fmla="*/ 3221831 h 4107656"/>
-                <a:gd name="connsiteX96" fmla="*/ 0 w 1207294"/>
-                <a:gd name="connsiteY96" fmla="*/ 3150394 h 4107656"/>
-                <a:gd name="connsiteX97" fmla="*/ 7143 w 1207294"/>
-                <a:gd name="connsiteY97" fmla="*/ 2978944 h 4107656"/>
-                <a:gd name="connsiteX98" fmla="*/ 21431 w 1207294"/>
-                <a:gd name="connsiteY98" fmla="*/ 2850356 h 4107656"/>
-                <a:gd name="connsiteX99" fmla="*/ 28575 w 1207294"/>
-                <a:gd name="connsiteY99" fmla="*/ 2807494 h 4107656"/>
-                <a:gd name="connsiteX100" fmla="*/ 42862 w 1207294"/>
-                <a:gd name="connsiteY100" fmla="*/ 2757487 h 4107656"/>
-                <a:gd name="connsiteX101" fmla="*/ 50006 w 1207294"/>
-                <a:gd name="connsiteY101" fmla="*/ 2728912 h 4107656"/>
-                <a:gd name="connsiteX102" fmla="*/ 64294 w 1207294"/>
-                <a:gd name="connsiteY102" fmla="*/ 2678906 h 4107656"/>
-                <a:gd name="connsiteX103" fmla="*/ 78581 w 1207294"/>
-                <a:gd name="connsiteY103" fmla="*/ 2614612 h 4107656"/>
-                <a:gd name="connsiteX104" fmla="*/ 92869 w 1207294"/>
-                <a:gd name="connsiteY104" fmla="*/ 2586037 h 4107656"/>
-                <a:gd name="connsiteX105" fmla="*/ 114300 w 1207294"/>
-                <a:gd name="connsiteY105" fmla="*/ 2521744 h 4107656"/>
-                <a:gd name="connsiteX106" fmla="*/ 150019 w 1207294"/>
-                <a:gd name="connsiteY106" fmla="*/ 2400300 h 4107656"/>
-                <a:gd name="connsiteX107" fmla="*/ 164306 w 1207294"/>
-                <a:gd name="connsiteY107" fmla="*/ 2371725 h 4107656"/>
-                <a:gd name="connsiteX108" fmla="*/ 200025 w 1207294"/>
-                <a:gd name="connsiteY108" fmla="*/ 2286000 h 4107656"/>
-                <a:gd name="connsiteX109" fmla="*/ 221456 w 1207294"/>
-                <a:gd name="connsiteY109" fmla="*/ 2214562 h 4107656"/>
-                <a:gd name="connsiteX110" fmla="*/ 228600 w 1207294"/>
-                <a:gd name="connsiteY110" fmla="*/ 2193131 h 4107656"/>
-                <a:gd name="connsiteX111" fmla="*/ 235744 w 1207294"/>
-                <a:gd name="connsiteY111" fmla="*/ 2164556 h 4107656"/>
-                <a:gd name="connsiteX112" fmla="*/ 257175 w 1207294"/>
-                <a:gd name="connsiteY112" fmla="*/ 2143125 h 4107656"/>
-                <a:gd name="connsiteX113" fmla="*/ 257175 w 1207294"/>
-                <a:gd name="connsiteY113" fmla="*/ 1678781 h 4107656"/>
-                <a:gd name="connsiteX114" fmla="*/ 250031 w 1207294"/>
-                <a:gd name="connsiteY114" fmla="*/ 1643062 h 4107656"/>
-                <a:gd name="connsiteX115" fmla="*/ 235744 w 1207294"/>
-                <a:gd name="connsiteY115" fmla="*/ 1578769 h 4107656"/>
-                <a:gd name="connsiteX116" fmla="*/ 221456 w 1207294"/>
-                <a:gd name="connsiteY116" fmla="*/ 1485900 h 4107656"/>
-                <a:gd name="connsiteX117" fmla="*/ 192881 w 1207294"/>
-                <a:gd name="connsiteY117" fmla="*/ 1407319 h 4107656"/>
-                <a:gd name="connsiteX118" fmla="*/ 185737 w 1207294"/>
-                <a:gd name="connsiteY118" fmla="*/ 1378744 h 4107656"/>
-                <a:gd name="connsiteX119" fmla="*/ 171450 w 1207294"/>
-                <a:gd name="connsiteY119" fmla="*/ 1335881 h 4107656"/>
-                <a:gd name="connsiteX120" fmla="*/ 128587 w 1207294"/>
-                <a:gd name="connsiteY120" fmla="*/ 1200150 h 4107656"/>
-                <a:gd name="connsiteX121" fmla="*/ 114300 w 1207294"/>
-                <a:gd name="connsiteY121" fmla="*/ 1092994 h 4107656"/>
-                <a:gd name="connsiteX122" fmla="*/ 107156 w 1207294"/>
-                <a:gd name="connsiteY122" fmla="*/ 1050131 h 4107656"/>
-                <a:gd name="connsiteX123" fmla="*/ 100012 w 1207294"/>
-                <a:gd name="connsiteY123" fmla="*/ 985837 h 4107656"/>
-                <a:gd name="connsiteX124" fmla="*/ 114300 w 1207294"/>
-                <a:gd name="connsiteY124" fmla="*/ 621506 h 4107656"/>
-                <a:gd name="connsiteX0" fmla="*/ 114300 w 1207294"/>
-                <a:gd name="connsiteY0" fmla="*/ 621506 h 4107656"/>
-                <a:gd name="connsiteX1" fmla="*/ 114300 w 1207294"/>
-                <a:gd name="connsiteY1" fmla="*/ 621506 h 4107656"/>
-                <a:gd name="connsiteX2" fmla="*/ 121444 w 1207294"/>
-                <a:gd name="connsiteY2" fmla="*/ 321469 h 4107656"/>
-                <a:gd name="connsiteX3" fmla="*/ 135731 w 1207294"/>
-                <a:gd name="connsiteY3" fmla="*/ 250031 h 4107656"/>
-                <a:gd name="connsiteX4" fmla="*/ 142875 w 1207294"/>
-                <a:gd name="connsiteY4" fmla="*/ 214312 h 4107656"/>
-                <a:gd name="connsiteX5" fmla="*/ 164306 w 1207294"/>
-                <a:gd name="connsiteY5" fmla="*/ 150019 h 4107656"/>
-                <a:gd name="connsiteX6" fmla="*/ 171450 w 1207294"/>
-                <a:gd name="connsiteY6" fmla="*/ 128587 h 4107656"/>
-                <a:gd name="connsiteX7" fmla="*/ 192881 w 1207294"/>
-                <a:gd name="connsiteY7" fmla="*/ 85725 h 4107656"/>
-                <a:gd name="connsiteX8" fmla="*/ 214312 w 1207294"/>
-                <a:gd name="connsiteY8" fmla="*/ 71437 h 4107656"/>
-                <a:gd name="connsiteX9" fmla="*/ 271462 w 1207294"/>
-                <a:gd name="connsiteY9" fmla="*/ 21431 h 4107656"/>
-                <a:gd name="connsiteX10" fmla="*/ 314325 w 1207294"/>
-                <a:gd name="connsiteY10" fmla="*/ 7144 h 4107656"/>
-                <a:gd name="connsiteX11" fmla="*/ 335756 w 1207294"/>
-                <a:gd name="connsiteY11" fmla="*/ 0 h 4107656"/>
-                <a:gd name="connsiteX12" fmla="*/ 507206 w 1207294"/>
-                <a:gd name="connsiteY12" fmla="*/ 21431 h 4107656"/>
-                <a:gd name="connsiteX13" fmla="*/ 528637 w 1207294"/>
-                <a:gd name="connsiteY13" fmla="*/ 28575 h 4107656"/>
-                <a:gd name="connsiteX14" fmla="*/ 592931 w 1207294"/>
-                <a:gd name="connsiteY14" fmla="*/ 71437 h 4107656"/>
-                <a:gd name="connsiteX15" fmla="*/ 614362 w 1207294"/>
-                <a:gd name="connsiteY15" fmla="*/ 85725 h 4107656"/>
-                <a:gd name="connsiteX16" fmla="*/ 635794 w 1207294"/>
-                <a:gd name="connsiteY16" fmla="*/ 100012 h 4107656"/>
-                <a:gd name="connsiteX17" fmla="*/ 671512 w 1207294"/>
-                <a:gd name="connsiteY17" fmla="*/ 135731 h 4107656"/>
-                <a:gd name="connsiteX18" fmla="*/ 685800 w 1207294"/>
-                <a:gd name="connsiteY18" fmla="*/ 157162 h 4107656"/>
-                <a:gd name="connsiteX19" fmla="*/ 728662 w 1207294"/>
-                <a:gd name="connsiteY19" fmla="*/ 185737 h 4107656"/>
-                <a:gd name="connsiteX20" fmla="*/ 771525 w 1207294"/>
-                <a:gd name="connsiteY20" fmla="*/ 221456 h 4107656"/>
-                <a:gd name="connsiteX21" fmla="*/ 792956 w 1207294"/>
-                <a:gd name="connsiteY21" fmla="*/ 242887 h 4107656"/>
-                <a:gd name="connsiteX22" fmla="*/ 814387 w 1207294"/>
-                <a:gd name="connsiteY22" fmla="*/ 257175 h 4107656"/>
-                <a:gd name="connsiteX23" fmla="*/ 857250 w 1207294"/>
-                <a:gd name="connsiteY23" fmla="*/ 300037 h 4107656"/>
-                <a:gd name="connsiteX24" fmla="*/ 878681 w 1207294"/>
-                <a:gd name="connsiteY24" fmla="*/ 321469 h 4107656"/>
-                <a:gd name="connsiteX25" fmla="*/ 928687 w 1207294"/>
-                <a:gd name="connsiteY25" fmla="*/ 385762 h 4107656"/>
-                <a:gd name="connsiteX26" fmla="*/ 935831 w 1207294"/>
-                <a:gd name="connsiteY26" fmla="*/ 407194 h 4107656"/>
-                <a:gd name="connsiteX27" fmla="*/ 964406 w 1207294"/>
-                <a:gd name="connsiteY27" fmla="*/ 450056 h 4107656"/>
-                <a:gd name="connsiteX28" fmla="*/ 971550 w 1207294"/>
-                <a:gd name="connsiteY28" fmla="*/ 471487 h 4107656"/>
-                <a:gd name="connsiteX29" fmla="*/ 1000125 w 1207294"/>
-                <a:gd name="connsiteY29" fmla="*/ 514350 h 4107656"/>
-                <a:gd name="connsiteX30" fmla="*/ 1007269 w 1207294"/>
-                <a:gd name="connsiteY30" fmla="*/ 535781 h 4107656"/>
-                <a:gd name="connsiteX31" fmla="*/ 1035844 w 1207294"/>
-                <a:gd name="connsiteY31" fmla="*/ 578644 h 4107656"/>
-                <a:gd name="connsiteX32" fmla="*/ 1050131 w 1207294"/>
-                <a:gd name="connsiteY32" fmla="*/ 628650 h 4107656"/>
-                <a:gd name="connsiteX33" fmla="*/ 1064419 w 1207294"/>
-                <a:gd name="connsiteY33" fmla="*/ 671512 h 4107656"/>
-                <a:gd name="connsiteX34" fmla="*/ 1071562 w 1207294"/>
-                <a:gd name="connsiteY34" fmla="*/ 692944 h 4107656"/>
-                <a:gd name="connsiteX35" fmla="*/ 1107281 w 1207294"/>
-                <a:gd name="connsiteY35" fmla="*/ 800100 h 4107656"/>
-                <a:gd name="connsiteX36" fmla="*/ 1128712 w 1207294"/>
-                <a:gd name="connsiteY36" fmla="*/ 864394 h 4107656"/>
-                <a:gd name="connsiteX37" fmla="*/ 1135856 w 1207294"/>
-                <a:gd name="connsiteY37" fmla="*/ 885825 h 4107656"/>
-                <a:gd name="connsiteX38" fmla="*/ 1143000 w 1207294"/>
-                <a:gd name="connsiteY38" fmla="*/ 907256 h 4107656"/>
-                <a:gd name="connsiteX39" fmla="*/ 1150144 w 1207294"/>
-                <a:gd name="connsiteY39" fmla="*/ 964406 h 4107656"/>
-                <a:gd name="connsiteX40" fmla="*/ 1157287 w 1207294"/>
-                <a:gd name="connsiteY40" fmla="*/ 1007269 h 4107656"/>
-                <a:gd name="connsiteX41" fmla="*/ 1178719 w 1207294"/>
-                <a:gd name="connsiteY41" fmla="*/ 1193006 h 4107656"/>
-                <a:gd name="connsiteX42" fmla="*/ 1193006 w 1207294"/>
-                <a:gd name="connsiteY42" fmla="*/ 1314450 h 4107656"/>
-                <a:gd name="connsiteX43" fmla="*/ 1207294 w 1207294"/>
-                <a:gd name="connsiteY43" fmla="*/ 1578769 h 4107656"/>
-                <a:gd name="connsiteX44" fmla="*/ 1200150 w 1207294"/>
-                <a:gd name="connsiteY44" fmla="*/ 1921669 h 4107656"/>
-                <a:gd name="connsiteX45" fmla="*/ 1185862 w 1207294"/>
-                <a:gd name="connsiteY45" fmla="*/ 2100262 h 4107656"/>
-                <a:gd name="connsiteX46" fmla="*/ 1171575 w 1207294"/>
-                <a:gd name="connsiteY46" fmla="*/ 2407444 h 4107656"/>
-                <a:gd name="connsiteX47" fmla="*/ 1157287 w 1207294"/>
-                <a:gd name="connsiteY47" fmla="*/ 2528887 h 4107656"/>
-                <a:gd name="connsiteX48" fmla="*/ 1150144 w 1207294"/>
-                <a:gd name="connsiteY48" fmla="*/ 2557462 h 4107656"/>
-                <a:gd name="connsiteX49" fmla="*/ 1135856 w 1207294"/>
-                <a:gd name="connsiteY49" fmla="*/ 2650331 h 4107656"/>
-                <a:gd name="connsiteX50" fmla="*/ 1128712 w 1207294"/>
-                <a:gd name="connsiteY50" fmla="*/ 2693194 h 4107656"/>
-                <a:gd name="connsiteX51" fmla="*/ 1114425 w 1207294"/>
-                <a:gd name="connsiteY51" fmla="*/ 2857500 h 4107656"/>
-                <a:gd name="connsiteX52" fmla="*/ 1121569 w 1207294"/>
-                <a:gd name="connsiteY52" fmla="*/ 3057525 h 4107656"/>
-                <a:gd name="connsiteX53" fmla="*/ 1128712 w 1207294"/>
-                <a:gd name="connsiteY53" fmla="*/ 3121819 h 4107656"/>
-                <a:gd name="connsiteX54" fmla="*/ 1135856 w 1207294"/>
-                <a:gd name="connsiteY54" fmla="*/ 3193256 h 4107656"/>
-                <a:gd name="connsiteX55" fmla="*/ 1143000 w 1207294"/>
-                <a:gd name="connsiteY55" fmla="*/ 3236119 h 4107656"/>
-                <a:gd name="connsiteX56" fmla="*/ 1150144 w 1207294"/>
-                <a:gd name="connsiteY56" fmla="*/ 3286125 h 4107656"/>
-                <a:gd name="connsiteX57" fmla="*/ 1128712 w 1207294"/>
-                <a:gd name="connsiteY57" fmla="*/ 3571875 h 4107656"/>
-                <a:gd name="connsiteX58" fmla="*/ 1121569 w 1207294"/>
-                <a:gd name="connsiteY58" fmla="*/ 3764756 h 4107656"/>
-                <a:gd name="connsiteX59" fmla="*/ 1107281 w 1207294"/>
-                <a:gd name="connsiteY59" fmla="*/ 3879056 h 4107656"/>
-                <a:gd name="connsiteX60" fmla="*/ 1092994 w 1207294"/>
-                <a:gd name="connsiteY60" fmla="*/ 3929062 h 4107656"/>
-                <a:gd name="connsiteX61" fmla="*/ 1078706 w 1207294"/>
-                <a:gd name="connsiteY61" fmla="*/ 3950494 h 4107656"/>
-                <a:gd name="connsiteX62" fmla="*/ 1014412 w 1207294"/>
-                <a:gd name="connsiteY62" fmla="*/ 4007644 h 4107656"/>
-                <a:gd name="connsiteX63" fmla="*/ 971550 w 1207294"/>
-                <a:gd name="connsiteY63" fmla="*/ 4021931 h 4107656"/>
-                <a:gd name="connsiteX64" fmla="*/ 907256 w 1207294"/>
-                <a:gd name="connsiteY64" fmla="*/ 4050506 h 4107656"/>
-                <a:gd name="connsiteX65" fmla="*/ 871537 w 1207294"/>
-                <a:gd name="connsiteY65" fmla="*/ 4057650 h 4107656"/>
-                <a:gd name="connsiteX66" fmla="*/ 828675 w 1207294"/>
-                <a:gd name="connsiteY66" fmla="*/ 4064794 h 4107656"/>
-                <a:gd name="connsiteX67" fmla="*/ 785812 w 1207294"/>
-                <a:gd name="connsiteY67" fmla="*/ 4079081 h 4107656"/>
-                <a:gd name="connsiteX68" fmla="*/ 742950 w 1207294"/>
-                <a:gd name="connsiteY68" fmla="*/ 4093369 h 4107656"/>
-                <a:gd name="connsiteX69" fmla="*/ 721519 w 1207294"/>
-                <a:gd name="connsiteY69" fmla="*/ 4100512 h 4107656"/>
-                <a:gd name="connsiteX70" fmla="*/ 700087 w 1207294"/>
-                <a:gd name="connsiteY70" fmla="*/ 4107656 h 4107656"/>
-                <a:gd name="connsiteX71" fmla="*/ 578644 w 1207294"/>
-                <a:gd name="connsiteY71" fmla="*/ 4100512 h 4107656"/>
-                <a:gd name="connsiteX72" fmla="*/ 514350 w 1207294"/>
-                <a:gd name="connsiteY72" fmla="*/ 4071937 h 4107656"/>
-                <a:gd name="connsiteX73" fmla="*/ 492919 w 1207294"/>
-                <a:gd name="connsiteY73" fmla="*/ 4064794 h 4107656"/>
-                <a:gd name="connsiteX74" fmla="*/ 450056 w 1207294"/>
-                <a:gd name="connsiteY74" fmla="*/ 4014787 h 4107656"/>
-                <a:gd name="connsiteX75" fmla="*/ 421481 w 1207294"/>
-                <a:gd name="connsiteY75" fmla="*/ 3971925 h 4107656"/>
-                <a:gd name="connsiteX76" fmla="*/ 407194 w 1207294"/>
-                <a:gd name="connsiteY76" fmla="*/ 3950494 h 4107656"/>
-                <a:gd name="connsiteX77" fmla="*/ 400050 w 1207294"/>
-                <a:gd name="connsiteY77" fmla="*/ 3929062 h 4107656"/>
-                <a:gd name="connsiteX78" fmla="*/ 378619 w 1207294"/>
-                <a:gd name="connsiteY78" fmla="*/ 3907631 h 4107656"/>
-                <a:gd name="connsiteX79" fmla="*/ 357187 w 1207294"/>
-                <a:gd name="connsiteY79" fmla="*/ 3857625 h 4107656"/>
-                <a:gd name="connsiteX80" fmla="*/ 342900 w 1207294"/>
-                <a:gd name="connsiteY80" fmla="*/ 3829050 h 4107656"/>
-                <a:gd name="connsiteX81" fmla="*/ 268158 w 1207294"/>
-                <a:gd name="connsiteY81" fmla="*/ 3638086 h 4107656"/>
-                <a:gd name="connsiteX82" fmla="*/ 314325 w 1207294"/>
-                <a:gd name="connsiteY82" fmla="*/ 3750469 h 4107656"/>
-                <a:gd name="connsiteX83" fmla="*/ 300037 w 1207294"/>
-                <a:gd name="connsiteY83" fmla="*/ 3707606 h 4107656"/>
-                <a:gd name="connsiteX84" fmla="*/ 285750 w 1207294"/>
-                <a:gd name="connsiteY84" fmla="*/ 3686175 h 4107656"/>
-                <a:gd name="connsiteX85" fmla="*/ 250044 w 1207294"/>
-                <a:gd name="connsiteY85" fmla="*/ 3626565 h 4107656"/>
-                <a:gd name="connsiteX86" fmla="*/ 221456 w 1207294"/>
-                <a:gd name="connsiteY86" fmla="*/ 3564731 h 4107656"/>
-                <a:gd name="connsiteX87" fmla="*/ 178594 w 1207294"/>
-                <a:gd name="connsiteY87" fmla="*/ 3500437 h 4107656"/>
-                <a:gd name="connsiteX88" fmla="*/ 157162 w 1207294"/>
-                <a:gd name="connsiteY88" fmla="*/ 3471862 h 4107656"/>
-                <a:gd name="connsiteX89" fmla="*/ 114300 w 1207294"/>
-                <a:gd name="connsiteY89" fmla="*/ 3400425 h 4107656"/>
-                <a:gd name="connsiteX90" fmla="*/ 92869 w 1207294"/>
-                <a:gd name="connsiteY90" fmla="*/ 3378994 h 4107656"/>
-                <a:gd name="connsiteX91" fmla="*/ 78581 w 1207294"/>
-                <a:gd name="connsiteY91" fmla="*/ 3350419 h 4107656"/>
-                <a:gd name="connsiteX92" fmla="*/ 50006 w 1207294"/>
-                <a:gd name="connsiteY92" fmla="*/ 3300412 h 4107656"/>
-                <a:gd name="connsiteX93" fmla="*/ 21431 w 1207294"/>
-                <a:gd name="connsiteY93" fmla="*/ 3250406 h 4107656"/>
-                <a:gd name="connsiteX94" fmla="*/ 14287 w 1207294"/>
-                <a:gd name="connsiteY94" fmla="*/ 3221831 h 4107656"/>
-                <a:gd name="connsiteX95" fmla="*/ 0 w 1207294"/>
-                <a:gd name="connsiteY95" fmla="*/ 3150394 h 4107656"/>
-                <a:gd name="connsiteX96" fmla="*/ 7143 w 1207294"/>
-                <a:gd name="connsiteY96" fmla="*/ 2978944 h 4107656"/>
-                <a:gd name="connsiteX97" fmla="*/ 21431 w 1207294"/>
-                <a:gd name="connsiteY97" fmla="*/ 2850356 h 4107656"/>
-                <a:gd name="connsiteX98" fmla="*/ 28575 w 1207294"/>
-                <a:gd name="connsiteY98" fmla="*/ 2807494 h 4107656"/>
-                <a:gd name="connsiteX99" fmla="*/ 42862 w 1207294"/>
-                <a:gd name="connsiteY99" fmla="*/ 2757487 h 4107656"/>
-                <a:gd name="connsiteX100" fmla="*/ 50006 w 1207294"/>
-                <a:gd name="connsiteY100" fmla="*/ 2728912 h 4107656"/>
-                <a:gd name="connsiteX101" fmla="*/ 64294 w 1207294"/>
-                <a:gd name="connsiteY101" fmla="*/ 2678906 h 4107656"/>
-                <a:gd name="connsiteX102" fmla="*/ 78581 w 1207294"/>
-                <a:gd name="connsiteY102" fmla="*/ 2614612 h 4107656"/>
-                <a:gd name="connsiteX103" fmla="*/ 92869 w 1207294"/>
-                <a:gd name="connsiteY103" fmla="*/ 2586037 h 4107656"/>
-                <a:gd name="connsiteX104" fmla="*/ 114300 w 1207294"/>
-                <a:gd name="connsiteY104" fmla="*/ 2521744 h 4107656"/>
-                <a:gd name="connsiteX105" fmla="*/ 150019 w 1207294"/>
-                <a:gd name="connsiteY105" fmla="*/ 2400300 h 4107656"/>
-                <a:gd name="connsiteX106" fmla="*/ 164306 w 1207294"/>
-                <a:gd name="connsiteY106" fmla="*/ 2371725 h 4107656"/>
-                <a:gd name="connsiteX107" fmla="*/ 200025 w 1207294"/>
-                <a:gd name="connsiteY107" fmla="*/ 2286000 h 4107656"/>
-                <a:gd name="connsiteX108" fmla="*/ 221456 w 1207294"/>
-                <a:gd name="connsiteY108" fmla="*/ 2214562 h 4107656"/>
-                <a:gd name="connsiteX109" fmla="*/ 228600 w 1207294"/>
-                <a:gd name="connsiteY109" fmla="*/ 2193131 h 4107656"/>
-                <a:gd name="connsiteX110" fmla="*/ 235744 w 1207294"/>
-                <a:gd name="connsiteY110" fmla="*/ 2164556 h 4107656"/>
-                <a:gd name="connsiteX111" fmla="*/ 257175 w 1207294"/>
-                <a:gd name="connsiteY111" fmla="*/ 2143125 h 4107656"/>
-                <a:gd name="connsiteX112" fmla="*/ 257175 w 1207294"/>
-                <a:gd name="connsiteY112" fmla="*/ 1678781 h 4107656"/>
-                <a:gd name="connsiteX113" fmla="*/ 250031 w 1207294"/>
-                <a:gd name="connsiteY113" fmla="*/ 1643062 h 4107656"/>
-                <a:gd name="connsiteX114" fmla="*/ 235744 w 1207294"/>
-                <a:gd name="connsiteY114" fmla="*/ 1578769 h 4107656"/>
-                <a:gd name="connsiteX115" fmla="*/ 221456 w 1207294"/>
-                <a:gd name="connsiteY115" fmla="*/ 1485900 h 4107656"/>
-                <a:gd name="connsiteX116" fmla="*/ 192881 w 1207294"/>
-                <a:gd name="connsiteY116" fmla="*/ 1407319 h 4107656"/>
-                <a:gd name="connsiteX117" fmla="*/ 185737 w 1207294"/>
-                <a:gd name="connsiteY117" fmla="*/ 1378744 h 4107656"/>
-                <a:gd name="connsiteX118" fmla="*/ 171450 w 1207294"/>
-                <a:gd name="connsiteY118" fmla="*/ 1335881 h 4107656"/>
-                <a:gd name="connsiteX119" fmla="*/ 128587 w 1207294"/>
-                <a:gd name="connsiteY119" fmla="*/ 1200150 h 4107656"/>
-                <a:gd name="connsiteX120" fmla="*/ 114300 w 1207294"/>
-                <a:gd name="connsiteY120" fmla="*/ 1092994 h 4107656"/>
-                <a:gd name="connsiteX121" fmla="*/ 107156 w 1207294"/>
-                <a:gd name="connsiteY121" fmla="*/ 1050131 h 4107656"/>
-                <a:gd name="connsiteX122" fmla="*/ 100012 w 1207294"/>
-                <a:gd name="connsiteY122" fmla="*/ 985837 h 4107656"/>
-                <a:gd name="connsiteX123" fmla="*/ 114300 w 1207294"/>
-                <a:gd name="connsiteY123" fmla="*/ 621506 h 4107656"/>
-                <a:gd name="connsiteX0" fmla="*/ 114300 w 1207294"/>
-                <a:gd name="connsiteY0" fmla="*/ 621506 h 4107656"/>
-                <a:gd name="connsiteX1" fmla="*/ 114300 w 1207294"/>
-                <a:gd name="connsiteY1" fmla="*/ 621506 h 4107656"/>
-                <a:gd name="connsiteX2" fmla="*/ 121444 w 1207294"/>
-                <a:gd name="connsiteY2" fmla="*/ 321469 h 4107656"/>
-                <a:gd name="connsiteX3" fmla="*/ 135731 w 1207294"/>
-                <a:gd name="connsiteY3" fmla="*/ 250031 h 4107656"/>
-                <a:gd name="connsiteX4" fmla="*/ 142875 w 1207294"/>
-                <a:gd name="connsiteY4" fmla="*/ 214312 h 4107656"/>
-                <a:gd name="connsiteX5" fmla="*/ 164306 w 1207294"/>
-                <a:gd name="connsiteY5" fmla="*/ 150019 h 4107656"/>
-                <a:gd name="connsiteX6" fmla="*/ 171450 w 1207294"/>
-                <a:gd name="connsiteY6" fmla="*/ 128587 h 4107656"/>
-                <a:gd name="connsiteX7" fmla="*/ 192881 w 1207294"/>
-                <a:gd name="connsiteY7" fmla="*/ 85725 h 4107656"/>
-                <a:gd name="connsiteX8" fmla="*/ 214312 w 1207294"/>
-                <a:gd name="connsiteY8" fmla="*/ 71437 h 4107656"/>
-                <a:gd name="connsiteX9" fmla="*/ 271462 w 1207294"/>
-                <a:gd name="connsiteY9" fmla="*/ 21431 h 4107656"/>
-                <a:gd name="connsiteX10" fmla="*/ 314325 w 1207294"/>
-                <a:gd name="connsiteY10" fmla="*/ 7144 h 4107656"/>
-                <a:gd name="connsiteX11" fmla="*/ 335756 w 1207294"/>
-                <a:gd name="connsiteY11" fmla="*/ 0 h 4107656"/>
-                <a:gd name="connsiteX12" fmla="*/ 507206 w 1207294"/>
-                <a:gd name="connsiteY12" fmla="*/ 21431 h 4107656"/>
-                <a:gd name="connsiteX13" fmla="*/ 528637 w 1207294"/>
-                <a:gd name="connsiteY13" fmla="*/ 28575 h 4107656"/>
-                <a:gd name="connsiteX14" fmla="*/ 592931 w 1207294"/>
-                <a:gd name="connsiteY14" fmla="*/ 71437 h 4107656"/>
-                <a:gd name="connsiteX15" fmla="*/ 614362 w 1207294"/>
-                <a:gd name="connsiteY15" fmla="*/ 85725 h 4107656"/>
-                <a:gd name="connsiteX16" fmla="*/ 635794 w 1207294"/>
-                <a:gd name="connsiteY16" fmla="*/ 100012 h 4107656"/>
-                <a:gd name="connsiteX17" fmla="*/ 671512 w 1207294"/>
-                <a:gd name="connsiteY17" fmla="*/ 135731 h 4107656"/>
-                <a:gd name="connsiteX18" fmla="*/ 685800 w 1207294"/>
-                <a:gd name="connsiteY18" fmla="*/ 157162 h 4107656"/>
-                <a:gd name="connsiteX19" fmla="*/ 728662 w 1207294"/>
-                <a:gd name="connsiteY19" fmla="*/ 185737 h 4107656"/>
-                <a:gd name="connsiteX20" fmla="*/ 771525 w 1207294"/>
-                <a:gd name="connsiteY20" fmla="*/ 221456 h 4107656"/>
-                <a:gd name="connsiteX21" fmla="*/ 792956 w 1207294"/>
-                <a:gd name="connsiteY21" fmla="*/ 242887 h 4107656"/>
-                <a:gd name="connsiteX22" fmla="*/ 814387 w 1207294"/>
-                <a:gd name="connsiteY22" fmla="*/ 257175 h 4107656"/>
-                <a:gd name="connsiteX23" fmla="*/ 857250 w 1207294"/>
-                <a:gd name="connsiteY23" fmla="*/ 300037 h 4107656"/>
-                <a:gd name="connsiteX24" fmla="*/ 878681 w 1207294"/>
-                <a:gd name="connsiteY24" fmla="*/ 321469 h 4107656"/>
-                <a:gd name="connsiteX25" fmla="*/ 928687 w 1207294"/>
-                <a:gd name="connsiteY25" fmla="*/ 385762 h 4107656"/>
-                <a:gd name="connsiteX26" fmla="*/ 935831 w 1207294"/>
-                <a:gd name="connsiteY26" fmla="*/ 407194 h 4107656"/>
-                <a:gd name="connsiteX27" fmla="*/ 964406 w 1207294"/>
-                <a:gd name="connsiteY27" fmla="*/ 450056 h 4107656"/>
-                <a:gd name="connsiteX28" fmla="*/ 971550 w 1207294"/>
-                <a:gd name="connsiteY28" fmla="*/ 471487 h 4107656"/>
-                <a:gd name="connsiteX29" fmla="*/ 1000125 w 1207294"/>
-                <a:gd name="connsiteY29" fmla="*/ 514350 h 4107656"/>
-                <a:gd name="connsiteX30" fmla="*/ 1007269 w 1207294"/>
-                <a:gd name="connsiteY30" fmla="*/ 535781 h 4107656"/>
-                <a:gd name="connsiteX31" fmla="*/ 1035844 w 1207294"/>
-                <a:gd name="connsiteY31" fmla="*/ 578644 h 4107656"/>
-                <a:gd name="connsiteX32" fmla="*/ 1050131 w 1207294"/>
-                <a:gd name="connsiteY32" fmla="*/ 628650 h 4107656"/>
-                <a:gd name="connsiteX33" fmla="*/ 1064419 w 1207294"/>
-                <a:gd name="connsiteY33" fmla="*/ 671512 h 4107656"/>
-                <a:gd name="connsiteX34" fmla="*/ 1071562 w 1207294"/>
-                <a:gd name="connsiteY34" fmla="*/ 692944 h 4107656"/>
-                <a:gd name="connsiteX35" fmla="*/ 1107281 w 1207294"/>
-                <a:gd name="connsiteY35" fmla="*/ 800100 h 4107656"/>
-                <a:gd name="connsiteX36" fmla="*/ 1128712 w 1207294"/>
-                <a:gd name="connsiteY36" fmla="*/ 864394 h 4107656"/>
-                <a:gd name="connsiteX37" fmla="*/ 1135856 w 1207294"/>
-                <a:gd name="connsiteY37" fmla="*/ 885825 h 4107656"/>
-                <a:gd name="connsiteX38" fmla="*/ 1143000 w 1207294"/>
-                <a:gd name="connsiteY38" fmla="*/ 907256 h 4107656"/>
-                <a:gd name="connsiteX39" fmla="*/ 1150144 w 1207294"/>
-                <a:gd name="connsiteY39" fmla="*/ 964406 h 4107656"/>
-                <a:gd name="connsiteX40" fmla="*/ 1157287 w 1207294"/>
-                <a:gd name="connsiteY40" fmla="*/ 1007269 h 4107656"/>
-                <a:gd name="connsiteX41" fmla="*/ 1178719 w 1207294"/>
-                <a:gd name="connsiteY41" fmla="*/ 1193006 h 4107656"/>
-                <a:gd name="connsiteX42" fmla="*/ 1193006 w 1207294"/>
-                <a:gd name="connsiteY42" fmla="*/ 1314450 h 4107656"/>
-                <a:gd name="connsiteX43" fmla="*/ 1207294 w 1207294"/>
-                <a:gd name="connsiteY43" fmla="*/ 1578769 h 4107656"/>
-                <a:gd name="connsiteX44" fmla="*/ 1200150 w 1207294"/>
-                <a:gd name="connsiteY44" fmla="*/ 1921669 h 4107656"/>
-                <a:gd name="connsiteX45" fmla="*/ 1185862 w 1207294"/>
-                <a:gd name="connsiteY45" fmla="*/ 2100262 h 4107656"/>
-                <a:gd name="connsiteX46" fmla="*/ 1171575 w 1207294"/>
-                <a:gd name="connsiteY46" fmla="*/ 2407444 h 4107656"/>
-                <a:gd name="connsiteX47" fmla="*/ 1157287 w 1207294"/>
-                <a:gd name="connsiteY47" fmla="*/ 2528887 h 4107656"/>
-                <a:gd name="connsiteX48" fmla="*/ 1150144 w 1207294"/>
-                <a:gd name="connsiteY48" fmla="*/ 2557462 h 4107656"/>
-                <a:gd name="connsiteX49" fmla="*/ 1135856 w 1207294"/>
-                <a:gd name="connsiteY49" fmla="*/ 2650331 h 4107656"/>
-                <a:gd name="connsiteX50" fmla="*/ 1128712 w 1207294"/>
-                <a:gd name="connsiteY50" fmla="*/ 2693194 h 4107656"/>
-                <a:gd name="connsiteX51" fmla="*/ 1114425 w 1207294"/>
-                <a:gd name="connsiteY51" fmla="*/ 2857500 h 4107656"/>
-                <a:gd name="connsiteX52" fmla="*/ 1121569 w 1207294"/>
-                <a:gd name="connsiteY52" fmla="*/ 3057525 h 4107656"/>
-                <a:gd name="connsiteX53" fmla="*/ 1128712 w 1207294"/>
-                <a:gd name="connsiteY53" fmla="*/ 3121819 h 4107656"/>
-                <a:gd name="connsiteX54" fmla="*/ 1135856 w 1207294"/>
-                <a:gd name="connsiteY54" fmla="*/ 3193256 h 4107656"/>
-                <a:gd name="connsiteX55" fmla="*/ 1143000 w 1207294"/>
-                <a:gd name="connsiteY55" fmla="*/ 3236119 h 4107656"/>
-                <a:gd name="connsiteX56" fmla="*/ 1150144 w 1207294"/>
-                <a:gd name="connsiteY56" fmla="*/ 3286125 h 4107656"/>
-                <a:gd name="connsiteX57" fmla="*/ 1128712 w 1207294"/>
-                <a:gd name="connsiteY57" fmla="*/ 3571875 h 4107656"/>
-                <a:gd name="connsiteX58" fmla="*/ 1121569 w 1207294"/>
-                <a:gd name="connsiteY58" fmla="*/ 3764756 h 4107656"/>
-                <a:gd name="connsiteX59" fmla="*/ 1107281 w 1207294"/>
-                <a:gd name="connsiteY59" fmla="*/ 3879056 h 4107656"/>
-                <a:gd name="connsiteX60" fmla="*/ 1092994 w 1207294"/>
-                <a:gd name="connsiteY60" fmla="*/ 3929062 h 4107656"/>
-                <a:gd name="connsiteX61" fmla="*/ 1078706 w 1207294"/>
-                <a:gd name="connsiteY61" fmla="*/ 3950494 h 4107656"/>
-                <a:gd name="connsiteX62" fmla="*/ 1014412 w 1207294"/>
-                <a:gd name="connsiteY62" fmla="*/ 4007644 h 4107656"/>
-                <a:gd name="connsiteX63" fmla="*/ 971550 w 1207294"/>
-                <a:gd name="connsiteY63" fmla="*/ 4021931 h 4107656"/>
-                <a:gd name="connsiteX64" fmla="*/ 907256 w 1207294"/>
-                <a:gd name="connsiteY64" fmla="*/ 4050506 h 4107656"/>
-                <a:gd name="connsiteX65" fmla="*/ 871537 w 1207294"/>
-                <a:gd name="connsiteY65" fmla="*/ 4057650 h 4107656"/>
-                <a:gd name="connsiteX66" fmla="*/ 828675 w 1207294"/>
-                <a:gd name="connsiteY66" fmla="*/ 4064794 h 4107656"/>
-                <a:gd name="connsiteX67" fmla="*/ 785812 w 1207294"/>
-                <a:gd name="connsiteY67" fmla="*/ 4079081 h 4107656"/>
-                <a:gd name="connsiteX68" fmla="*/ 742950 w 1207294"/>
-                <a:gd name="connsiteY68" fmla="*/ 4093369 h 4107656"/>
-                <a:gd name="connsiteX69" fmla="*/ 721519 w 1207294"/>
-                <a:gd name="connsiteY69" fmla="*/ 4100512 h 4107656"/>
-                <a:gd name="connsiteX70" fmla="*/ 700087 w 1207294"/>
-                <a:gd name="connsiteY70" fmla="*/ 4107656 h 4107656"/>
-                <a:gd name="connsiteX71" fmla="*/ 578644 w 1207294"/>
-                <a:gd name="connsiteY71" fmla="*/ 4100512 h 4107656"/>
-                <a:gd name="connsiteX72" fmla="*/ 514350 w 1207294"/>
-                <a:gd name="connsiteY72" fmla="*/ 4071937 h 4107656"/>
-                <a:gd name="connsiteX73" fmla="*/ 492919 w 1207294"/>
-                <a:gd name="connsiteY73" fmla="*/ 4064794 h 4107656"/>
-                <a:gd name="connsiteX74" fmla="*/ 450056 w 1207294"/>
-                <a:gd name="connsiteY74" fmla="*/ 4014787 h 4107656"/>
-                <a:gd name="connsiteX75" fmla="*/ 421481 w 1207294"/>
-                <a:gd name="connsiteY75" fmla="*/ 3971925 h 4107656"/>
-                <a:gd name="connsiteX76" fmla="*/ 407194 w 1207294"/>
-                <a:gd name="connsiteY76" fmla="*/ 3950494 h 4107656"/>
-                <a:gd name="connsiteX77" fmla="*/ 400050 w 1207294"/>
-                <a:gd name="connsiteY77" fmla="*/ 3929062 h 4107656"/>
-                <a:gd name="connsiteX78" fmla="*/ 378619 w 1207294"/>
-                <a:gd name="connsiteY78" fmla="*/ 3907631 h 4107656"/>
-                <a:gd name="connsiteX79" fmla="*/ 357187 w 1207294"/>
-                <a:gd name="connsiteY79" fmla="*/ 3857625 h 4107656"/>
-                <a:gd name="connsiteX80" fmla="*/ 342900 w 1207294"/>
-                <a:gd name="connsiteY80" fmla="*/ 3829050 h 4107656"/>
-                <a:gd name="connsiteX81" fmla="*/ 268158 w 1207294"/>
-                <a:gd name="connsiteY81" fmla="*/ 3638086 h 4107656"/>
-                <a:gd name="connsiteX82" fmla="*/ 314325 w 1207294"/>
-                <a:gd name="connsiteY82" fmla="*/ 3750469 h 4107656"/>
-                <a:gd name="connsiteX83" fmla="*/ 300037 w 1207294"/>
-                <a:gd name="connsiteY83" fmla="*/ 3707606 h 4107656"/>
-                <a:gd name="connsiteX84" fmla="*/ 285750 w 1207294"/>
-                <a:gd name="connsiteY84" fmla="*/ 3686175 h 4107656"/>
-                <a:gd name="connsiteX85" fmla="*/ 250044 w 1207294"/>
-                <a:gd name="connsiteY85" fmla="*/ 3626565 h 4107656"/>
-                <a:gd name="connsiteX86" fmla="*/ 221456 w 1207294"/>
-                <a:gd name="connsiteY86" fmla="*/ 3564731 h 4107656"/>
-                <a:gd name="connsiteX87" fmla="*/ 178594 w 1207294"/>
-                <a:gd name="connsiteY87" fmla="*/ 3500437 h 4107656"/>
-                <a:gd name="connsiteX88" fmla="*/ 157162 w 1207294"/>
-                <a:gd name="connsiteY88" fmla="*/ 3471862 h 4107656"/>
-                <a:gd name="connsiteX89" fmla="*/ 114300 w 1207294"/>
-                <a:gd name="connsiteY89" fmla="*/ 3400425 h 4107656"/>
-                <a:gd name="connsiteX90" fmla="*/ 92869 w 1207294"/>
-                <a:gd name="connsiteY90" fmla="*/ 3378994 h 4107656"/>
-                <a:gd name="connsiteX91" fmla="*/ 50006 w 1207294"/>
-                <a:gd name="connsiteY91" fmla="*/ 3300412 h 4107656"/>
-                <a:gd name="connsiteX92" fmla="*/ 21431 w 1207294"/>
-                <a:gd name="connsiteY92" fmla="*/ 3250406 h 4107656"/>
-                <a:gd name="connsiteX93" fmla="*/ 14287 w 1207294"/>
-                <a:gd name="connsiteY93" fmla="*/ 3221831 h 4107656"/>
-                <a:gd name="connsiteX94" fmla="*/ 0 w 1207294"/>
-                <a:gd name="connsiteY94" fmla="*/ 3150394 h 4107656"/>
-                <a:gd name="connsiteX95" fmla="*/ 7143 w 1207294"/>
-                <a:gd name="connsiteY95" fmla="*/ 2978944 h 4107656"/>
-                <a:gd name="connsiteX96" fmla="*/ 21431 w 1207294"/>
-                <a:gd name="connsiteY96" fmla="*/ 2850356 h 4107656"/>
-                <a:gd name="connsiteX97" fmla="*/ 28575 w 1207294"/>
-                <a:gd name="connsiteY97" fmla="*/ 2807494 h 4107656"/>
-                <a:gd name="connsiteX98" fmla="*/ 42862 w 1207294"/>
-                <a:gd name="connsiteY98" fmla="*/ 2757487 h 4107656"/>
-                <a:gd name="connsiteX99" fmla="*/ 50006 w 1207294"/>
-                <a:gd name="connsiteY99" fmla="*/ 2728912 h 4107656"/>
-                <a:gd name="connsiteX100" fmla="*/ 64294 w 1207294"/>
-                <a:gd name="connsiteY100" fmla="*/ 2678906 h 4107656"/>
-                <a:gd name="connsiteX101" fmla="*/ 78581 w 1207294"/>
-                <a:gd name="connsiteY101" fmla="*/ 2614612 h 4107656"/>
-                <a:gd name="connsiteX102" fmla="*/ 92869 w 1207294"/>
-                <a:gd name="connsiteY102" fmla="*/ 2586037 h 4107656"/>
-                <a:gd name="connsiteX103" fmla="*/ 114300 w 1207294"/>
-                <a:gd name="connsiteY103" fmla="*/ 2521744 h 4107656"/>
-                <a:gd name="connsiteX104" fmla="*/ 150019 w 1207294"/>
-                <a:gd name="connsiteY104" fmla="*/ 2400300 h 4107656"/>
-                <a:gd name="connsiteX105" fmla="*/ 164306 w 1207294"/>
-                <a:gd name="connsiteY105" fmla="*/ 2371725 h 4107656"/>
-                <a:gd name="connsiteX106" fmla="*/ 200025 w 1207294"/>
-                <a:gd name="connsiteY106" fmla="*/ 2286000 h 4107656"/>
-                <a:gd name="connsiteX107" fmla="*/ 221456 w 1207294"/>
-                <a:gd name="connsiteY107" fmla="*/ 2214562 h 4107656"/>
-                <a:gd name="connsiteX108" fmla="*/ 228600 w 1207294"/>
-                <a:gd name="connsiteY108" fmla="*/ 2193131 h 4107656"/>
-                <a:gd name="connsiteX109" fmla="*/ 235744 w 1207294"/>
-                <a:gd name="connsiteY109" fmla="*/ 2164556 h 4107656"/>
-                <a:gd name="connsiteX110" fmla="*/ 257175 w 1207294"/>
-                <a:gd name="connsiteY110" fmla="*/ 2143125 h 4107656"/>
-                <a:gd name="connsiteX111" fmla="*/ 257175 w 1207294"/>
-                <a:gd name="connsiteY111" fmla="*/ 1678781 h 4107656"/>
-                <a:gd name="connsiteX112" fmla="*/ 250031 w 1207294"/>
-                <a:gd name="connsiteY112" fmla="*/ 1643062 h 4107656"/>
-                <a:gd name="connsiteX113" fmla="*/ 235744 w 1207294"/>
-                <a:gd name="connsiteY113" fmla="*/ 1578769 h 4107656"/>
-                <a:gd name="connsiteX114" fmla="*/ 221456 w 1207294"/>
-                <a:gd name="connsiteY114" fmla="*/ 1485900 h 4107656"/>
-                <a:gd name="connsiteX115" fmla="*/ 192881 w 1207294"/>
-                <a:gd name="connsiteY115" fmla="*/ 1407319 h 4107656"/>
-                <a:gd name="connsiteX116" fmla="*/ 185737 w 1207294"/>
-                <a:gd name="connsiteY116" fmla="*/ 1378744 h 4107656"/>
-                <a:gd name="connsiteX117" fmla="*/ 171450 w 1207294"/>
-                <a:gd name="connsiteY117" fmla="*/ 1335881 h 4107656"/>
-                <a:gd name="connsiteX118" fmla="*/ 128587 w 1207294"/>
-                <a:gd name="connsiteY118" fmla="*/ 1200150 h 4107656"/>
-                <a:gd name="connsiteX119" fmla="*/ 114300 w 1207294"/>
-                <a:gd name="connsiteY119" fmla="*/ 1092994 h 4107656"/>
-                <a:gd name="connsiteX120" fmla="*/ 107156 w 1207294"/>
-                <a:gd name="connsiteY120" fmla="*/ 1050131 h 4107656"/>
-                <a:gd name="connsiteX121" fmla="*/ 100012 w 1207294"/>
-                <a:gd name="connsiteY121" fmla="*/ 985837 h 4107656"/>
-                <a:gd name="connsiteX122" fmla="*/ 114300 w 1207294"/>
-                <a:gd name="connsiteY122" fmla="*/ 621506 h 4107656"/>
-                <a:gd name="connsiteX0" fmla="*/ 114300 w 1207294"/>
-                <a:gd name="connsiteY0" fmla="*/ 621506 h 4107656"/>
-                <a:gd name="connsiteX1" fmla="*/ 114300 w 1207294"/>
-                <a:gd name="connsiteY1" fmla="*/ 621506 h 4107656"/>
-                <a:gd name="connsiteX2" fmla="*/ 121444 w 1207294"/>
-                <a:gd name="connsiteY2" fmla="*/ 321469 h 4107656"/>
-                <a:gd name="connsiteX3" fmla="*/ 135731 w 1207294"/>
-                <a:gd name="connsiteY3" fmla="*/ 250031 h 4107656"/>
-                <a:gd name="connsiteX4" fmla="*/ 142875 w 1207294"/>
-                <a:gd name="connsiteY4" fmla="*/ 214312 h 4107656"/>
-                <a:gd name="connsiteX5" fmla="*/ 164306 w 1207294"/>
-                <a:gd name="connsiteY5" fmla="*/ 150019 h 4107656"/>
-                <a:gd name="connsiteX6" fmla="*/ 171450 w 1207294"/>
-                <a:gd name="connsiteY6" fmla="*/ 128587 h 4107656"/>
-                <a:gd name="connsiteX7" fmla="*/ 192881 w 1207294"/>
-                <a:gd name="connsiteY7" fmla="*/ 85725 h 4107656"/>
-                <a:gd name="connsiteX8" fmla="*/ 214312 w 1207294"/>
-                <a:gd name="connsiteY8" fmla="*/ 71437 h 4107656"/>
-                <a:gd name="connsiteX9" fmla="*/ 271462 w 1207294"/>
-                <a:gd name="connsiteY9" fmla="*/ 21431 h 4107656"/>
-                <a:gd name="connsiteX10" fmla="*/ 314325 w 1207294"/>
-                <a:gd name="connsiteY10" fmla="*/ 7144 h 4107656"/>
-                <a:gd name="connsiteX11" fmla="*/ 335756 w 1207294"/>
-                <a:gd name="connsiteY11" fmla="*/ 0 h 4107656"/>
-                <a:gd name="connsiteX12" fmla="*/ 507206 w 1207294"/>
-                <a:gd name="connsiteY12" fmla="*/ 21431 h 4107656"/>
-                <a:gd name="connsiteX13" fmla="*/ 528637 w 1207294"/>
-                <a:gd name="connsiteY13" fmla="*/ 28575 h 4107656"/>
-                <a:gd name="connsiteX14" fmla="*/ 592931 w 1207294"/>
-                <a:gd name="connsiteY14" fmla="*/ 71437 h 4107656"/>
-                <a:gd name="connsiteX15" fmla="*/ 614362 w 1207294"/>
-                <a:gd name="connsiteY15" fmla="*/ 85725 h 4107656"/>
-                <a:gd name="connsiteX16" fmla="*/ 635794 w 1207294"/>
-                <a:gd name="connsiteY16" fmla="*/ 100012 h 4107656"/>
-                <a:gd name="connsiteX17" fmla="*/ 671512 w 1207294"/>
-                <a:gd name="connsiteY17" fmla="*/ 135731 h 4107656"/>
-                <a:gd name="connsiteX18" fmla="*/ 685800 w 1207294"/>
-                <a:gd name="connsiteY18" fmla="*/ 157162 h 4107656"/>
-                <a:gd name="connsiteX19" fmla="*/ 728662 w 1207294"/>
-                <a:gd name="connsiteY19" fmla="*/ 185737 h 4107656"/>
-                <a:gd name="connsiteX20" fmla="*/ 771525 w 1207294"/>
-                <a:gd name="connsiteY20" fmla="*/ 221456 h 4107656"/>
-                <a:gd name="connsiteX21" fmla="*/ 792956 w 1207294"/>
-                <a:gd name="connsiteY21" fmla="*/ 242887 h 4107656"/>
-                <a:gd name="connsiteX22" fmla="*/ 814387 w 1207294"/>
-                <a:gd name="connsiteY22" fmla="*/ 257175 h 4107656"/>
-                <a:gd name="connsiteX23" fmla="*/ 857250 w 1207294"/>
-                <a:gd name="connsiteY23" fmla="*/ 300037 h 4107656"/>
-                <a:gd name="connsiteX24" fmla="*/ 878681 w 1207294"/>
-                <a:gd name="connsiteY24" fmla="*/ 321469 h 4107656"/>
-                <a:gd name="connsiteX25" fmla="*/ 928687 w 1207294"/>
-                <a:gd name="connsiteY25" fmla="*/ 385762 h 4107656"/>
-                <a:gd name="connsiteX26" fmla="*/ 935831 w 1207294"/>
-                <a:gd name="connsiteY26" fmla="*/ 407194 h 4107656"/>
-                <a:gd name="connsiteX27" fmla="*/ 964406 w 1207294"/>
-                <a:gd name="connsiteY27" fmla="*/ 450056 h 4107656"/>
-                <a:gd name="connsiteX28" fmla="*/ 971550 w 1207294"/>
-                <a:gd name="connsiteY28" fmla="*/ 471487 h 4107656"/>
-                <a:gd name="connsiteX29" fmla="*/ 1000125 w 1207294"/>
-                <a:gd name="connsiteY29" fmla="*/ 514350 h 4107656"/>
-                <a:gd name="connsiteX30" fmla="*/ 1007269 w 1207294"/>
-                <a:gd name="connsiteY30" fmla="*/ 535781 h 4107656"/>
-                <a:gd name="connsiteX31" fmla="*/ 1035844 w 1207294"/>
-                <a:gd name="connsiteY31" fmla="*/ 578644 h 4107656"/>
-                <a:gd name="connsiteX32" fmla="*/ 1050131 w 1207294"/>
-                <a:gd name="connsiteY32" fmla="*/ 628650 h 4107656"/>
-                <a:gd name="connsiteX33" fmla="*/ 1064419 w 1207294"/>
-                <a:gd name="connsiteY33" fmla="*/ 671512 h 4107656"/>
-                <a:gd name="connsiteX34" fmla="*/ 1071562 w 1207294"/>
-                <a:gd name="connsiteY34" fmla="*/ 692944 h 4107656"/>
-                <a:gd name="connsiteX35" fmla="*/ 1107281 w 1207294"/>
-                <a:gd name="connsiteY35" fmla="*/ 800100 h 4107656"/>
-                <a:gd name="connsiteX36" fmla="*/ 1128712 w 1207294"/>
-                <a:gd name="connsiteY36" fmla="*/ 864394 h 4107656"/>
-                <a:gd name="connsiteX37" fmla="*/ 1135856 w 1207294"/>
-                <a:gd name="connsiteY37" fmla="*/ 885825 h 4107656"/>
-                <a:gd name="connsiteX38" fmla="*/ 1143000 w 1207294"/>
-                <a:gd name="connsiteY38" fmla="*/ 907256 h 4107656"/>
-                <a:gd name="connsiteX39" fmla="*/ 1150144 w 1207294"/>
-                <a:gd name="connsiteY39" fmla="*/ 964406 h 4107656"/>
-                <a:gd name="connsiteX40" fmla="*/ 1157287 w 1207294"/>
-                <a:gd name="connsiteY40" fmla="*/ 1007269 h 4107656"/>
-                <a:gd name="connsiteX41" fmla="*/ 1178719 w 1207294"/>
-                <a:gd name="connsiteY41" fmla="*/ 1193006 h 4107656"/>
-                <a:gd name="connsiteX42" fmla="*/ 1193006 w 1207294"/>
-                <a:gd name="connsiteY42" fmla="*/ 1314450 h 4107656"/>
-                <a:gd name="connsiteX43" fmla="*/ 1207294 w 1207294"/>
-                <a:gd name="connsiteY43" fmla="*/ 1578769 h 4107656"/>
-                <a:gd name="connsiteX44" fmla="*/ 1200150 w 1207294"/>
-                <a:gd name="connsiteY44" fmla="*/ 1921669 h 4107656"/>
-                <a:gd name="connsiteX45" fmla="*/ 1185862 w 1207294"/>
-                <a:gd name="connsiteY45" fmla="*/ 2100262 h 4107656"/>
-                <a:gd name="connsiteX46" fmla="*/ 1171575 w 1207294"/>
-                <a:gd name="connsiteY46" fmla="*/ 2407444 h 4107656"/>
-                <a:gd name="connsiteX47" fmla="*/ 1157287 w 1207294"/>
-                <a:gd name="connsiteY47" fmla="*/ 2528887 h 4107656"/>
-                <a:gd name="connsiteX48" fmla="*/ 1150144 w 1207294"/>
-                <a:gd name="connsiteY48" fmla="*/ 2557462 h 4107656"/>
-                <a:gd name="connsiteX49" fmla="*/ 1135856 w 1207294"/>
-                <a:gd name="connsiteY49" fmla="*/ 2650331 h 4107656"/>
-                <a:gd name="connsiteX50" fmla="*/ 1128712 w 1207294"/>
-                <a:gd name="connsiteY50" fmla="*/ 2693194 h 4107656"/>
-                <a:gd name="connsiteX51" fmla="*/ 1114425 w 1207294"/>
-                <a:gd name="connsiteY51" fmla="*/ 2857500 h 4107656"/>
-                <a:gd name="connsiteX52" fmla="*/ 1121569 w 1207294"/>
-                <a:gd name="connsiteY52" fmla="*/ 3057525 h 4107656"/>
-                <a:gd name="connsiteX53" fmla="*/ 1128712 w 1207294"/>
-                <a:gd name="connsiteY53" fmla="*/ 3121819 h 4107656"/>
-                <a:gd name="connsiteX54" fmla="*/ 1135856 w 1207294"/>
-                <a:gd name="connsiteY54" fmla="*/ 3193256 h 4107656"/>
-                <a:gd name="connsiteX55" fmla="*/ 1143000 w 1207294"/>
-                <a:gd name="connsiteY55" fmla="*/ 3236119 h 4107656"/>
-                <a:gd name="connsiteX56" fmla="*/ 1150144 w 1207294"/>
-                <a:gd name="connsiteY56" fmla="*/ 3286125 h 4107656"/>
-                <a:gd name="connsiteX57" fmla="*/ 1128712 w 1207294"/>
-                <a:gd name="connsiteY57" fmla="*/ 3571875 h 4107656"/>
-                <a:gd name="connsiteX58" fmla="*/ 1121569 w 1207294"/>
-                <a:gd name="connsiteY58" fmla="*/ 3764756 h 4107656"/>
-                <a:gd name="connsiteX59" fmla="*/ 1107281 w 1207294"/>
-                <a:gd name="connsiteY59" fmla="*/ 3879056 h 4107656"/>
-                <a:gd name="connsiteX60" fmla="*/ 1092994 w 1207294"/>
-                <a:gd name="connsiteY60" fmla="*/ 3929062 h 4107656"/>
-                <a:gd name="connsiteX61" fmla="*/ 1078706 w 1207294"/>
-                <a:gd name="connsiteY61" fmla="*/ 3950494 h 4107656"/>
-                <a:gd name="connsiteX62" fmla="*/ 1014412 w 1207294"/>
-                <a:gd name="connsiteY62" fmla="*/ 4007644 h 4107656"/>
-                <a:gd name="connsiteX63" fmla="*/ 971550 w 1207294"/>
-                <a:gd name="connsiteY63" fmla="*/ 4021931 h 4107656"/>
-                <a:gd name="connsiteX64" fmla="*/ 907256 w 1207294"/>
-                <a:gd name="connsiteY64" fmla="*/ 4050506 h 4107656"/>
-                <a:gd name="connsiteX65" fmla="*/ 871537 w 1207294"/>
-                <a:gd name="connsiteY65" fmla="*/ 4057650 h 4107656"/>
-                <a:gd name="connsiteX66" fmla="*/ 828675 w 1207294"/>
-                <a:gd name="connsiteY66" fmla="*/ 4064794 h 4107656"/>
-                <a:gd name="connsiteX67" fmla="*/ 785812 w 1207294"/>
-                <a:gd name="connsiteY67" fmla="*/ 4079081 h 4107656"/>
-                <a:gd name="connsiteX68" fmla="*/ 742950 w 1207294"/>
-                <a:gd name="connsiteY68" fmla="*/ 4093369 h 4107656"/>
-                <a:gd name="connsiteX69" fmla="*/ 721519 w 1207294"/>
-                <a:gd name="connsiteY69" fmla="*/ 4100512 h 4107656"/>
-                <a:gd name="connsiteX70" fmla="*/ 700087 w 1207294"/>
-                <a:gd name="connsiteY70" fmla="*/ 4107656 h 4107656"/>
-                <a:gd name="connsiteX71" fmla="*/ 578644 w 1207294"/>
-                <a:gd name="connsiteY71" fmla="*/ 4100512 h 4107656"/>
-                <a:gd name="connsiteX72" fmla="*/ 514350 w 1207294"/>
-                <a:gd name="connsiteY72" fmla="*/ 4071937 h 4107656"/>
-                <a:gd name="connsiteX73" fmla="*/ 492919 w 1207294"/>
-                <a:gd name="connsiteY73" fmla="*/ 4064794 h 4107656"/>
-                <a:gd name="connsiteX74" fmla="*/ 450056 w 1207294"/>
-                <a:gd name="connsiteY74" fmla="*/ 4014787 h 4107656"/>
-                <a:gd name="connsiteX75" fmla="*/ 421481 w 1207294"/>
-                <a:gd name="connsiteY75" fmla="*/ 3971925 h 4107656"/>
-                <a:gd name="connsiteX76" fmla="*/ 407194 w 1207294"/>
-                <a:gd name="connsiteY76" fmla="*/ 3950494 h 4107656"/>
-                <a:gd name="connsiteX77" fmla="*/ 400050 w 1207294"/>
-                <a:gd name="connsiteY77" fmla="*/ 3929062 h 4107656"/>
-                <a:gd name="connsiteX78" fmla="*/ 378619 w 1207294"/>
-                <a:gd name="connsiteY78" fmla="*/ 3907631 h 4107656"/>
-                <a:gd name="connsiteX79" fmla="*/ 357187 w 1207294"/>
-                <a:gd name="connsiteY79" fmla="*/ 3857625 h 4107656"/>
-                <a:gd name="connsiteX80" fmla="*/ 342900 w 1207294"/>
-                <a:gd name="connsiteY80" fmla="*/ 3829050 h 4107656"/>
-                <a:gd name="connsiteX81" fmla="*/ 268158 w 1207294"/>
-                <a:gd name="connsiteY81" fmla="*/ 3638086 h 4107656"/>
-                <a:gd name="connsiteX82" fmla="*/ 314325 w 1207294"/>
-                <a:gd name="connsiteY82" fmla="*/ 3750469 h 4107656"/>
-                <a:gd name="connsiteX83" fmla="*/ 300037 w 1207294"/>
-                <a:gd name="connsiteY83" fmla="*/ 3707606 h 4107656"/>
-                <a:gd name="connsiteX84" fmla="*/ 285750 w 1207294"/>
-                <a:gd name="connsiteY84" fmla="*/ 3686175 h 4107656"/>
-                <a:gd name="connsiteX85" fmla="*/ 250044 w 1207294"/>
-                <a:gd name="connsiteY85" fmla="*/ 3626565 h 4107656"/>
-                <a:gd name="connsiteX86" fmla="*/ 221456 w 1207294"/>
-                <a:gd name="connsiteY86" fmla="*/ 3564731 h 4107656"/>
-                <a:gd name="connsiteX87" fmla="*/ 178594 w 1207294"/>
-                <a:gd name="connsiteY87" fmla="*/ 3500437 h 4107656"/>
-                <a:gd name="connsiteX88" fmla="*/ 157162 w 1207294"/>
-                <a:gd name="connsiteY88" fmla="*/ 3471862 h 4107656"/>
-                <a:gd name="connsiteX89" fmla="*/ 114300 w 1207294"/>
-                <a:gd name="connsiteY89" fmla="*/ 3400425 h 4107656"/>
-                <a:gd name="connsiteX90" fmla="*/ 50006 w 1207294"/>
-                <a:gd name="connsiteY90" fmla="*/ 3300412 h 4107656"/>
-                <a:gd name="connsiteX91" fmla="*/ 21431 w 1207294"/>
-                <a:gd name="connsiteY91" fmla="*/ 3250406 h 4107656"/>
-                <a:gd name="connsiteX92" fmla="*/ 14287 w 1207294"/>
-                <a:gd name="connsiteY92" fmla="*/ 3221831 h 4107656"/>
-                <a:gd name="connsiteX93" fmla="*/ 0 w 1207294"/>
-                <a:gd name="connsiteY93" fmla="*/ 3150394 h 4107656"/>
-                <a:gd name="connsiteX94" fmla="*/ 7143 w 1207294"/>
-                <a:gd name="connsiteY94" fmla="*/ 2978944 h 4107656"/>
-                <a:gd name="connsiteX95" fmla="*/ 21431 w 1207294"/>
-                <a:gd name="connsiteY95" fmla="*/ 2850356 h 4107656"/>
-                <a:gd name="connsiteX96" fmla="*/ 28575 w 1207294"/>
-                <a:gd name="connsiteY96" fmla="*/ 2807494 h 4107656"/>
-                <a:gd name="connsiteX97" fmla="*/ 42862 w 1207294"/>
-                <a:gd name="connsiteY97" fmla="*/ 2757487 h 4107656"/>
-                <a:gd name="connsiteX98" fmla="*/ 50006 w 1207294"/>
-                <a:gd name="connsiteY98" fmla="*/ 2728912 h 4107656"/>
-                <a:gd name="connsiteX99" fmla="*/ 64294 w 1207294"/>
-                <a:gd name="connsiteY99" fmla="*/ 2678906 h 4107656"/>
-                <a:gd name="connsiteX100" fmla="*/ 78581 w 1207294"/>
-                <a:gd name="connsiteY100" fmla="*/ 2614612 h 4107656"/>
-                <a:gd name="connsiteX101" fmla="*/ 92869 w 1207294"/>
-                <a:gd name="connsiteY101" fmla="*/ 2586037 h 4107656"/>
-                <a:gd name="connsiteX102" fmla="*/ 114300 w 1207294"/>
-                <a:gd name="connsiteY102" fmla="*/ 2521744 h 4107656"/>
-                <a:gd name="connsiteX103" fmla="*/ 150019 w 1207294"/>
-                <a:gd name="connsiteY103" fmla="*/ 2400300 h 4107656"/>
-                <a:gd name="connsiteX104" fmla="*/ 164306 w 1207294"/>
-                <a:gd name="connsiteY104" fmla="*/ 2371725 h 4107656"/>
-                <a:gd name="connsiteX105" fmla="*/ 200025 w 1207294"/>
-                <a:gd name="connsiteY105" fmla="*/ 2286000 h 4107656"/>
-                <a:gd name="connsiteX106" fmla="*/ 221456 w 1207294"/>
-                <a:gd name="connsiteY106" fmla="*/ 2214562 h 4107656"/>
-                <a:gd name="connsiteX107" fmla="*/ 228600 w 1207294"/>
-                <a:gd name="connsiteY107" fmla="*/ 2193131 h 4107656"/>
-                <a:gd name="connsiteX108" fmla="*/ 235744 w 1207294"/>
-                <a:gd name="connsiteY108" fmla="*/ 2164556 h 4107656"/>
-                <a:gd name="connsiteX109" fmla="*/ 257175 w 1207294"/>
-                <a:gd name="connsiteY109" fmla="*/ 2143125 h 4107656"/>
-                <a:gd name="connsiteX110" fmla="*/ 257175 w 1207294"/>
-                <a:gd name="connsiteY110" fmla="*/ 1678781 h 4107656"/>
-                <a:gd name="connsiteX111" fmla="*/ 250031 w 1207294"/>
-                <a:gd name="connsiteY111" fmla="*/ 1643062 h 4107656"/>
-                <a:gd name="connsiteX112" fmla="*/ 235744 w 1207294"/>
-                <a:gd name="connsiteY112" fmla="*/ 1578769 h 4107656"/>
-                <a:gd name="connsiteX113" fmla="*/ 221456 w 1207294"/>
-                <a:gd name="connsiteY113" fmla="*/ 1485900 h 4107656"/>
-                <a:gd name="connsiteX114" fmla="*/ 192881 w 1207294"/>
-                <a:gd name="connsiteY114" fmla="*/ 1407319 h 4107656"/>
-                <a:gd name="connsiteX115" fmla="*/ 185737 w 1207294"/>
-                <a:gd name="connsiteY115" fmla="*/ 1378744 h 4107656"/>
-                <a:gd name="connsiteX116" fmla="*/ 171450 w 1207294"/>
-                <a:gd name="connsiteY116" fmla="*/ 1335881 h 4107656"/>
-                <a:gd name="connsiteX117" fmla="*/ 128587 w 1207294"/>
-                <a:gd name="connsiteY117" fmla="*/ 1200150 h 4107656"/>
-                <a:gd name="connsiteX118" fmla="*/ 114300 w 1207294"/>
-                <a:gd name="connsiteY118" fmla="*/ 1092994 h 4107656"/>
-                <a:gd name="connsiteX119" fmla="*/ 107156 w 1207294"/>
-                <a:gd name="connsiteY119" fmla="*/ 1050131 h 4107656"/>
-                <a:gd name="connsiteX120" fmla="*/ 100012 w 1207294"/>
-                <a:gd name="connsiteY120" fmla="*/ 985837 h 4107656"/>
-                <a:gd name="connsiteX121" fmla="*/ 114300 w 1207294"/>
-                <a:gd name="connsiteY121" fmla="*/ 621506 h 4107656"/>
-                <a:gd name="connsiteX0" fmla="*/ 114300 w 1207294"/>
-                <a:gd name="connsiteY0" fmla="*/ 621506 h 4107656"/>
-                <a:gd name="connsiteX1" fmla="*/ 114300 w 1207294"/>
-                <a:gd name="connsiteY1" fmla="*/ 621506 h 4107656"/>
-                <a:gd name="connsiteX2" fmla="*/ 121444 w 1207294"/>
-                <a:gd name="connsiteY2" fmla="*/ 321469 h 4107656"/>
-                <a:gd name="connsiteX3" fmla="*/ 135731 w 1207294"/>
-                <a:gd name="connsiteY3" fmla="*/ 250031 h 4107656"/>
-                <a:gd name="connsiteX4" fmla="*/ 142875 w 1207294"/>
-                <a:gd name="connsiteY4" fmla="*/ 214312 h 4107656"/>
-                <a:gd name="connsiteX5" fmla="*/ 164306 w 1207294"/>
-                <a:gd name="connsiteY5" fmla="*/ 150019 h 4107656"/>
-                <a:gd name="connsiteX6" fmla="*/ 171450 w 1207294"/>
-                <a:gd name="connsiteY6" fmla="*/ 128587 h 4107656"/>
-                <a:gd name="connsiteX7" fmla="*/ 192881 w 1207294"/>
-                <a:gd name="connsiteY7" fmla="*/ 85725 h 4107656"/>
-                <a:gd name="connsiteX8" fmla="*/ 214312 w 1207294"/>
-                <a:gd name="connsiteY8" fmla="*/ 71437 h 4107656"/>
-                <a:gd name="connsiteX9" fmla="*/ 271462 w 1207294"/>
-                <a:gd name="connsiteY9" fmla="*/ 21431 h 4107656"/>
-                <a:gd name="connsiteX10" fmla="*/ 314325 w 1207294"/>
-                <a:gd name="connsiteY10" fmla="*/ 7144 h 4107656"/>
-                <a:gd name="connsiteX11" fmla="*/ 335756 w 1207294"/>
-                <a:gd name="connsiteY11" fmla="*/ 0 h 4107656"/>
-                <a:gd name="connsiteX12" fmla="*/ 507206 w 1207294"/>
-                <a:gd name="connsiteY12" fmla="*/ 21431 h 4107656"/>
-                <a:gd name="connsiteX13" fmla="*/ 528637 w 1207294"/>
-                <a:gd name="connsiteY13" fmla="*/ 28575 h 4107656"/>
-                <a:gd name="connsiteX14" fmla="*/ 592931 w 1207294"/>
-                <a:gd name="connsiteY14" fmla="*/ 71437 h 4107656"/>
-                <a:gd name="connsiteX15" fmla="*/ 614362 w 1207294"/>
-                <a:gd name="connsiteY15" fmla="*/ 85725 h 4107656"/>
-                <a:gd name="connsiteX16" fmla="*/ 635794 w 1207294"/>
-                <a:gd name="connsiteY16" fmla="*/ 100012 h 4107656"/>
-                <a:gd name="connsiteX17" fmla="*/ 671512 w 1207294"/>
-                <a:gd name="connsiteY17" fmla="*/ 135731 h 4107656"/>
-                <a:gd name="connsiteX18" fmla="*/ 685800 w 1207294"/>
-                <a:gd name="connsiteY18" fmla="*/ 157162 h 4107656"/>
-                <a:gd name="connsiteX19" fmla="*/ 728662 w 1207294"/>
-                <a:gd name="connsiteY19" fmla="*/ 185737 h 4107656"/>
-                <a:gd name="connsiteX20" fmla="*/ 771525 w 1207294"/>
-                <a:gd name="connsiteY20" fmla="*/ 221456 h 4107656"/>
-                <a:gd name="connsiteX21" fmla="*/ 792956 w 1207294"/>
-                <a:gd name="connsiteY21" fmla="*/ 242887 h 4107656"/>
-                <a:gd name="connsiteX22" fmla="*/ 814387 w 1207294"/>
-                <a:gd name="connsiteY22" fmla="*/ 257175 h 4107656"/>
-                <a:gd name="connsiteX23" fmla="*/ 857250 w 1207294"/>
-                <a:gd name="connsiteY23" fmla="*/ 300037 h 4107656"/>
-                <a:gd name="connsiteX24" fmla="*/ 878681 w 1207294"/>
-                <a:gd name="connsiteY24" fmla="*/ 321469 h 4107656"/>
-                <a:gd name="connsiteX25" fmla="*/ 928687 w 1207294"/>
-                <a:gd name="connsiteY25" fmla="*/ 385762 h 4107656"/>
-                <a:gd name="connsiteX26" fmla="*/ 935831 w 1207294"/>
-                <a:gd name="connsiteY26" fmla="*/ 407194 h 4107656"/>
-                <a:gd name="connsiteX27" fmla="*/ 964406 w 1207294"/>
-                <a:gd name="connsiteY27" fmla="*/ 450056 h 4107656"/>
-                <a:gd name="connsiteX28" fmla="*/ 971550 w 1207294"/>
-                <a:gd name="connsiteY28" fmla="*/ 471487 h 4107656"/>
-                <a:gd name="connsiteX29" fmla="*/ 1000125 w 1207294"/>
-                <a:gd name="connsiteY29" fmla="*/ 514350 h 4107656"/>
-                <a:gd name="connsiteX30" fmla="*/ 1007269 w 1207294"/>
-                <a:gd name="connsiteY30" fmla="*/ 535781 h 4107656"/>
-                <a:gd name="connsiteX31" fmla="*/ 1035844 w 1207294"/>
-                <a:gd name="connsiteY31" fmla="*/ 578644 h 4107656"/>
-                <a:gd name="connsiteX32" fmla="*/ 1050131 w 1207294"/>
-                <a:gd name="connsiteY32" fmla="*/ 628650 h 4107656"/>
-                <a:gd name="connsiteX33" fmla="*/ 1064419 w 1207294"/>
-                <a:gd name="connsiteY33" fmla="*/ 671512 h 4107656"/>
-                <a:gd name="connsiteX34" fmla="*/ 1071562 w 1207294"/>
-                <a:gd name="connsiteY34" fmla="*/ 692944 h 4107656"/>
-                <a:gd name="connsiteX35" fmla="*/ 1107281 w 1207294"/>
-                <a:gd name="connsiteY35" fmla="*/ 800100 h 4107656"/>
-                <a:gd name="connsiteX36" fmla="*/ 1128712 w 1207294"/>
-                <a:gd name="connsiteY36" fmla="*/ 864394 h 4107656"/>
-                <a:gd name="connsiteX37" fmla="*/ 1135856 w 1207294"/>
-                <a:gd name="connsiteY37" fmla="*/ 885825 h 4107656"/>
-                <a:gd name="connsiteX38" fmla="*/ 1143000 w 1207294"/>
-                <a:gd name="connsiteY38" fmla="*/ 907256 h 4107656"/>
-                <a:gd name="connsiteX39" fmla="*/ 1150144 w 1207294"/>
-                <a:gd name="connsiteY39" fmla="*/ 964406 h 4107656"/>
-                <a:gd name="connsiteX40" fmla="*/ 1157287 w 1207294"/>
-                <a:gd name="connsiteY40" fmla="*/ 1007269 h 4107656"/>
-                <a:gd name="connsiteX41" fmla="*/ 1178719 w 1207294"/>
-                <a:gd name="connsiteY41" fmla="*/ 1193006 h 4107656"/>
-                <a:gd name="connsiteX42" fmla="*/ 1193006 w 1207294"/>
-                <a:gd name="connsiteY42" fmla="*/ 1314450 h 4107656"/>
-                <a:gd name="connsiteX43" fmla="*/ 1207294 w 1207294"/>
-                <a:gd name="connsiteY43" fmla="*/ 1578769 h 4107656"/>
-                <a:gd name="connsiteX44" fmla="*/ 1200150 w 1207294"/>
-                <a:gd name="connsiteY44" fmla="*/ 1921669 h 4107656"/>
-                <a:gd name="connsiteX45" fmla="*/ 1185862 w 1207294"/>
-                <a:gd name="connsiteY45" fmla="*/ 2100262 h 4107656"/>
-                <a:gd name="connsiteX46" fmla="*/ 1171575 w 1207294"/>
-                <a:gd name="connsiteY46" fmla="*/ 2407444 h 4107656"/>
-                <a:gd name="connsiteX47" fmla="*/ 1157287 w 1207294"/>
-                <a:gd name="connsiteY47" fmla="*/ 2528887 h 4107656"/>
-                <a:gd name="connsiteX48" fmla="*/ 1150144 w 1207294"/>
-                <a:gd name="connsiteY48" fmla="*/ 2557462 h 4107656"/>
-                <a:gd name="connsiteX49" fmla="*/ 1135856 w 1207294"/>
-                <a:gd name="connsiteY49" fmla="*/ 2650331 h 4107656"/>
-                <a:gd name="connsiteX50" fmla="*/ 1128712 w 1207294"/>
-                <a:gd name="connsiteY50" fmla="*/ 2693194 h 4107656"/>
-                <a:gd name="connsiteX51" fmla="*/ 1114425 w 1207294"/>
-                <a:gd name="connsiteY51" fmla="*/ 2857500 h 4107656"/>
-                <a:gd name="connsiteX52" fmla="*/ 1121569 w 1207294"/>
-                <a:gd name="connsiteY52" fmla="*/ 3057525 h 4107656"/>
-                <a:gd name="connsiteX53" fmla="*/ 1128712 w 1207294"/>
-                <a:gd name="connsiteY53" fmla="*/ 3121819 h 4107656"/>
-                <a:gd name="connsiteX54" fmla="*/ 1135856 w 1207294"/>
-                <a:gd name="connsiteY54" fmla="*/ 3193256 h 4107656"/>
-                <a:gd name="connsiteX55" fmla="*/ 1143000 w 1207294"/>
-                <a:gd name="connsiteY55" fmla="*/ 3236119 h 4107656"/>
-                <a:gd name="connsiteX56" fmla="*/ 1150144 w 1207294"/>
-                <a:gd name="connsiteY56" fmla="*/ 3286125 h 4107656"/>
-                <a:gd name="connsiteX57" fmla="*/ 1128712 w 1207294"/>
-                <a:gd name="connsiteY57" fmla="*/ 3571875 h 4107656"/>
-                <a:gd name="connsiteX58" fmla="*/ 1121569 w 1207294"/>
-                <a:gd name="connsiteY58" fmla="*/ 3764756 h 4107656"/>
-                <a:gd name="connsiteX59" fmla="*/ 1107281 w 1207294"/>
-                <a:gd name="connsiteY59" fmla="*/ 3879056 h 4107656"/>
-                <a:gd name="connsiteX60" fmla="*/ 1092994 w 1207294"/>
-                <a:gd name="connsiteY60" fmla="*/ 3929062 h 4107656"/>
-                <a:gd name="connsiteX61" fmla="*/ 1078706 w 1207294"/>
-                <a:gd name="connsiteY61" fmla="*/ 3950494 h 4107656"/>
-                <a:gd name="connsiteX62" fmla="*/ 1014412 w 1207294"/>
-                <a:gd name="connsiteY62" fmla="*/ 4007644 h 4107656"/>
-                <a:gd name="connsiteX63" fmla="*/ 971550 w 1207294"/>
-                <a:gd name="connsiteY63" fmla="*/ 4021931 h 4107656"/>
-                <a:gd name="connsiteX64" fmla="*/ 907256 w 1207294"/>
-                <a:gd name="connsiteY64" fmla="*/ 4050506 h 4107656"/>
-                <a:gd name="connsiteX65" fmla="*/ 871537 w 1207294"/>
-                <a:gd name="connsiteY65" fmla="*/ 4057650 h 4107656"/>
-                <a:gd name="connsiteX66" fmla="*/ 828675 w 1207294"/>
-                <a:gd name="connsiteY66" fmla="*/ 4064794 h 4107656"/>
-                <a:gd name="connsiteX67" fmla="*/ 785812 w 1207294"/>
-                <a:gd name="connsiteY67" fmla="*/ 4079081 h 4107656"/>
-                <a:gd name="connsiteX68" fmla="*/ 742950 w 1207294"/>
-                <a:gd name="connsiteY68" fmla="*/ 4093369 h 4107656"/>
-                <a:gd name="connsiteX69" fmla="*/ 721519 w 1207294"/>
-                <a:gd name="connsiteY69" fmla="*/ 4100512 h 4107656"/>
-                <a:gd name="connsiteX70" fmla="*/ 700087 w 1207294"/>
-                <a:gd name="connsiteY70" fmla="*/ 4107656 h 4107656"/>
-                <a:gd name="connsiteX71" fmla="*/ 578644 w 1207294"/>
-                <a:gd name="connsiteY71" fmla="*/ 4100512 h 4107656"/>
-                <a:gd name="connsiteX72" fmla="*/ 514350 w 1207294"/>
-                <a:gd name="connsiteY72" fmla="*/ 4071937 h 4107656"/>
-                <a:gd name="connsiteX73" fmla="*/ 492919 w 1207294"/>
-                <a:gd name="connsiteY73" fmla="*/ 4064794 h 4107656"/>
-                <a:gd name="connsiteX74" fmla="*/ 450056 w 1207294"/>
-                <a:gd name="connsiteY74" fmla="*/ 4014787 h 4107656"/>
-                <a:gd name="connsiteX75" fmla="*/ 421481 w 1207294"/>
-                <a:gd name="connsiteY75" fmla="*/ 3971925 h 4107656"/>
-                <a:gd name="connsiteX76" fmla="*/ 407194 w 1207294"/>
-                <a:gd name="connsiteY76" fmla="*/ 3950494 h 4107656"/>
-                <a:gd name="connsiteX77" fmla="*/ 400050 w 1207294"/>
-                <a:gd name="connsiteY77" fmla="*/ 3929062 h 4107656"/>
-                <a:gd name="connsiteX78" fmla="*/ 378619 w 1207294"/>
-                <a:gd name="connsiteY78" fmla="*/ 3907631 h 4107656"/>
-                <a:gd name="connsiteX79" fmla="*/ 357187 w 1207294"/>
-                <a:gd name="connsiteY79" fmla="*/ 3857625 h 4107656"/>
-                <a:gd name="connsiteX80" fmla="*/ 342900 w 1207294"/>
-                <a:gd name="connsiteY80" fmla="*/ 3829050 h 4107656"/>
-                <a:gd name="connsiteX81" fmla="*/ 314325 w 1207294"/>
-                <a:gd name="connsiteY81" fmla="*/ 3750469 h 4107656"/>
-                <a:gd name="connsiteX82" fmla="*/ 300037 w 1207294"/>
-                <a:gd name="connsiteY82" fmla="*/ 3707606 h 4107656"/>
-                <a:gd name="connsiteX83" fmla="*/ 285750 w 1207294"/>
-                <a:gd name="connsiteY83" fmla="*/ 3686175 h 4107656"/>
-                <a:gd name="connsiteX84" fmla="*/ 250044 w 1207294"/>
-                <a:gd name="connsiteY84" fmla="*/ 3626565 h 4107656"/>
-                <a:gd name="connsiteX85" fmla="*/ 221456 w 1207294"/>
-                <a:gd name="connsiteY85" fmla="*/ 3564731 h 4107656"/>
-                <a:gd name="connsiteX86" fmla="*/ 178594 w 1207294"/>
-                <a:gd name="connsiteY86" fmla="*/ 3500437 h 4107656"/>
-                <a:gd name="connsiteX87" fmla="*/ 157162 w 1207294"/>
-                <a:gd name="connsiteY87" fmla="*/ 3471862 h 4107656"/>
-                <a:gd name="connsiteX88" fmla="*/ 114300 w 1207294"/>
-                <a:gd name="connsiteY88" fmla="*/ 3400425 h 4107656"/>
-                <a:gd name="connsiteX89" fmla="*/ 50006 w 1207294"/>
-                <a:gd name="connsiteY89" fmla="*/ 3300412 h 4107656"/>
-                <a:gd name="connsiteX90" fmla="*/ 21431 w 1207294"/>
-                <a:gd name="connsiteY90" fmla="*/ 3250406 h 4107656"/>
-                <a:gd name="connsiteX91" fmla="*/ 14287 w 1207294"/>
-                <a:gd name="connsiteY91" fmla="*/ 3221831 h 4107656"/>
-                <a:gd name="connsiteX92" fmla="*/ 0 w 1207294"/>
-                <a:gd name="connsiteY92" fmla="*/ 3150394 h 4107656"/>
-                <a:gd name="connsiteX93" fmla="*/ 7143 w 1207294"/>
-                <a:gd name="connsiteY93" fmla="*/ 2978944 h 4107656"/>
-                <a:gd name="connsiteX94" fmla="*/ 21431 w 1207294"/>
-                <a:gd name="connsiteY94" fmla="*/ 2850356 h 4107656"/>
-                <a:gd name="connsiteX95" fmla="*/ 28575 w 1207294"/>
-                <a:gd name="connsiteY95" fmla="*/ 2807494 h 4107656"/>
-                <a:gd name="connsiteX96" fmla="*/ 42862 w 1207294"/>
-                <a:gd name="connsiteY96" fmla="*/ 2757487 h 4107656"/>
-                <a:gd name="connsiteX97" fmla="*/ 50006 w 1207294"/>
-                <a:gd name="connsiteY97" fmla="*/ 2728912 h 4107656"/>
-                <a:gd name="connsiteX98" fmla="*/ 64294 w 1207294"/>
-                <a:gd name="connsiteY98" fmla="*/ 2678906 h 4107656"/>
-                <a:gd name="connsiteX99" fmla="*/ 78581 w 1207294"/>
-                <a:gd name="connsiteY99" fmla="*/ 2614612 h 4107656"/>
-                <a:gd name="connsiteX100" fmla="*/ 92869 w 1207294"/>
-                <a:gd name="connsiteY100" fmla="*/ 2586037 h 4107656"/>
-                <a:gd name="connsiteX101" fmla="*/ 114300 w 1207294"/>
-                <a:gd name="connsiteY101" fmla="*/ 2521744 h 4107656"/>
-                <a:gd name="connsiteX102" fmla="*/ 150019 w 1207294"/>
-                <a:gd name="connsiteY102" fmla="*/ 2400300 h 4107656"/>
-                <a:gd name="connsiteX103" fmla="*/ 164306 w 1207294"/>
-                <a:gd name="connsiteY103" fmla="*/ 2371725 h 4107656"/>
-                <a:gd name="connsiteX104" fmla="*/ 200025 w 1207294"/>
-                <a:gd name="connsiteY104" fmla="*/ 2286000 h 4107656"/>
-                <a:gd name="connsiteX105" fmla="*/ 221456 w 1207294"/>
-                <a:gd name="connsiteY105" fmla="*/ 2214562 h 4107656"/>
-                <a:gd name="connsiteX106" fmla="*/ 228600 w 1207294"/>
-                <a:gd name="connsiteY106" fmla="*/ 2193131 h 4107656"/>
-                <a:gd name="connsiteX107" fmla="*/ 235744 w 1207294"/>
-                <a:gd name="connsiteY107" fmla="*/ 2164556 h 4107656"/>
-                <a:gd name="connsiteX108" fmla="*/ 257175 w 1207294"/>
-                <a:gd name="connsiteY108" fmla="*/ 2143125 h 4107656"/>
-                <a:gd name="connsiteX109" fmla="*/ 257175 w 1207294"/>
-                <a:gd name="connsiteY109" fmla="*/ 1678781 h 4107656"/>
-                <a:gd name="connsiteX110" fmla="*/ 250031 w 1207294"/>
-                <a:gd name="connsiteY110" fmla="*/ 1643062 h 4107656"/>
-                <a:gd name="connsiteX111" fmla="*/ 235744 w 1207294"/>
-                <a:gd name="connsiteY111" fmla="*/ 1578769 h 4107656"/>
-                <a:gd name="connsiteX112" fmla="*/ 221456 w 1207294"/>
-                <a:gd name="connsiteY112" fmla="*/ 1485900 h 4107656"/>
-                <a:gd name="connsiteX113" fmla="*/ 192881 w 1207294"/>
-                <a:gd name="connsiteY113" fmla="*/ 1407319 h 4107656"/>
-                <a:gd name="connsiteX114" fmla="*/ 185737 w 1207294"/>
-                <a:gd name="connsiteY114" fmla="*/ 1378744 h 4107656"/>
-                <a:gd name="connsiteX115" fmla="*/ 171450 w 1207294"/>
-                <a:gd name="connsiteY115" fmla="*/ 1335881 h 4107656"/>
-                <a:gd name="connsiteX116" fmla="*/ 128587 w 1207294"/>
-                <a:gd name="connsiteY116" fmla="*/ 1200150 h 4107656"/>
-                <a:gd name="connsiteX117" fmla="*/ 114300 w 1207294"/>
-                <a:gd name="connsiteY117" fmla="*/ 1092994 h 4107656"/>
-                <a:gd name="connsiteX118" fmla="*/ 107156 w 1207294"/>
-                <a:gd name="connsiteY118" fmla="*/ 1050131 h 4107656"/>
-                <a:gd name="connsiteX119" fmla="*/ 100012 w 1207294"/>
-                <a:gd name="connsiteY119" fmla="*/ 985837 h 4107656"/>
-                <a:gd name="connsiteX120" fmla="*/ 114300 w 1207294"/>
-                <a:gd name="connsiteY120" fmla="*/ 621506 h 4107656"/>
-                <a:gd name="connsiteX0" fmla="*/ 114300 w 1207294"/>
-                <a:gd name="connsiteY0" fmla="*/ 621506 h 4107656"/>
-                <a:gd name="connsiteX1" fmla="*/ 114300 w 1207294"/>
-                <a:gd name="connsiteY1" fmla="*/ 621506 h 4107656"/>
-                <a:gd name="connsiteX2" fmla="*/ 121444 w 1207294"/>
-                <a:gd name="connsiteY2" fmla="*/ 321469 h 4107656"/>
-                <a:gd name="connsiteX3" fmla="*/ 135731 w 1207294"/>
-                <a:gd name="connsiteY3" fmla="*/ 250031 h 4107656"/>
-                <a:gd name="connsiteX4" fmla="*/ 142875 w 1207294"/>
-                <a:gd name="connsiteY4" fmla="*/ 214312 h 4107656"/>
-                <a:gd name="connsiteX5" fmla="*/ 164306 w 1207294"/>
-                <a:gd name="connsiteY5" fmla="*/ 150019 h 4107656"/>
-                <a:gd name="connsiteX6" fmla="*/ 171450 w 1207294"/>
-                <a:gd name="connsiteY6" fmla="*/ 128587 h 4107656"/>
-                <a:gd name="connsiteX7" fmla="*/ 192881 w 1207294"/>
-                <a:gd name="connsiteY7" fmla="*/ 85725 h 4107656"/>
-                <a:gd name="connsiteX8" fmla="*/ 214312 w 1207294"/>
-                <a:gd name="connsiteY8" fmla="*/ 71437 h 4107656"/>
-                <a:gd name="connsiteX9" fmla="*/ 271462 w 1207294"/>
-                <a:gd name="connsiteY9" fmla="*/ 21431 h 4107656"/>
-                <a:gd name="connsiteX10" fmla="*/ 314325 w 1207294"/>
-                <a:gd name="connsiteY10" fmla="*/ 7144 h 4107656"/>
-                <a:gd name="connsiteX11" fmla="*/ 335756 w 1207294"/>
-                <a:gd name="connsiteY11" fmla="*/ 0 h 4107656"/>
-                <a:gd name="connsiteX12" fmla="*/ 507206 w 1207294"/>
-                <a:gd name="connsiteY12" fmla="*/ 21431 h 4107656"/>
-                <a:gd name="connsiteX13" fmla="*/ 528637 w 1207294"/>
-                <a:gd name="connsiteY13" fmla="*/ 28575 h 4107656"/>
-                <a:gd name="connsiteX14" fmla="*/ 592931 w 1207294"/>
-                <a:gd name="connsiteY14" fmla="*/ 71437 h 4107656"/>
-                <a:gd name="connsiteX15" fmla="*/ 614362 w 1207294"/>
-                <a:gd name="connsiteY15" fmla="*/ 85725 h 4107656"/>
-                <a:gd name="connsiteX16" fmla="*/ 635794 w 1207294"/>
-                <a:gd name="connsiteY16" fmla="*/ 100012 h 4107656"/>
-                <a:gd name="connsiteX17" fmla="*/ 671512 w 1207294"/>
-                <a:gd name="connsiteY17" fmla="*/ 135731 h 4107656"/>
-                <a:gd name="connsiteX18" fmla="*/ 685800 w 1207294"/>
-                <a:gd name="connsiteY18" fmla="*/ 157162 h 4107656"/>
-                <a:gd name="connsiteX19" fmla="*/ 728662 w 1207294"/>
-                <a:gd name="connsiteY19" fmla="*/ 185737 h 4107656"/>
-                <a:gd name="connsiteX20" fmla="*/ 771525 w 1207294"/>
-                <a:gd name="connsiteY20" fmla="*/ 221456 h 4107656"/>
-                <a:gd name="connsiteX21" fmla="*/ 792956 w 1207294"/>
-                <a:gd name="connsiteY21" fmla="*/ 242887 h 4107656"/>
-                <a:gd name="connsiteX22" fmla="*/ 814387 w 1207294"/>
-                <a:gd name="connsiteY22" fmla="*/ 257175 h 4107656"/>
-                <a:gd name="connsiteX23" fmla="*/ 857250 w 1207294"/>
-                <a:gd name="connsiteY23" fmla="*/ 300037 h 4107656"/>
-                <a:gd name="connsiteX24" fmla="*/ 878681 w 1207294"/>
-                <a:gd name="connsiteY24" fmla="*/ 321469 h 4107656"/>
-                <a:gd name="connsiteX25" fmla="*/ 928687 w 1207294"/>
-                <a:gd name="connsiteY25" fmla="*/ 385762 h 4107656"/>
-                <a:gd name="connsiteX26" fmla="*/ 935831 w 1207294"/>
-                <a:gd name="connsiteY26" fmla="*/ 407194 h 4107656"/>
-                <a:gd name="connsiteX27" fmla="*/ 964406 w 1207294"/>
-                <a:gd name="connsiteY27" fmla="*/ 450056 h 4107656"/>
-                <a:gd name="connsiteX28" fmla="*/ 971550 w 1207294"/>
-                <a:gd name="connsiteY28" fmla="*/ 471487 h 4107656"/>
-                <a:gd name="connsiteX29" fmla="*/ 1000125 w 1207294"/>
-                <a:gd name="connsiteY29" fmla="*/ 514350 h 4107656"/>
-                <a:gd name="connsiteX30" fmla="*/ 1007269 w 1207294"/>
-                <a:gd name="connsiteY30" fmla="*/ 535781 h 4107656"/>
-                <a:gd name="connsiteX31" fmla="*/ 1035844 w 1207294"/>
-                <a:gd name="connsiteY31" fmla="*/ 578644 h 4107656"/>
-                <a:gd name="connsiteX32" fmla="*/ 1050131 w 1207294"/>
-                <a:gd name="connsiteY32" fmla="*/ 628650 h 4107656"/>
-                <a:gd name="connsiteX33" fmla="*/ 1064419 w 1207294"/>
-                <a:gd name="connsiteY33" fmla="*/ 671512 h 4107656"/>
-                <a:gd name="connsiteX34" fmla="*/ 1071562 w 1207294"/>
-                <a:gd name="connsiteY34" fmla="*/ 692944 h 4107656"/>
-                <a:gd name="connsiteX35" fmla="*/ 1107281 w 1207294"/>
-                <a:gd name="connsiteY35" fmla="*/ 800100 h 4107656"/>
-                <a:gd name="connsiteX36" fmla="*/ 1128712 w 1207294"/>
-                <a:gd name="connsiteY36" fmla="*/ 864394 h 4107656"/>
-                <a:gd name="connsiteX37" fmla="*/ 1135856 w 1207294"/>
-                <a:gd name="connsiteY37" fmla="*/ 885825 h 4107656"/>
-                <a:gd name="connsiteX38" fmla="*/ 1143000 w 1207294"/>
-                <a:gd name="connsiteY38" fmla="*/ 907256 h 4107656"/>
-                <a:gd name="connsiteX39" fmla="*/ 1150144 w 1207294"/>
-                <a:gd name="connsiteY39" fmla="*/ 964406 h 4107656"/>
-                <a:gd name="connsiteX40" fmla="*/ 1157287 w 1207294"/>
-                <a:gd name="connsiteY40" fmla="*/ 1007269 h 4107656"/>
-                <a:gd name="connsiteX41" fmla="*/ 1178719 w 1207294"/>
-                <a:gd name="connsiteY41" fmla="*/ 1193006 h 4107656"/>
-                <a:gd name="connsiteX42" fmla="*/ 1193006 w 1207294"/>
-                <a:gd name="connsiteY42" fmla="*/ 1314450 h 4107656"/>
-                <a:gd name="connsiteX43" fmla="*/ 1207294 w 1207294"/>
-                <a:gd name="connsiteY43" fmla="*/ 1578769 h 4107656"/>
-                <a:gd name="connsiteX44" fmla="*/ 1200150 w 1207294"/>
-                <a:gd name="connsiteY44" fmla="*/ 1921669 h 4107656"/>
-                <a:gd name="connsiteX45" fmla="*/ 1185862 w 1207294"/>
-                <a:gd name="connsiteY45" fmla="*/ 2100262 h 4107656"/>
-                <a:gd name="connsiteX46" fmla="*/ 1171575 w 1207294"/>
-                <a:gd name="connsiteY46" fmla="*/ 2407444 h 4107656"/>
-                <a:gd name="connsiteX47" fmla="*/ 1157287 w 1207294"/>
-                <a:gd name="connsiteY47" fmla="*/ 2528887 h 4107656"/>
-                <a:gd name="connsiteX48" fmla="*/ 1150144 w 1207294"/>
-                <a:gd name="connsiteY48" fmla="*/ 2557462 h 4107656"/>
-                <a:gd name="connsiteX49" fmla="*/ 1135856 w 1207294"/>
-                <a:gd name="connsiteY49" fmla="*/ 2650331 h 4107656"/>
-                <a:gd name="connsiteX50" fmla="*/ 1128712 w 1207294"/>
-                <a:gd name="connsiteY50" fmla="*/ 2693194 h 4107656"/>
-                <a:gd name="connsiteX51" fmla="*/ 1114425 w 1207294"/>
-                <a:gd name="connsiteY51" fmla="*/ 2857500 h 4107656"/>
-                <a:gd name="connsiteX52" fmla="*/ 1121569 w 1207294"/>
-                <a:gd name="connsiteY52" fmla="*/ 3057525 h 4107656"/>
-                <a:gd name="connsiteX53" fmla="*/ 1128712 w 1207294"/>
-                <a:gd name="connsiteY53" fmla="*/ 3121819 h 4107656"/>
-                <a:gd name="connsiteX54" fmla="*/ 1135856 w 1207294"/>
-                <a:gd name="connsiteY54" fmla="*/ 3193256 h 4107656"/>
-                <a:gd name="connsiteX55" fmla="*/ 1143000 w 1207294"/>
-                <a:gd name="connsiteY55" fmla="*/ 3236119 h 4107656"/>
-                <a:gd name="connsiteX56" fmla="*/ 1150144 w 1207294"/>
-                <a:gd name="connsiteY56" fmla="*/ 3286125 h 4107656"/>
-                <a:gd name="connsiteX57" fmla="*/ 1128712 w 1207294"/>
-                <a:gd name="connsiteY57" fmla="*/ 3571875 h 4107656"/>
-                <a:gd name="connsiteX58" fmla="*/ 1121569 w 1207294"/>
-                <a:gd name="connsiteY58" fmla="*/ 3764756 h 4107656"/>
-                <a:gd name="connsiteX59" fmla="*/ 1107281 w 1207294"/>
-                <a:gd name="connsiteY59" fmla="*/ 3879056 h 4107656"/>
-                <a:gd name="connsiteX60" fmla="*/ 1092994 w 1207294"/>
-                <a:gd name="connsiteY60" fmla="*/ 3929062 h 4107656"/>
-                <a:gd name="connsiteX61" fmla="*/ 1078706 w 1207294"/>
-                <a:gd name="connsiteY61" fmla="*/ 3950494 h 4107656"/>
-                <a:gd name="connsiteX62" fmla="*/ 1014412 w 1207294"/>
-                <a:gd name="connsiteY62" fmla="*/ 4007644 h 4107656"/>
-                <a:gd name="connsiteX63" fmla="*/ 971550 w 1207294"/>
-                <a:gd name="connsiteY63" fmla="*/ 4021931 h 4107656"/>
-                <a:gd name="connsiteX64" fmla="*/ 907256 w 1207294"/>
-                <a:gd name="connsiteY64" fmla="*/ 4050506 h 4107656"/>
-                <a:gd name="connsiteX65" fmla="*/ 871537 w 1207294"/>
-                <a:gd name="connsiteY65" fmla="*/ 4057650 h 4107656"/>
-                <a:gd name="connsiteX66" fmla="*/ 828675 w 1207294"/>
-                <a:gd name="connsiteY66" fmla="*/ 4064794 h 4107656"/>
-                <a:gd name="connsiteX67" fmla="*/ 785812 w 1207294"/>
-                <a:gd name="connsiteY67" fmla="*/ 4079081 h 4107656"/>
-                <a:gd name="connsiteX68" fmla="*/ 742950 w 1207294"/>
-                <a:gd name="connsiteY68" fmla="*/ 4093369 h 4107656"/>
-                <a:gd name="connsiteX69" fmla="*/ 721519 w 1207294"/>
-                <a:gd name="connsiteY69" fmla="*/ 4100512 h 4107656"/>
-                <a:gd name="connsiteX70" fmla="*/ 700087 w 1207294"/>
-                <a:gd name="connsiteY70" fmla="*/ 4107656 h 4107656"/>
-                <a:gd name="connsiteX71" fmla="*/ 578644 w 1207294"/>
-                <a:gd name="connsiteY71" fmla="*/ 4100512 h 4107656"/>
-                <a:gd name="connsiteX72" fmla="*/ 514350 w 1207294"/>
-                <a:gd name="connsiteY72" fmla="*/ 4071937 h 4107656"/>
-                <a:gd name="connsiteX73" fmla="*/ 492919 w 1207294"/>
-                <a:gd name="connsiteY73" fmla="*/ 4064794 h 4107656"/>
-                <a:gd name="connsiteX74" fmla="*/ 450056 w 1207294"/>
-                <a:gd name="connsiteY74" fmla="*/ 4014787 h 4107656"/>
-                <a:gd name="connsiteX75" fmla="*/ 421481 w 1207294"/>
-                <a:gd name="connsiteY75" fmla="*/ 3971925 h 4107656"/>
-                <a:gd name="connsiteX76" fmla="*/ 407194 w 1207294"/>
-                <a:gd name="connsiteY76" fmla="*/ 3950494 h 4107656"/>
-                <a:gd name="connsiteX77" fmla="*/ 400050 w 1207294"/>
-                <a:gd name="connsiteY77" fmla="*/ 3929062 h 4107656"/>
-                <a:gd name="connsiteX78" fmla="*/ 378619 w 1207294"/>
-                <a:gd name="connsiteY78" fmla="*/ 3907631 h 4107656"/>
-                <a:gd name="connsiteX79" fmla="*/ 357187 w 1207294"/>
-                <a:gd name="connsiteY79" fmla="*/ 3857625 h 4107656"/>
-                <a:gd name="connsiteX80" fmla="*/ 342900 w 1207294"/>
-                <a:gd name="connsiteY80" fmla="*/ 3829050 h 4107656"/>
-                <a:gd name="connsiteX81" fmla="*/ 314325 w 1207294"/>
-                <a:gd name="connsiteY81" fmla="*/ 3750469 h 4107656"/>
-                <a:gd name="connsiteX82" fmla="*/ 300037 w 1207294"/>
-                <a:gd name="connsiteY82" fmla="*/ 3707606 h 4107656"/>
-                <a:gd name="connsiteX83" fmla="*/ 285750 w 1207294"/>
-                <a:gd name="connsiteY83" fmla="*/ 3686175 h 4107656"/>
-                <a:gd name="connsiteX84" fmla="*/ 250044 w 1207294"/>
-                <a:gd name="connsiteY84" fmla="*/ 3626565 h 4107656"/>
-                <a:gd name="connsiteX85" fmla="*/ 221456 w 1207294"/>
-                <a:gd name="connsiteY85" fmla="*/ 3564731 h 4107656"/>
-                <a:gd name="connsiteX86" fmla="*/ 178594 w 1207294"/>
-                <a:gd name="connsiteY86" fmla="*/ 3500437 h 4107656"/>
-                <a:gd name="connsiteX87" fmla="*/ 157162 w 1207294"/>
-                <a:gd name="connsiteY87" fmla="*/ 3471862 h 4107656"/>
-                <a:gd name="connsiteX88" fmla="*/ 114300 w 1207294"/>
-                <a:gd name="connsiteY88" fmla="*/ 3400425 h 4107656"/>
-                <a:gd name="connsiteX89" fmla="*/ 50006 w 1207294"/>
-                <a:gd name="connsiteY89" fmla="*/ 3300412 h 4107656"/>
-                <a:gd name="connsiteX90" fmla="*/ 21431 w 1207294"/>
-                <a:gd name="connsiteY90" fmla="*/ 3250406 h 4107656"/>
-                <a:gd name="connsiteX91" fmla="*/ 14287 w 1207294"/>
-                <a:gd name="connsiteY91" fmla="*/ 3221831 h 4107656"/>
-                <a:gd name="connsiteX92" fmla="*/ 0 w 1207294"/>
-                <a:gd name="connsiteY92" fmla="*/ 3150394 h 4107656"/>
-                <a:gd name="connsiteX93" fmla="*/ 7143 w 1207294"/>
-                <a:gd name="connsiteY93" fmla="*/ 2978944 h 4107656"/>
-                <a:gd name="connsiteX94" fmla="*/ 21431 w 1207294"/>
-                <a:gd name="connsiteY94" fmla="*/ 2850356 h 4107656"/>
-                <a:gd name="connsiteX95" fmla="*/ 28575 w 1207294"/>
-                <a:gd name="connsiteY95" fmla="*/ 2807494 h 4107656"/>
-                <a:gd name="connsiteX96" fmla="*/ 42862 w 1207294"/>
-                <a:gd name="connsiteY96" fmla="*/ 2757487 h 4107656"/>
-                <a:gd name="connsiteX97" fmla="*/ 50006 w 1207294"/>
-                <a:gd name="connsiteY97" fmla="*/ 2728912 h 4107656"/>
-                <a:gd name="connsiteX98" fmla="*/ 64294 w 1207294"/>
-                <a:gd name="connsiteY98" fmla="*/ 2678906 h 4107656"/>
-                <a:gd name="connsiteX99" fmla="*/ 78581 w 1207294"/>
-                <a:gd name="connsiteY99" fmla="*/ 2614612 h 4107656"/>
-                <a:gd name="connsiteX100" fmla="*/ 92869 w 1207294"/>
-                <a:gd name="connsiteY100" fmla="*/ 2586037 h 4107656"/>
-                <a:gd name="connsiteX101" fmla="*/ 114300 w 1207294"/>
-                <a:gd name="connsiteY101" fmla="*/ 2521744 h 4107656"/>
-                <a:gd name="connsiteX102" fmla="*/ 150019 w 1207294"/>
-                <a:gd name="connsiteY102" fmla="*/ 2400300 h 4107656"/>
-                <a:gd name="connsiteX103" fmla="*/ 164306 w 1207294"/>
-                <a:gd name="connsiteY103" fmla="*/ 2371725 h 4107656"/>
-                <a:gd name="connsiteX104" fmla="*/ 200025 w 1207294"/>
-                <a:gd name="connsiteY104" fmla="*/ 2286000 h 4107656"/>
-                <a:gd name="connsiteX105" fmla="*/ 221456 w 1207294"/>
-                <a:gd name="connsiteY105" fmla="*/ 2214562 h 4107656"/>
-                <a:gd name="connsiteX106" fmla="*/ 228600 w 1207294"/>
-                <a:gd name="connsiteY106" fmla="*/ 2193131 h 4107656"/>
-                <a:gd name="connsiteX107" fmla="*/ 257175 w 1207294"/>
-                <a:gd name="connsiteY107" fmla="*/ 2143125 h 4107656"/>
-                <a:gd name="connsiteX108" fmla="*/ 257175 w 1207294"/>
-                <a:gd name="connsiteY108" fmla="*/ 1678781 h 4107656"/>
-                <a:gd name="connsiteX109" fmla="*/ 250031 w 1207294"/>
-                <a:gd name="connsiteY109" fmla="*/ 1643062 h 4107656"/>
-                <a:gd name="connsiteX110" fmla="*/ 235744 w 1207294"/>
-                <a:gd name="connsiteY110" fmla="*/ 1578769 h 4107656"/>
-                <a:gd name="connsiteX111" fmla="*/ 221456 w 1207294"/>
-                <a:gd name="connsiteY111" fmla="*/ 1485900 h 4107656"/>
-                <a:gd name="connsiteX112" fmla="*/ 192881 w 1207294"/>
-                <a:gd name="connsiteY112" fmla="*/ 1407319 h 4107656"/>
-                <a:gd name="connsiteX113" fmla="*/ 185737 w 1207294"/>
-                <a:gd name="connsiteY113" fmla="*/ 1378744 h 4107656"/>
-                <a:gd name="connsiteX114" fmla="*/ 171450 w 1207294"/>
-                <a:gd name="connsiteY114" fmla="*/ 1335881 h 4107656"/>
-                <a:gd name="connsiteX115" fmla="*/ 128587 w 1207294"/>
-                <a:gd name="connsiteY115" fmla="*/ 1200150 h 4107656"/>
-                <a:gd name="connsiteX116" fmla="*/ 114300 w 1207294"/>
-                <a:gd name="connsiteY116" fmla="*/ 1092994 h 4107656"/>
-                <a:gd name="connsiteX117" fmla="*/ 107156 w 1207294"/>
-                <a:gd name="connsiteY117" fmla="*/ 1050131 h 4107656"/>
-                <a:gd name="connsiteX118" fmla="*/ 100012 w 1207294"/>
-                <a:gd name="connsiteY118" fmla="*/ 985837 h 4107656"/>
-                <a:gd name="connsiteX119" fmla="*/ 114300 w 1207294"/>
-                <a:gd name="connsiteY119" fmla="*/ 621506 h 4107656"/>
-                <a:gd name="connsiteX0" fmla="*/ 114300 w 1207294"/>
-                <a:gd name="connsiteY0" fmla="*/ 621506 h 4107656"/>
-                <a:gd name="connsiteX1" fmla="*/ 114300 w 1207294"/>
-                <a:gd name="connsiteY1" fmla="*/ 621506 h 4107656"/>
-                <a:gd name="connsiteX2" fmla="*/ 121444 w 1207294"/>
-                <a:gd name="connsiteY2" fmla="*/ 321469 h 4107656"/>
-                <a:gd name="connsiteX3" fmla="*/ 135731 w 1207294"/>
-                <a:gd name="connsiteY3" fmla="*/ 250031 h 4107656"/>
-                <a:gd name="connsiteX4" fmla="*/ 142875 w 1207294"/>
-                <a:gd name="connsiteY4" fmla="*/ 214312 h 4107656"/>
-                <a:gd name="connsiteX5" fmla="*/ 164306 w 1207294"/>
-                <a:gd name="connsiteY5" fmla="*/ 150019 h 4107656"/>
-                <a:gd name="connsiteX6" fmla="*/ 171450 w 1207294"/>
-                <a:gd name="connsiteY6" fmla="*/ 128587 h 4107656"/>
-                <a:gd name="connsiteX7" fmla="*/ 192881 w 1207294"/>
-                <a:gd name="connsiteY7" fmla="*/ 85725 h 4107656"/>
-                <a:gd name="connsiteX8" fmla="*/ 214312 w 1207294"/>
-                <a:gd name="connsiteY8" fmla="*/ 71437 h 4107656"/>
-                <a:gd name="connsiteX9" fmla="*/ 271462 w 1207294"/>
-                <a:gd name="connsiteY9" fmla="*/ 21431 h 4107656"/>
-                <a:gd name="connsiteX10" fmla="*/ 314325 w 1207294"/>
-                <a:gd name="connsiteY10" fmla="*/ 7144 h 4107656"/>
-                <a:gd name="connsiteX11" fmla="*/ 335756 w 1207294"/>
-                <a:gd name="connsiteY11" fmla="*/ 0 h 4107656"/>
-                <a:gd name="connsiteX12" fmla="*/ 507206 w 1207294"/>
-                <a:gd name="connsiteY12" fmla="*/ 21431 h 4107656"/>
-                <a:gd name="connsiteX13" fmla="*/ 528637 w 1207294"/>
-                <a:gd name="connsiteY13" fmla="*/ 28575 h 4107656"/>
-                <a:gd name="connsiteX14" fmla="*/ 592931 w 1207294"/>
-                <a:gd name="connsiteY14" fmla="*/ 71437 h 4107656"/>
-                <a:gd name="connsiteX15" fmla="*/ 614362 w 1207294"/>
-                <a:gd name="connsiteY15" fmla="*/ 85725 h 4107656"/>
-                <a:gd name="connsiteX16" fmla="*/ 635794 w 1207294"/>
-                <a:gd name="connsiteY16" fmla="*/ 100012 h 4107656"/>
-                <a:gd name="connsiteX17" fmla="*/ 671512 w 1207294"/>
-                <a:gd name="connsiteY17" fmla="*/ 135731 h 4107656"/>
-                <a:gd name="connsiteX18" fmla="*/ 685800 w 1207294"/>
-                <a:gd name="connsiteY18" fmla="*/ 157162 h 4107656"/>
-                <a:gd name="connsiteX19" fmla="*/ 728662 w 1207294"/>
-                <a:gd name="connsiteY19" fmla="*/ 185737 h 4107656"/>
-                <a:gd name="connsiteX20" fmla="*/ 771525 w 1207294"/>
-                <a:gd name="connsiteY20" fmla="*/ 221456 h 4107656"/>
-                <a:gd name="connsiteX21" fmla="*/ 792956 w 1207294"/>
-                <a:gd name="connsiteY21" fmla="*/ 242887 h 4107656"/>
-                <a:gd name="connsiteX22" fmla="*/ 814387 w 1207294"/>
-                <a:gd name="connsiteY22" fmla="*/ 257175 h 4107656"/>
-                <a:gd name="connsiteX23" fmla="*/ 857250 w 1207294"/>
-                <a:gd name="connsiteY23" fmla="*/ 300037 h 4107656"/>
-                <a:gd name="connsiteX24" fmla="*/ 878681 w 1207294"/>
-                <a:gd name="connsiteY24" fmla="*/ 321469 h 4107656"/>
-                <a:gd name="connsiteX25" fmla="*/ 928687 w 1207294"/>
-                <a:gd name="connsiteY25" fmla="*/ 385762 h 4107656"/>
-                <a:gd name="connsiteX26" fmla="*/ 935831 w 1207294"/>
-                <a:gd name="connsiteY26" fmla="*/ 407194 h 4107656"/>
-                <a:gd name="connsiteX27" fmla="*/ 964406 w 1207294"/>
-                <a:gd name="connsiteY27" fmla="*/ 450056 h 4107656"/>
-                <a:gd name="connsiteX28" fmla="*/ 971550 w 1207294"/>
-                <a:gd name="connsiteY28" fmla="*/ 471487 h 4107656"/>
-                <a:gd name="connsiteX29" fmla="*/ 1000125 w 1207294"/>
-                <a:gd name="connsiteY29" fmla="*/ 514350 h 4107656"/>
-                <a:gd name="connsiteX30" fmla="*/ 1007269 w 1207294"/>
-                <a:gd name="connsiteY30" fmla="*/ 535781 h 4107656"/>
-                <a:gd name="connsiteX31" fmla="*/ 1035844 w 1207294"/>
-                <a:gd name="connsiteY31" fmla="*/ 578644 h 4107656"/>
-                <a:gd name="connsiteX32" fmla="*/ 1050131 w 1207294"/>
-                <a:gd name="connsiteY32" fmla="*/ 628650 h 4107656"/>
-                <a:gd name="connsiteX33" fmla="*/ 1064419 w 1207294"/>
-                <a:gd name="connsiteY33" fmla="*/ 671512 h 4107656"/>
-                <a:gd name="connsiteX34" fmla="*/ 1071562 w 1207294"/>
-                <a:gd name="connsiteY34" fmla="*/ 692944 h 4107656"/>
-                <a:gd name="connsiteX35" fmla="*/ 1107281 w 1207294"/>
-                <a:gd name="connsiteY35" fmla="*/ 800100 h 4107656"/>
-                <a:gd name="connsiteX36" fmla="*/ 1128712 w 1207294"/>
-                <a:gd name="connsiteY36" fmla="*/ 864394 h 4107656"/>
-                <a:gd name="connsiteX37" fmla="*/ 1135856 w 1207294"/>
-                <a:gd name="connsiteY37" fmla="*/ 885825 h 4107656"/>
-                <a:gd name="connsiteX38" fmla="*/ 1143000 w 1207294"/>
-                <a:gd name="connsiteY38" fmla="*/ 907256 h 4107656"/>
-                <a:gd name="connsiteX39" fmla="*/ 1150144 w 1207294"/>
-                <a:gd name="connsiteY39" fmla="*/ 964406 h 4107656"/>
-                <a:gd name="connsiteX40" fmla="*/ 1157287 w 1207294"/>
-                <a:gd name="connsiteY40" fmla="*/ 1007269 h 4107656"/>
-                <a:gd name="connsiteX41" fmla="*/ 1178719 w 1207294"/>
-                <a:gd name="connsiteY41" fmla="*/ 1193006 h 4107656"/>
-                <a:gd name="connsiteX42" fmla="*/ 1193006 w 1207294"/>
-                <a:gd name="connsiteY42" fmla="*/ 1314450 h 4107656"/>
-                <a:gd name="connsiteX43" fmla="*/ 1207294 w 1207294"/>
-                <a:gd name="connsiteY43" fmla="*/ 1578769 h 4107656"/>
-                <a:gd name="connsiteX44" fmla="*/ 1200150 w 1207294"/>
-                <a:gd name="connsiteY44" fmla="*/ 1921669 h 4107656"/>
-                <a:gd name="connsiteX45" fmla="*/ 1185862 w 1207294"/>
-                <a:gd name="connsiteY45" fmla="*/ 2100262 h 4107656"/>
-                <a:gd name="connsiteX46" fmla="*/ 1171575 w 1207294"/>
-                <a:gd name="connsiteY46" fmla="*/ 2407444 h 4107656"/>
-                <a:gd name="connsiteX47" fmla="*/ 1157287 w 1207294"/>
-                <a:gd name="connsiteY47" fmla="*/ 2528887 h 4107656"/>
-                <a:gd name="connsiteX48" fmla="*/ 1150144 w 1207294"/>
-                <a:gd name="connsiteY48" fmla="*/ 2557462 h 4107656"/>
-                <a:gd name="connsiteX49" fmla="*/ 1135856 w 1207294"/>
-                <a:gd name="connsiteY49" fmla="*/ 2650331 h 4107656"/>
-                <a:gd name="connsiteX50" fmla="*/ 1128712 w 1207294"/>
-                <a:gd name="connsiteY50" fmla="*/ 2693194 h 4107656"/>
-                <a:gd name="connsiteX51" fmla="*/ 1114425 w 1207294"/>
-                <a:gd name="connsiteY51" fmla="*/ 2857500 h 4107656"/>
-                <a:gd name="connsiteX52" fmla="*/ 1121569 w 1207294"/>
-                <a:gd name="connsiteY52" fmla="*/ 3057525 h 4107656"/>
-                <a:gd name="connsiteX53" fmla="*/ 1128712 w 1207294"/>
-                <a:gd name="connsiteY53" fmla="*/ 3121819 h 4107656"/>
-                <a:gd name="connsiteX54" fmla="*/ 1135856 w 1207294"/>
-                <a:gd name="connsiteY54" fmla="*/ 3193256 h 4107656"/>
-                <a:gd name="connsiteX55" fmla="*/ 1143000 w 1207294"/>
-                <a:gd name="connsiteY55" fmla="*/ 3236119 h 4107656"/>
-                <a:gd name="connsiteX56" fmla="*/ 1150144 w 1207294"/>
-                <a:gd name="connsiteY56" fmla="*/ 3286125 h 4107656"/>
-                <a:gd name="connsiteX57" fmla="*/ 1128712 w 1207294"/>
-                <a:gd name="connsiteY57" fmla="*/ 3571875 h 4107656"/>
-                <a:gd name="connsiteX58" fmla="*/ 1121569 w 1207294"/>
-                <a:gd name="connsiteY58" fmla="*/ 3764756 h 4107656"/>
-                <a:gd name="connsiteX59" fmla="*/ 1107281 w 1207294"/>
-                <a:gd name="connsiteY59" fmla="*/ 3879056 h 4107656"/>
-                <a:gd name="connsiteX60" fmla="*/ 1092994 w 1207294"/>
-                <a:gd name="connsiteY60" fmla="*/ 3929062 h 4107656"/>
-                <a:gd name="connsiteX61" fmla="*/ 1078706 w 1207294"/>
-                <a:gd name="connsiteY61" fmla="*/ 3950494 h 4107656"/>
-                <a:gd name="connsiteX62" fmla="*/ 1014412 w 1207294"/>
-                <a:gd name="connsiteY62" fmla="*/ 4007644 h 4107656"/>
-                <a:gd name="connsiteX63" fmla="*/ 971550 w 1207294"/>
-                <a:gd name="connsiteY63" fmla="*/ 4021931 h 4107656"/>
-                <a:gd name="connsiteX64" fmla="*/ 907256 w 1207294"/>
-                <a:gd name="connsiteY64" fmla="*/ 4050506 h 4107656"/>
-                <a:gd name="connsiteX65" fmla="*/ 871537 w 1207294"/>
-                <a:gd name="connsiteY65" fmla="*/ 4057650 h 4107656"/>
-                <a:gd name="connsiteX66" fmla="*/ 828675 w 1207294"/>
-                <a:gd name="connsiteY66" fmla="*/ 4064794 h 4107656"/>
-                <a:gd name="connsiteX67" fmla="*/ 785812 w 1207294"/>
-                <a:gd name="connsiteY67" fmla="*/ 4079081 h 4107656"/>
-                <a:gd name="connsiteX68" fmla="*/ 742950 w 1207294"/>
-                <a:gd name="connsiteY68" fmla="*/ 4093369 h 4107656"/>
-                <a:gd name="connsiteX69" fmla="*/ 721519 w 1207294"/>
-                <a:gd name="connsiteY69" fmla="*/ 4100512 h 4107656"/>
-                <a:gd name="connsiteX70" fmla="*/ 700087 w 1207294"/>
-                <a:gd name="connsiteY70" fmla="*/ 4107656 h 4107656"/>
-                <a:gd name="connsiteX71" fmla="*/ 578644 w 1207294"/>
-                <a:gd name="connsiteY71" fmla="*/ 4100512 h 4107656"/>
-                <a:gd name="connsiteX72" fmla="*/ 514350 w 1207294"/>
-                <a:gd name="connsiteY72" fmla="*/ 4071937 h 4107656"/>
-                <a:gd name="connsiteX73" fmla="*/ 492919 w 1207294"/>
-                <a:gd name="connsiteY73" fmla="*/ 4064794 h 4107656"/>
-                <a:gd name="connsiteX74" fmla="*/ 450056 w 1207294"/>
-                <a:gd name="connsiteY74" fmla="*/ 4014787 h 4107656"/>
-                <a:gd name="connsiteX75" fmla="*/ 421481 w 1207294"/>
-                <a:gd name="connsiteY75" fmla="*/ 3971925 h 4107656"/>
-                <a:gd name="connsiteX76" fmla="*/ 407194 w 1207294"/>
-                <a:gd name="connsiteY76" fmla="*/ 3950494 h 4107656"/>
-                <a:gd name="connsiteX77" fmla="*/ 400050 w 1207294"/>
-                <a:gd name="connsiteY77" fmla="*/ 3929062 h 4107656"/>
-                <a:gd name="connsiteX78" fmla="*/ 378619 w 1207294"/>
-                <a:gd name="connsiteY78" fmla="*/ 3907631 h 4107656"/>
-                <a:gd name="connsiteX79" fmla="*/ 357187 w 1207294"/>
-                <a:gd name="connsiteY79" fmla="*/ 3857625 h 4107656"/>
-                <a:gd name="connsiteX80" fmla="*/ 342900 w 1207294"/>
-                <a:gd name="connsiteY80" fmla="*/ 3829050 h 4107656"/>
-                <a:gd name="connsiteX81" fmla="*/ 314325 w 1207294"/>
-                <a:gd name="connsiteY81" fmla="*/ 3750469 h 4107656"/>
-                <a:gd name="connsiteX82" fmla="*/ 300037 w 1207294"/>
-                <a:gd name="connsiteY82" fmla="*/ 3707606 h 4107656"/>
-                <a:gd name="connsiteX83" fmla="*/ 285750 w 1207294"/>
-                <a:gd name="connsiteY83" fmla="*/ 3686175 h 4107656"/>
-                <a:gd name="connsiteX84" fmla="*/ 250044 w 1207294"/>
-                <a:gd name="connsiteY84" fmla="*/ 3626565 h 4107656"/>
-                <a:gd name="connsiteX85" fmla="*/ 221456 w 1207294"/>
-                <a:gd name="connsiteY85" fmla="*/ 3564731 h 4107656"/>
-                <a:gd name="connsiteX86" fmla="*/ 178594 w 1207294"/>
-                <a:gd name="connsiteY86" fmla="*/ 3500437 h 4107656"/>
-                <a:gd name="connsiteX87" fmla="*/ 157162 w 1207294"/>
-                <a:gd name="connsiteY87" fmla="*/ 3471862 h 4107656"/>
-                <a:gd name="connsiteX88" fmla="*/ 114300 w 1207294"/>
-                <a:gd name="connsiteY88" fmla="*/ 3400425 h 4107656"/>
-                <a:gd name="connsiteX89" fmla="*/ 50006 w 1207294"/>
-                <a:gd name="connsiteY89" fmla="*/ 3300412 h 4107656"/>
-                <a:gd name="connsiteX90" fmla="*/ 21431 w 1207294"/>
-                <a:gd name="connsiteY90" fmla="*/ 3250406 h 4107656"/>
-                <a:gd name="connsiteX91" fmla="*/ 14287 w 1207294"/>
-                <a:gd name="connsiteY91" fmla="*/ 3221831 h 4107656"/>
-                <a:gd name="connsiteX92" fmla="*/ 0 w 1207294"/>
-                <a:gd name="connsiteY92" fmla="*/ 3150394 h 4107656"/>
-                <a:gd name="connsiteX93" fmla="*/ 7143 w 1207294"/>
-                <a:gd name="connsiteY93" fmla="*/ 2978944 h 4107656"/>
-                <a:gd name="connsiteX94" fmla="*/ 21431 w 1207294"/>
-                <a:gd name="connsiteY94" fmla="*/ 2850356 h 4107656"/>
-                <a:gd name="connsiteX95" fmla="*/ 28575 w 1207294"/>
-                <a:gd name="connsiteY95" fmla="*/ 2807494 h 4107656"/>
-                <a:gd name="connsiteX96" fmla="*/ 42862 w 1207294"/>
-                <a:gd name="connsiteY96" fmla="*/ 2757487 h 4107656"/>
-                <a:gd name="connsiteX97" fmla="*/ 50006 w 1207294"/>
-                <a:gd name="connsiteY97" fmla="*/ 2728912 h 4107656"/>
-                <a:gd name="connsiteX98" fmla="*/ 64294 w 1207294"/>
-                <a:gd name="connsiteY98" fmla="*/ 2678906 h 4107656"/>
-                <a:gd name="connsiteX99" fmla="*/ 78581 w 1207294"/>
-                <a:gd name="connsiteY99" fmla="*/ 2614612 h 4107656"/>
-                <a:gd name="connsiteX100" fmla="*/ 92869 w 1207294"/>
-                <a:gd name="connsiteY100" fmla="*/ 2586037 h 4107656"/>
-                <a:gd name="connsiteX101" fmla="*/ 114300 w 1207294"/>
-                <a:gd name="connsiteY101" fmla="*/ 2521744 h 4107656"/>
-                <a:gd name="connsiteX102" fmla="*/ 150019 w 1207294"/>
-                <a:gd name="connsiteY102" fmla="*/ 2400300 h 4107656"/>
-                <a:gd name="connsiteX103" fmla="*/ 164306 w 1207294"/>
-                <a:gd name="connsiteY103" fmla="*/ 2371725 h 4107656"/>
-                <a:gd name="connsiteX104" fmla="*/ 200025 w 1207294"/>
-                <a:gd name="connsiteY104" fmla="*/ 2286000 h 4107656"/>
-                <a:gd name="connsiteX105" fmla="*/ 221456 w 1207294"/>
-                <a:gd name="connsiteY105" fmla="*/ 2214562 h 4107656"/>
-                <a:gd name="connsiteX106" fmla="*/ 257175 w 1207294"/>
-                <a:gd name="connsiteY106" fmla="*/ 2143125 h 4107656"/>
-                <a:gd name="connsiteX107" fmla="*/ 257175 w 1207294"/>
-                <a:gd name="connsiteY107" fmla="*/ 1678781 h 4107656"/>
-                <a:gd name="connsiteX108" fmla="*/ 250031 w 1207294"/>
-                <a:gd name="connsiteY108" fmla="*/ 1643062 h 4107656"/>
-                <a:gd name="connsiteX109" fmla="*/ 235744 w 1207294"/>
-                <a:gd name="connsiteY109" fmla="*/ 1578769 h 4107656"/>
-                <a:gd name="connsiteX110" fmla="*/ 221456 w 1207294"/>
-                <a:gd name="connsiteY110" fmla="*/ 1485900 h 4107656"/>
-                <a:gd name="connsiteX111" fmla="*/ 192881 w 1207294"/>
-                <a:gd name="connsiteY111" fmla="*/ 1407319 h 4107656"/>
-                <a:gd name="connsiteX112" fmla="*/ 185737 w 1207294"/>
-                <a:gd name="connsiteY112" fmla="*/ 1378744 h 4107656"/>
-                <a:gd name="connsiteX113" fmla="*/ 171450 w 1207294"/>
-                <a:gd name="connsiteY113" fmla="*/ 1335881 h 4107656"/>
-                <a:gd name="connsiteX114" fmla="*/ 128587 w 1207294"/>
-                <a:gd name="connsiteY114" fmla="*/ 1200150 h 4107656"/>
-                <a:gd name="connsiteX115" fmla="*/ 114300 w 1207294"/>
-                <a:gd name="connsiteY115" fmla="*/ 1092994 h 4107656"/>
-                <a:gd name="connsiteX116" fmla="*/ 107156 w 1207294"/>
-                <a:gd name="connsiteY116" fmla="*/ 1050131 h 4107656"/>
-                <a:gd name="connsiteX117" fmla="*/ 100012 w 1207294"/>
-                <a:gd name="connsiteY117" fmla="*/ 985837 h 4107656"/>
-                <a:gd name="connsiteX118" fmla="*/ 114300 w 1207294"/>
-                <a:gd name="connsiteY118" fmla="*/ 621506 h 4107656"/>
-                <a:gd name="connsiteX0" fmla="*/ 114300 w 1207294"/>
-                <a:gd name="connsiteY0" fmla="*/ 621506 h 4107656"/>
-                <a:gd name="connsiteX1" fmla="*/ 114300 w 1207294"/>
-                <a:gd name="connsiteY1" fmla="*/ 621506 h 4107656"/>
-                <a:gd name="connsiteX2" fmla="*/ 121444 w 1207294"/>
-                <a:gd name="connsiteY2" fmla="*/ 321469 h 4107656"/>
-                <a:gd name="connsiteX3" fmla="*/ 135731 w 1207294"/>
-                <a:gd name="connsiteY3" fmla="*/ 250031 h 4107656"/>
-                <a:gd name="connsiteX4" fmla="*/ 142875 w 1207294"/>
-                <a:gd name="connsiteY4" fmla="*/ 214312 h 4107656"/>
-                <a:gd name="connsiteX5" fmla="*/ 164306 w 1207294"/>
-                <a:gd name="connsiteY5" fmla="*/ 150019 h 4107656"/>
-                <a:gd name="connsiteX6" fmla="*/ 171450 w 1207294"/>
-                <a:gd name="connsiteY6" fmla="*/ 128587 h 4107656"/>
-                <a:gd name="connsiteX7" fmla="*/ 192881 w 1207294"/>
-                <a:gd name="connsiteY7" fmla="*/ 85725 h 4107656"/>
-                <a:gd name="connsiteX8" fmla="*/ 214312 w 1207294"/>
-                <a:gd name="connsiteY8" fmla="*/ 71437 h 4107656"/>
-                <a:gd name="connsiteX9" fmla="*/ 271462 w 1207294"/>
-                <a:gd name="connsiteY9" fmla="*/ 21431 h 4107656"/>
-                <a:gd name="connsiteX10" fmla="*/ 314325 w 1207294"/>
-                <a:gd name="connsiteY10" fmla="*/ 7144 h 4107656"/>
-                <a:gd name="connsiteX11" fmla="*/ 335756 w 1207294"/>
-                <a:gd name="connsiteY11" fmla="*/ 0 h 4107656"/>
-                <a:gd name="connsiteX12" fmla="*/ 507206 w 1207294"/>
-                <a:gd name="connsiteY12" fmla="*/ 21431 h 4107656"/>
-                <a:gd name="connsiteX13" fmla="*/ 528637 w 1207294"/>
-                <a:gd name="connsiteY13" fmla="*/ 28575 h 4107656"/>
-                <a:gd name="connsiteX14" fmla="*/ 592931 w 1207294"/>
-                <a:gd name="connsiteY14" fmla="*/ 71437 h 4107656"/>
-                <a:gd name="connsiteX15" fmla="*/ 614362 w 1207294"/>
-                <a:gd name="connsiteY15" fmla="*/ 85725 h 4107656"/>
-                <a:gd name="connsiteX16" fmla="*/ 635794 w 1207294"/>
-                <a:gd name="connsiteY16" fmla="*/ 100012 h 4107656"/>
-                <a:gd name="connsiteX17" fmla="*/ 671512 w 1207294"/>
-                <a:gd name="connsiteY17" fmla="*/ 135731 h 4107656"/>
-                <a:gd name="connsiteX18" fmla="*/ 685800 w 1207294"/>
-                <a:gd name="connsiteY18" fmla="*/ 157162 h 4107656"/>
-                <a:gd name="connsiteX19" fmla="*/ 728662 w 1207294"/>
-                <a:gd name="connsiteY19" fmla="*/ 185737 h 4107656"/>
-                <a:gd name="connsiteX20" fmla="*/ 771525 w 1207294"/>
-                <a:gd name="connsiteY20" fmla="*/ 221456 h 4107656"/>
-                <a:gd name="connsiteX21" fmla="*/ 792956 w 1207294"/>
-                <a:gd name="connsiteY21" fmla="*/ 242887 h 4107656"/>
-                <a:gd name="connsiteX22" fmla="*/ 814387 w 1207294"/>
-                <a:gd name="connsiteY22" fmla="*/ 257175 h 4107656"/>
-                <a:gd name="connsiteX23" fmla="*/ 857250 w 1207294"/>
-                <a:gd name="connsiteY23" fmla="*/ 300037 h 4107656"/>
-                <a:gd name="connsiteX24" fmla="*/ 878681 w 1207294"/>
-                <a:gd name="connsiteY24" fmla="*/ 321469 h 4107656"/>
-                <a:gd name="connsiteX25" fmla="*/ 928687 w 1207294"/>
-                <a:gd name="connsiteY25" fmla="*/ 385762 h 4107656"/>
-                <a:gd name="connsiteX26" fmla="*/ 935831 w 1207294"/>
-                <a:gd name="connsiteY26" fmla="*/ 407194 h 4107656"/>
-                <a:gd name="connsiteX27" fmla="*/ 964406 w 1207294"/>
-                <a:gd name="connsiteY27" fmla="*/ 450056 h 4107656"/>
-                <a:gd name="connsiteX28" fmla="*/ 971550 w 1207294"/>
-                <a:gd name="connsiteY28" fmla="*/ 471487 h 4107656"/>
-                <a:gd name="connsiteX29" fmla="*/ 1000125 w 1207294"/>
-                <a:gd name="connsiteY29" fmla="*/ 514350 h 4107656"/>
-                <a:gd name="connsiteX30" fmla="*/ 1007269 w 1207294"/>
-                <a:gd name="connsiteY30" fmla="*/ 535781 h 4107656"/>
-                <a:gd name="connsiteX31" fmla="*/ 1035844 w 1207294"/>
-                <a:gd name="connsiteY31" fmla="*/ 578644 h 4107656"/>
-                <a:gd name="connsiteX32" fmla="*/ 1050131 w 1207294"/>
-                <a:gd name="connsiteY32" fmla="*/ 628650 h 4107656"/>
-                <a:gd name="connsiteX33" fmla="*/ 1064419 w 1207294"/>
-                <a:gd name="connsiteY33" fmla="*/ 671512 h 4107656"/>
-                <a:gd name="connsiteX34" fmla="*/ 1071562 w 1207294"/>
-                <a:gd name="connsiteY34" fmla="*/ 692944 h 4107656"/>
-                <a:gd name="connsiteX35" fmla="*/ 1107281 w 1207294"/>
-                <a:gd name="connsiteY35" fmla="*/ 800100 h 4107656"/>
-                <a:gd name="connsiteX36" fmla="*/ 1128712 w 1207294"/>
-                <a:gd name="connsiteY36" fmla="*/ 864394 h 4107656"/>
-                <a:gd name="connsiteX37" fmla="*/ 1135856 w 1207294"/>
-                <a:gd name="connsiteY37" fmla="*/ 885825 h 4107656"/>
-                <a:gd name="connsiteX38" fmla="*/ 1143000 w 1207294"/>
-                <a:gd name="connsiteY38" fmla="*/ 907256 h 4107656"/>
-                <a:gd name="connsiteX39" fmla="*/ 1150144 w 1207294"/>
-                <a:gd name="connsiteY39" fmla="*/ 964406 h 4107656"/>
-                <a:gd name="connsiteX40" fmla="*/ 1157287 w 1207294"/>
-                <a:gd name="connsiteY40" fmla="*/ 1007269 h 4107656"/>
-                <a:gd name="connsiteX41" fmla="*/ 1178719 w 1207294"/>
-                <a:gd name="connsiteY41" fmla="*/ 1193006 h 4107656"/>
-                <a:gd name="connsiteX42" fmla="*/ 1193006 w 1207294"/>
-                <a:gd name="connsiteY42" fmla="*/ 1314450 h 4107656"/>
-                <a:gd name="connsiteX43" fmla="*/ 1207294 w 1207294"/>
-                <a:gd name="connsiteY43" fmla="*/ 1578769 h 4107656"/>
-                <a:gd name="connsiteX44" fmla="*/ 1200150 w 1207294"/>
-                <a:gd name="connsiteY44" fmla="*/ 1921669 h 4107656"/>
-                <a:gd name="connsiteX45" fmla="*/ 1185862 w 1207294"/>
-                <a:gd name="connsiteY45" fmla="*/ 2100262 h 4107656"/>
-                <a:gd name="connsiteX46" fmla="*/ 1171575 w 1207294"/>
-                <a:gd name="connsiteY46" fmla="*/ 2407444 h 4107656"/>
-                <a:gd name="connsiteX47" fmla="*/ 1157287 w 1207294"/>
-                <a:gd name="connsiteY47" fmla="*/ 2528887 h 4107656"/>
-                <a:gd name="connsiteX48" fmla="*/ 1150144 w 1207294"/>
-                <a:gd name="connsiteY48" fmla="*/ 2557462 h 4107656"/>
-                <a:gd name="connsiteX49" fmla="*/ 1135856 w 1207294"/>
-                <a:gd name="connsiteY49" fmla="*/ 2650331 h 4107656"/>
-                <a:gd name="connsiteX50" fmla="*/ 1128712 w 1207294"/>
-                <a:gd name="connsiteY50" fmla="*/ 2693194 h 4107656"/>
-                <a:gd name="connsiteX51" fmla="*/ 1114425 w 1207294"/>
-                <a:gd name="connsiteY51" fmla="*/ 2857500 h 4107656"/>
-                <a:gd name="connsiteX52" fmla="*/ 1121569 w 1207294"/>
-                <a:gd name="connsiteY52" fmla="*/ 3057525 h 4107656"/>
-                <a:gd name="connsiteX53" fmla="*/ 1128712 w 1207294"/>
-                <a:gd name="connsiteY53" fmla="*/ 3121819 h 4107656"/>
-                <a:gd name="connsiteX54" fmla="*/ 1135856 w 1207294"/>
-                <a:gd name="connsiteY54" fmla="*/ 3193256 h 4107656"/>
-                <a:gd name="connsiteX55" fmla="*/ 1143000 w 1207294"/>
-                <a:gd name="connsiteY55" fmla="*/ 3236119 h 4107656"/>
-                <a:gd name="connsiteX56" fmla="*/ 1150144 w 1207294"/>
-                <a:gd name="connsiteY56" fmla="*/ 3286125 h 4107656"/>
-                <a:gd name="connsiteX57" fmla="*/ 1128712 w 1207294"/>
-                <a:gd name="connsiteY57" fmla="*/ 3571875 h 4107656"/>
-                <a:gd name="connsiteX58" fmla="*/ 1121569 w 1207294"/>
-                <a:gd name="connsiteY58" fmla="*/ 3764756 h 4107656"/>
-                <a:gd name="connsiteX59" fmla="*/ 1107281 w 1207294"/>
-                <a:gd name="connsiteY59" fmla="*/ 3879056 h 4107656"/>
-                <a:gd name="connsiteX60" fmla="*/ 1092994 w 1207294"/>
-                <a:gd name="connsiteY60" fmla="*/ 3929062 h 4107656"/>
-                <a:gd name="connsiteX61" fmla="*/ 1078706 w 1207294"/>
-                <a:gd name="connsiteY61" fmla="*/ 3950494 h 4107656"/>
-                <a:gd name="connsiteX62" fmla="*/ 1014412 w 1207294"/>
-                <a:gd name="connsiteY62" fmla="*/ 4007644 h 4107656"/>
-                <a:gd name="connsiteX63" fmla="*/ 971550 w 1207294"/>
-                <a:gd name="connsiteY63" fmla="*/ 4021931 h 4107656"/>
-                <a:gd name="connsiteX64" fmla="*/ 907256 w 1207294"/>
-                <a:gd name="connsiteY64" fmla="*/ 4050506 h 4107656"/>
-                <a:gd name="connsiteX65" fmla="*/ 871537 w 1207294"/>
-                <a:gd name="connsiteY65" fmla="*/ 4057650 h 4107656"/>
-                <a:gd name="connsiteX66" fmla="*/ 828675 w 1207294"/>
-                <a:gd name="connsiteY66" fmla="*/ 4064794 h 4107656"/>
-                <a:gd name="connsiteX67" fmla="*/ 785812 w 1207294"/>
-                <a:gd name="connsiteY67" fmla="*/ 4079081 h 4107656"/>
-                <a:gd name="connsiteX68" fmla="*/ 742950 w 1207294"/>
-                <a:gd name="connsiteY68" fmla="*/ 4093369 h 4107656"/>
-                <a:gd name="connsiteX69" fmla="*/ 721519 w 1207294"/>
-                <a:gd name="connsiteY69" fmla="*/ 4100512 h 4107656"/>
-                <a:gd name="connsiteX70" fmla="*/ 700087 w 1207294"/>
-                <a:gd name="connsiteY70" fmla="*/ 4107656 h 4107656"/>
-                <a:gd name="connsiteX71" fmla="*/ 578644 w 1207294"/>
-                <a:gd name="connsiteY71" fmla="*/ 4100512 h 4107656"/>
-                <a:gd name="connsiteX72" fmla="*/ 514350 w 1207294"/>
-                <a:gd name="connsiteY72" fmla="*/ 4071937 h 4107656"/>
-                <a:gd name="connsiteX73" fmla="*/ 492919 w 1207294"/>
-                <a:gd name="connsiteY73" fmla="*/ 4064794 h 4107656"/>
-                <a:gd name="connsiteX74" fmla="*/ 450056 w 1207294"/>
-                <a:gd name="connsiteY74" fmla="*/ 4014787 h 4107656"/>
-                <a:gd name="connsiteX75" fmla="*/ 421481 w 1207294"/>
-                <a:gd name="connsiteY75" fmla="*/ 3971925 h 4107656"/>
-                <a:gd name="connsiteX76" fmla="*/ 407194 w 1207294"/>
-                <a:gd name="connsiteY76" fmla="*/ 3950494 h 4107656"/>
-                <a:gd name="connsiteX77" fmla="*/ 400050 w 1207294"/>
-                <a:gd name="connsiteY77" fmla="*/ 3929062 h 4107656"/>
-                <a:gd name="connsiteX78" fmla="*/ 378619 w 1207294"/>
-                <a:gd name="connsiteY78" fmla="*/ 3907631 h 4107656"/>
-                <a:gd name="connsiteX79" fmla="*/ 357187 w 1207294"/>
-                <a:gd name="connsiteY79" fmla="*/ 3857625 h 4107656"/>
-                <a:gd name="connsiteX80" fmla="*/ 342900 w 1207294"/>
-                <a:gd name="connsiteY80" fmla="*/ 3829050 h 4107656"/>
-                <a:gd name="connsiteX81" fmla="*/ 314325 w 1207294"/>
-                <a:gd name="connsiteY81" fmla="*/ 3750469 h 4107656"/>
-                <a:gd name="connsiteX82" fmla="*/ 300037 w 1207294"/>
-                <a:gd name="connsiteY82" fmla="*/ 3707606 h 4107656"/>
-                <a:gd name="connsiteX83" fmla="*/ 285750 w 1207294"/>
-                <a:gd name="connsiteY83" fmla="*/ 3686175 h 4107656"/>
-                <a:gd name="connsiteX84" fmla="*/ 250044 w 1207294"/>
-                <a:gd name="connsiteY84" fmla="*/ 3626565 h 4107656"/>
-                <a:gd name="connsiteX85" fmla="*/ 221456 w 1207294"/>
-                <a:gd name="connsiteY85" fmla="*/ 3564731 h 4107656"/>
-                <a:gd name="connsiteX86" fmla="*/ 178594 w 1207294"/>
-                <a:gd name="connsiteY86" fmla="*/ 3500437 h 4107656"/>
-                <a:gd name="connsiteX87" fmla="*/ 157162 w 1207294"/>
-                <a:gd name="connsiteY87" fmla="*/ 3471862 h 4107656"/>
-                <a:gd name="connsiteX88" fmla="*/ 114300 w 1207294"/>
-                <a:gd name="connsiteY88" fmla="*/ 3400425 h 4107656"/>
-                <a:gd name="connsiteX89" fmla="*/ 50006 w 1207294"/>
-                <a:gd name="connsiteY89" fmla="*/ 3300412 h 4107656"/>
-                <a:gd name="connsiteX90" fmla="*/ 21431 w 1207294"/>
-                <a:gd name="connsiteY90" fmla="*/ 3250406 h 4107656"/>
-                <a:gd name="connsiteX91" fmla="*/ 14287 w 1207294"/>
-                <a:gd name="connsiteY91" fmla="*/ 3221831 h 4107656"/>
-                <a:gd name="connsiteX92" fmla="*/ 0 w 1207294"/>
-                <a:gd name="connsiteY92" fmla="*/ 3150394 h 4107656"/>
-                <a:gd name="connsiteX93" fmla="*/ 7143 w 1207294"/>
-                <a:gd name="connsiteY93" fmla="*/ 2978944 h 4107656"/>
-                <a:gd name="connsiteX94" fmla="*/ 21431 w 1207294"/>
-                <a:gd name="connsiteY94" fmla="*/ 2850356 h 4107656"/>
-                <a:gd name="connsiteX95" fmla="*/ 28575 w 1207294"/>
-                <a:gd name="connsiteY95" fmla="*/ 2807494 h 4107656"/>
-                <a:gd name="connsiteX96" fmla="*/ 42862 w 1207294"/>
-                <a:gd name="connsiteY96" fmla="*/ 2757487 h 4107656"/>
-                <a:gd name="connsiteX97" fmla="*/ 50006 w 1207294"/>
-                <a:gd name="connsiteY97" fmla="*/ 2728912 h 4107656"/>
-                <a:gd name="connsiteX98" fmla="*/ 64294 w 1207294"/>
-                <a:gd name="connsiteY98" fmla="*/ 2678906 h 4107656"/>
-                <a:gd name="connsiteX99" fmla="*/ 78581 w 1207294"/>
-                <a:gd name="connsiteY99" fmla="*/ 2614612 h 4107656"/>
-                <a:gd name="connsiteX100" fmla="*/ 92869 w 1207294"/>
-                <a:gd name="connsiteY100" fmla="*/ 2586037 h 4107656"/>
-                <a:gd name="connsiteX101" fmla="*/ 114300 w 1207294"/>
-                <a:gd name="connsiteY101" fmla="*/ 2521744 h 4107656"/>
-                <a:gd name="connsiteX102" fmla="*/ 150019 w 1207294"/>
-                <a:gd name="connsiteY102" fmla="*/ 2400300 h 4107656"/>
-                <a:gd name="connsiteX103" fmla="*/ 164306 w 1207294"/>
-                <a:gd name="connsiteY103" fmla="*/ 2371725 h 4107656"/>
-                <a:gd name="connsiteX104" fmla="*/ 200025 w 1207294"/>
-                <a:gd name="connsiteY104" fmla="*/ 2286000 h 4107656"/>
-                <a:gd name="connsiteX105" fmla="*/ 257175 w 1207294"/>
-                <a:gd name="connsiteY105" fmla="*/ 2143125 h 4107656"/>
-                <a:gd name="connsiteX106" fmla="*/ 257175 w 1207294"/>
-                <a:gd name="connsiteY106" fmla="*/ 1678781 h 4107656"/>
-                <a:gd name="connsiteX107" fmla="*/ 250031 w 1207294"/>
-                <a:gd name="connsiteY107" fmla="*/ 1643062 h 4107656"/>
-                <a:gd name="connsiteX108" fmla="*/ 235744 w 1207294"/>
-                <a:gd name="connsiteY108" fmla="*/ 1578769 h 4107656"/>
-                <a:gd name="connsiteX109" fmla="*/ 221456 w 1207294"/>
-                <a:gd name="connsiteY109" fmla="*/ 1485900 h 4107656"/>
-                <a:gd name="connsiteX110" fmla="*/ 192881 w 1207294"/>
-                <a:gd name="connsiteY110" fmla="*/ 1407319 h 4107656"/>
-                <a:gd name="connsiteX111" fmla="*/ 185737 w 1207294"/>
-                <a:gd name="connsiteY111" fmla="*/ 1378744 h 4107656"/>
-                <a:gd name="connsiteX112" fmla="*/ 171450 w 1207294"/>
-                <a:gd name="connsiteY112" fmla="*/ 1335881 h 4107656"/>
-                <a:gd name="connsiteX113" fmla="*/ 128587 w 1207294"/>
-                <a:gd name="connsiteY113" fmla="*/ 1200150 h 4107656"/>
-                <a:gd name="connsiteX114" fmla="*/ 114300 w 1207294"/>
-                <a:gd name="connsiteY114" fmla="*/ 1092994 h 4107656"/>
-                <a:gd name="connsiteX115" fmla="*/ 107156 w 1207294"/>
-                <a:gd name="connsiteY115" fmla="*/ 1050131 h 4107656"/>
-                <a:gd name="connsiteX116" fmla="*/ 100012 w 1207294"/>
-                <a:gd name="connsiteY116" fmla="*/ 985837 h 4107656"/>
-                <a:gd name="connsiteX117" fmla="*/ 114300 w 1207294"/>
-                <a:gd name="connsiteY117" fmla="*/ 621506 h 4107656"/>
-                <a:gd name="connsiteX0" fmla="*/ 114300 w 1207294"/>
-                <a:gd name="connsiteY0" fmla="*/ 621506 h 4107656"/>
-                <a:gd name="connsiteX1" fmla="*/ 114300 w 1207294"/>
-                <a:gd name="connsiteY1" fmla="*/ 621506 h 4107656"/>
-                <a:gd name="connsiteX2" fmla="*/ 121444 w 1207294"/>
-                <a:gd name="connsiteY2" fmla="*/ 321469 h 4107656"/>
-                <a:gd name="connsiteX3" fmla="*/ 135731 w 1207294"/>
-                <a:gd name="connsiteY3" fmla="*/ 250031 h 4107656"/>
-                <a:gd name="connsiteX4" fmla="*/ 142875 w 1207294"/>
-                <a:gd name="connsiteY4" fmla="*/ 214312 h 4107656"/>
-                <a:gd name="connsiteX5" fmla="*/ 164306 w 1207294"/>
-                <a:gd name="connsiteY5" fmla="*/ 150019 h 4107656"/>
-                <a:gd name="connsiteX6" fmla="*/ 171450 w 1207294"/>
-                <a:gd name="connsiteY6" fmla="*/ 128587 h 4107656"/>
-                <a:gd name="connsiteX7" fmla="*/ 192881 w 1207294"/>
-                <a:gd name="connsiteY7" fmla="*/ 85725 h 4107656"/>
-                <a:gd name="connsiteX8" fmla="*/ 214312 w 1207294"/>
-                <a:gd name="connsiteY8" fmla="*/ 71437 h 4107656"/>
-                <a:gd name="connsiteX9" fmla="*/ 271462 w 1207294"/>
-                <a:gd name="connsiteY9" fmla="*/ 21431 h 4107656"/>
-                <a:gd name="connsiteX10" fmla="*/ 314325 w 1207294"/>
-                <a:gd name="connsiteY10" fmla="*/ 7144 h 4107656"/>
-                <a:gd name="connsiteX11" fmla="*/ 335756 w 1207294"/>
-                <a:gd name="connsiteY11" fmla="*/ 0 h 4107656"/>
-                <a:gd name="connsiteX12" fmla="*/ 507206 w 1207294"/>
-                <a:gd name="connsiteY12" fmla="*/ 21431 h 4107656"/>
-                <a:gd name="connsiteX13" fmla="*/ 528637 w 1207294"/>
-                <a:gd name="connsiteY13" fmla="*/ 28575 h 4107656"/>
-                <a:gd name="connsiteX14" fmla="*/ 592931 w 1207294"/>
-                <a:gd name="connsiteY14" fmla="*/ 71437 h 4107656"/>
-                <a:gd name="connsiteX15" fmla="*/ 614362 w 1207294"/>
-                <a:gd name="connsiteY15" fmla="*/ 85725 h 4107656"/>
-                <a:gd name="connsiteX16" fmla="*/ 635794 w 1207294"/>
-                <a:gd name="connsiteY16" fmla="*/ 100012 h 4107656"/>
-                <a:gd name="connsiteX17" fmla="*/ 671512 w 1207294"/>
-                <a:gd name="connsiteY17" fmla="*/ 135731 h 4107656"/>
-                <a:gd name="connsiteX18" fmla="*/ 685800 w 1207294"/>
-                <a:gd name="connsiteY18" fmla="*/ 157162 h 4107656"/>
-                <a:gd name="connsiteX19" fmla="*/ 728662 w 1207294"/>
-                <a:gd name="connsiteY19" fmla="*/ 185737 h 4107656"/>
-                <a:gd name="connsiteX20" fmla="*/ 771525 w 1207294"/>
-                <a:gd name="connsiteY20" fmla="*/ 221456 h 4107656"/>
-                <a:gd name="connsiteX21" fmla="*/ 792956 w 1207294"/>
-                <a:gd name="connsiteY21" fmla="*/ 242887 h 4107656"/>
-                <a:gd name="connsiteX22" fmla="*/ 814387 w 1207294"/>
-                <a:gd name="connsiteY22" fmla="*/ 257175 h 4107656"/>
-                <a:gd name="connsiteX23" fmla="*/ 857250 w 1207294"/>
-                <a:gd name="connsiteY23" fmla="*/ 300037 h 4107656"/>
-                <a:gd name="connsiteX24" fmla="*/ 878681 w 1207294"/>
-                <a:gd name="connsiteY24" fmla="*/ 321469 h 4107656"/>
-                <a:gd name="connsiteX25" fmla="*/ 928687 w 1207294"/>
-                <a:gd name="connsiteY25" fmla="*/ 385762 h 4107656"/>
-                <a:gd name="connsiteX26" fmla="*/ 935831 w 1207294"/>
-                <a:gd name="connsiteY26" fmla="*/ 407194 h 4107656"/>
-                <a:gd name="connsiteX27" fmla="*/ 964406 w 1207294"/>
-                <a:gd name="connsiteY27" fmla="*/ 450056 h 4107656"/>
-                <a:gd name="connsiteX28" fmla="*/ 971550 w 1207294"/>
-                <a:gd name="connsiteY28" fmla="*/ 471487 h 4107656"/>
-                <a:gd name="connsiteX29" fmla="*/ 1000125 w 1207294"/>
-                <a:gd name="connsiteY29" fmla="*/ 514350 h 4107656"/>
-                <a:gd name="connsiteX30" fmla="*/ 1007269 w 1207294"/>
-                <a:gd name="connsiteY30" fmla="*/ 535781 h 4107656"/>
-                <a:gd name="connsiteX31" fmla="*/ 1035844 w 1207294"/>
-                <a:gd name="connsiteY31" fmla="*/ 578644 h 4107656"/>
-                <a:gd name="connsiteX32" fmla="*/ 1050131 w 1207294"/>
-                <a:gd name="connsiteY32" fmla="*/ 628650 h 4107656"/>
-                <a:gd name="connsiteX33" fmla="*/ 1064419 w 1207294"/>
-                <a:gd name="connsiteY33" fmla="*/ 671512 h 4107656"/>
-                <a:gd name="connsiteX34" fmla="*/ 1071562 w 1207294"/>
-                <a:gd name="connsiteY34" fmla="*/ 692944 h 4107656"/>
-                <a:gd name="connsiteX35" fmla="*/ 1107281 w 1207294"/>
-                <a:gd name="connsiteY35" fmla="*/ 800100 h 4107656"/>
-                <a:gd name="connsiteX36" fmla="*/ 1128712 w 1207294"/>
-                <a:gd name="connsiteY36" fmla="*/ 864394 h 4107656"/>
-                <a:gd name="connsiteX37" fmla="*/ 1135856 w 1207294"/>
-                <a:gd name="connsiteY37" fmla="*/ 885825 h 4107656"/>
-                <a:gd name="connsiteX38" fmla="*/ 1143000 w 1207294"/>
-                <a:gd name="connsiteY38" fmla="*/ 907256 h 4107656"/>
-                <a:gd name="connsiteX39" fmla="*/ 1150144 w 1207294"/>
-                <a:gd name="connsiteY39" fmla="*/ 964406 h 4107656"/>
-                <a:gd name="connsiteX40" fmla="*/ 1157287 w 1207294"/>
-                <a:gd name="connsiteY40" fmla="*/ 1007269 h 4107656"/>
-                <a:gd name="connsiteX41" fmla="*/ 1178719 w 1207294"/>
-                <a:gd name="connsiteY41" fmla="*/ 1193006 h 4107656"/>
-                <a:gd name="connsiteX42" fmla="*/ 1193006 w 1207294"/>
-                <a:gd name="connsiteY42" fmla="*/ 1314450 h 4107656"/>
-                <a:gd name="connsiteX43" fmla="*/ 1207294 w 1207294"/>
-                <a:gd name="connsiteY43" fmla="*/ 1578769 h 4107656"/>
-                <a:gd name="connsiteX44" fmla="*/ 1200150 w 1207294"/>
-                <a:gd name="connsiteY44" fmla="*/ 1921669 h 4107656"/>
-                <a:gd name="connsiteX45" fmla="*/ 1185862 w 1207294"/>
-                <a:gd name="connsiteY45" fmla="*/ 2100262 h 4107656"/>
-                <a:gd name="connsiteX46" fmla="*/ 1171575 w 1207294"/>
-                <a:gd name="connsiteY46" fmla="*/ 2407444 h 4107656"/>
-                <a:gd name="connsiteX47" fmla="*/ 1157287 w 1207294"/>
-                <a:gd name="connsiteY47" fmla="*/ 2528887 h 4107656"/>
-                <a:gd name="connsiteX48" fmla="*/ 1150144 w 1207294"/>
-                <a:gd name="connsiteY48" fmla="*/ 2557462 h 4107656"/>
-                <a:gd name="connsiteX49" fmla="*/ 1135856 w 1207294"/>
-                <a:gd name="connsiteY49" fmla="*/ 2650331 h 4107656"/>
-                <a:gd name="connsiteX50" fmla="*/ 1128712 w 1207294"/>
-                <a:gd name="connsiteY50" fmla="*/ 2693194 h 4107656"/>
-                <a:gd name="connsiteX51" fmla="*/ 1114425 w 1207294"/>
-                <a:gd name="connsiteY51" fmla="*/ 2857500 h 4107656"/>
-                <a:gd name="connsiteX52" fmla="*/ 1121569 w 1207294"/>
-                <a:gd name="connsiteY52" fmla="*/ 3057525 h 4107656"/>
-                <a:gd name="connsiteX53" fmla="*/ 1128712 w 1207294"/>
-                <a:gd name="connsiteY53" fmla="*/ 3121819 h 4107656"/>
-                <a:gd name="connsiteX54" fmla="*/ 1135856 w 1207294"/>
-                <a:gd name="connsiteY54" fmla="*/ 3193256 h 4107656"/>
-                <a:gd name="connsiteX55" fmla="*/ 1143000 w 1207294"/>
-                <a:gd name="connsiteY55" fmla="*/ 3236119 h 4107656"/>
-                <a:gd name="connsiteX56" fmla="*/ 1150144 w 1207294"/>
-                <a:gd name="connsiteY56" fmla="*/ 3286125 h 4107656"/>
-                <a:gd name="connsiteX57" fmla="*/ 1128712 w 1207294"/>
-                <a:gd name="connsiteY57" fmla="*/ 3571875 h 4107656"/>
-                <a:gd name="connsiteX58" fmla="*/ 1121569 w 1207294"/>
-                <a:gd name="connsiteY58" fmla="*/ 3764756 h 4107656"/>
-                <a:gd name="connsiteX59" fmla="*/ 1107281 w 1207294"/>
-                <a:gd name="connsiteY59" fmla="*/ 3879056 h 4107656"/>
-                <a:gd name="connsiteX60" fmla="*/ 1092994 w 1207294"/>
-                <a:gd name="connsiteY60" fmla="*/ 3929062 h 4107656"/>
-                <a:gd name="connsiteX61" fmla="*/ 1078706 w 1207294"/>
-                <a:gd name="connsiteY61" fmla="*/ 3950494 h 4107656"/>
-                <a:gd name="connsiteX62" fmla="*/ 1014412 w 1207294"/>
-                <a:gd name="connsiteY62" fmla="*/ 4007644 h 4107656"/>
-                <a:gd name="connsiteX63" fmla="*/ 971550 w 1207294"/>
-                <a:gd name="connsiteY63" fmla="*/ 4021931 h 4107656"/>
-                <a:gd name="connsiteX64" fmla="*/ 907256 w 1207294"/>
-                <a:gd name="connsiteY64" fmla="*/ 4050506 h 4107656"/>
-                <a:gd name="connsiteX65" fmla="*/ 871537 w 1207294"/>
-                <a:gd name="connsiteY65" fmla="*/ 4057650 h 4107656"/>
-                <a:gd name="connsiteX66" fmla="*/ 828675 w 1207294"/>
-                <a:gd name="connsiteY66" fmla="*/ 4064794 h 4107656"/>
-                <a:gd name="connsiteX67" fmla="*/ 785812 w 1207294"/>
-                <a:gd name="connsiteY67" fmla="*/ 4079081 h 4107656"/>
-                <a:gd name="connsiteX68" fmla="*/ 742950 w 1207294"/>
-                <a:gd name="connsiteY68" fmla="*/ 4093369 h 4107656"/>
-                <a:gd name="connsiteX69" fmla="*/ 721519 w 1207294"/>
-                <a:gd name="connsiteY69" fmla="*/ 4100512 h 4107656"/>
-                <a:gd name="connsiteX70" fmla="*/ 700087 w 1207294"/>
-                <a:gd name="connsiteY70" fmla="*/ 4107656 h 4107656"/>
-                <a:gd name="connsiteX71" fmla="*/ 578644 w 1207294"/>
-                <a:gd name="connsiteY71" fmla="*/ 4100512 h 4107656"/>
-                <a:gd name="connsiteX72" fmla="*/ 514350 w 1207294"/>
-                <a:gd name="connsiteY72" fmla="*/ 4071937 h 4107656"/>
-                <a:gd name="connsiteX73" fmla="*/ 492919 w 1207294"/>
-                <a:gd name="connsiteY73" fmla="*/ 4064794 h 4107656"/>
-                <a:gd name="connsiteX74" fmla="*/ 450056 w 1207294"/>
-                <a:gd name="connsiteY74" fmla="*/ 4014787 h 4107656"/>
-                <a:gd name="connsiteX75" fmla="*/ 421481 w 1207294"/>
-                <a:gd name="connsiteY75" fmla="*/ 3971925 h 4107656"/>
-                <a:gd name="connsiteX76" fmla="*/ 407194 w 1207294"/>
-                <a:gd name="connsiteY76" fmla="*/ 3950494 h 4107656"/>
-                <a:gd name="connsiteX77" fmla="*/ 400050 w 1207294"/>
-                <a:gd name="connsiteY77" fmla="*/ 3929062 h 4107656"/>
-                <a:gd name="connsiteX78" fmla="*/ 378619 w 1207294"/>
-                <a:gd name="connsiteY78" fmla="*/ 3907631 h 4107656"/>
-                <a:gd name="connsiteX79" fmla="*/ 357187 w 1207294"/>
-                <a:gd name="connsiteY79" fmla="*/ 3857625 h 4107656"/>
-                <a:gd name="connsiteX80" fmla="*/ 342900 w 1207294"/>
-                <a:gd name="connsiteY80" fmla="*/ 3829050 h 4107656"/>
-                <a:gd name="connsiteX81" fmla="*/ 314325 w 1207294"/>
-                <a:gd name="connsiteY81" fmla="*/ 3750469 h 4107656"/>
-                <a:gd name="connsiteX82" fmla="*/ 300037 w 1207294"/>
-                <a:gd name="connsiteY82" fmla="*/ 3707606 h 4107656"/>
-                <a:gd name="connsiteX83" fmla="*/ 285750 w 1207294"/>
-                <a:gd name="connsiteY83" fmla="*/ 3686175 h 4107656"/>
-                <a:gd name="connsiteX84" fmla="*/ 250044 w 1207294"/>
-                <a:gd name="connsiteY84" fmla="*/ 3626565 h 4107656"/>
-                <a:gd name="connsiteX85" fmla="*/ 221456 w 1207294"/>
-                <a:gd name="connsiteY85" fmla="*/ 3564731 h 4107656"/>
-                <a:gd name="connsiteX86" fmla="*/ 178594 w 1207294"/>
-                <a:gd name="connsiteY86" fmla="*/ 3500437 h 4107656"/>
-                <a:gd name="connsiteX87" fmla="*/ 157162 w 1207294"/>
-                <a:gd name="connsiteY87" fmla="*/ 3471862 h 4107656"/>
-                <a:gd name="connsiteX88" fmla="*/ 114300 w 1207294"/>
-                <a:gd name="connsiteY88" fmla="*/ 3400425 h 4107656"/>
-                <a:gd name="connsiteX89" fmla="*/ 50006 w 1207294"/>
-                <a:gd name="connsiteY89" fmla="*/ 3300412 h 4107656"/>
-                <a:gd name="connsiteX90" fmla="*/ 21431 w 1207294"/>
-                <a:gd name="connsiteY90" fmla="*/ 3250406 h 4107656"/>
-                <a:gd name="connsiteX91" fmla="*/ 14287 w 1207294"/>
-                <a:gd name="connsiteY91" fmla="*/ 3221831 h 4107656"/>
-                <a:gd name="connsiteX92" fmla="*/ 0 w 1207294"/>
-                <a:gd name="connsiteY92" fmla="*/ 3150394 h 4107656"/>
-                <a:gd name="connsiteX93" fmla="*/ 7143 w 1207294"/>
-                <a:gd name="connsiteY93" fmla="*/ 2978944 h 4107656"/>
-                <a:gd name="connsiteX94" fmla="*/ 21431 w 1207294"/>
-                <a:gd name="connsiteY94" fmla="*/ 2850356 h 4107656"/>
-                <a:gd name="connsiteX95" fmla="*/ 28575 w 1207294"/>
-                <a:gd name="connsiteY95" fmla="*/ 2807494 h 4107656"/>
-                <a:gd name="connsiteX96" fmla="*/ 42862 w 1207294"/>
-                <a:gd name="connsiteY96" fmla="*/ 2757487 h 4107656"/>
-                <a:gd name="connsiteX97" fmla="*/ 50006 w 1207294"/>
-                <a:gd name="connsiteY97" fmla="*/ 2728912 h 4107656"/>
-                <a:gd name="connsiteX98" fmla="*/ 64294 w 1207294"/>
-                <a:gd name="connsiteY98" fmla="*/ 2678906 h 4107656"/>
-                <a:gd name="connsiteX99" fmla="*/ 78581 w 1207294"/>
-                <a:gd name="connsiteY99" fmla="*/ 2614612 h 4107656"/>
-                <a:gd name="connsiteX100" fmla="*/ 92869 w 1207294"/>
-                <a:gd name="connsiteY100" fmla="*/ 2586037 h 4107656"/>
-                <a:gd name="connsiteX101" fmla="*/ 114300 w 1207294"/>
-                <a:gd name="connsiteY101" fmla="*/ 2521744 h 4107656"/>
-                <a:gd name="connsiteX102" fmla="*/ 150019 w 1207294"/>
-                <a:gd name="connsiteY102" fmla="*/ 2400300 h 4107656"/>
-                <a:gd name="connsiteX103" fmla="*/ 164306 w 1207294"/>
-                <a:gd name="connsiteY103" fmla="*/ 2371725 h 4107656"/>
-                <a:gd name="connsiteX104" fmla="*/ 200025 w 1207294"/>
-                <a:gd name="connsiteY104" fmla="*/ 2286000 h 4107656"/>
-                <a:gd name="connsiteX105" fmla="*/ 254152 w 1207294"/>
-                <a:gd name="connsiteY105" fmla="*/ 2146389 h 4107656"/>
-                <a:gd name="connsiteX106" fmla="*/ 257175 w 1207294"/>
-                <a:gd name="connsiteY106" fmla="*/ 1678781 h 4107656"/>
-                <a:gd name="connsiteX107" fmla="*/ 250031 w 1207294"/>
-                <a:gd name="connsiteY107" fmla="*/ 1643062 h 4107656"/>
-                <a:gd name="connsiteX108" fmla="*/ 235744 w 1207294"/>
-                <a:gd name="connsiteY108" fmla="*/ 1578769 h 4107656"/>
-                <a:gd name="connsiteX109" fmla="*/ 221456 w 1207294"/>
-                <a:gd name="connsiteY109" fmla="*/ 1485900 h 4107656"/>
-                <a:gd name="connsiteX110" fmla="*/ 192881 w 1207294"/>
-                <a:gd name="connsiteY110" fmla="*/ 1407319 h 4107656"/>
-                <a:gd name="connsiteX111" fmla="*/ 185737 w 1207294"/>
-                <a:gd name="connsiteY111" fmla="*/ 1378744 h 4107656"/>
-                <a:gd name="connsiteX112" fmla="*/ 171450 w 1207294"/>
-                <a:gd name="connsiteY112" fmla="*/ 1335881 h 4107656"/>
-                <a:gd name="connsiteX113" fmla="*/ 128587 w 1207294"/>
-                <a:gd name="connsiteY113" fmla="*/ 1200150 h 4107656"/>
-                <a:gd name="connsiteX114" fmla="*/ 114300 w 1207294"/>
-                <a:gd name="connsiteY114" fmla="*/ 1092994 h 4107656"/>
-                <a:gd name="connsiteX115" fmla="*/ 107156 w 1207294"/>
-                <a:gd name="connsiteY115" fmla="*/ 1050131 h 4107656"/>
-                <a:gd name="connsiteX116" fmla="*/ 100012 w 1207294"/>
-                <a:gd name="connsiteY116" fmla="*/ 985837 h 4107656"/>
-                <a:gd name="connsiteX117" fmla="*/ 114300 w 1207294"/>
-                <a:gd name="connsiteY117" fmla="*/ 621506 h 4107656"/>
-              </a:gdLst>
-              <a:ahLst/>
-              <a:cxnLst>
-                <a:cxn ang="0">
-                  <a:pos x="connsiteX0" y="connsiteY0"/>
-                </a:cxn>
-                <a:cxn ang="0">
-                  <a:pos x="connsiteX1" y="connsiteY1"/>
-                </a:cxn>
-                <a:cxn ang="0">
-                  <a:pos x="connsiteX2" y="connsiteY2"/>
-                </a:cxn>
-                <a:cxn ang="0">
-                  <a:pos x="connsiteX3" y="connsiteY3"/>
-                </a:cxn>
-                <a:cxn ang="0">
-                  <a:pos x="connsiteX4" y="connsiteY4"/>
-                </a:cxn>
-                <a:cxn ang="0">
-                  <a:pos x="connsiteX5" y="connsiteY5"/>
-                </a:cxn>
-                <a:cxn ang="0">
-                  <a:pos x="connsiteX6" y="connsiteY6"/>
-                </a:cxn>
-                <a:cxn ang="0">
-                  <a:pos x="connsiteX7" y="connsiteY7"/>
-                </a:cxn>
-                <a:cxn ang="0">
-                  <a:pos x="connsiteX8" y="connsiteY8"/>
-                </a:cxn>
-                <a:cxn ang="0">
-                  <a:pos x="connsiteX9" y="connsiteY9"/>
-                </a:cxn>
-                <a:cxn ang="0">
-                  <a:pos x="connsiteX10" y="connsiteY10"/>
-                </a:cxn>
-                <a:cxn ang="0">
-                  <a:pos x="connsiteX11" y="connsiteY11"/>
-                </a:cxn>
-                <a:cxn ang="0">
-                  <a:pos x="connsiteX12" y="connsiteY12"/>
-                </a:cxn>
-                <a:cxn ang="0">
-                  <a:pos x="connsiteX13" y="connsiteY13"/>
-                </a:cxn>
-                <a:cxn ang="0">
-                  <a:pos x="connsiteX14" y="connsiteY14"/>
-                </a:cxn>
-                <a:cxn ang="0">
-                  <a:pos x="connsiteX15" y="connsiteY15"/>
-                </a:cxn>
-                <a:cxn ang="0">
-                  <a:pos x="connsiteX16" y="connsiteY16"/>
-                </a:cxn>
-                <a:cxn ang="0">
-                  <a:pos x="connsiteX17" y="connsiteY17"/>
-                </a:cxn>
-                <a:cxn ang="0">
-                  <a:pos x="connsiteX18" y="connsiteY18"/>
-                </a:cxn>
-                <a:cxn ang="0">
-                  <a:pos x="connsiteX19" y="connsiteY19"/>
-                </a:cxn>
-                <a:cxn ang="0">
-                  <a:pos x="connsiteX20" y="connsiteY20"/>
-                </a:cxn>
-                <a:cxn ang="0">
-                  <a:pos x="connsiteX21" y="connsiteY21"/>
-                </a:cxn>
-                <a:cxn ang="0">
-                  <a:pos x="connsiteX22" y="connsiteY22"/>
-                </a:cxn>
-                <a:cxn ang="0">
-                  <a:pos x="connsiteX23" y="connsiteY23"/>
-                </a:cxn>
-                <a:cxn ang="0">
-                  <a:pos x="connsiteX24" y="connsiteY24"/>
-                </a:cxn>
-                <a:cxn ang="0">
-                  <a:pos x="connsiteX25" y="connsiteY25"/>
-                </a:cxn>
-                <a:cxn ang="0">
-                  <a:pos x="connsiteX26" y="connsiteY26"/>
-                </a:cxn>
-                <a:cxn ang="0">
-                  <a:pos x="connsiteX27" y="connsiteY27"/>
-                </a:cxn>
-                <a:cxn ang="0">
-                  <a:pos x="connsiteX28" y="connsiteY28"/>
-                </a:cxn>
-                <a:cxn ang="0">
-                  <a:pos x="connsiteX29" y="connsiteY29"/>
-                </a:cxn>
-                <a:cxn ang="0">
-                  <a:pos x="connsiteX30" y="connsiteY30"/>
-                </a:cxn>
-                <a:cxn ang="0">
-                  <a:pos x="connsiteX31" y="connsiteY31"/>
-                </a:cxn>
-                <a:cxn ang="0">
-                  <a:pos x="connsiteX32" y="connsiteY32"/>
-                </a:cxn>
-                <a:cxn ang="0">
-                  <a:pos x="connsiteX33" y="connsiteY33"/>
-                </a:cxn>
-                <a:cxn ang="0">
-                  <a:pos x="connsiteX34" y="connsiteY34"/>
-                </a:cxn>
-                <a:cxn ang="0">
-                  <a:pos x="connsiteX35" y="connsiteY35"/>
-                </a:cxn>
-                <a:cxn ang="0">
-                  <a:pos x="connsiteX36" y="connsiteY36"/>
-                </a:cxn>
-                <a:cxn ang="0">
-                  <a:pos x="connsiteX37" y="connsiteY37"/>
-                </a:cxn>
-                <a:cxn ang="0">
-                  <a:pos x="connsiteX38" y="connsiteY38"/>
-                </a:cxn>
-                <a:cxn ang="0">
-                  <a:pos x="connsiteX39" y="connsiteY39"/>
-                </a:cxn>
-                <a:cxn ang="0">
-                  <a:pos x="connsiteX40" y="connsiteY40"/>
-                </a:cxn>
-                <a:cxn ang="0">
-                  <a:pos x="connsiteX41" y="connsiteY41"/>
-                </a:cxn>
-                <a:cxn ang="0">
-                  <a:pos x="connsiteX42" y="connsiteY42"/>
-                </a:cxn>
-                <a:cxn ang="0">
-                  <a:pos x="connsiteX43" y="connsiteY43"/>
-                </a:cxn>
-                <a:cxn ang="0">
-                  <a:pos x="connsiteX44" y="connsiteY44"/>
-                </a:cxn>
-                <a:cxn ang="0">
-                  <a:pos x="connsiteX45" y="connsiteY45"/>
-                </a:cxn>
-                <a:cxn ang="0">
-                  <a:pos x="connsiteX46" y="connsiteY46"/>
-                </a:cxn>
-                <a:cxn ang="0">
-                  <a:pos x="connsiteX47" y="connsiteY47"/>
-                </a:cxn>
-                <a:cxn ang="0">
-                  <a:pos x="connsiteX48" y="connsiteY48"/>
-                </a:cxn>
-                <a:cxn ang="0">
-                  <a:pos x="connsiteX49" y="connsiteY49"/>
-                </a:cxn>
-                <a:cxn ang="0">
-                  <a:pos x="connsiteX50" y="connsiteY50"/>
-                </a:cxn>
-                <a:cxn ang="0">
-                  <a:pos x="connsiteX51" y="connsiteY51"/>
-                </a:cxn>
-                <a:cxn ang="0">
-                  <a:pos x="connsiteX52" y="connsiteY52"/>
-                </a:cxn>
-                <a:cxn ang="0">
-                  <a:pos x="connsiteX53" y="connsiteY53"/>
-                </a:cxn>
-                <a:cxn ang="0">
-                  <a:pos x="connsiteX54" y="connsiteY54"/>
-                </a:cxn>
-                <a:cxn ang="0">
-                  <a:pos x="connsiteX55" y="connsiteY55"/>
-                </a:cxn>
-                <a:cxn ang="0">
-                  <a:pos x="connsiteX56" y="connsiteY56"/>
-                </a:cxn>
-                <a:cxn ang="0">
-                  <a:pos x="connsiteX57" y="connsiteY57"/>
-                </a:cxn>
-                <a:cxn ang="0">
-                  <a:pos x="connsiteX58" y="connsiteY58"/>
-                </a:cxn>
-                <a:cxn ang="0">
-                  <a:pos x="connsiteX59" y="connsiteY59"/>
-                </a:cxn>
-                <a:cxn ang="0">
-                  <a:pos x="connsiteX60" y="connsiteY60"/>
-                </a:cxn>
-                <a:cxn ang="0">
-                  <a:pos x="connsiteX61" y="connsiteY61"/>
-                </a:cxn>
-                <a:cxn ang="0">
-                  <a:pos x="connsiteX62" y="connsiteY62"/>
-                </a:cxn>
-                <a:cxn ang="0">
-                  <a:pos x="connsiteX63" y="connsiteY63"/>
-                </a:cxn>
-                <a:cxn ang="0">
-                  <a:pos x="connsiteX64" y="connsiteY64"/>
-                </a:cxn>
-                <a:cxn ang="0">
-                  <a:pos x="connsiteX65" y="connsiteY65"/>
-                </a:cxn>
-                <a:cxn ang="0">
-                  <a:pos x="connsiteX66" y="connsiteY66"/>
-                </a:cxn>
-                <a:cxn ang="0">
-                  <a:pos x="connsiteX67" y="connsiteY67"/>
-                </a:cxn>
-                <a:cxn ang="0">
-                  <a:pos x="connsiteX68" y="connsiteY68"/>
-                </a:cxn>
-                <a:cxn ang="0">
-                  <a:pos x="connsiteX69" y="connsiteY69"/>
-                </a:cxn>
-                <a:cxn ang="0">
-                  <a:pos x="connsiteX70" y="connsiteY70"/>
-                </a:cxn>
-                <a:cxn ang="0">
-                  <a:pos x="connsiteX71" y="connsiteY71"/>
-                </a:cxn>
-                <a:cxn ang="0">
-                  <a:pos x="connsiteX72" y="connsiteY72"/>
-                </a:cxn>
-                <a:cxn ang="0">
-                  <a:pos x="connsiteX73" y="connsiteY73"/>
-                </a:cxn>
-                <a:cxn ang="0">
-                  <a:pos x="connsiteX74" y="connsiteY74"/>
-                </a:cxn>
-                <a:cxn ang="0">
-                  <a:pos x="connsiteX75" y="connsiteY75"/>
-                </a:cxn>
-                <a:cxn ang="0">
-                  <a:pos x="connsiteX76" y="connsiteY76"/>
-                </a:cxn>
-                <a:cxn ang="0">
-                  <a:pos x="connsiteX77" y="connsiteY77"/>
-                </a:cxn>
-                <a:cxn ang="0">
-                  <a:pos x="connsiteX78" y="connsiteY78"/>
-                </a:cxn>
-                <a:cxn ang="0">
-                  <a:pos x="connsiteX79" y="connsiteY79"/>
-                </a:cxn>
-                <a:cxn ang="0">
-                  <a:pos x="connsiteX80" y="connsiteY80"/>
-                </a:cxn>
-                <a:cxn ang="0">
-                  <a:pos x="connsiteX81" y="connsiteY81"/>
-                </a:cxn>
-                <a:cxn ang="0">
-                  <a:pos x="connsiteX82" y="connsiteY82"/>
-                </a:cxn>
-                <a:cxn ang="0">
-                  <a:pos x="connsiteX83" y="connsiteY83"/>
-                </a:cxn>
-                <a:cxn ang="0">
-                  <a:pos x="connsiteX84" y="connsiteY84"/>
-                </a:cxn>
-                <a:cxn ang="0">
-                  <a:pos x="connsiteX85" y="connsiteY85"/>
-                </a:cxn>
-                <a:cxn ang="0">
-                  <a:pos x="connsiteX86" y="connsiteY86"/>
-                </a:cxn>
-                <a:cxn ang="0">
-                  <a:pos x="connsiteX87" y="connsiteY87"/>
-                </a:cxn>
-                <a:cxn ang="0">
-                  <a:pos x="connsiteX88" y="connsiteY88"/>
-                </a:cxn>
-                <a:cxn ang="0">
-                  <a:pos x="connsiteX89" y="connsiteY89"/>
-                </a:cxn>
-                <a:cxn ang="0">
-                  <a:pos x="connsiteX90" y="connsiteY90"/>
-                </a:cxn>
-                <a:cxn ang="0">
-                  <a:pos x="connsiteX91" y="connsiteY91"/>
-                </a:cxn>
-                <a:cxn ang="0">
-                  <a:pos x="connsiteX92" y="connsiteY92"/>
-                </a:cxn>
-                <a:cxn ang="0">
-                  <a:pos x="connsiteX93" y="connsiteY93"/>
-                </a:cxn>
-                <a:cxn ang="0">
-                  <a:pos x="connsiteX94" y="connsiteY94"/>
-                </a:cxn>
-                <a:cxn ang="0">
-                  <a:pos x="connsiteX95" y="connsiteY95"/>
-                </a:cxn>
-                <a:cxn ang="0">
-                  <a:pos x="connsiteX96" y="connsiteY96"/>
-                </a:cxn>
-                <a:cxn ang="0">
-                  <a:pos x="connsiteX97" y="connsiteY97"/>
-                </a:cxn>
-                <a:cxn ang="0">
-                  <a:pos x="connsiteX98" y="connsiteY98"/>
-                </a:cxn>
-                <a:cxn ang="0">
-                  <a:pos x="connsiteX99" y="connsiteY99"/>
-                </a:cxn>
-                <a:cxn ang="0">
-                  <a:pos x="connsiteX100" y="connsiteY100"/>
-                </a:cxn>
-                <a:cxn ang="0">
-                  <a:pos x="connsiteX101" y="connsiteY101"/>
-                </a:cxn>
-                <a:cxn ang="0">
-                  <a:pos x="connsiteX102" y="connsiteY102"/>
-                </a:cxn>
-                <a:cxn ang="0">
-                  <a:pos x="connsiteX103" y="connsiteY103"/>
-                </a:cxn>
-                <a:cxn ang="0">
-                  <a:pos x="connsiteX104" y="connsiteY104"/>
-                </a:cxn>
-                <a:cxn ang="0">
-                  <a:pos x="connsiteX105" y="connsiteY105"/>
-                </a:cxn>
-                <a:cxn ang="0">
-                  <a:pos x="connsiteX106" y="connsiteY106"/>
-                </a:cxn>
-                <a:cxn ang="0">
-                  <a:pos x="connsiteX107" y="connsiteY107"/>
-                </a:cxn>
-                <a:cxn ang="0">
-                  <a:pos x="connsiteX108" y="connsiteY108"/>
-                </a:cxn>
-                <a:cxn ang="0">
-                  <a:pos x="connsiteX109" y="connsiteY109"/>
-                </a:cxn>
-                <a:cxn ang="0">
-                  <a:pos x="connsiteX110" y="connsiteY110"/>
-                </a:cxn>
-                <a:cxn ang="0">
-                  <a:pos x="connsiteX111" y="connsiteY111"/>
-                </a:cxn>
-                <a:cxn ang="0">
-                  <a:pos x="connsiteX112" y="connsiteY112"/>
-                </a:cxn>
-                <a:cxn ang="0">
-                  <a:pos x="connsiteX113" y="connsiteY113"/>
-                </a:cxn>
-                <a:cxn ang="0">
-                  <a:pos x="connsiteX114" y="connsiteY114"/>
-                </a:cxn>
-                <a:cxn ang="0">
-                  <a:pos x="connsiteX115" y="connsiteY115"/>
-                </a:cxn>
-                <a:cxn ang="0">
-                  <a:pos x="connsiteX116" y="connsiteY116"/>
-                </a:cxn>
-                <a:cxn ang="0">
-                  <a:pos x="connsiteX117" y="connsiteY117"/>
-                </a:cxn>
-              </a:cxnLst>
-              <a:rect l="l" t="t" r="r" b="b"/>
-              <a:pathLst>
-                <a:path w="1207294" h="4107656">
-                  <a:moveTo>
-                    <a:pt x="114300" y="621506"/>
-                  </a:moveTo>
-                  <a:lnTo>
-                    <a:pt x="114300" y="621506"/>
-                  </a:lnTo>
-                  <a:cubicBezTo>
-                    <a:pt x="116681" y="521494"/>
-                    <a:pt x="117364" y="421426"/>
-                    <a:pt x="121444" y="321469"/>
-                  </a:cubicBezTo>
-                  <a:cubicBezTo>
-                    <a:pt x="124005" y="258710"/>
-                    <a:pt x="125787" y="289805"/>
-                    <a:pt x="135731" y="250031"/>
-                  </a:cubicBezTo>
-                  <a:cubicBezTo>
-                    <a:pt x="138676" y="238251"/>
-                    <a:pt x="139680" y="226026"/>
-                    <a:pt x="142875" y="214312"/>
-                  </a:cubicBezTo>
-                  <a:cubicBezTo>
-                    <a:pt x="142881" y="214290"/>
-                    <a:pt x="160731" y="160745"/>
-                    <a:pt x="164306" y="150019"/>
-                  </a:cubicBezTo>
-                  <a:lnTo>
-                    <a:pt x="171450" y="128587"/>
-                  </a:lnTo>
-                  <a:cubicBezTo>
-                    <a:pt x="177260" y="111157"/>
-                    <a:pt x="179034" y="99573"/>
-                    <a:pt x="192881" y="85725"/>
-                  </a:cubicBezTo>
-                  <a:cubicBezTo>
-                    <a:pt x="198952" y="79654"/>
-                    <a:pt x="207168" y="76200"/>
-                    <a:pt x="214312" y="71437"/>
-                  </a:cubicBezTo>
-                  <a:cubicBezTo>
-                    <a:pt x="230981" y="46435"/>
-                    <a:pt x="235745" y="33336"/>
-                    <a:pt x="271462" y="21431"/>
-                  </a:cubicBezTo>
-                  <a:lnTo>
-                    <a:pt x="314325" y="7144"/>
-                  </a:lnTo>
-                  <a:lnTo>
-                    <a:pt x="335756" y="0"/>
-                  </a:lnTo>
-                  <a:cubicBezTo>
-                    <a:pt x="479374" y="7979"/>
-                    <a:pt x="423620" y="-6431"/>
-                    <a:pt x="507206" y="21431"/>
-                  </a:cubicBezTo>
-                  <a:cubicBezTo>
-                    <a:pt x="514350" y="23812"/>
-                    <a:pt x="522372" y="24398"/>
-                    <a:pt x="528637" y="28575"/>
-                  </a:cubicBezTo>
-                  <a:lnTo>
-                    <a:pt x="592931" y="71437"/>
-                  </a:lnTo>
-                  <a:lnTo>
-                    <a:pt x="614362" y="85725"/>
-                  </a:lnTo>
-                  <a:lnTo>
-                    <a:pt x="635794" y="100012"/>
-                  </a:lnTo>
-                  <a:cubicBezTo>
-                    <a:pt x="673888" y="157157"/>
-                    <a:pt x="623893" y="88113"/>
-                    <a:pt x="671512" y="135731"/>
-                  </a:cubicBezTo>
-                  <a:cubicBezTo>
-                    <a:pt x="677583" y="141802"/>
-                    <a:pt x="679339" y="151508"/>
-                    <a:pt x="685800" y="157162"/>
-                  </a:cubicBezTo>
-                  <a:cubicBezTo>
-                    <a:pt x="698723" y="168469"/>
-                    <a:pt x="716520" y="173595"/>
-                    <a:pt x="728662" y="185737"/>
-                  </a:cubicBezTo>
-                  <a:cubicBezTo>
-                    <a:pt x="791276" y="248351"/>
-                    <a:pt x="711850" y="171727"/>
-                    <a:pt x="771525" y="221456"/>
-                  </a:cubicBezTo>
-                  <a:cubicBezTo>
-                    <a:pt x="779286" y="227924"/>
-                    <a:pt x="785195" y="236419"/>
-                    <a:pt x="792956" y="242887"/>
-                  </a:cubicBezTo>
-                  <a:cubicBezTo>
-                    <a:pt x="799552" y="248384"/>
-                    <a:pt x="807970" y="251471"/>
-                    <a:pt x="814387" y="257175"/>
-                  </a:cubicBezTo>
-                  <a:cubicBezTo>
-                    <a:pt x="829489" y="270599"/>
-                    <a:pt x="842962" y="285749"/>
-                    <a:pt x="857250" y="300037"/>
-                  </a:cubicBezTo>
-                  <a:cubicBezTo>
-                    <a:pt x="864394" y="307181"/>
-                    <a:pt x="873077" y="313063"/>
-                    <a:pt x="878681" y="321469"/>
-                  </a:cubicBezTo>
-                  <a:cubicBezTo>
-                    <a:pt x="912860" y="372737"/>
-                    <a:pt x="895114" y="352189"/>
-                    <a:pt x="928687" y="385762"/>
-                  </a:cubicBezTo>
-                  <a:cubicBezTo>
-                    <a:pt x="931068" y="392906"/>
-                    <a:pt x="932174" y="400611"/>
-                    <a:pt x="935831" y="407194"/>
-                  </a:cubicBezTo>
-                  <a:cubicBezTo>
-                    <a:pt x="944170" y="422204"/>
-                    <a:pt x="958976" y="433766"/>
-                    <a:pt x="964406" y="450056"/>
-                  </a:cubicBezTo>
-                  <a:cubicBezTo>
-                    <a:pt x="966787" y="457200"/>
-                    <a:pt x="967893" y="464904"/>
-                    <a:pt x="971550" y="471487"/>
-                  </a:cubicBezTo>
-                  <a:cubicBezTo>
-                    <a:pt x="979889" y="486498"/>
-                    <a:pt x="994695" y="498060"/>
-                    <a:pt x="1000125" y="514350"/>
-                  </a:cubicBezTo>
-                  <a:cubicBezTo>
-                    <a:pt x="1002506" y="521494"/>
-                    <a:pt x="1003612" y="529198"/>
-                    <a:pt x="1007269" y="535781"/>
-                  </a:cubicBezTo>
-                  <a:cubicBezTo>
-                    <a:pt x="1015608" y="550792"/>
-                    <a:pt x="1035844" y="578644"/>
-                    <a:pt x="1035844" y="578644"/>
-                  </a:cubicBezTo>
-                  <a:cubicBezTo>
-                    <a:pt x="1059868" y="650724"/>
-                    <a:pt x="1023197" y="538875"/>
-                    <a:pt x="1050131" y="628650"/>
-                  </a:cubicBezTo>
-                  <a:cubicBezTo>
-                    <a:pt x="1054459" y="643075"/>
-                    <a:pt x="1059657" y="657225"/>
-                    <a:pt x="1064419" y="671512"/>
-                  </a:cubicBezTo>
-                  <a:lnTo>
-                    <a:pt x="1071562" y="692944"/>
-                  </a:lnTo>
-                  <a:lnTo>
-                    <a:pt x="1107281" y="800100"/>
-                  </a:lnTo>
-                  <a:lnTo>
-                    <a:pt x="1128712" y="864394"/>
-                  </a:lnTo>
-                  <a:lnTo>
-                    <a:pt x="1135856" y="885825"/>
-                  </a:lnTo>
-                  <a:lnTo>
-                    <a:pt x="1143000" y="907256"/>
-                  </a:lnTo>
-                  <a:cubicBezTo>
-                    <a:pt x="1145381" y="926306"/>
-                    <a:pt x="1147429" y="945401"/>
-                    <a:pt x="1150144" y="964406"/>
-                  </a:cubicBezTo>
-                  <a:cubicBezTo>
-                    <a:pt x="1152192" y="978745"/>
-                    <a:pt x="1155330" y="992917"/>
-                    <a:pt x="1157287" y="1007269"/>
-                  </a:cubicBezTo>
-                  <a:cubicBezTo>
-                    <a:pt x="1178193" y="1160579"/>
-                    <a:pt x="1165480" y="1073850"/>
-                    <a:pt x="1178719" y="1193006"/>
-                  </a:cubicBezTo>
-                  <a:cubicBezTo>
-                    <a:pt x="1184212" y="1242446"/>
-                    <a:pt x="1188599" y="1263767"/>
-                    <a:pt x="1193006" y="1314450"/>
-                  </a:cubicBezTo>
-                  <a:cubicBezTo>
-                    <a:pt x="1201654" y="1413897"/>
-                    <a:pt x="1202638" y="1471689"/>
-                    <a:pt x="1207294" y="1578769"/>
-                  </a:cubicBezTo>
-                  <a:cubicBezTo>
-                    <a:pt x="1204913" y="1693069"/>
-                    <a:pt x="1204844" y="1807441"/>
-                    <a:pt x="1200150" y="1921669"/>
-                  </a:cubicBezTo>
-                  <a:cubicBezTo>
-                    <a:pt x="1197698" y="1981340"/>
-                    <a:pt x="1188456" y="2040597"/>
-                    <a:pt x="1185862" y="2100262"/>
-                  </a:cubicBezTo>
-                  <a:cubicBezTo>
-                    <a:pt x="1183996" y="2143184"/>
-                    <a:pt x="1175065" y="2356839"/>
-                    <a:pt x="1171575" y="2407444"/>
-                  </a:cubicBezTo>
-                  <a:cubicBezTo>
-                    <a:pt x="1170900" y="2417230"/>
-                    <a:pt x="1159458" y="2515859"/>
-                    <a:pt x="1157287" y="2528887"/>
-                  </a:cubicBezTo>
-                  <a:cubicBezTo>
-                    <a:pt x="1155673" y="2538572"/>
-                    <a:pt x="1152069" y="2547835"/>
-                    <a:pt x="1150144" y="2557462"/>
-                  </a:cubicBezTo>
-                  <a:cubicBezTo>
-                    <a:pt x="1144203" y="2587167"/>
-                    <a:pt x="1140432" y="2620588"/>
-                    <a:pt x="1135856" y="2650331"/>
-                  </a:cubicBezTo>
-                  <a:cubicBezTo>
-                    <a:pt x="1133653" y="2664647"/>
-                    <a:pt x="1130509" y="2678821"/>
-                    <a:pt x="1128712" y="2693194"/>
-                  </a:cubicBezTo>
-                  <a:cubicBezTo>
-                    <a:pt x="1122575" y="2742294"/>
-                    <a:pt x="1118092" y="2809832"/>
-                    <a:pt x="1114425" y="2857500"/>
-                  </a:cubicBezTo>
-                  <a:cubicBezTo>
-                    <a:pt x="1116806" y="2924175"/>
-                    <a:pt x="1117968" y="2990905"/>
-                    <a:pt x="1121569" y="3057525"/>
-                  </a:cubicBezTo>
-                  <a:cubicBezTo>
-                    <a:pt x="1122733" y="3079057"/>
-                    <a:pt x="1126455" y="3100374"/>
-                    <a:pt x="1128712" y="3121819"/>
-                  </a:cubicBezTo>
-                  <a:cubicBezTo>
-                    <a:pt x="1131217" y="3145619"/>
-                    <a:pt x="1132888" y="3169510"/>
-                    <a:pt x="1135856" y="3193256"/>
-                  </a:cubicBezTo>
-                  <a:cubicBezTo>
-                    <a:pt x="1137653" y="3207629"/>
-                    <a:pt x="1140797" y="3221803"/>
-                    <a:pt x="1143000" y="3236119"/>
-                  </a:cubicBezTo>
-                  <a:cubicBezTo>
-                    <a:pt x="1145560" y="3252761"/>
-                    <a:pt x="1147763" y="3269456"/>
-                    <a:pt x="1150144" y="3286125"/>
-                  </a:cubicBezTo>
-                  <a:cubicBezTo>
-                    <a:pt x="1141512" y="3381076"/>
-                    <a:pt x="1132233" y="3476809"/>
-                    <a:pt x="1128712" y="3571875"/>
-                  </a:cubicBezTo>
-                  <a:cubicBezTo>
-                    <a:pt x="1126331" y="3636169"/>
-                    <a:pt x="1124950" y="3700507"/>
-                    <a:pt x="1121569" y="3764756"/>
-                  </a:cubicBezTo>
-                  <a:cubicBezTo>
-                    <a:pt x="1118793" y="3817503"/>
-                    <a:pt x="1117059" y="3835055"/>
-                    <a:pt x="1107281" y="3879056"/>
-                  </a:cubicBezTo>
-                  <a:cubicBezTo>
-                    <a:pt x="1105451" y="3887290"/>
-                    <a:pt x="1097765" y="3919519"/>
-                    <a:pt x="1092994" y="3929062"/>
-                  </a:cubicBezTo>
-                  <a:cubicBezTo>
-                    <a:pt x="1089154" y="3936742"/>
-                    <a:pt x="1084410" y="3944077"/>
-                    <a:pt x="1078706" y="3950494"/>
-                  </a:cubicBezTo>
-                  <a:cubicBezTo>
-                    <a:pt x="1068148" y="3962372"/>
-                    <a:pt x="1036349" y="3997894"/>
-                    <a:pt x="1014412" y="4007644"/>
-                  </a:cubicBezTo>
-                  <a:cubicBezTo>
-                    <a:pt x="1000650" y="4013760"/>
-                    <a:pt x="984081" y="4013577"/>
-                    <a:pt x="971550" y="4021931"/>
-                  </a:cubicBezTo>
-                  <a:cubicBezTo>
-                    <a:pt x="945895" y="4039035"/>
-                    <a:pt x="943694" y="4043218"/>
-                    <a:pt x="907256" y="4050506"/>
-                  </a:cubicBezTo>
-                  <a:lnTo>
-                    <a:pt x="871537" y="4057650"/>
-                  </a:lnTo>
-                  <a:cubicBezTo>
-                    <a:pt x="857286" y="4060241"/>
-                    <a:pt x="842727" y="4061281"/>
-                    <a:pt x="828675" y="4064794"/>
-                  </a:cubicBezTo>
-                  <a:cubicBezTo>
-                    <a:pt x="814064" y="4068447"/>
-                    <a:pt x="800100" y="4074319"/>
-                    <a:pt x="785812" y="4079081"/>
-                  </a:cubicBezTo>
-                  <a:lnTo>
-                    <a:pt x="742950" y="4093369"/>
-                  </a:lnTo>
-                  <a:lnTo>
-                    <a:pt x="721519" y="4100512"/>
-                  </a:lnTo>
-                  <a:lnTo>
-                    <a:pt x="700087" y="4107656"/>
-                  </a:lnTo>
-                  <a:cubicBezTo>
-                    <a:pt x="659606" y="4105275"/>
-                    <a:pt x="618854" y="4105757"/>
-                    <a:pt x="578644" y="4100512"/>
-                  </a:cubicBezTo>
-                  <a:cubicBezTo>
-                    <a:pt x="528767" y="4094006"/>
-                    <a:pt x="547667" y="4088596"/>
-                    <a:pt x="514350" y="4071937"/>
-                  </a:cubicBezTo>
-                  <a:cubicBezTo>
-                    <a:pt x="507615" y="4068569"/>
-                    <a:pt x="500063" y="4067175"/>
-                    <a:pt x="492919" y="4064794"/>
-                  </a:cubicBezTo>
-                  <a:cubicBezTo>
-                    <a:pt x="449077" y="3999031"/>
-                    <a:pt x="519346" y="4101399"/>
-                    <a:pt x="450056" y="4014787"/>
-                  </a:cubicBezTo>
-                  <a:cubicBezTo>
-                    <a:pt x="439329" y="4001379"/>
-                    <a:pt x="431006" y="3986212"/>
-                    <a:pt x="421481" y="3971925"/>
-                  </a:cubicBezTo>
-                  <a:cubicBezTo>
-                    <a:pt x="416719" y="3964781"/>
-                    <a:pt x="409909" y="3958639"/>
-                    <a:pt x="407194" y="3950494"/>
-                  </a:cubicBezTo>
-                  <a:cubicBezTo>
-                    <a:pt x="404813" y="3943350"/>
-                    <a:pt x="404227" y="3935328"/>
-                    <a:pt x="400050" y="3929062"/>
-                  </a:cubicBezTo>
-                  <a:cubicBezTo>
-                    <a:pt x="394446" y="3920656"/>
-                    <a:pt x="384491" y="3915852"/>
-                    <a:pt x="378619" y="3907631"/>
-                  </a:cubicBezTo>
-                  <a:cubicBezTo>
-                    <a:pt x="361696" y="3883939"/>
-                    <a:pt x="367181" y="3880943"/>
-                    <a:pt x="357187" y="3857625"/>
-                  </a:cubicBezTo>
-                  <a:cubicBezTo>
-                    <a:pt x="352992" y="3847837"/>
-                    <a:pt x="350044" y="3846909"/>
-                    <a:pt x="342900" y="3829050"/>
-                  </a:cubicBezTo>
-                  <a:cubicBezTo>
-                    <a:pt x="335756" y="3811191"/>
-                    <a:pt x="321469" y="3770710"/>
-                    <a:pt x="314325" y="3750469"/>
-                  </a:cubicBezTo>
-                  <a:cubicBezTo>
-                    <a:pt x="307181" y="3730228"/>
-                    <a:pt x="308391" y="3720137"/>
-                    <a:pt x="300037" y="3707606"/>
-                  </a:cubicBezTo>
-                  <a:cubicBezTo>
-                    <a:pt x="295275" y="3700462"/>
-                    <a:pt x="294082" y="3699682"/>
-                    <a:pt x="285750" y="3686175"/>
-                  </a:cubicBezTo>
-                  <a:cubicBezTo>
-                    <a:pt x="277418" y="3672668"/>
-                    <a:pt x="272935" y="3676925"/>
-                    <a:pt x="250044" y="3626565"/>
-                  </a:cubicBezTo>
-                  <a:cubicBezTo>
-                    <a:pt x="208308" y="3534746"/>
-                    <a:pt x="233364" y="3585752"/>
-                    <a:pt x="221456" y="3564731"/>
-                  </a:cubicBezTo>
-                  <a:cubicBezTo>
-                    <a:pt x="209548" y="3543710"/>
-                    <a:pt x="194049" y="3521042"/>
-                    <a:pt x="178594" y="3500437"/>
-                  </a:cubicBezTo>
-                  <a:cubicBezTo>
-                    <a:pt x="171450" y="3490912"/>
-                    <a:pt x="163601" y="3481877"/>
-                    <a:pt x="157162" y="3471862"/>
-                  </a:cubicBezTo>
-                  <a:cubicBezTo>
-                    <a:pt x="142145" y="3448503"/>
-                    <a:pt x="132159" y="3429000"/>
-                    <a:pt x="114300" y="3400425"/>
-                  </a:cubicBezTo>
-                  <a:cubicBezTo>
-                    <a:pt x="96441" y="3371850"/>
-                    <a:pt x="65484" y="3325415"/>
-                    <a:pt x="50006" y="3300412"/>
-                  </a:cubicBezTo>
-                  <a:cubicBezTo>
-                    <a:pt x="34528" y="3275409"/>
-                    <a:pt x="40218" y="3300504"/>
-                    <a:pt x="21431" y="3250406"/>
-                  </a:cubicBezTo>
-                  <a:cubicBezTo>
-                    <a:pt x="17984" y="3241213"/>
-                    <a:pt x="16344" y="3231431"/>
-                    <a:pt x="14287" y="3221831"/>
-                  </a:cubicBezTo>
-                  <a:cubicBezTo>
-                    <a:pt x="9199" y="3198086"/>
-                    <a:pt x="0" y="3150394"/>
-                    <a:pt x="0" y="3150394"/>
-                  </a:cubicBezTo>
-                  <a:cubicBezTo>
-                    <a:pt x="2381" y="3093244"/>
-                    <a:pt x="3880" y="3036050"/>
-                    <a:pt x="7143" y="2978944"/>
-                  </a:cubicBezTo>
-                  <a:cubicBezTo>
-                    <a:pt x="9918" y="2930387"/>
-                    <a:pt x="14340" y="2896444"/>
-                    <a:pt x="21431" y="2850356"/>
-                  </a:cubicBezTo>
-                  <a:cubicBezTo>
-                    <a:pt x="23634" y="2836040"/>
-                    <a:pt x="25734" y="2821697"/>
-                    <a:pt x="28575" y="2807494"/>
-                  </a:cubicBezTo>
-                  <a:cubicBezTo>
-                    <a:pt x="36017" y="2770288"/>
-                    <a:pt x="33787" y="2789250"/>
-                    <a:pt x="42862" y="2757487"/>
-                  </a:cubicBezTo>
-                  <a:cubicBezTo>
-                    <a:pt x="45559" y="2748047"/>
-                    <a:pt x="47423" y="2738384"/>
-                    <a:pt x="50006" y="2728912"/>
-                  </a:cubicBezTo>
-                  <a:cubicBezTo>
-                    <a:pt x="54567" y="2712187"/>
-                    <a:pt x="60090" y="2695724"/>
-                    <a:pt x="64294" y="2678906"/>
-                  </a:cubicBezTo>
-                  <a:cubicBezTo>
-                    <a:pt x="67691" y="2665318"/>
-                    <a:pt x="73078" y="2629287"/>
-                    <a:pt x="78581" y="2614612"/>
-                  </a:cubicBezTo>
-                  <a:cubicBezTo>
-                    <a:pt x="82320" y="2604641"/>
-                    <a:pt x="88106" y="2595562"/>
-                    <a:pt x="92869" y="2586037"/>
-                  </a:cubicBezTo>
-                  <a:cubicBezTo>
-                    <a:pt x="116847" y="2490114"/>
-                    <a:pt x="78439" y="2638292"/>
-                    <a:pt x="114300" y="2521744"/>
-                  </a:cubicBezTo>
-                  <a:cubicBezTo>
-                    <a:pt x="126709" y="2481414"/>
-                    <a:pt x="130841" y="2438658"/>
-                    <a:pt x="150019" y="2400300"/>
-                  </a:cubicBezTo>
-                  <a:cubicBezTo>
-                    <a:pt x="154781" y="2390775"/>
-                    <a:pt x="160483" y="2381664"/>
-                    <a:pt x="164306" y="2371725"/>
-                  </a:cubicBezTo>
-                  <a:cubicBezTo>
-                    <a:pt x="197231" y="2286118"/>
-                    <a:pt x="169869" y="2331232"/>
-                    <a:pt x="200025" y="2286000"/>
-                  </a:cubicBezTo>
-                  <a:cubicBezTo>
-                    <a:pt x="215503" y="2247900"/>
-                    <a:pt x="244627" y="2247592"/>
-                    <a:pt x="254152" y="2146389"/>
-                  </a:cubicBezTo>
-                  <a:cubicBezTo>
-                    <a:pt x="307702" y="1985747"/>
-                    <a:pt x="270113" y="2112205"/>
-                    <a:pt x="257175" y="1678781"/>
-                  </a:cubicBezTo>
-                  <a:cubicBezTo>
-                    <a:pt x="256813" y="1666644"/>
-                    <a:pt x="252203" y="1655008"/>
-                    <a:pt x="250031" y="1643062"/>
-                  </a:cubicBezTo>
-                  <a:cubicBezTo>
-                    <a:pt x="239973" y="1587743"/>
-                    <a:pt x="248339" y="1616556"/>
-                    <a:pt x="235744" y="1578769"/>
-                  </a:cubicBezTo>
-                  <a:cubicBezTo>
-                    <a:pt x="230392" y="1541305"/>
-                    <a:pt x="228600" y="1514475"/>
-                    <a:pt x="221456" y="1485900"/>
-                  </a:cubicBezTo>
-                  <a:cubicBezTo>
-                    <a:pt x="214312" y="1457325"/>
-                    <a:pt x="198834" y="1425178"/>
-                    <a:pt x="192881" y="1407319"/>
-                  </a:cubicBezTo>
-                  <a:cubicBezTo>
-                    <a:pt x="190500" y="1397794"/>
-                    <a:pt x="188558" y="1388148"/>
-                    <a:pt x="185737" y="1378744"/>
-                  </a:cubicBezTo>
-                  <a:cubicBezTo>
-                    <a:pt x="181409" y="1364319"/>
-                    <a:pt x="176212" y="1350169"/>
-                    <a:pt x="171450" y="1335881"/>
-                  </a:cubicBezTo>
-                  <a:lnTo>
-                    <a:pt x="128587" y="1200150"/>
-                  </a:lnTo>
-                  <a:cubicBezTo>
-                    <a:pt x="112023" y="1100753"/>
-                    <a:pt x="131792" y="1224180"/>
-                    <a:pt x="114300" y="1092994"/>
-                  </a:cubicBezTo>
-                  <a:cubicBezTo>
-                    <a:pt x="112386" y="1078636"/>
-                    <a:pt x="109070" y="1064489"/>
-                    <a:pt x="107156" y="1050131"/>
-                  </a:cubicBezTo>
-                  <a:cubicBezTo>
-                    <a:pt x="104306" y="1028757"/>
-                    <a:pt x="102393" y="1007268"/>
-                    <a:pt x="100012" y="985837"/>
-                  </a:cubicBezTo>
-                  <a:lnTo>
-                    <a:pt x="114300" y="621506"/>
-                  </a:lnTo>
-                  <a:close/>
-                </a:path>
-              </a:pathLst>
-            </a:custGeom>
-            <a:solidFill>
-              <a:schemeClr val="bg1">
-                <a:lumMod val="65000"/>
-              </a:schemeClr>
-            </a:solidFill>
-            <a:ln>
-              <a:noFill/>
-            </a:ln>
-          </p:spPr>
-          <p:style>
-            <a:lnRef idx="2">
-              <a:schemeClr val="accent1">
-                <a:shade val="15000"/>
-              </a:schemeClr>
-            </a:lnRef>
-            <a:fillRef idx="1">
-              <a:schemeClr val="accent1"/>
-            </a:fillRef>
-            <a:effectRef idx="0">
-              <a:schemeClr val="accent1"/>
-            </a:effectRef>
-            <a:fontRef idx="minor">
-              <a:schemeClr val="lt1"/>
-            </a:fontRef>
-          </p:style>
-          <p:txBody>
-            <a:bodyPr rtlCol="0" anchor="ctr"/>
-            <a:lstStyle/>
-            <a:p>
-              <a:pPr algn="ctr"/>
-              <a:endParaRPr lang="en-US" dirty="0"/>
-            </a:p>
-          </p:txBody>
-        </p:sp>
-        <p:sp>
-          <p:nvSpPr>
-            <p:cNvPr id="116" name="TextBox 115">
-              <a:extLst>
-                <a:ext uri="{FF2B5EF4-FFF2-40B4-BE49-F238E27FC236}">
-                  <a16:creationId xmlns:a16="http://schemas.microsoft.com/office/drawing/2014/main" id="{F53BDFA3-BC4B-1594-1D86-8A18CD9A2C03}"/>
-                </a:ext>
-              </a:extLst>
-            </p:cNvPr>
-            <p:cNvSpPr txBox="1"/>
-            <p:nvPr/>
-          </p:nvSpPr>
-          <p:spPr>
-            <a:xfrm>
-              <a:off x="4118396" y="1383906"/>
-              <a:ext cx="330540" cy="276999"/>
-            </a:xfrm>
-            <a:prstGeom prst="rect">
-              <a:avLst/>
-            </a:prstGeom>
-            <a:noFill/>
-          </p:spPr>
-          <p:txBody>
-            <a:bodyPr wrap="square" rtlCol="0">
-              <a:spAutoFit/>
-            </a:bodyPr>
-            <a:lstStyle/>
-            <a:p>
-              <a:r>
-                <a:rPr lang="en-US" sz="1200" dirty="0">
-                  <a:latin typeface="Times New Roman" panose="02020603050405020304" pitchFamily="18" charset="0"/>
-                  <a:cs typeface="Times New Roman" panose="02020603050405020304" pitchFamily="18" charset="0"/>
-                </a:rPr>
-                <a:t>(</a:t>
-              </a:r>
-              <a:r>
-                <a:rPr lang="en-US" sz="1200" dirty="0" err="1">
-                  <a:latin typeface="Times New Roman" panose="02020603050405020304" pitchFamily="18" charset="0"/>
-                  <a:cs typeface="Times New Roman" panose="02020603050405020304" pitchFamily="18" charset="0"/>
-                </a:rPr>
-                <a:t>i</a:t>
-              </a:r>
-              <a:r>
-                <a:rPr lang="en-US" sz="1200" dirty="0">
-                  <a:latin typeface="Times New Roman" panose="02020603050405020304" pitchFamily="18" charset="0"/>
-                  <a:cs typeface="Times New Roman" panose="02020603050405020304" pitchFamily="18" charset="0"/>
-                </a:rPr>
-                <a:t>)</a:t>
-              </a:r>
-            </a:p>
-          </p:txBody>
-        </p:sp>
-        <p:grpSp>
-          <p:nvGrpSpPr>
-            <p:cNvPr id="117" name="Group 116">
-              <a:extLst>
-                <a:ext uri="{FF2B5EF4-FFF2-40B4-BE49-F238E27FC236}">
-                  <a16:creationId xmlns:a16="http://schemas.microsoft.com/office/drawing/2014/main" id="{7811A635-0317-8801-EC34-AAE85AE9EC55}"/>
-                </a:ext>
-              </a:extLst>
-            </p:cNvPr>
-            <p:cNvGrpSpPr/>
-            <p:nvPr/>
-          </p:nvGrpSpPr>
-          <p:grpSpPr>
-            <a:xfrm>
-              <a:off x="1458144" y="1372399"/>
-              <a:ext cx="92797" cy="368022"/>
-              <a:chOff x="1458144" y="1356524"/>
-              <a:chExt cx="92797" cy="368022"/>
-            </a:xfrm>
-          </p:grpSpPr>
-          <p:cxnSp>
-            <p:nvCxnSpPr>
-              <p:cNvPr id="147" name="Straight Arrow Connector 146">
-                <a:extLst>
-                  <a:ext uri="{FF2B5EF4-FFF2-40B4-BE49-F238E27FC236}">
-                    <a16:creationId xmlns:a16="http://schemas.microsoft.com/office/drawing/2014/main" id="{5E550D06-65EC-D183-4569-A7B521C43DC4}"/>
-                  </a:ext>
-                </a:extLst>
-              </p:cNvPr>
-              <p:cNvCxnSpPr>
-                <a:cxnSpLocks/>
-              </p:cNvCxnSpPr>
-              <p:nvPr/>
-            </p:nvCxnSpPr>
-            <p:spPr>
-              <a:xfrm rot="16200000" flipH="1">
-                <a:off x="1325610" y="1544546"/>
-                <a:ext cx="360000" cy="0"/>
-              </a:xfrm>
-              <a:prstGeom prst="straightConnector1">
-                <a:avLst/>
-              </a:prstGeom>
-              <a:ln w="12700">
-                <a:solidFill>
-                  <a:schemeClr val="tx1"/>
-                </a:solidFill>
-                <a:tailEnd type="triangle"/>
-              </a:ln>
-            </p:spPr>
-            <p:style>
-              <a:lnRef idx="2">
-                <a:schemeClr val="accent1"/>
-              </a:lnRef>
-              <a:fillRef idx="0">
-                <a:schemeClr val="accent1"/>
-              </a:fillRef>
-              <a:effectRef idx="1">
-                <a:schemeClr val="accent1"/>
-              </a:effectRef>
-              <a:fontRef idx="minor">
-                <a:schemeClr val="tx1"/>
-              </a:fontRef>
-            </p:style>
-          </p:cxnSp>
-          <p:cxnSp>
-            <p:nvCxnSpPr>
-              <p:cNvPr id="148" name="Straight Connector 147">
-                <a:extLst>
-                  <a:ext uri="{FF2B5EF4-FFF2-40B4-BE49-F238E27FC236}">
-                    <a16:creationId xmlns:a16="http://schemas.microsoft.com/office/drawing/2014/main" id="{60C7C0D6-760D-D98E-7BC3-897C4A58B6EA}"/>
-                  </a:ext>
-                </a:extLst>
-              </p:cNvPr>
-              <p:cNvCxnSpPr>
-                <a:cxnSpLocks/>
-              </p:cNvCxnSpPr>
-              <p:nvPr/>
-            </p:nvCxnSpPr>
-            <p:spPr>
-              <a:xfrm flipH="1">
-                <a:off x="1458144" y="1362573"/>
-                <a:ext cx="90000" cy="0"/>
-              </a:xfrm>
-              <a:prstGeom prst="line">
-                <a:avLst/>
-              </a:prstGeom>
-              <a:ln w="9525">
-                <a:solidFill>
-                  <a:schemeClr val="accent3">
-                    <a:lumMod val="75000"/>
-                  </a:schemeClr>
-                </a:solidFill>
-                <a:prstDash val="sysDash"/>
-              </a:ln>
-            </p:spPr>
-            <p:style>
-              <a:lnRef idx="2">
-                <a:schemeClr val="accent1"/>
-              </a:lnRef>
-              <a:fillRef idx="0">
-                <a:schemeClr val="accent1"/>
-              </a:fillRef>
-              <a:effectRef idx="1">
-                <a:schemeClr val="accent1"/>
-              </a:effectRef>
-              <a:fontRef idx="minor">
-                <a:schemeClr val="tx1"/>
-              </a:fontRef>
-            </p:style>
-          </p:cxnSp>
-          <p:cxnSp>
-            <p:nvCxnSpPr>
-              <p:cNvPr id="149" name="Straight Connector 148">
-                <a:extLst>
-                  <a:ext uri="{FF2B5EF4-FFF2-40B4-BE49-F238E27FC236}">
-                    <a16:creationId xmlns:a16="http://schemas.microsoft.com/office/drawing/2014/main" id="{B4D6DE4E-B33A-AA70-E20F-FA6777290D62}"/>
-                  </a:ext>
-                </a:extLst>
-              </p:cNvPr>
-              <p:cNvCxnSpPr>
-                <a:cxnSpLocks/>
-              </p:cNvCxnSpPr>
-              <p:nvPr/>
-            </p:nvCxnSpPr>
-            <p:spPr>
-              <a:xfrm flipH="1">
-                <a:off x="1460941" y="1716186"/>
-                <a:ext cx="90000" cy="0"/>
-              </a:xfrm>
-              <a:prstGeom prst="line">
-                <a:avLst/>
-              </a:prstGeom>
-              <a:ln w="9525">
-                <a:solidFill>
-                  <a:schemeClr val="accent3">
-                    <a:lumMod val="75000"/>
-                  </a:schemeClr>
-                </a:solidFill>
-                <a:prstDash val="sysDash"/>
-              </a:ln>
-            </p:spPr>
-            <p:style>
-              <a:lnRef idx="2">
-                <a:schemeClr val="accent1"/>
-              </a:lnRef>
-              <a:fillRef idx="0">
-                <a:schemeClr val="accent1"/>
-              </a:fillRef>
-              <a:effectRef idx="1">
-                <a:schemeClr val="accent1"/>
-              </a:effectRef>
-              <a:fontRef idx="minor">
-                <a:schemeClr val="tx1"/>
-              </a:fontRef>
-            </p:style>
-          </p:cxnSp>
-          <p:cxnSp>
-            <p:nvCxnSpPr>
-              <p:cNvPr id="150" name="Straight Connector 149">
-                <a:extLst>
-                  <a:ext uri="{FF2B5EF4-FFF2-40B4-BE49-F238E27FC236}">
-                    <a16:creationId xmlns:a16="http://schemas.microsoft.com/office/drawing/2014/main" id="{87CE72E8-0694-4F10-AB5C-883F6AE8FFFE}"/>
-                  </a:ext>
-                </a:extLst>
-              </p:cNvPr>
-              <p:cNvCxnSpPr>
-                <a:cxnSpLocks/>
-              </p:cNvCxnSpPr>
-              <p:nvPr/>
-            </p:nvCxnSpPr>
-            <p:spPr>
-              <a:xfrm>
-                <a:off x="1550941" y="1357079"/>
-                <a:ext cx="0" cy="360000"/>
-              </a:xfrm>
-              <a:prstGeom prst="line">
-                <a:avLst/>
-              </a:prstGeom>
-              <a:ln w="9525">
-                <a:solidFill>
-                  <a:schemeClr val="accent3">
-                    <a:lumMod val="75000"/>
-                  </a:schemeClr>
-                </a:solidFill>
-                <a:prstDash val="sysDash"/>
-              </a:ln>
-            </p:spPr>
-            <p:style>
-              <a:lnRef idx="2">
-                <a:schemeClr val="accent1"/>
-              </a:lnRef>
-              <a:fillRef idx="0">
-                <a:schemeClr val="accent1"/>
-              </a:fillRef>
-              <a:effectRef idx="1">
-                <a:schemeClr val="accent1"/>
-              </a:effectRef>
-              <a:fontRef idx="minor">
-                <a:schemeClr val="tx1"/>
-              </a:fontRef>
-            </p:style>
-          </p:cxnSp>
-          <p:cxnSp>
-            <p:nvCxnSpPr>
-              <p:cNvPr id="151" name="Straight Connector 150">
-                <a:extLst>
-                  <a:ext uri="{FF2B5EF4-FFF2-40B4-BE49-F238E27FC236}">
-                    <a16:creationId xmlns:a16="http://schemas.microsoft.com/office/drawing/2014/main" id="{4CF5BFCC-E7F1-C092-4A26-BBE570D40F9D}"/>
-                  </a:ext>
-                </a:extLst>
-              </p:cNvPr>
-              <p:cNvCxnSpPr>
-                <a:cxnSpLocks/>
-              </p:cNvCxnSpPr>
-              <p:nvPr/>
-            </p:nvCxnSpPr>
-            <p:spPr>
-              <a:xfrm>
-                <a:off x="1458144" y="1356524"/>
-                <a:ext cx="0" cy="360000"/>
-              </a:xfrm>
-              <a:prstGeom prst="line">
-                <a:avLst/>
-              </a:prstGeom>
-              <a:ln w="9525">
-                <a:solidFill>
-                  <a:schemeClr val="accent3">
-                    <a:lumMod val="75000"/>
-                  </a:schemeClr>
-                </a:solidFill>
-                <a:prstDash val="sysDash"/>
-              </a:ln>
-            </p:spPr>
-            <p:style>
-              <a:lnRef idx="2">
-                <a:schemeClr val="accent1"/>
-              </a:lnRef>
-              <a:fillRef idx="0">
-                <a:schemeClr val="accent1"/>
-              </a:fillRef>
-              <a:effectRef idx="1">
-                <a:schemeClr val="accent1"/>
-              </a:effectRef>
-              <a:fontRef idx="minor">
-                <a:schemeClr val="tx1"/>
-              </a:fontRef>
-            </p:style>
-          </p:cxnSp>
-        </p:grpSp>
-        <p:grpSp>
-          <p:nvGrpSpPr>
-            <p:cNvPr id="118" name="Group 117">
-              <a:extLst>
-                <a:ext uri="{FF2B5EF4-FFF2-40B4-BE49-F238E27FC236}">
-                  <a16:creationId xmlns:a16="http://schemas.microsoft.com/office/drawing/2014/main" id="{0E169716-EF03-0925-26E8-5AA8C7F95DB5}"/>
-                </a:ext>
-              </a:extLst>
-            </p:cNvPr>
-            <p:cNvGrpSpPr/>
-            <p:nvPr/>
-          </p:nvGrpSpPr>
-          <p:grpSpPr>
-            <a:xfrm>
-              <a:off x="1799395" y="1348503"/>
-              <a:ext cx="92797" cy="368022"/>
-              <a:chOff x="1458144" y="1356524"/>
-              <a:chExt cx="92797" cy="368022"/>
-            </a:xfrm>
-          </p:grpSpPr>
-          <p:cxnSp>
-            <p:nvCxnSpPr>
-              <p:cNvPr id="142" name="Straight Arrow Connector 141">
-                <a:extLst>
-                  <a:ext uri="{FF2B5EF4-FFF2-40B4-BE49-F238E27FC236}">
-                    <a16:creationId xmlns:a16="http://schemas.microsoft.com/office/drawing/2014/main" id="{168640B7-CC79-6441-467C-413779E5CC09}"/>
-                  </a:ext>
-                </a:extLst>
-              </p:cNvPr>
-              <p:cNvCxnSpPr>
-                <a:cxnSpLocks/>
-              </p:cNvCxnSpPr>
-              <p:nvPr/>
-            </p:nvCxnSpPr>
-            <p:spPr>
-              <a:xfrm rot="16200000" flipH="1">
-                <a:off x="1325610" y="1544546"/>
-                <a:ext cx="360000" cy="0"/>
-              </a:xfrm>
-              <a:prstGeom prst="straightConnector1">
-                <a:avLst/>
-              </a:prstGeom>
-              <a:ln w="12700">
-                <a:solidFill>
-                  <a:schemeClr val="tx1"/>
-                </a:solidFill>
-                <a:tailEnd type="triangle"/>
-              </a:ln>
-            </p:spPr>
-            <p:style>
-              <a:lnRef idx="2">
-                <a:schemeClr val="accent1"/>
-              </a:lnRef>
-              <a:fillRef idx="0">
-                <a:schemeClr val="accent1"/>
-              </a:fillRef>
-              <a:effectRef idx="1">
-                <a:schemeClr val="accent1"/>
-              </a:effectRef>
-              <a:fontRef idx="minor">
-                <a:schemeClr val="tx1"/>
-              </a:fontRef>
-            </p:style>
-          </p:cxnSp>
-          <p:cxnSp>
-            <p:nvCxnSpPr>
-              <p:cNvPr id="143" name="Straight Connector 142">
-                <a:extLst>
-                  <a:ext uri="{FF2B5EF4-FFF2-40B4-BE49-F238E27FC236}">
-                    <a16:creationId xmlns:a16="http://schemas.microsoft.com/office/drawing/2014/main" id="{BA064408-3BB5-3612-7D59-CF5AE831C519}"/>
-                  </a:ext>
-                </a:extLst>
-              </p:cNvPr>
-              <p:cNvCxnSpPr>
-                <a:cxnSpLocks/>
-              </p:cNvCxnSpPr>
-              <p:nvPr/>
-            </p:nvCxnSpPr>
-            <p:spPr>
-              <a:xfrm flipH="1">
-                <a:off x="1458144" y="1362573"/>
-                <a:ext cx="90000" cy="0"/>
-              </a:xfrm>
-              <a:prstGeom prst="line">
-                <a:avLst/>
-              </a:prstGeom>
-              <a:ln w="9525">
-                <a:solidFill>
-                  <a:schemeClr val="accent3">
-                    <a:lumMod val="75000"/>
-                  </a:schemeClr>
-                </a:solidFill>
-                <a:prstDash val="sysDash"/>
-              </a:ln>
-            </p:spPr>
-            <p:style>
-              <a:lnRef idx="2">
-                <a:schemeClr val="accent1"/>
-              </a:lnRef>
-              <a:fillRef idx="0">
-                <a:schemeClr val="accent1"/>
-              </a:fillRef>
-              <a:effectRef idx="1">
-                <a:schemeClr val="accent1"/>
-              </a:effectRef>
-              <a:fontRef idx="minor">
-                <a:schemeClr val="tx1"/>
-              </a:fontRef>
-            </p:style>
-          </p:cxnSp>
-          <p:cxnSp>
-            <p:nvCxnSpPr>
-              <p:cNvPr id="144" name="Straight Connector 143">
-                <a:extLst>
-                  <a:ext uri="{FF2B5EF4-FFF2-40B4-BE49-F238E27FC236}">
-                    <a16:creationId xmlns:a16="http://schemas.microsoft.com/office/drawing/2014/main" id="{D5A61F2C-E798-3918-BB46-FE5CD02BA607}"/>
-                  </a:ext>
-                </a:extLst>
-              </p:cNvPr>
-              <p:cNvCxnSpPr>
-                <a:cxnSpLocks/>
-              </p:cNvCxnSpPr>
-              <p:nvPr/>
-            </p:nvCxnSpPr>
-            <p:spPr>
-              <a:xfrm flipH="1">
-                <a:off x="1460941" y="1716186"/>
-                <a:ext cx="90000" cy="0"/>
-              </a:xfrm>
-              <a:prstGeom prst="line">
-                <a:avLst/>
-              </a:prstGeom>
-              <a:ln w="9525">
-                <a:solidFill>
-                  <a:schemeClr val="accent3">
-                    <a:lumMod val="75000"/>
-                  </a:schemeClr>
-                </a:solidFill>
-                <a:prstDash val="sysDash"/>
-              </a:ln>
-            </p:spPr>
-            <p:style>
-              <a:lnRef idx="2">
-                <a:schemeClr val="accent1"/>
-              </a:lnRef>
-              <a:fillRef idx="0">
-                <a:schemeClr val="accent1"/>
-              </a:fillRef>
-              <a:effectRef idx="1">
-                <a:schemeClr val="accent1"/>
-              </a:effectRef>
-              <a:fontRef idx="minor">
-                <a:schemeClr val="tx1"/>
-              </a:fontRef>
-            </p:style>
-          </p:cxnSp>
-          <p:cxnSp>
-            <p:nvCxnSpPr>
-              <p:cNvPr id="145" name="Straight Connector 144">
-                <a:extLst>
-                  <a:ext uri="{FF2B5EF4-FFF2-40B4-BE49-F238E27FC236}">
-                    <a16:creationId xmlns:a16="http://schemas.microsoft.com/office/drawing/2014/main" id="{F5A1C80B-5B96-AA60-2A05-4C1F86C806FA}"/>
-                  </a:ext>
-                </a:extLst>
-              </p:cNvPr>
-              <p:cNvCxnSpPr>
-                <a:cxnSpLocks/>
-              </p:cNvCxnSpPr>
-              <p:nvPr/>
-            </p:nvCxnSpPr>
-            <p:spPr>
-              <a:xfrm>
-                <a:off x="1550941" y="1357079"/>
-                <a:ext cx="0" cy="360000"/>
-              </a:xfrm>
-              <a:prstGeom prst="line">
-                <a:avLst/>
-              </a:prstGeom>
-              <a:ln w="9525">
-                <a:solidFill>
-                  <a:schemeClr val="accent3">
-                    <a:lumMod val="75000"/>
-                  </a:schemeClr>
-                </a:solidFill>
-                <a:prstDash val="sysDash"/>
-              </a:ln>
-            </p:spPr>
-            <p:style>
-              <a:lnRef idx="2">
-                <a:schemeClr val="accent1"/>
-              </a:lnRef>
-              <a:fillRef idx="0">
-                <a:schemeClr val="accent1"/>
-              </a:fillRef>
-              <a:effectRef idx="1">
-                <a:schemeClr val="accent1"/>
-              </a:effectRef>
-              <a:fontRef idx="minor">
-                <a:schemeClr val="tx1"/>
-              </a:fontRef>
-            </p:style>
-          </p:cxnSp>
-          <p:cxnSp>
-            <p:nvCxnSpPr>
-              <p:cNvPr id="146" name="Straight Connector 145">
-                <a:extLst>
-                  <a:ext uri="{FF2B5EF4-FFF2-40B4-BE49-F238E27FC236}">
-                    <a16:creationId xmlns:a16="http://schemas.microsoft.com/office/drawing/2014/main" id="{F7A9A58E-7A6F-12FB-1900-7193DC3F096F}"/>
-                  </a:ext>
-                </a:extLst>
-              </p:cNvPr>
-              <p:cNvCxnSpPr>
-                <a:cxnSpLocks/>
-              </p:cNvCxnSpPr>
-              <p:nvPr/>
-            </p:nvCxnSpPr>
-            <p:spPr>
-              <a:xfrm>
-                <a:off x="1458144" y="1356524"/>
-                <a:ext cx="0" cy="360000"/>
-              </a:xfrm>
-              <a:prstGeom prst="line">
-                <a:avLst/>
-              </a:prstGeom>
-              <a:ln w="9525">
-                <a:solidFill>
-                  <a:schemeClr val="accent3">
-                    <a:lumMod val="75000"/>
-                  </a:schemeClr>
-                </a:solidFill>
-                <a:prstDash val="sysDash"/>
-              </a:ln>
-            </p:spPr>
-            <p:style>
-              <a:lnRef idx="2">
-                <a:schemeClr val="accent1"/>
-              </a:lnRef>
-              <a:fillRef idx="0">
-                <a:schemeClr val="accent1"/>
-              </a:fillRef>
-              <a:effectRef idx="1">
-                <a:schemeClr val="accent1"/>
-              </a:effectRef>
-              <a:fontRef idx="minor">
-                <a:schemeClr val="tx1"/>
-              </a:fontRef>
-            </p:style>
-          </p:cxnSp>
-        </p:grpSp>
-        <p:grpSp>
-          <p:nvGrpSpPr>
-            <p:cNvPr id="119" name="Group 118">
-              <a:extLst>
-                <a:ext uri="{FF2B5EF4-FFF2-40B4-BE49-F238E27FC236}">
-                  <a16:creationId xmlns:a16="http://schemas.microsoft.com/office/drawing/2014/main" id="{C55F5756-932B-CBA1-7C72-8CB8D408B3CB}"/>
-                </a:ext>
-              </a:extLst>
-            </p:cNvPr>
-            <p:cNvGrpSpPr/>
-            <p:nvPr/>
-          </p:nvGrpSpPr>
-          <p:grpSpPr>
-            <a:xfrm>
-              <a:off x="2164098" y="1359065"/>
-              <a:ext cx="92797" cy="368022"/>
-              <a:chOff x="1458144" y="1356524"/>
-              <a:chExt cx="92797" cy="368022"/>
-            </a:xfrm>
-          </p:grpSpPr>
-          <p:cxnSp>
-            <p:nvCxnSpPr>
-              <p:cNvPr id="137" name="Straight Arrow Connector 136">
-                <a:extLst>
-                  <a:ext uri="{FF2B5EF4-FFF2-40B4-BE49-F238E27FC236}">
-                    <a16:creationId xmlns:a16="http://schemas.microsoft.com/office/drawing/2014/main" id="{A161AD0B-BD06-B6F4-D690-F8E184279835}"/>
-                  </a:ext>
-                </a:extLst>
-              </p:cNvPr>
-              <p:cNvCxnSpPr>
-                <a:cxnSpLocks/>
-              </p:cNvCxnSpPr>
-              <p:nvPr/>
-            </p:nvCxnSpPr>
-            <p:spPr>
-              <a:xfrm rot="16200000" flipH="1">
-                <a:off x="1325610" y="1544546"/>
-                <a:ext cx="360000" cy="0"/>
-              </a:xfrm>
-              <a:prstGeom prst="straightConnector1">
-                <a:avLst/>
-              </a:prstGeom>
-              <a:ln w="12700">
-                <a:solidFill>
-                  <a:schemeClr val="tx1"/>
-                </a:solidFill>
-                <a:tailEnd type="triangle"/>
-              </a:ln>
-            </p:spPr>
-            <p:style>
-              <a:lnRef idx="2">
-                <a:schemeClr val="accent1"/>
-              </a:lnRef>
-              <a:fillRef idx="0">
-                <a:schemeClr val="accent1"/>
-              </a:fillRef>
-              <a:effectRef idx="1">
-                <a:schemeClr val="accent1"/>
-              </a:effectRef>
-              <a:fontRef idx="minor">
-                <a:schemeClr val="tx1"/>
-              </a:fontRef>
-            </p:style>
-          </p:cxnSp>
-          <p:cxnSp>
-            <p:nvCxnSpPr>
-              <p:cNvPr id="138" name="Straight Connector 137">
-                <a:extLst>
-                  <a:ext uri="{FF2B5EF4-FFF2-40B4-BE49-F238E27FC236}">
-                    <a16:creationId xmlns:a16="http://schemas.microsoft.com/office/drawing/2014/main" id="{62873370-6497-B5DC-FAA8-5D21420B9623}"/>
-                  </a:ext>
-                </a:extLst>
-              </p:cNvPr>
-              <p:cNvCxnSpPr>
-                <a:cxnSpLocks/>
-              </p:cNvCxnSpPr>
-              <p:nvPr/>
-            </p:nvCxnSpPr>
-            <p:spPr>
-              <a:xfrm flipH="1">
-                <a:off x="1458144" y="1362573"/>
-                <a:ext cx="90000" cy="0"/>
-              </a:xfrm>
-              <a:prstGeom prst="line">
-                <a:avLst/>
-              </a:prstGeom>
-              <a:ln w="9525">
-                <a:solidFill>
-                  <a:schemeClr val="accent3">
-                    <a:lumMod val="75000"/>
-                  </a:schemeClr>
-                </a:solidFill>
-                <a:prstDash val="sysDash"/>
-              </a:ln>
-            </p:spPr>
-            <p:style>
-              <a:lnRef idx="2">
-                <a:schemeClr val="accent1"/>
-              </a:lnRef>
-              <a:fillRef idx="0">
-                <a:schemeClr val="accent1"/>
-              </a:fillRef>
-              <a:effectRef idx="1">
-                <a:schemeClr val="accent1"/>
-              </a:effectRef>
-              <a:fontRef idx="minor">
-                <a:schemeClr val="tx1"/>
-              </a:fontRef>
-            </p:style>
-          </p:cxnSp>
-          <p:cxnSp>
-            <p:nvCxnSpPr>
-              <p:cNvPr id="139" name="Straight Connector 138">
-                <a:extLst>
-                  <a:ext uri="{FF2B5EF4-FFF2-40B4-BE49-F238E27FC236}">
-                    <a16:creationId xmlns:a16="http://schemas.microsoft.com/office/drawing/2014/main" id="{CC5F34BD-612F-DA6A-3216-130DDB3681D7}"/>
-                  </a:ext>
-                </a:extLst>
-              </p:cNvPr>
-              <p:cNvCxnSpPr>
-                <a:cxnSpLocks/>
-              </p:cNvCxnSpPr>
-              <p:nvPr/>
-            </p:nvCxnSpPr>
-            <p:spPr>
-              <a:xfrm flipH="1">
-                <a:off x="1460941" y="1716186"/>
-                <a:ext cx="90000" cy="0"/>
-              </a:xfrm>
-              <a:prstGeom prst="line">
-                <a:avLst/>
-              </a:prstGeom>
-              <a:ln w="9525">
-                <a:solidFill>
-                  <a:schemeClr val="accent3">
-                    <a:lumMod val="75000"/>
-                  </a:schemeClr>
-                </a:solidFill>
-                <a:prstDash val="sysDash"/>
-              </a:ln>
-            </p:spPr>
-            <p:style>
-              <a:lnRef idx="2">
-                <a:schemeClr val="accent1"/>
-              </a:lnRef>
-              <a:fillRef idx="0">
-                <a:schemeClr val="accent1"/>
-              </a:fillRef>
-              <a:effectRef idx="1">
-                <a:schemeClr val="accent1"/>
-              </a:effectRef>
-              <a:fontRef idx="minor">
-                <a:schemeClr val="tx1"/>
-              </a:fontRef>
-            </p:style>
-          </p:cxnSp>
-          <p:cxnSp>
-            <p:nvCxnSpPr>
-              <p:cNvPr id="140" name="Straight Connector 139">
-                <a:extLst>
-                  <a:ext uri="{FF2B5EF4-FFF2-40B4-BE49-F238E27FC236}">
-                    <a16:creationId xmlns:a16="http://schemas.microsoft.com/office/drawing/2014/main" id="{5B0BA269-1537-2B66-555C-6F8F5F444BA2}"/>
-                  </a:ext>
-                </a:extLst>
-              </p:cNvPr>
-              <p:cNvCxnSpPr>
-                <a:cxnSpLocks/>
-              </p:cNvCxnSpPr>
-              <p:nvPr/>
-            </p:nvCxnSpPr>
-            <p:spPr>
-              <a:xfrm>
-                <a:off x="1550941" y="1357079"/>
-                <a:ext cx="0" cy="360000"/>
-              </a:xfrm>
-              <a:prstGeom prst="line">
-                <a:avLst/>
-              </a:prstGeom>
-              <a:ln w="9525">
-                <a:solidFill>
-                  <a:schemeClr val="accent3">
-                    <a:lumMod val="75000"/>
-                  </a:schemeClr>
-                </a:solidFill>
-                <a:prstDash val="sysDash"/>
-              </a:ln>
-            </p:spPr>
-            <p:style>
-              <a:lnRef idx="2">
-                <a:schemeClr val="accent1"/>
-              </a:lnRef>
-              <a:fillRef idx="0">
-                <a:schemeClr val="accent1"/>
-              </a:fillRef>
-              <a:effectRef idx="1">
-                <a:schemeClr val="accent1"/>
-              </a:effectRef>
-              <a:fontRef idx="minor">
-                <a:schemeClr val="tx1"/>
-              </a:fontRef>
-            </p:style>
-          </p:cxnSp>
-          <p:cxnSp>
-            <p:nvCxnSpPr>
-              <p:cNvPr id="141" name="Straight Connector 140">
-                <a:extLst>
-                  <a:ext uri="{FF2B5EF4-FFF2-40B4-BE49-F238E27FC236}">
-                    <a16:creationId xmlns:a16="http://schemas.microsoft.com/office/drawing/2014/main" id="{EB7A9B5C-5FCD-2978-F83D-70B1321FA2C7}"/>
-                  </a:ext>
-                </a:extLst>
-              </p:cNvPr>
-              <p:cNvCxnSpPr>
-                <a:cxnSpLocks/>
-              </p:cNvCxnSpPr>
-              <p:nvPr/>
-            </p:nvCxnSpPr>
-            <p:spPr>
-              <a:xfrm>
-                <a:off x="1458144" y="1356524"/>
-                <a:ext cx="0" cy="360000"/>
-              </a:xfrm>
-              <a:prstGeom prst="line">
-                <a:avLst/>
-              </a:prstGeom>
-              <a:ln w="9525">
-                <a:solidFill>
-                  <a:schemeClr val="accent3">
-                    <a:lumMod val="75000"/>
-                  </a:schemeClr>
-                </a:solidFill>
-                <a:prstDash val="sysDash"/>
-              </a:ln>
-            </p:spPr>
-            <p:style>
-              <a:lnRef idx="2">
-                <a:schemeClr val="accent1"/>
-              </a:lnRef>
-              <a:fillRef idx="0">
-                <a:schemeClr val="accent1"/>
-              </a:fillRef>
-              <a:effectRef idx="1">
-                <a:schemeClr val="accent1"/>
-              </a:effectRef>
-              <a:fontRef idx="minor">
-                <a:schemeClr val="tx1"/>
-              </a:fontRef>
-            </p:style>
-          </p:cxnSp>
-        </p:grpSp>
-        <p:grpSp>
-          <p:nvGrpSpPr>
-            <p:cNvPr id="120" name="Group 119">
-              <a:extLst>
-                <a:ext uri="{FF2B5EF4-FFF2-40B4-BE49-F238E27FC236}">
-                  <a16:creationId xmlns:a16="http://schemas.microsoft.com/office/drawing/2014/main" id="{E4DBFDB2-F20A-3947-467D-3F10AC726FD8}"/>
-                </a:ext>
-              </a:extLst>
-            </p:cNvPr>
-            <p:cNvGrpSpPr/>
-            <p:nvPr/>
-          </p:nvGrpSpPr>
-          <p:grpSpPr>
-            <a:xfrm>
-              <a:off x="2523271" y="1379412"/>
-              <a:ext cx="92797" cy="368022"/>
-              <a:chOff x="1458144" y="1356524"/>
-              <a:chExt cx="92797" cy="368022"/>
-            </a:xfrm>
-          </p:grpSpPr>
-          <p:cxnSp>
-            <p:nvCxnSpPr>
-              <p:cNvPr id="132" name="Straight Arrow Connector 131">
-                <a:extLst>
-                  <a:ext uri="{FF2B5EF4-FFF2-40B4-BE49-F238E27FC236}">
-                    <a16:creationId xmlns:a16="http://schemas.microsoft.com/office/drawing/2014/main" id="{AB51AEA7-4452-552B-60F1-F0EE0146B5A9}"/>
-                  </a:ext>
-                </a:extLst>
-              </p:cNvPr>
-              <p:cNvCxnSpPr>
-                <a:cxnSpLocks/>
-              </p:cNvCxnSpPr>
-              <p:nvPr/>
-            </p:nvCxnSpPr>
-            <p:spPr>
-              <a:xfrm rot="16200000" flipH="1">
-                <a:off x="1325610" y="1544546"/>
-                <a:ext cx="360000" cy="0"/>
-              </a:xfrm>
-              <a:prstGeom prst="straightConnector1">
-                <a:avLst/>
-              </a:prstGeom>
-              <a:ln w="12700">
-                <a:solidFill>
-                  <a:schemeClr val="tx1"/>
-                </a:solidFill>
-                <a:tailEnd type="triangle"/>
-              </a:ln>
-            </p:spPr>
-            <p:style>
-              <a:lnRef idx="2">
-                <a:schemeClr val="accent1"/>
-              </a:lnRef>
-              <a:fillRef idx="0">
-                <a:schemeClr val="accent1"/>
-              </a:fillRef>
-              <a:effectRef idx="1">
-                <a:schemeClr val="accent1"/>
-              </a:effectRef>
-              <a:fontRef idx="minor">
-                <a:schemeClr val="tx1"/>
-              </a:fontRef>
-            </p:style>
-          </p:cxnSp>
-          <p:cxnSp>
-            <p:nvCxnSpPr>
-              <p:cNvPr id="133" name="Straight Connector 132">
-                <a:extLst>
-                  <a:ext uri="{FF2B5EF4-FFF2-40B4-BE49-F238E27FC236}">
-                    <a16:creationId xmlns:a16="http://schemas.microsoft.com/office/drawing/2014/main" id="{610D2C1F-9198-978E-3867-2B9A11D39C1A}"/>
-                  </a:ext>
-                </a:extLst>
-              </p:cNvPr>
-              <p:cNvCxnSpPr>
-                <a:cxnSpLocks/>
-              </p:cNvCxnSpPr>
-              <p:nvPr/>
-            </p:nvCxnSpPr>
-            <p:spPr>
-              <a:xfrm flipH="1">
-                <a:off x="1458144" y="1362573"/>
-                <a:ext cx="90000" cy="0"/>
-              </a:xfrm>
-              <a:prstGeom prst="line">
-                <a:avLst/>
-              </a:prstGeom>
-              <a:ln w="9525">
-                <a:solidFill>
-                  <a:schemeClr val="accent3">
-                    <a:lumMod val="75000"/>
-                  </a:schemeClr>
-                </a:solidFill>
-                <a:prstDash val="sysDash"/>
-              </a:ln>
-            </p:spPr>
-            <p:style>
-              <a:lnRef idx="2">
-                <a:schemeClr val="accent1"/>
-              </a:lnRef>
-              <a:fillRef idx="0">
-                <a:schemeClr val="accent1"/>
-              </a:fillRef>
-              <a:effectRef idx="1">
-                <a:schemeClr val="accent1"/>
-              </a:effectRef>
-              <a:fontRef idx="minor">
-                <a:schemeClr val="tx1"/>
-              </a:fontRef>
-            </p:style>
-          </p:cxnSp>
-          <p:cxnSp>
-            <p:nvCxnSpPr>
-              <p:cNvPr id="134" name="Straight Connector 133">
-                <a:extLst>
-                  <a:ext uri="{FF2B5EF4-FFF2-40B4-BE49-F238E27FC236}">
-                    <a16:creationId xmlns:a16="http://schemas.microsoft.com/office/drawing/2014/main" id="{4F0C7D56-918A-AAF0-CF03-64E959119321}"/>
-                  </a:ext>
-                </a:extLst>
-              </p:cNvPr>
-              <p:cNvCxnSpPr>
-                <a:cxnSpLocks/>
-              </p:cNvCxnSpPr>
-              <p:nvPr/>
-            </p:nvCxnSpPr>
-            <p:spPr>
-              <a:xfrm flipH="1">
-                <a:off x="1460941" y="1716186"/>
-                <a:ext cx="90000" cy="0"/>
-              </a:xfrm>
-              <a:prstGeom prst="line">
-                <a:avLst/>
-              </a:prstGeom>
-              <a:ln w="9525">
-                <a:solidFill>
-                  <a:schemeClr val="accent3">
-                    <a:lumMod val="75000"/>
-                  </a:schemeClr>
-                </a:solidFill>
-                <a:prstDash val="sysDash"/>
-              </a:ln>
-            </p:spPr>
-            <p:style>
-              <a:lnRef idx="2">
-                <a:schemeClr val="accent1"/>
-              </a:lnRef>
-              <a:fillRef idx="0">
-                <a:schemeClr val="accent1"/>
-              </a:fillRef>
-              <a:effectRef idx="1">
-                <a:schemeClr val="accent1"/>
-              </a:effectRef>
-              <a:fontRef idx="minor">
-                <a:schemeClr val="tx1"/>
-              </a:fontRef>
-            </p:style>
-          </p:cxnSp>
-          <p:cxnSp>
-            <p:nvCxnSpPr>
-              <p:cNvPr id="135" name="Straight Connector 134">
-                <a:extLst>
-                  <a:ext uri="{FF2B5EF4-FFF2-40B4-BE49-F238E27FC236}">
-                    <a16:creationId xmlns:a16="http://schemas.microsoft.com/office/drawing/2014/main" id="{9C0D85F2-5A60-189E-13EF-3F6066DB0836}"/>
-                  </a:ext>
-                </a:extLst>
-              </p:cNvPr>
-              <p:cNvCxnSpPr>
-                <a:cxnSpLocks/>
-              </p:cNvCxnSpPr>
-              <p:nvPr/>
-            </p:nvCxnSpPr>
-            <p:spPr>
-              <a:xfrm>
-                <a:off x="1550941" y="1357079"/>
-                <a:ext cx="0" cy="360000"/>
-              </a:xfrm>
-              <a:prstGeom prst="line">
-                <a:avLst/>
-              </a:prstGeom>
-              <a:ln w="9525">
-                <a:solidFill>
-                  <a:schemeClr val="accent3">
-                    <a:lumMod val="75000"/>
-                  </a:schemeClr>
-                </a:solidFill>
-                <a:prstDash val="sysDash"/>
-              </a:ln>
-            </p:spPr>
-            <p:style>
-              <a:lnRef idx="2">
-                <a:schemeClr val="accent1"/>
-              </a:lnRef>
-              <a:fillRef idx="0">
-                <a:schemeClr val="accent1"/>
-              </a:fillRef>
-              <a:effectRef idx="1">
-                <a:schemeClr val="accent1"/>
-              </a:effectRef>
-              <a:fontRef idx="minor">
-                <a:schemeClr val="tx1"/>
-              </a:fontRef>
-            </p:style>
-          </p:cxnSp>
-          <p:cxnSp>
-            <p:nvCxnSpPr>
-              <p:cNvPr id="136" name="Straight Connector 135">
-                <a:extLst>
-                  <a:ext uri="{FF2B5EF4-FFF2-40B4-BE49-F238E27FC236}">
-                    <a16:creationId xmlns:a16="http://schemas.microsoft.com/office/drawing/2014/main" id="{DF698EE0-55AF-77E0-1670-F378F7C40EF3}"/>
-                  </a:ext>
-                </a:extLst>
-              </p:cNvPr>
-              <p:cNvCxnSpPr>
-                <a:cxnSpLocks/>
-              </p:cNvCxnSpPr>
-              <p:nvPr/>
-            </p:nvCxnSpPr>
-            <p:spPr>
-              <a:xfrm>
-                <a:off x="1458144" y="1356524"/>
-                <a:ext cx="0" cy="360000"/>
-              </a:xfrm>
-              <a:prstGeom prst="line">
-                <a:avLst/>
-              </a:prstGeom>
-              <a:ln w="9525">
-                <a:solidFill>
-                  <a:schemeClr val="accent3">
-                    <a:lumMod val="75000"/>
-                  </a:schemeClr>
-                </a:solidFill>
-                <a:prstDash val="sysDash"/>
-              </a:ln>
-            </p:spPr>
-            <p:style>
-              <a:lnRef idx="2">
-                <a:schemeClr val="accent1"/>
-              </a:lnRef>
-              <a:fillRef idx="0">
-                <a:schemeClr val="accent1"/>
-              </a:fillRef>
-              <a:effectRef idx="1">
-                <a:schemeClr val="accent1"/>
-              </a:effectRef>
-              <a:fontRef idx="minor">
-                <a:schemeClr val="tx1"/>
-              </a:fontRef>
-            </p:style>
-          </p:cxnSp>
-        </p:grpSp>
-        <p:sp>
-          <p:nvSpPr>
-            <p:cNvPr id="122" name="4-Point Star 121">
-              <a:extLst>
-                <a:ext uri="{FF2B5EF4-FFF2-40B4-BE49-F238E27FC236}">
-                  <a16:creationId xmlns:a16="http://schemas.microsoft.com/office/drawing/2014/main" id="{BC31B1DD-03D8-19BF-F9EE-1DC78E10EA7A}"/>
-                </a:ext>
-              </a:extLst>
-            </p:cNvPr>
-            <p:cNvSpPr/>
-            <p:nvPr/>
-          </p:nvSpPr>
-          <p:spPr>
-            <a:xfrm rot="8268671">
-              <a:off x="1409045" y="1699149"/>
-              <a:ext cx="188192" cy="168026"/>
-            </a:xfrm>
-            <a:prstGeom prst="star4">
-              <a:avLst>
-                <a:gd name="adj" fmla="val 6689"/>
-              </a:avLst>
-            </a:prstGeom>
-            <a:solidFill>
-              <a:srgbClr val="FFC000"/>
-            </a:solidFill>
-            <a:ln w="3175">
-              <a:solidFill>
-                <a:schemeClr val="tx1"/>
-              </a:solidFill>
-            </a:ln>
-          </p:spPr>
-          <p:style>
-            <a:lnRef idx="2">
-              <a:schemeClr val="accent1">
-                <a:shade val="15000"/>
-              </a:schemeClr>
-            </a:lnRef>
-            <a:fillRef idx="1">
-              <a:schemeClr val="accent1"/>
-            </a:fillRef>
-            <a:effectRef idx="0">
-              <a:schemeClr val="accent1"/>
-            </a:effectRef>
-            <a:fontRef idx="minor">
-              <a:schemeClr val="lt1"/>
-            </a:fontRef>
-          </p:style>
-          <p:txBody>
-            <a:bodyPr rtlCol="0" anchor="ctr"/>
-            <a:lstStyle/>
-            <a:p>
-              <a:pPr algn="ctr"/>
-              <a:endParaRPr lang="en-US"/>
-            </a:p>
-          </p:txBody>
-        </p:sp>
-        <p:sp>
-          <p:nvSpPr>
-            <p:cNvPr id="123" name="4-Point Star 122">
-              <a:extLst>
-                <a:ext uri="{FF2B5EF4-FFF2-40B4-BE49-F238E27FC236}">
-                  <a16:creationId xmlns:a16="http://schemas.microsoft.com/office/drawing/2014/main" id="{8F0054D3-0151-3BFD-7688-E540D8284B98}"/>
-                </a:ext>
-              </a:extLst>
-            </p:cNvPr>
-            <p:cNvSpPr/>
-            <p:nvPr/>
-          </p:nvSpPr>
-          <p:spPr>
-            <a:xfrm rot="8268671">
-              <a:off x="1748145" y="1674563"/>
-              <a:ext cx="188192" cy="168026"/>
-            </a:xfrm>
-            <a:prstGeom prst="star4">
-              <a:avLst>
-                <a:gd name="adj" fmla="val 6689"/>
-              </a:avLst>
-            </a:prstGeom>
-            <a:solidFill>
-              <a:srgbClr val="FFC000"/>
-            </a:solidFill>
-            <a:ln w="3175">
-              <a:solidFill>
-                <a:schemeClr val="tx1"/>
-              </a:solidFill>
-            </a:ln>
-          </p:spPr>
-          <p:style>
-            <a:lnRef idx="2">
-              <a:schemeClr val="accent1">
-                <a:shade val="15000"/>
-              </a:schemeClr>
-            </a:lnRef>
-            <a:fillRef idx="1">
-              <a:schemeClr val="accent1"/>
-            </a:fillRef>
-            <a:effectRef idx="0">
-              <a:schemeClr val="accent1"/>
-            </a:effectRef>
-            <a:fontRef idx="minor">
-              <a:schemeClr val="lt1"/>
-            </a:fontRef>
-          </p:style>
-          <p:txBody>
-            <a:bodyPr rtlCol="0" anchor="ctr"/>
-            <a:lstStyle/>
-            <a:p>
-              <a:pPr algn="ctr"/>
-              <a:endParaRPr lang="en-US"/>
-            </a:p>
-          </p:txBody>
-        </p:sp>
-        <p:sp>
-          <p:nvSpPr>
-            <p:cNvPr id="126" name="4-Point Star 125">
-              <a:extLst>
-                <a:ext uri="{FF2B5EF4-FFF2-40B4-BE49-F238E27FC236}">
-                  <a16:creationId xmlns:a16="http://schemas.microsoft.com/office/drawing/2014/main" id="{203CA3CD-4D7C-C2D2-A64F-760CDC5239EA}"/>
-                </a:ext>
-              </a:extLst>
-            </p:cNvPr>
-            <p:cNvSpPr/>
-            <p:nvPr/>
-          </p:nvSpPr>
-          <p:spPr>
-            <a:xfrm rot="8268671">
-              <a:off x="2120260" y="1681013"/>
-              <a:ext cx="188192" cy="168026"/>
-            </a:xfrm>
-            <a:prstGeom prst="star4">
-              <a:avLst>
-                <a:gd name="adj" fmla="val 6689"/>
-              </a:avLst>
-            </a:prstGeom>
-            <a:solidFill>
-              <a:srgbClr val="FFC000"/>
-            </a:solidFill>
-            <a:ln w="3175">
-              <a:solidFill>
-                <a:schemeClr val="tx1"/>
-              </a:solidFill>
-            </a:ln>
-          </p:spPr>
-          <p:style>
-            <a:lnRef idx="2">
-              <a:schemeClr val="accent1">
-                <a:shade val="15000"/>
-              </a:schemeClr>
-            </a:lnRef>
-            <a:fillRef idx="1">
-              <a:schemeClr val="accent1"/>
-            </a:fillRef>
-            <a:effectRef idx="0">
-              <a:schemeClr val="accent1"/>
-            </a:effectRef>
-            <a:fontRef idx="minor">
-              <a:schemeClr val="lt1"/>
-            </a:fontRef>
-          </p:style>
-          <p:txBody>
-            <a:bodyPr rtlCol="0" anchor="ctr"/>
-            <a:lstStyle/>
-            <a:p>
-              <a:pPr algn="ctr"/>
-              <a:endParaRPr lang="en-US"/>
-            </a:p>
-          </p:txBody>
-        </p:sp>
-        <p:sp>
-          <p:nvSpPr>
-            <p:cNvPr id="127" name="TextBox 126">
-              <a:extLst>
-                <a:ext uri="{FF2B5EF4-FFF2-40B4-BE49-F238E27FC236}">
-                  <a16:creationId xmlns:a16="http://schemas.microsoft.com/office/drawing/2014/main" id="{40C5E3A1-5528-5A30-88E0-F0ED080F3AB3}"/>
-                </a:ext>
-              </a:extLst>
-            </p:cNvPr>
-            <p:cNvSpPr txBox="1"/>
-            <p:nvPr/>
-          </p:nvSpPr>
-          <p:spPr>
-            <a:xfrm>
-              <a:off x="1825644" y="1998945"/>
-              <a:ext cx="364202" cy="276999"/>
-            </a:xfrm>
-            <a:prstGeom prst="rect">
-              <a:avLst/>
-            </a:prstGeom>
-            <a:noFill/>
-          </p:spPr>
-          <p:txBody>
-            <a:bodyPr wrap="none" rtlCol="0">
-              <a:spAutoFit/>
-            </a:bodyPr>
-            <a:lstStyle/>
-            <a:p>
-              <a:r>
-                <a:rPr lang="en-US" sz="1200" dirty="0">
-                  <a:latin typeface="Times New Roman" panose="02020603050405020304" pitchFamily="18" charset="0"/>
-                  <a:cs typeface="Times New Roman" panose="02020603050405020304" pitchFamily="18" charset="0"/>
-                </a:rPr>
-                <a:t>(v)</a:t>
-              </a:r>
-            </a:p>
-          </p:txBody>
-        </p:sp>
-        <p:sp>
-          <p:nvSpPr>
-            <p:cNvPr id="128" name="TextBox 127">
-              <a:extLst>
-                <a:ext uri="{FF2B5EF4-FFF2-40B4-BE49-F238E27FC236}">
-                  <a16:creationId xmlns:a16="http://schemas.microsoft.com/office/drawing/2014/main" id="{C5C1861D-D51B-32BC-2E37-CA325BA6F948}"/>
-                </a:ext>
-              </a:extLst>
-            </p:cNvPr>
-            <p:cNvSpPr txBox="1"/>
-            <p:nvPr/>
-          </p:nvSpPr>
-          <p:spPr>
-            <a:xfrm>
-              <a:off x="955147" y="1064140"/>
-              <a:ext cx="407484" cy="276999"/>
-            </a:xfrm>
-            <a:prstGeom prst="rect">
-              <a:avLst/>
-            </a:prstGeom>
-            <a:noFill/>
-          </p:spPr>
-          <p:txBody>
-            <a:bodyPr wrap="none" rtlCol="0">
-              <a:spAutoFit/>
-            </a:bodyPr>
-            <a:lstStyle/>
-            <a:p>
-              <a:r>
-                <a:rPr lang="en-US" sz="1200" dirty="0">
-                  <a:latin typeface="Times New Roman" panose="02020603050405020304" pitchFamily="18" charset="0"/>
-                  <a:cs typeface="Times New Roman" panose="02020603050405020304" pitchFamily="18" charset="0"/>
-                </a:rPr>
-                <a:t>(vi)</a:t>
-              </a:r>
-            </a:p>
-          </p:txBody>
-        </p:sp>
-        <p:sp>
-          <p:nvSpPr>
-            <p:cNvPr id="129" name="TextBox 128">
-              <a:extLst>
-                <a:ext uri="{FF2B5EF4-FFF2-40B4-BE49-F238E27FC236}">
-                  <a16:creationId xmlns:a16="http://schemas.microsoft.com/office/drawing/2014/main" id="{5265CB81-C19E-D580-1352-2620B0CEA3D6}"/>
-                </a:ext>
-              </a:extLst>
-            </p:cNvPr>
-            <p:cNvSpPr txBox="1"/>
-            <p:nvPr/>
-          </p:nvSpPr>
-          <p:spPr>
-            <a:xfrm>
-              <a:off x="919795" y="1732061"/>
-              <a:ext cx="450764" cy="276999"/>
-            </a:xfrm>
-            <a:prstGeom prst="rect">
-              <a:avLst/>
-            </a:prstGeom>
-            <a:noFill/>
-          </p:spPr>
-          <p:txBody>
-            <a:bodyPr wrap="none" rtlCol="0">
-              <a:spAutoFit/>
-            </a:bodyPr>
-            <a:lstStyle/>
-            <a:p>
-              <a:r>
-                <a:rPr lang="en-US" sz="1200" dirty="0">
-                  <a:latin typeface="Times New Roman" panose="02020603050405020304" pitchFamily="18" charset="0"/>
-                  <a:cs typeface="Times New Roman" panose="02020603050405020304" pitchFamily="18" charset="0"/>
-                </a:rPr>
-                <a:t>(vii)</a:t>
-              </a:r>
-            </a:p>
-          </p:txBody>
-        </p:sp>
-        <p:cxnSp>
-          <p:nvCxnSpPr>
-            <p:cNvPr id="130" name="Straight Connector 129">
-              <a:extLst>
-                <a:ext uri="{FF2B5EF4-FFF2-40B4-BE49-F238E27FC236}">
-                  <a16:creationId xmlns:a16="http://schemas.microsoft.com/office/drawing/2014/main" id="{4FE22C46-6EB6-40AC-17A6-60B3C814E34B}"/>
-                </a:ext>
-              </a:extLst>
-            </p:cNvPr>
-            <p:cNvCxnSpPr>
-              <a:cxnSpLocks/>
-            </p:cNvCxnSpPr>
-            <p:nvPr/>
-          </p:nvCxnSpPr>
-          <p:spPr>
-            <a:xfrm>
-              <a:off x="1257626" y="1247708"/>
-              <a:ext cx="160067" cy="36976"/>
-            </a:xfrm>
-            <a:prstGeom prst="line">
-              <a:avLst/>
-            </a:prstGeom>
-            <a:ln w="6350">
-              <a:solidFill>
-                <a:schemeClr val="tx1"/>
-              </a:solidFill>
-            </a:ln>
-          </p:spPr>
-          <p:style>
-            <a:lnRef idx="2">
-              <a:schemeClr val="accent1"/>
-            </a:lnRef>
-            <a:fillRef idx="0">
-              <a:schemeClr val="accent1"/>
-            </a:fillRef>
-            <a:effectRef idx="1">
-              <a:schemeClr val="accent1"/>
-            </a:effectRef>
-            <a:fontRef idx="minor">
-              <a:schemeClr val="tx1"/>
-            </a:fontRef>
-          </p:style>
-        </p:cxnSp>
-        <p:cxnSp>
-          <p:nvCxnSpPr>
-            <p:cNvPr id="131" name="Straight Connector 130">
-              <a:extLst>
-                <a:ext uri="{FF2B5EF4-FFF2-40B4-BE49-F238E27FC236}">
-                  <a16:creationId xmlns:a16="http://schemas.microsoft.com/office/drawing/2014/main" id="{AA296669-72F5-D8F3-1CC5-83C16E778EF7}"/>
-                </a:ext>
-              </a:extLst>
-            </p:cNvPr>
-            <p:cNvCxnSpPr>
-              <a:cxnSpLocks/>
-            </p:cNvCxnSpPr>
-            <p:nvPr/>
-          </p:nvCxnSpPr>
-          <p:spPr>
-            <a:xfrm flipV="1">
-              <a:off x="1286654" y="1835846"/>
-              <a:ext cx="148675" cy="48171"/>
-            </a:xfrm>
-            <a:prstGeom prst="line">
-              <a:avLst/>
-            </a:prstGeom>
-            <a:ln w="6350">
-              <a:solidFill>
-                <a:schemeClr val="tx1"/>
-              </a:solidFill>
-            </a:ln>
-          </p:spPr>
-          <p:style>
-            <a:lnRef idx="2">
-              <a:schemeClr val="accent1"/>
-            </a:lnRef>
-            <a:fillRef idx="0">
-              <a:schemeClr val="accent1"/>
-            </a:fillRef>
-            <a:effectRef idx="1">
-              <a:schemeClr val="accent1"/>
-            </a:effectRef>
-            <a:fontRef idx="minor">
-              <a:schemeClr val="tx1"/>
-            </a:fontRef>
-          </p:style>
-        </p:cxnSp>
-      </p:grpSp>
-      <p:cxnSp>
-        <p:nvCxnSpPr>
-          <p:cNvPr id="152" name="Straight Connector 151">
-            <a:extLst>
-              <a:ext uri="{FF2B5EF4-FFF2-40B4-BE49-F238E27FC236}">
-                <a16:creationId xmlns:a16="http://schemas.microsoft.com/office/drawing/2014/main" id="{CA551FD4-6A5B-D2C2-DBFD-F094787E62F7}"/>
-              </a:ext>
-            </a:extLst>
-          </p:cNvPr>
-          <p:cNvCxnSpPr>
-            <a:cxnSpLocks/>
-          </p:cNvCxnSpPr>
-          <p:nvPr/>
-        </p:nvCxnSpPr>
-        <p:spPr>
-          <a:xfrm>
-            <a:off x="4063124" y="839664"/>
+            <a:off x="398184" y="1961429"/>
             <a:ext cx="72000" cy="0"/>
           </a:xfrm>
           <a:prstGeom prst="line">
@@ -11284,10 +5928,10 @@
       </p:cxnSp>
       <p:cxnSp>
         <p:nvCxnSpPr>
-          <p:cNvPr id="3" name="Straight Connector 2">
+          <p:cNvPr id="152" name="Straight Connector 151">
             <a:extLst>
               <a:ext uri="{FF2B5EF4-FFF2-40B4-BE49-F238E27FC236}">
-                <a16:creationId xmlns:a16="http://schemas.microsoft.com/office/drawing/2014/main" id="{5EB86DBA-764B-93DE-0142-1BCD9623D97D}"/>
+                <a16:creationId xmlns:a16="http://schemas.microsoft.com/office/drawing/2014/main" id="{CA551FD4-6A5B-D2C2-DBFD-F094787E62F7}"/>
               </a:ext>
             </a:extLst>
           </p:cNvPr>
@@ -11297,17 +5941,18 @@
           <p:nvPr/>
         </p:nvCxnSpPr>
         <p:spPr>
-          <a:xfrm flipH="1" flipV="1">
-            <a:off x="1510156" y="1155227"/>
-            <a:ext cx="488063" cy="493676"/>
+          <a:xfrm>
+            <a:off x="3996912" y="2175819"/>
+            <a:ext cx="72000" cy="0"/>
           </a:xfrm>
           <a:prstGeom prst="line">
             <a:avLst/>
           </a:prstGeom>
-          <a:ln w="6350">
+          <a:ln w="12700">
             <a:solidFill>
-              <a:schemeClr val="tx1"/>
+              <a:srgbClr val="FF0000"/>
             </a:solidFill>
+            <a:prstDash val="solid"/>
           </a:ln>
         </p:spPr>
         <p:style>
@@ -11325,135 +5970,306 @@
           </a:fontRef>
         </p:style>
       </p:cxnSp>
-      <p:cxnSp>
-        <p:nvCxnSpPr>
-          <p:cNvPr id="8" name="Straight Connector 7">
+      <p:sp>
+        <p:nvSpPr>
+          <p:cNvPr id="12" name="Oval 11">
             <a:extLst>
               <a:ext uri="{FF2B5EF4-FFF2-40B4-BE49-F238E27FC236}">
-                <a16:creationId xmlns:a16="http://schemas.microsoft.com/office/drawing/2014/main" id="{56FC6D6B-4681-89E6-0077-78B114E63F42}"/>
+                <a16:creationId xmlns:a16="http://schemas.microsoft.com/office/drawing/2014/main" id="{7946946A-3370-2D11-B37F-1BD7530DC0D7}"/>
               </a:ext>
             </a:extLst>
           </p:cNvPr>
-          <p:cNvCxnSpPr>
-            <a:cxnSpLocks/>
-          </p:cNvCxnSpPr>
+          <p:cNvSpPr/>
           <p:nvPr/>
-        </p:nvCxnSpPr>
+        </p:nvSpPr>
         <p:spPr>
-          <a:xfrm flipH="1" flipV="1">
-            <a:off x="1851394" y="1086815"/>
-            <a:ext cx="150507" cy="562088"/>
+          <a:xfrm>
+            <a:off x="2414933" y="1860623"/>
+            <a:ext cx="77898" cy="74863"/>
           </a:xfrm>
-          <a:prstGeom prst="line">
+          <a:prstGeom prst="ellipse">
             <a:avLst/>
           </a:prstGeom>
-          <a:ln w="6350">
-            <a:solidFill>
-              <a:schemeClr val="tx1"/>
-            </a:solidFill>
-          </a:ln>
+          <a:solidFill>
+            <a:srgbClr val="FFFF00"/>
+          </a:solidFill>
+          <a:ln w="6350"/>
         </p:spPr>
         <p:style>
           <a:lnRef idx="2">
-            <a:schemeClr val="accent1"/>
+            <a:schemeClr val="accent1">
+              <a:shade val="15000"/>
+            </a:schemeClr>
           </a:lnRef>
-          <a:fillRef idx="0">
+          <a:fillRef idx="1">
             <a:schemeClr val="accent1"/>
           </a:fillRef>
-          <a:effectRef idx="1">
+          <a:effectRef idx="0">
             <a:schemeClr val="accent1"/>
           </a:effectRef>
           <a:fontRef idx="minor">
-            <a:schemeClr val="tx1"/>
+            <a:schemeClr val="lt1"/>
           </a:fontRef>
         </p:style>
-      </p:cxnSp>
-      <p:cxnSp>
-        <p:nvCxnSpPr>
-          <p:cNvPr id="11" name="Straight Connector 10">
+        <p:txBody>
+          <a:bodyPr rtlCol="0" anchor="ctr"/>
+          <a:lstStyle/>
+          <a:p>
+            <a:pPr algn="ctr"/>
+            <a:endParaRPr lang="en-US"/>
+          </a:p>
+        </p:txBody>
+      </p:sp>
+      <p:sp>
+        <p:nvSpPr>
+          <p:cNvPr id="13" name="Oval 12">
             <a:extLst>
               <a:ext uri="{FF2B5EF4-FFF2-40B4-BE49-F238E27FC236}">
-                <a16:creationId xmlns:a16="http://schemas.microsoft.com/office/drawing/2014/main" id="{349433DA-A4ED-7A2D-606E-D1AC2C9F2A95}"/>
+                <a16:creationId xmlns:a16="http://schemas.microsoft.com/office/drawing/2014/main" id="{AFD0BFD6-2131-6F4D-B49C-6344E2C2DD92}"/>
               </a:ext>
             </a:extLst>
           </p:cNvPr>
-          <p:cNvCxnSpPr>
-            <a:cxnSpLocks/>
-          </p:cNvCxnSpPr>
+          <p:cNvSpPr/>
           <p:nvPr/>
-        </p:nvCxnSpPr>
+        </p:nvSpPr>
         <p:spPr>
-          <a:xfrm flipV="1">
-            <a:off x="2001901" y="1115253"/>
-            <a:ext cx="201897" cy="533653"/>
+          <a:xfrm>
+            <a:off x="2414933" y="1403506"/>
+            <a:ext cx="77898" cy="74863"/>
           </a:xfrm>
-          <a:prstGeom prst="line">
+          <a:prstGeom prst="ellipse">
             <a:avLst/>
           </a:prstGeom>
-          <a:ln w="6350">
-            <a:solidFill>
-              <a:schemeClr val="tx1"/>
-            </a:solidFill>
-          </a:ln>
+          <a:solidFill>
+            <a:srgbClr val="FFFF00"/>
+          </a:solidFill>
+          <a:ln w="6350"/>
         </p:spPr>
         <p:style>
           <a:lnRef idx="2">
-            <a:schemeClr val="accent1"/>
+            <a:schemeClr val="accent1">
+              <a:shade val="15000"/>
+            </a:schemeClr>
           </a:lnRef>
-          <a:fillRef idx="0">
+          <a:fillRef idx="1">
             <a:schemeClr val="accent1"/>
           </a:fillRef>
-          <a:effectRef idx="1">
+          <a:effectRef idx="0">
             <a:schemeClr val="accent1"/>
           </a:effectRef>
           <a:fontRef idx="minor">
-            <a:schemeClr val="tx1"/>
+            <a:schemeClr val="lt1"/>
           </a:fontRef>
         </p:style>
-      </p:cxnSp>
-      <p:cxnSp>
-        <p:nvCxnSpPr>
-          <p:cNvPr id="19" name="Straight Connector 18">
+        <p:txBody>
+          <a:bodyPr rtlCol="0" anchor="ctr"/>
+          <a:lstStyle/>
+          <a:p>
+            <a:pPr algn="ctr"/>
+            <a:endParaRPr lang="en-US"/>
+          </a:p>
+        </p:txBody>
+      </p:sp>
+      <p:sp>
+        <p:nvSpPr>
+          <p:cNvPr id="14" name="Oval 13">
             <a:extLst>
               <a:ext uri="{FF2B5EF4-FFF2-40B4-BE49-F238E27FC236}">
-                <a16:creationId xmlns:a16="http://schemas.microsoft.com/office/drawing/2014/main" id="{26409467-CC7C-FBA2-7EE8-D83CE72897EF}"/>
+                <a16:creationId xmlns:a16="http://schemas.microsoft.com/office/drawing/2014/main" id="{DA482F67-D1DE-20C1-C27E-5D11AB86F429}"/>
               </a:ext>
             </a:extLst>
           </p:cNvPr>
-          <p:cNvCxnSpPr>
-            <a:cxnSpLocks/>
-          </p:cNvCxnSpPr>
+          <p:cNvSpPr/>
           <p:nvPr/>
-        </p:nvCxnSpPr>
+        </p:nvSpPr>
         <p:spPr>
-          <a:xfrm flipV="1">
-            <a:off x="2001901" y="1128477"/>
-            <a:ext cx="566043" cy="516209"/>
+          <a:xfrm>
+            <a:off x="2774289" y="1859270"/>
+            <a:ext cx="77898" cy="74863"/>
           </a:xfrm>
-          <a:prstGeom prst="line">
+          <a:prstGeom prst="ellipse">
             <a:avLst/>
           </a:prstGeom>
-          <a:ln w="6350">
-            <a:solidFill>
-              <a:schemeClr val="tx1"/>
-            </a:solidFill>
-          </a:ln>
+          <a:solidFill>
+            <a:srgbClr val="FFFF00"/>
+          </a:solidFill>
+          <a:ln w="6350"/>
         </p:spPr>
         <p:style>
           <a:lnRef idx="2">
-            <a:schemeClr val="accent1"/>
+            <a:schemeClr val="accent1">
+              <a:shade val="15000"/>
+            </a:schemeClr>
           </a:lnRef>
-          <a:fillRef idx="0">
+          <a:fillRef idx="1">
             <a:schemeClr val="accent1"/>
           </a:fillRef>
-          <a:effectRef idx="1">
+          <a:effectRef idx="0">
             <a:schemeClr val="accent1"/>
           </a:effectRef>
           <a:fontRef idx="minor">
-            <a:schemeClr val="tx1"/>
+            <a:schemeClr val="lt1"/>
           </a:fontRef>
         </p:style>
-      </p:cxnSp>
+        <p:txBody>
+          <a:bodyPr rtlCol="0" anchor="ctr"/>
+          <a:lstStyle/>
+          <a:p>
+            <a:pPr algn="ctr"/>
+            <a:endParaRPr lang="en-US"/>
+          </a:p>
+        </p:txBody>
+      </p:sp>
+      <p:sp>
+        <p:nvSpPr>
+          <p:cNvPr id="15" name="Oval 14">
+            <a:extLst>
+              <a:ext uri="{FF2B5EF4-FFF2-40B4-BE49-F238E27FC236}">
+                <a16:creationId xmlns:a16="http://schemas.microsoft.com/office/drawing/2014/main" id="{6EDE46EE-BA51-D77C-405E-874A0BF74C28}"/>
+              </a:ext>
+            </a:extLst>
+          </p:cNvPr>
+          <p:cNvSpPr/>
+          <p:nvPr/>
+        </p:nvSpPr>
+        <p:spPr>
+          <a:xfrm>
+            <a:off x="2782633" y="1413944"/>
+            <a:ext cx="77898" cy="74863"/>
+          </a:xfrm>
+          <a:prstGeom prst="ellipse">
+            <a:avLst/>
+          </a:prstGeom>
+          <a:solidFill>
+            <a:srgbClr val="FFFF00"/>
+          </a:solidFill>
+          <a:ln w="6350"/>
+        </p:spPr>
+        <p:style>
+          <a:lnRef idx="2">
+            <a:schemeClr val="accent1">
+              <a:shade val="15000"/>
+            </a:schemeClr>
+          </a:lnRef>
+          <a:fillRef idx="1">
+            <a:schemeClr val="accent1"/>
+          </a:fillRef>
+          <a:effectRef idx="0">
+            <a:schemeClr val="accent1"/>
+          </a:effectRef>
+          <a:fontRef idx="minor">
+            <a:schemeClr val="lt1"/>
+          </a:fontRef>
+        </p:style>
+        <p:txBody>
+          <a:bodyPr rtlCol="0" anchor="ctr"/>
+          <a:lstStyle/>
+          <a:p>
+            <a:pPr algn="ctr"/>
+            <a:endParaRPr lang="en-US"/>
+          </a:p>
+        </p:txBody>
+      </p:sp>
+      <p:sp>
+        <p:nvSpPr>
+          <p:cNvPr id="16" name="Oval 15">
+            <a:extLst>
+              <a:ext uri="{FF2B5EF4-FFF2-40B4-BE49-F238E27FC236}">
+                <a16:creationId xmlns:a16="http://schemas.microsoft.com/office/drawing/2014/main" id="{BADC63FC-9698-719F-E467-9EBF99825A5D}"/>
+              </a:ext>
+            </a:extLst>
+          </p:cNvPr>
+          <p:cNvSpPr/>
+          <p:nvPr/>
+        </p:nvSpPr>
+        <p:spPr>
+          <a:xfrm>
+            <a:off x="3120887" y="1407646"/>
+            <a:ext cx="77898" cy="74863"/>
+          </a:xfrm>
+          <a:prstGeom prst="ellipse">
+            <a:avLst/>
+          </a:prstGeom>
+          <a:solidFill>
+            <a:srgbClr val="FFFF00"/>
+          </a:solidFill>
+          <a:ln w="6350"/>
+        </p:spPr>
+        <p:style>
+          <a:lnRef idx="2">
+            <a:schemeClr val="accent1">
+              <a:shade val="15000"/>
+            </a:schemeClr>
+          </a:lnRef>
+          <a:fillRef idx="1">
+            <a:schemeClr val="accent1"/>
+          </a:fillRef>
+          <a:effectRef idx="0">
+            <a:schemeClr val="accent1"/>
+          </a:effectRef>
+          <a:fontRef idx="minor">
+            <a:schemeClr val="lt1"/>
+          </a:fontRef>
+        </p:style>
+        <p:txBody>
+          <a:bodyPr rtlCol="0" anchor="ctr"/>
+          <a:lstStyle/>
+          <a:p>
+            <a:pPr algn="ctr"/>
+            <a:endParaRPr lang="en-US"/>
+          </a:p>
+        </p:txBody>
+      </p:sp>
+      <p:sp>
+        <p:nvSpPr>
+          <p:cNvPr id="18" name="Oval 17">
+            <a:extLst>
+              <a:ext uri="{FF2B5EF4-FFF2-40B4-BE49-F238E27FC236}">
+                <a16:creationId xmlns:a16="http://schemas.microsoft.com/office/drawing/2014/main" id="{6DB08904-3D6E-3467-6DEF-F0372770DCA5}"/>
+              </a:ext>
+            </a:extLst>
+          </p:cNvPr>
+          <p:cNvSpPr/>
+          <p:nvPr/>
+        </p:nvSpPr>
+        <p:spPr>
+          <a:xfrm>
+            <a:off x="3126234" y="1858712"/>
+            <a:ext cx="77898" cy="74863"/>
+          </a:xfrm>
+          <a:prstGeom prst="ellipse">
+            <a:avLst/>
+          </a:prstGeom>
+          <a:solidFill>
+            <a:srgbClr val="FFFF00"/>
+          </a:solidFill>
+          <a:ln w="6350"/>
+        </p:spPr>
+        <p:style>
+          <a:lnRef idx="2">
+            <a:schemeClr val="accent1">
+              <a:shade val="15000"/>
+            </a:schemeClr>
+          </a:lnRef>
+          <a:fillRef idx="1">
+            <a:schemeClr val="accent1"/>
+          </a:fillRef>
+          <a:effectRef idx="0">
+            <a:schemeClr val="accent1"/>
+          </a:effectRef>
+          <a:fontRef idx="minor">
+            <a:schemeClr val="lt1"/>
+          </a:fontRef>
+        </p:style>
+        <p:txBody>
+          <a:bodyPr rtlCol="0" anchor="ctr"/>
+          <a:lstStyle/>
+          <a:p>
+            <a:pPr algn="ctr"/>
+            <a:endParaRPr lang="en-US"/>
+          </a:p>
+        </p:txBody>
+      </p:sp>
     </p:spTree>
     <p:extLst>
       <p:ext uri="{BB962C8B-B14F-4D97-AF65-F5344CB8AC3E}">
@@ -11467,7 +6283,73 @@
 </p:sld>
 </file>
 
-<file path=ppt/slides/slide2.xml><?xml version="1.0" encoding="utf-8"?>
+<file path=ppt/slides/slide3.xml><?xml version="1.0" encoding="utf-8"?>
+<p:sld xmlns:a="http://schemas.openxmlformats.org/drawingml/2006/main" xmlns:r="http://schemas.openxmlformats.org/officeDocument/2006/relationships" xmlns:p="http://schemas.openxmlformats.org/presentationml/2006/main">
+  <p:cSld>
+    <p:spTree>
+      <p:nvGrpSpPr>
+        <p:cNvPr id="1" name=""/>
+        <p:cNvGrpSpPr/>
+        <p:nvPr/>
+      </p:nvGrpSpPr>
+      <p:grpSpPr>
+        <a:xfrm>
+          <a:off x="0" y="0"/>
+          <a:ext cx="0" cy="0"/>
+          <a:chOff x="0" y="0"/>
+          <a:chExt cx="0" cy="0"/>
+        </a:xfrm>
+      </p:grpSpPr>
+      <p:pic>
+        <p:nvPicPr>
+          <p:cNvPr id="2" name="Picture 1" descr="A diagram of a human body&#10;&#10;Description automatically generated">
+            <a:extLst>
+              <a:ext uri="{FF2B5EF4-FFF2-40B4-BE49-F238E27FC236}">
+                <a16:creationId xmlns:a16="http://schemas.microsoft.com/office/drawing/2014/main" id="{16D7B9BC-3A5A-334C-CCE1-065D7CE25164}"/>
+              </a:ext>
+            </a:extLst>
+          </p:cNvPr>
+          <p:cNvPicPr>
+            <a:picLocks noChangeAspect="1"/>
+          </p:cNvPicPr>
+          <p:nvPr/>
+        </p:nvPicPr>
+        <p:blipFill>
+          <a:blip r:embed="rId2" cstate="print">
+            <a:extLst>
+              <a:ext uri="{28A0092B-C50C-407E-A947-70E740481C1C}">
+                <a14:useLocalDpi xmlns:a14="http://schemas.microsoft.com/office/drawing/2010/main" val="0"/>
+              </a:ext>
+            </a:extLst>
+          </a:blip>
+          <a:stretch>
+            <a:fillRect/>
+          </a:stretch>
+        </p:blipFill>
+        <p:spPr>
+          <a:xfrm>
+            <a:off x="141060" y="593113"/>
+            <a:ext cx="4385219" cy="2218032"/>
+          </a:xfrm>
+          <a:prstGeom prst="rect">
+            <a:avLst/>
+          </a:prstGeom>
+        </p:spPr>
+      </p:pic>
+    </p:spTree>
+    <p:extLst>
+      <p:ext uri="{BB962C8B-B14F-4D97-AF65-F5344CB8AC3E}">
+        <p14:creationId xmlns:p14="http://schemas.microsoft.com/office/powerpoint/2010/main" val="2763547604"/>
+      </p:ext>
+    </p:extLst>
+  </p:cSld>
+  <p:clrMapOvr>
+    <a:masterClrMapping/>
+  </p:clrMapOvr>
+</p:sld>
+</file>
+
+<file path=ppt/slides/slide4.xml><?xml version="1.0" encoding="utf-8"?>
 <p:sld xmlns:a="http://schemas.openxmlformats.org/drawingml/2006/main" xmlns:r="http://schemas.openxmlformats.org/officeDocument/2006/relationships" xmlns:p="http://schemas.openxmlformats.org/presentationml/2006/main">
   <p:cSld>
     <p:spTree>
@@ -18755,7 +13637,7 @@
 </p:sld>
 </file>
 
-<file path=ppt/slides/slide3.xml><?xml version="1.0" encoding="utf-8"?>
+<file path=ppt/slides/slide5.xml><?xml version="1.0" encoding="utf-8"?>
 <p:sld xmlns:a="http://schemas.openxmlformats.org/drawingml/2006/main" xmlns:r="http://schemas.openxmlformats.org/officeDocument/2006/relationships" xmlns:p="http://schemas.openxmlformats.org/presentationml/2006/main">
   <p:cSld>
     <p:spTree>
@@ -25752,7 +20634,7 @@
 </p:sld>
 </file>
 
-<file path=ppt/slides/slide4.xml><?xml version="1.0" encoding="utf-8"?>
+<file path=ppt/slides/slide6.xml><?xml version="1.0" encoding="utf-8"?>
 <p:sld xmlns:a="http://schemas.openxmlformats.org/drawingml/2006/main" xmlns:r="http://schemas.openxmlformats.org/officeDocument/2006/relationships" xmlns:p="http://schemas.openxmlformats.org/presentationml/2006/main">
   <p:cSld>
     <p:spTree>
@@ -32966,7 +27848,7 @@
 </p:sld>
 </file>
 
-<file path=ppt/slides/slide5.xml><?xml version="1.0" encoding="utf-8"?>
+<file path=ppt/slides/slide7.xml><?xml version="1.0" encoding="utf-8"?>
 <p:sld xmlns:a="http://schemas.openxmlformats.org/drawingml/2006/main" xmlns:r="http://schemas.openxmlformats.org/officeDocument/2006/relationships" xmlns:p="http://schemas.openxmlformats.org/presentationml/2006/main" show="0">
   <p:cSld>
     <p:spTree>

--- a/Output/Pub_figs/ppt_shame_folder/Supp1_Fig1.pptx
+++ b/Output/Pub_figs/ppt_shame_folder/Supp1_Fig1.pptx
@@ -203,7 +203,7 @@
           <a:p>
             <a:fld id="{8C547A30-B33E-0F4D-80D3-447684F1AE93}" type="datetimeFigureOut">
               <a:rPr lang="en-US" smtClean="0"/>
-              <a:t>10/1/24</a:t>
+              <a:t>11/12/24</a:t>
             </a:fld>
             <a:endParaRPr lang="en-US"/>
           </a:p>
@@ -1457,7 +1457,7 @@
           <a:p>
             <a:fld id="{920285A9-D9B7-E64A-891F-D75C53CC6425}" type="datetimeFigureOut">
               <a:rPr lang="en-US" smtClean="0"/>
-              <a:t>10/1/24</a:t>
+              <a:t>11/12/24</a:t>
             </a:fld>
             <a:endParaRPr lang="en-US"/>
           </a:p>
@@ -1627,7 +1627,7 @@
           <a:p>
             <a:fld id="{920285A9-D9B7-E64A-891F-D75C53CC6425}" type="datetimeFigureOut">
               <a:rPr lang="en-US" smtClean="0"/>
-              <a:t>10/1/24</a:t>
+              <a:t>11/12/24</a:t>
             </a:fld>
             <a:endParaRPr lang="en-US"/>
           </a:p>
@@ -1807,7 +1807,7 @@
           <a:p>
             <a:fld id="{920285A9-D9B7-E64A-891F-D75C53CC6425}" type="datetimeFigureOut">
               <a:rPr lang="en-US" smtClean="0"/>
-              <a:t>10/1/24</a:t>
+              <a:t>11/12/24</a:t>
             </a:fld>
             <a:endParaRPr lang="en-US"/>
           </a:p>
@@ -1977,7 +1977,7 @@
           <a:p>
             <a:fld id="{920285A9-D9B7-E64A-891F-D75C53CC6425}" type="datetimeFigureOut">
               <a:rPr lang="en-US" smtClean="0"/>
-              <a:t>10/1/24</a:t>
+              <a:t>11/12/24</a:t>
             </a:fld>
             <a:endParaRPr lang="en-US"/>
           </a:p>
@@ -2223,7 +2223,7 @@
           <a:p>
             <a:fld id="{920285A9-D9B7-E64A-891F-D75C53CC6425}" type="datetimeFigureOut">
               <a:rPr lang="en-US" smtClean="0"/>
-              <a:t>10/1/24</a:t>
+              <a:t>11/12/24</a:t>
             </a:fld>
             <a:endParaRPr lang="en-US"/>
           </a:p>
@@ -2455,7 +2455,7 @@
           <a:p>
             <a:fld id="{920285A9-D9B7-E64A-891F-D75C53CC6425}" type="datetimeFigureOut">
               <a:rPr lang="en-US" smtClean="0"/>
-              <a:t>10/1/24</a:t>
+              <a:t>11/12/24</a:t>
             </a:fld>
             <a:endParaRPr lang="en-US"/>
           </a:p>
@@ -2822,7 +2822,7 @@
           <a:p>
             <a:fld id="{920285A9-D9B7-E64A-891F-D75C53CC6425}" type="datetimeFigureOut">
               <a:rPr lang="en-US" smtClean="0"/>
-              <a:t>10/1/24</a:t>
+              <a:t>11/12/24</a:t>
             </a:fld>
             <a:endParaRPr lang="en-US"/>
           </a:p>
@@ -2940,7 +2940,7 @@
           <a:p>
             <a:fld id="{920285A9-D9B7-E64A-891F-D75C53CC6425}" type="datetimeFigureOut">
               <a:rPr lang="en-US" smtClean="0"/>
-              <a:t>10/1/24</a:t>
+              <a:t>11/12/24</a:t>
             </a:fld>
             <a:endParaRPr lang="en-US"/>
           </a:p>
@@ -3035,7 +3035,7 @@
           <a:p>
             <a:fld id="{920285A9-D9B7-E64A-891F-D75C53CC6425}" type="datetimeFigureOut">
               <a:rPr lang="en-US" smtClean="0"/>
-              <a:t>10/1/24</a:t>
+              <a:t>11/12/24</a:t>
             </a:fld>
             <a:endParaRPr lang="en-US"/>
           </a:p>
@@ -3312,7 +3312,7 @@
           <a:p>
             <a:fld id="{920285A9-D9B7-E64A-891F-D75C53CC6425}" type="datetimeFigureOut">
               <a:rPr lang="en-US" smtClean="0"/>
-              <a:t>10/1/24</a:t>
+              <a:t>11/12/24</a:t>
             </a:fld>
             <a:endParaRPr lang="en-US"/>
           </a:p>
@@ -3569,7 +3569,7 @@
           <a:p>
             <a:fld id="{920285A9-D9B7-E64A-891F-D75C53CC6425}" type="datetimeFigureOut">
               <a:rPr lang="en-US" smtClean="0"/>
-              <a:t>10/1/24</a:t>
+              <a:t>11/12/24</a:t>
             </a:fld>
             <a:endParaRPr lang="en-US"/>
           </a:p>
@@ -3782,7 +3782,7 @@
           <a:p>
             <a:fld id="{920285A9-D9B7-E64A-891F-D75C53CC6425}" type="datetimeFigureOut">
               <a:rPr lang="en-US" smtClean="0"/>
-              <a:t>10/1/24</a:t>
+              <a:t>11/12/24</a:t>
             </a:fld>
             <a:endParaRPr lang="en-US"/>
           </a:p>
@@ -5016,6 +5016,44 @@
           </p:sp>
         </p:grpSp>
       </p:grpSp>
+      <p:sp>
+        <p:nvSpPr>
+          <p:cNvPr id="3" name="TextBox 2">
+            <a:extLst>
+              <a:ext uri="{FF2B5EF4-FFF2-40B4-BE49-F238E27FC236}">
+                <a16:creationId xmlns:a16="http://schemas.microsoft.com/office/drawing/2014/main" id="{51AAE824-ACB7-6864-EBAF-500AF4793C22}"/>
+              </a:ext>
+            </a:extLst>
+          </p:cNvPr>
+          <p:cNvSpPr txBox="1"/>
+          <p:nvPr/>
+        </p:nvSpPr>
+        <p:spPr>
+          <a:xfrm>
+            <a:off x="1849020" y="619872"/>
+            <a:ext cx="873957" cy="276999"/>
+          </a:xfrm>
+          <a:prstGeom prst="rect">
+            <a:avLst/>
+          </a:prstGeom>
+          <a:noFill/>
+        </p:spPr>
+        <p:txBody>
+          <a:bodyPr wrap="none" rtlCol="0">
+            <a:spAutoFit/>
+          </a:bodyPr>
+          <a:lstStyle/>
+          <a:p>
+            <a:r>
+              <a:rPr lang="en-US" sz="1200" dirty="0">
+                <a:latin typeface="Times New Roman" panose="02020603050405020304" pitchFamily="18" charset="0"/>
+                <a:cs typeface="Times New Roman" panose="02020603050405020304" pitchFamily="18" charset="0"/>
+              </a:rPr>
+              <a:t>Kelp forest</a:t>
+            </a:r>
+          </a:p>
+        </p:txBody>
+      </p:sp>
     </p:spTree>
     <p:extLst>
       <p:ext uri="{BB962C8B-B14F-4D97-AF65-F5344CB8AC3E}">
